--- a/img.pptx
+++ b/img.pptx
@@ -241,7 +241,7 @@
           <a:p>
             <a:fld id="{D997B5FA-0921-464F-AAE1-844C04324D75}" type="datetimeFigureOut">
               <a:rPr lang="zh-CN" altLang="en-US" smtClean="0"/>
-              <a:t>2022/11/10</a:t>
+              <a:t>2022/11/15</a:t>
             </a:fld>
             <a:endParaRPr lang="zh-CN" altLang="en-US"/>
           </a:p>
@@ -409,7 +409,7 @@
           <a:p>
             <a:fld id="{D997B5FA-0921-464F-AAE1-844C04324D75}" type="datetimeFigureOut">
               <a:rPr lang="zh-CN" altLang="en-US" smtClean="0"/>
-              <a:t>2022/11/10</a:t>
+              <a:t>2022/11/15</a:t>
             </a:fld>
             <a:endParaRPr lang="zh-CN" altLang="en-US"/>
           </a:p>
@@ -587,7 +587,7 @@
           <a:p>
             <a:fld id="{D997B5FA-0921-464F-AAE1-844C04324D75}" type="datetimeFigureOut">
               <a:rPr lang="zh-CN" altLang="en-US" smtClean="0"/>
-              <a:t>2022/11/10</a:t>
+              <a:t>2022/11/15</a:t>
             </a:fld>
             <a:endParaRPr lang="zh-CN" altLang="en-US"/>
           </a:p>
@@ -755,7 +755,7 @@
           <a:p>
             <a:fld id="{D997B5FA-0921-464F-AAE1-844C04324D75}" type="datetimeFigureOut">
               <a:rPr lang="zh-CN" altLang="en-US" smtClean="0"/>
-              <a:t>2022/11/10</a:t>
+              <a:t>2022/11/15</a:t>
             </a:fld>
             <a:endParaRPr lang="zh-CN" altLang="en-US"/>
           </a:p>
@@ -1000,7 +1000,7 @@
           <a:p>
             <a:fld id="{D997B5FA-0921-464F-AAE1-844C04324D75}" type="datetimeFigureOut">
               <a:rPr lang="zh-CN" altLang="en-US" smtClean="0"/>
-              <a:t>2022/11/10</a:t>
+              <a:t>2022/11/15</a:t>
             </a:fld>
             <a:endParaRPr lang="zh-CN" altLang="en-US"/>
           </a:p>
@@ -1229,7 +1229,7 @@
           <a:p>
             <a:fld id="{D997B5FA-0921-464F-AAE1-844C04324D75}" type="datetimeFigureOut">
               <a:rPr lang="zh-CN" altLang="en-US" smtClean="0"/>
-              <a:t>2022/11/10</a:t>
+              <a:t>2022/11/15</a:t>
             </a:fld>
             <a:endParaRPr lang="zh-CN" altLang="en-US"/>
           </a:p>
@@ -1593,7 +1593,7 @@
           <a:p>
             <a:fld id="{D997B5FA-0921-464F-AAE1-844C04324D75}" type="datetimeFigureOut">
               <a:rPr lang="zh-CN" altLang="en-US" smtClean="0"/>
-              <a:t>2022/11/10</a:t>
+              <a:t>2022/11/15</a:t>
             </a:fld>
             <a:endParaRPr lang="zh-CN" altLang="en-US"/>
           </a:p>
@@ -1710,7 +1710,7 @@
           <a:p>
             <a:fld id="{D997B5FA-0921-464F-AAE1-844C04324D75}" type="datetimeFigureOut">
               <a:rPr lang="zh-CN" altLang="en-US" smtClean="0"/>
-              <a:t>2022/11/10</a:t>
+              <a:t>2022/11/15</a:t>
             </a:fld>
             <a:endParaRPr lang="zh-CN" altLang="en-US"/>
           </a:p>
@@ -1805,7 +1805,7 @@
           <a:p>
             <a:fld id="{D997B5FA-0921-464F-AAE1-844C04324D75}" type="datetimeFigureOut">
               <a:rPr lang="zh-CN" altLang="en-US" smtClean="0"/>
-              <a:t>2022/11/10</a:t>
+              <a:t>2022/11/15</a:t>
             </a:fld>
             <a:endParaRPr lang="zh-CN" altLang="en-US"/>
           </a:p>
@@ -2080,7 +2080,7 @@
           <a:p>
             <a:fld id="{D997B5FA-0921-464F-AAE1-844C04324D75}" type="datetimeFigureOut">
               <a:rPr lang="zh-CN" altLang="en-US" smtClean="0"/>
-              <a:t>2022/11/10</a:t>
+              <a:t>2022/11/15</a:t>
             </a:fld>
             <a:endParaRPr lang="zh-CN" altLang="en-US"/>
           </a:p>
@@ -2332,7 +2332,7 @@
           <a:p>
             <a:fld id="{D997B5FA-0921-464F-AAE1-844C04324D75}" type="datetimeFigureOut">
               <a:rPr lang="zh-CN" altLang="en-US" smtClean="0"/>
-              <a:t>2022/11/10</a:t>
+              <a:t>2022/11/15</a:t>
             </a:fld>
             <a:endParaRPr lang="zh-CN" altLang="en-US"/>
           </a:p>
@@ -2543,7 +2543,7 @@
           <a:p>
             <a:fld id="{D997B5FA-0921-464F-AAE1-844C04324D75}" type="datetimeFigureOut">
               <a:rPr lang="zh-CN" altLang="en-US" smtClean="0"/>
-              <a:t>2022/11/10</a:t>
+              <a:t>2022/11/15</a:t>
             </a:fld>
             <a:endParaRPr lang="zh-CN" altLang="en-US"/>
           </a:p>
@@ -2950,10 +2950,10 @@
       </p:grpSpPr>
       <p:grpSp>
         <p:nvGrpSpPr>
-          <p:cNvPr id="12" name="组合 11">
+          <p:cNvPr id="2" name="组合 1">
             <a:extLst>
               <a:ext uri="{FF2B5EF4-FFF2-40B4-BE49-F238E27FC236}">
-                <a16:creationId xmlns:a16="http://schemas.microsoft.com/office/drawing/2014/main" id="{DEC092A9-F046-A209-B185-EC5B94C3BB6F}"/>
+                <a16:creationId xmlns:a16="http://schemas.microsoft.com/office/drawing/2014/main" id="{240A6CE4-D675-EC1B-7CC7-A245AF5A09DB}"/>
               </a:ext>
             </a:extLst>
           </p:cNvPr>
@@ -2962,7 +2962,7 @@
         </p:nvGrpSpPr>
         <p:grpSpPr>
           <a:xfrm>
-            <a:off x="452933" y="401148"/>
+            <a:off x="605333" y="553548"/>
             <a:ext cx="5990745" cy="1157468"/>
             <a:chOff x="3242432" y="945158"/>
             <a:chExt cx="5990745" cy="1157468"/>
@@ -2970,10 +2970,10 @@
         </p:grpSpPr>
         <p:sp>
           <p:nvSpPr>
-            <p:cNvPr id="5" name="文本框 4">
+            <p:cNvPr id="3" name="文本框 2">
               <a:extLst>
                 <a:ext uri="{FF2B5EF4-FFF2-40B4-BE49-F238E27FC236}">
-                  <a16:creationId xmlns:a16="http://schemas.microsoft.com/office/drawing/2014/main" id="{768A7C8D-6800-E59C-79E7-1416DB076B2F}"/>
+                  <a16:creationId xmlns:a16="http://schemas.microsoft.com/office/drawing/2014/main" id="{1386BDA5-1CA9-12A2-45AC-06673EBF63FC}"/>
                 </a:ext>
               </a:extLst>
             </p:cNvPr>
@@ -3036,10 +3036,10 @@
         </p:sp>
         <p:sp>
           <p:nvSpPr>
-            <p:cNvPr id="6" name="文本框 5">
+            <p:cNvPr id="4" name="文本框 3">
               <a:extLst>
                 <a:ext uri="{FF2B5EF4-FFF2-40B4-BE49-F238E27FC236}">
-                  <a16:creationId xmlns:a16="http://schemas.microsoft.com/office/drawing/2014/main" id="{F884A45B-6892-AB63-3428-F2469DC65793}"/>
+                  <a16:creationId xmlns:a16="http://schemas.microsoft.com/office/drawing/2014/main" id="{D35078B4-CC6E-58DC-84A8-4C9E88BD5812}"/>
                 </a:ext>
               </a:extLst>
             </p:cNvPr>
@@ -3094,10 +3094,10 @@
         </p:sp>
         <p:sp>
           <p:nvSpPr>
-            <p:cNvPr id="7" name="椭圆 6">
+            <p:cNvPr id="8" name="椭圆 7">
               <a:extLst>
                 <a:ext uri="{FF2B5EF4-FFF2-40B4-BE49-F238E27FC236}">
-                  <a16:creationId xmlns:a16="http://schemas.microsoft.com/office/drawing/2014/main" id="{19C2EB81-D119-7DDE-BF9C-93BE148D244A}"/>
+                  <a16:creationId xmlns:a16="http://schemas.microsoft.com/office/drawing/2014/main" id="{F47EFB6C-007D-E1A7-5830-DAA26C07376D}"/>
                 </a:ext>
               </a:extLst>
             </p:cNvPr>
@@ -3146,10 +3146,10 @@
         </p:sp>
         <p:cxnSp>
           <p:nvCxnSpPr>
-            <p:cNvPr id="9" name="直接箭头连接符 8">
+            <p:cNvPr id="10" name="直接箭头连接符 9">
               <a:extLst>
                 <a:ext uri="{FF2B5EF4-FFF2-40B4-BE49-F238E27FC236}">
-                  <a16:creationId xmlns:a16="http://schemas.microsoft.com/office/drawing/2014/main" id="{42737C4C-855A-7108-C774-DDF18AC88B20}"/>
+                  <a16:creationId xmlns:a16="http://schemas.microsoft.com/office/drawing/2014/main" id="{A1F7AEFF-ECD3-31BA-4C8E-FF59442B67DA}"/>
                 </a:ext>
               </a:extLst>
             </p:cNvPr>
@@ -3187,10 +3187,10 @@
         </p:cxnSp>
         <p:cxnSp>
           <p:nvCxnSpPr>
-            <p:cNvPr id="11" name="直接箭头连接符 10">
+            <p:cNvPr id="13" name="直接箭头连接符 12">
               <a:extLst>
                 <a:ext uri="{FF2B5EF4-FFF2-40B4-BE49-F238E27FC236}">
-                  <a16:creationId xmlns:a16="http://schemas.microsoft.com/office/drawing/2014/main" id="{3A44F2DB-D1CC-AE34-E174-0DF162754BD1}"/>
+                  <a16:creationId xmlns:a16="http://schemas.microsoft.com/office/drawing/2014/main" id="{2DA35240-F359-371D-856B-4AE717A0D180}"/>
                 </a:ext>
               </a:extLst>
             </p:cNvPr>
@@ -3208,6 +3208,233 @@
               <a:avLst/>
             </a:prstGeom>
             <a:ln w="19050">
+              <a:tailEnd type="triangle"/>
+            </a:ln>
+          </p:spPr>
+          <p:style>
+            <a:lnRef idx="1">
+              <a:schemeClr val="accent1"/>
+            </a:lnRef>
+            <a:fillRef idx="0">
+              <a:schemeClr val="accent1"/>
+            </a:fillRef>
+            <a:effectRef idx="0">
+              <a:schemeClr val="accent1"/>
+            </a:effectRef>
+            <a:fontRef idx="minor">
+              <a:schemeClr val="tx1"/>
+            </a:fontRef>
+          </p:style>
+        </p:cxnSp>
+      </p:grpSp>
+      <p:grpSp>
+        <p:nvGrpSpPr>
+          <p:cNvPr id="26" name="组合 25">
+            <a:extLst>
+              <a:ext uri="{FF2B5EF4-FFF2-40B4-BE49-F238E27FC236}">
+                <a16:creationId xmlns:a16="http://schemas.microsoft.com/office/drawing/2014/main" id="{89066315-F650-42EB-139C-4FBEE22938DF}"/>
+              </a:ext>
+            </a:extLst>
+          </p:cNvPr>
+          <p:cNvGrpSpPr/>
+          <p:nvPr/>
+        </p:nvGrpSpPr>
+        <p:grpSpPr>
+          <a:xfrm>
+            <a:off x="238103" y="2351539"/>
+            <a:ext cx="11953897" cy="3307263"/>
+            <a:chOff x="238103" y="2351539"/>
+            <a:chExt cx="11953897" cy="3307263"/>
+          </a:xfrm>
+        </p:grpSpPr>
+        <p:sp>
+          <p:nvSpPr>
+            <p:cNvPr id="7" name="椭圆 6">
+              <a:extLst>
+                <a:ext uri="{FF2B5EF4-FFF2-40B4-BE49-F238E27FC236}">
+                  <a16:creationId xmlns:a16="http://schemas.microsoft.com/office/drawing/2014/main" id="{19C2EB81-D119-7DDE-BF9C-93BE148D244A}"/>
+                </a:ext>
+              </a:extLst>
+            </p:cNvPr>
+            <p:cNvSpPr/>
+            <p:nvPr/>
+          </p:nvSpPr>
+          <p:spPr>
+            <a:xfrm>
+              <a:off x="4092998" y="2781598"/>
+              <a:ext cx="1933334" cy="1933334"/>
+            </a:xfrm>
+            <a:prstGeom prst="ellipse">
+              <a:avLst/>
+            </a:prstGeom>
+            <a:ln>
+              <a:noFill/>
+            </a:ln>
+          </p:spPr>
+          <p:style>
+            <a:lnRef idx="2">
+              <a:schemeClr val="accent1">
+                <a:shade val="50000"/>
+              </a:schemeClr>
+            </a:lnRef>
+            <a:fillRef idx="1">
+              <a:schemeClr val="accent1"/>
+            </a:fillRef>
+            <a:effectRef idx="0">
+              <a:schemeClr val="accent1"/>
+            </a:effectRef>
+            <a:fontRef idx="minor">
+              <a:schemeClr val="lt1"/>
+            </a:fontRef>
+          </p:style>
+          <p:txBody>
+            <a:bodyPr rtlCol="0" anchor="ctr"/>
+            <a:lstStyle/>
+            <a:p>
+              <a:pPr algn="ctr"/>
+              <a:r>
+                <a:rPr lang="zh-CN" altLang="en-US" sz="2800" dirty="0"/>
+                <a:t>编译器</a:t>
+              </a:r>
+            </a:p>
+          </p:txBody>
+        </p:sp>
+        <p:pic>
+          <p:nvPicPr>
+            <p:cNvPr id="19" name="图片 18">
+              <a:extLst>
+                <a:ext uri="{FF2B5EF4-FFF2-40B4-BE49-F238E27FC236}">
+                  <a16:creationId xmlns:a16="http://schemas.microsoft.com/office/drawing/2014/main" id="{13978D62-07C5-3908-184D-54EE3C1D71D6}"/>
+                </a:ext>
+              </a:extLst>
+            </p:cNvPr>
+            <p:cNvPicPr>
+              <a:picLocks noChangeAspect="1"/>
+            </p:cNvPicPr>
+            <p:nvPr/>
+          </p:nvPicPr>
+          <p:blipFill>
+            <a:blip r:embed="rId2">
+              <a:extLst>
+                <a:ext uri="{28A0092B-C50C-407E-A947-70E740481C1C}">
+                  <a14:useLocalDpi xmlns:a14="http://schemas.microsoft.com/office/drawing/2010/main" val="0"/>
+                </a:ext>
+              </a:extLst>
+            </a:blip>
+            <a:stretch>
+              <a:fillRect/>
+            </a:stretch>
+          </p:blipFill>
+          <p:spPr>
+            <a:xfrm>
+              <a:off x="238103" y="2351539"/>
+              <a:ext cx="3217494" cy="3307263"/>
+            </a:xfrm>
+            <a:prstGeom prst="rect">
+              <a:avLst/>
+            </a:prstGeom>
+          </p:spPr>
+        </p:pic>
+        <p:pic>
+          <p:nvPicPr>
+            <p:cNvPr id="21" name="图片 20">
+              <a:extLst>
+                <a:ext uri="{FF2B5EF4-FFF2-40B4-BE49-F238E27FC236}">
+                  <a16:creationId xmlns:a16="http://schemas.microsoft.com/office/drawing/2014/main" id="{2AF986BC-0971-E55E-DE1A-89C0519351CC}"/>
+                </a:ext>
+              </a:extLst>
+            </p:cNvPr>
+            <p:cNvPicPr>
+              <a:picLocks noChangeAspect="1"/>
+            </p:cNvPicPr>
+            <p:nvPr/>
+          </p:nvPicPr>
+          <p:blipFill>
+            <a:blip r:embed="rId3">
+              <a:extLst>
+                <a:ext uri="{28A0092B-C50C-407E-A947-70E740481C1C}">
+                  <a14:useLocalDpi xmlns:a14="http://schemas.microsoft.com/office/drawing/2010/main" val="0"/>
+                </a:ext>
+              </a:extLst>
+            </a:blip>
+            <a:stretch>
+              <a:fillRect/>
+            </a:stretch>
+          </p:blipFill>
+          <p:spPr>
+            <a:xfrm>
+              <a:off x="7331332" y="2781598"/>
+              <a:ext cx="4860668" cy="1896741"/>
+            </a:xfrm>
+            <a:prstGeom prst="rect">
+              <a:avLst/>
+            </a:prstGeom>
+          </p:spPr>
+        </p:pic>
+        <p:cxnSp>
+          <p:nvCxnSpPr>
+            <p:cNvPr id="24" name="直接箭头连接符 23">
+              <a:extLst>
+                <a:ext uri="{FF2B5EF4-FFF2-40B4-BE49-F238E27FC236}">
+                  <a16:creationId xmlns:a16="http://schemas.microsoft.com/office/drawing/2014/main" id="{E68929F3-CE5E-4AAE-7B17-07B4BE8F6F00}"/>
+                </a:ext>
+              </a:extLst>
+            </p:cNvPr>
+            <p:cNvCxnSpPr>
+              <a:cxnSpLocks/>
+            </p:cNvCxnSpPr>
+            <p:nvPr/>
+          </p:nvCxnSpPr>
+          <p:spPr>
+            <a:xfrm flipV="1">
+              <a:off x="3158117" y="3748265"/>
+              <a:ext cx="564763" cy="1"/>
+            </a:xfrm>
+            <a:prstGeom prst="straightConnector1">
+              <a:avLst/>
+            </a:prstGeom>
+            <a:ln w="38100">
+              <a:tailEnd type="triangle"/>
+            </a:ln>
+          </p:spPr>
+          <p:style>
+            <a:lnRef idx="1">
+              <a:schemeClr val="accent1"/>
+            </a:lnRef>
+            <a:fillRef idx="0">
+              <a:schemeClr val="accent1"/>
+            </a:fillRef>
+            <a:effectRef idx="0">
+              <a:schemeClr val="accent1"/>
+            </a:effectRef>
+            <a:fontRef idx="minor">
+              <a:schemeClr val="tx1"/>
+            </a:fontRef>
+          </p:style>
+        </p:cxnSp>
+        <p:cxnSp>
+          <p:nvCxnSpPr>
+            <p:cNvPr id="25" name="直接箭头连接符 24">
+              <a:extLst>
+                <a:ext uri="{FF2B5EF4-FFF2-40B4-BE49-F238E27FC236}">
+                  <a16:creationId xmlns:a16="http://schemas.microsoft.com/office/drawing/2014/main" id="{A71EDFE8-D2BD-8BE2-D9B6-54E8F6659A28}"/>
+                </a:ext>
+              </a:extLst>
+            </p:cNvPr>
+            <p:cNvCxnSpPr>
+              <a:cxnSpLocks/>
+            </p:cNvCxnSpPr>
+            <p:nvPr/>
+          </p:nvCxnSpPr>
+          <p:spPr>
+            <a:xfrm flipV="1">
+              <a:off x="6396450" y="3729967"/>
+              <a:ext cx="564763" cy="1"/>
+            </a:xfrm>
+            <a:prstGeom prst="straightConnector1">
+              <a:avLst/>
+            </a:prstGeom>
+            <a:ln w="38100">
               <a:tailEnd type="triangle"/>
             </a:ln>
           </p:spPr>

--- a/img.pptx
+++ b/img.pptx
@@ -6,6 +6,8 @@
   </p:sldMasterIdLst>
   <p:sldIdLst>
     <p:sldId id="256" r:id="rId2"/>
+    <p:sldId id="257" r:id="rId3"/>
+    <p:sldId id="258" r:id="rId4"/>
   </p:sldIdLst>
   <p:sldSz cx="12192000" cy="6858000"/>
   <p:notesSz cx="6858000" cy="9144000"/>
@@ -241,7 +243,7 @@
           <a:p>
             <a:fld id="{D997B5FA-0921-464F-AAE1-844C04324D75}" type="datetimeFigureOut">
               <a:rPr lang="zh-CN" altLang="en-US" smtClean="0"/>
-              <a:t>2022/11/15</a:t>
+              <a:t>2023/1/3</a:t>
             </a:fld>
             <a:endParaRPr lang="zh-CN" altLang="en-US"/>
           </a:p>
@@ -409,7 +411,7 @@
           <a:p>
             <a:fld id="{D997B5FA-0921-464F-AAE1-844C04324D75}" type="datetimeFigureOut">
               <a:rPr lang="zh-CN" altLang="en-US" smtClean="0"/>
-              <a:t>2022/11/15</a:t>
+              <a:t>2023/1/3</a:t>
             </a:fld>
             <a:endParaRPr lang="zh-CN" altLang="en-US"/>
           </a:p>
@@ -587,7 +589,7 @@
           <a:p>
             <a:fld id="{D997B5FA-0921-464F-AAE1-844C04324D75}" type="datetimeFigureOut">
               <a:rPr lang="zh-CN" altLang="en-US" smtClean="0"/>
-              <a:t>2022/11/15</a:t>
+              <a:t>2023/1/3</a:t>
             </a:fld>
             <a:endParaRPr lang="zh-CN" altLang="en-US"/>
           </a:p>
@@ -755,7 +757,7 @@
           <a:p>
             <a:fld id="{D997B5FA-0921-464F-AAE1-844C04324D75}" type="datetimeFigureOut">
               <a:rPr lang="zh-CN" altLang="en-US" smtClean="0"/>
-              <a:t>2022/11/15</a:t>
+              <a:t>2023/1/3</a:t>
             </a:fld>
             <a:endParaRPr lang="zh-CN" altLang="en-US"/>
           </a:p>
@@ -1000,7 +1002,7 @@
           <a:p>
             <a:fld id="{D997B5FA-0921-464F-AAE1-844C04324D75}" type="datetimeFigureOut">
               <a:rPr lang="zh-CN" altLang="en-US" smtClean="0"/>
-              <a:t>2022/11/15</a:t>
+              <a:t>2023/1/3</a:t>
             </a:fld>
             <a:endParaRPr lang="zh-CN" altLang="en-US"/>
           </a:p>
@@ -1229,7 +1231,7 @@
           <a:p>
             <a:fld id="{D997B5FA-0921-464F-AAE1-844C04324D75}" type="datetimeFigureOut">
               <a:rPr lang="zh-CN" altLang="en-US" smtClean="0"/>
-              <a:t>2022/11/15</a:t>
+              <a:t>2023/1/3</a:t>
             </a:fld>
             <a:endParaRPr lang="zh-CN" altLang="en-US"/>
           </a:p>
@@ -1593,7 +1595,7 @@
           <a:p>
             <a:fld id="{D997B5FA-0921-464F-AAE1-844C04324D75}" type="datetimeFigureOut">
               <a:rPr lang="zh-CN" altLang="en-US" smtClean="0"/>
-              <a:t>2022/11/15</a:t>
+              <a:t>2023/1/3</a:t>
             </a:fld>
             <a:endParaRPr lang="zh-CN" altLang="en-US"/>
           </a:p>
@@ -1710,7 +1712,7 @@
           <a:p>
             <a:fld id="{D997B5FA-0921-464F-AAE1-844C04324D75}" type="datetimeFigureOut">
               <a:rPr lang="zh-CN" altLang="en-US" smtClean="0"/>
-              <a:t>2022/11/15</a:t>
+              <a:t>2023/1/3</a:t>
             </a:fld>
             <a:endParaRPr lang="zh-CN" altLang="en-US"/>
           </a:p>
@@ -1805,7 +1807,7 @@
           <a:p>
             <a:fld id="{D997B5FA-0921-464F-AAE1-844C04324D75}" type="datetimeFigureOut">
               <a:rPr lang="zh-CN" altLang="en-US" smtClean="0"/>
-              <a:t>2022/11/15</a:t>
+              <a:t>2023/1/3</a:t>
             </a:fld>
             <a:endParaRPr lang="zh-CN" altLang="en-US"/>
           </a:p>
@@ -2080,7 +2082,7 @@
           <a:p>
             <a:fld id="{D997B5FA-0921-464F-AAE1-844C04324D75}" type="datetimeFigureOut">
               <a:rPr lang="zh-CN" altLang="en-US" smtClean="0"/>
-              <a:t>2022/11/15</a:t>
+              <a:t>2023/1/3</a:t>
             </a:fld>
             <a:endParaRPr lang="zh-CN" altLang="en-US"/>
           </a:p>
@@ -2332,7 +2334,7 @@
           <a:p>
             <a:fld id="{D997B5FA-0921-464F-AAE1-844C04324D75}" type="datetimeFigureOut">
               <a:rPr lang="zh-CN" altLang="en-US" smtClean="0"/>
-              <a:t>2022/11/15</a:t>
+              <a:t>2023/1/3</a:t>
             </a:fld>
             <a:endParaRPr lang="zh-CN" altLang="en-US"/>
           </a:p>
@@ -2543,7 +2545,7 @@
           <a:p>
             <a:fld id="{D997B5FA-0921-464F-AAE1-844C04324D75}" type="datetimeFigureOut">
               <a:rPr lang="zh-CN" altLang="en-US" smtClean="0"/>
-              <a:t>2022/11/15</a:t>
+              <a:t>2023/1/3</a:t>
             </a:fld>
             <a:endParaRPr lang="zh-CN" altLang="en-US"/>
           </a:p>
@@ -3467,6 +3469,1010 @@
 </p:sld>
 </file>
 
+<file path=ppt/slides/slide2.xml><?xml version="1.0" encoding="utf-8"?>
+<p:sld xmlns:a="http://schemas.openxmlformats.org/drawingml/2006/main" xmlns:r="http://schemas.openxmlformats.org/officeDocument/2006/relationships" xmlns:p="http://schemas.openxmlformats.org/presentationml/2006/main">
+  <p:cSld>
+    <p:spTree>
+      <p:nvGrpSpPr>
+        <p:cNvPr id="1" name=""/>
+        <p:cNvGrpSpPr/>
+        <p:nvPr/>
+      </p:nvGrpSpPr>
+      <p:grpSpPr>
+        <a:xfrm>
+          <a:off x="0" y="0"/>
+          <a:ext cx="0" cy="0"/>
+          <a:chOff x="0" y="0"/>
+          <a:chExt cx="0" cy="0"/>
+        </a:xfrm>
+      </p:grpSpPr>
+      <p:grpSp>
+        <p:nvGrpSpPr>
+          <p:cNvPr id="28" name="组合 27">
+            <a:extLst>
+              <a:ext uri="{FF2B5EF4-FFF2-40B4-BE49-F238E27FC236}">
+                <a16:creationId xmlns:a16="http://schemas.microsoft.com/office/drawing/2014/main" id="{2347AC97-763D-FF76-A3BF-B76273432951}"/>
+              </a:ext>
+            </a:extLst>
+          </p:cNvPr>
+          <p:cNvGrpSpPr/>
+          <p:nvPr/>
+        </p:nvGrpSpPr>
+        <p:grpSpPr>
+          <a:xfrm>
+            <a:off x="492497" y="650788"/>
+            <a:ext cx="9275520" cy="2084171"/>
+            <a:chOff x="492497" y="650788"/>
+            <a:chExt cx="9275520" cy="2084171"/>
+          </a:xfrm>
+        </p:grpSpPr>
+        <p:pic>
+          <p:nvPicPr>
+            <p:cNvPr id="6" name="图片 5">
+              <a:extLst>
+                <a:ext uri="{FF2B5EF4-FFF2-40B4-BE49-F238E27FC236}">
+                  <a16:creationId xmlns:a16="http://schemas.microsoft.com/office/drawing/2014/main" id="{13C7056D-34E8-7B06-C6C5-4BA8064DD528}"/>
+                </a:ext>
+              </a:extLst>
+            </p:cNvPr>
+            <p:cNvPicPr>
+              <a:picLocks noChangeAspect="1"/>
+            </p:cNvPicPr>
+            <p:nvPr/>
+          </p:nvPicPr>
+          <p:blipFill rotWithShape="1">
+            <a:blip r:embed="rId2" cstate="print">
+              <a:extLst>
+                <a:ext uri="{28A0092B-C50C-407E-A947-70E740481C1C}">
+                  <a14:useLocalDpi xmlns:a14="http://schemas.microsoft.com/office/drawing/2010/main" val="0"/>
+                </a:ext>
+              </a:extLst>
+            </a:blip>
+            <a:srcRect l="7502" t="18088" r="7219" b="17408"/>
+            <a:stretch/>
+          </p:blipFill>
+          <p:spPr>
+            <a:xfrm>
+              <a:off x="2825578" y="1190367"/>
+              <a:ext cx="2706705" cy="848497"/>
+            </a:xfrm>
+            <a:prstGeom prst="rect">
+              <a:avLst/>
+            </a:prstGeom>
+          </p:spPr>
+        </p:pic>
+        <p:sp>
+          <p:nvSpPr>
+            <p:cNvPr id="12" name="矩形: 圆角 11">
+              <a:extLst>
+                <a:ext uri="{FF2B5EF4-FFF2-40B4-BE49-F238E27FC236}">
+                  <a16:creationId xmlns:a16="http://schemas.microsoft.com/office/drawing/2014/main" id="{F7CB094D-F582-339C-A764-51BF36F65D9C}"/>
+                </a:ext>
+              </a:extLst>
+            </p:cNvPr>
+            <p:cNvSpPr/>
+            <p:nvPr/>
+          </p:nvSpPr>
+          <p:spPr>
+            <a:xfrm>
+              <a:off x="492497" y="1318054"/>
+              <a:ext cx="1787612" cy="593124"/>
+            </a:xfrm>
+            <a:prstGeom prst="roundRect">
+              <a:avLst/>
+            </a:prstGeom>
+            <a:ln>
+              <a:noFill/>
+            </a:ln>
+          </p:spPr>
+          <p:style>
+            <a:lnRef idx="2">
+              <a:schemeClr val="accent1">
+                <a:shade val="50000"/>
+              </a:schemeClr>
+            </a:lnRef>
+            <a:fillRef idx="1">
+              <a:schemeClr val="accent1"/>
+            </a:fillRef>
+            <a:effectRef idx="0">
+              <a:schemeClr val="accent1"/>
+            </a:effectRef>
+            <a:fontRef idx="minor">
+              <a:schemeClr val="lt1"/>
+            </a:fontRef>
+          </p:style>
+          <p:txBody>
+            <a:bodyPr rtlCol="0" anchor="ctr"/>
+            <a:lstStyle/>
+            <a:p>
+              <a:pPr algn="ctr"/>
+              <a:r>
+                <a:rPr lang="zh-CN" altLang="en-US" dirty="0"/>
+                <a:t>执行</a:t>
+              </a:r>
+              <a:r>
+                <a:rPr lang="en-US" altLang="zh-CN" dirty="0"/>
+                <a:t>effect()</a:t>
+              </a:r>
+              <a:endParaRPr lang="zh-CN" altLang="en-US" dirty="0"/>
+            </a:p>
+          </p:txBody>
+        </p:sp>
+        <p:sp>
+          <p:nvSpPr>
+            <p:cNvPr id="14" name="矩形: 圆角 13">
+              <a:extLst>
+                <a:ext uri="{FF2B5EF4-FFF2-40B4-BE49-F238E27FC236}">
+                  <a16:creationId xmlns:a16="http://schemas.microsoft.com/office/drawing/2014/main" id="{CAC0BFD7-4E8E-9144-91B8-99CE49A954DF}"/>
+                </a:ext>
+              </a:extLst>
+            </p:cNvPr>
+            <p:cNvSpPr/>
+            <p:nvPr/>
+          </p:nvSpPr>
+          <p:spPr>
+            <a:xfrm>
+              <a:off x="6077752" y="1318054"/>
+              <a:ext cx="1754660" cy="593124"/>
+            </a:xfrm>
+            <a:prstGeom prst="roundRect">
+              <a:avLst/>
+            </a:prstGeom>
+            <a:ln>
+              <a:noFill/>
+            </a:ln>
+          </p:spPr>
+          <p:style>
+            <a:lnRef idx="2">
+              <a:schemeClr val="accent1">
+                <a:shade val="50000"/>
+              </a:schemeClr>
+            </a:lnRef>
+            <a:fillRef idx="1">
+              <a:schemeClr val="accent1"/>
+            </a:fillRef>
+            <a:effectRef idx="0">
+              <a:schemeClr val="accent1"/>
+            </a:effectRef>
+            <a:fontRef idx="minor">
+              <a:schemeClr val="lt1"/>
+            </a:fontRef>
+          </p:style>
+          <p:txBody>
+            <a:bodyPr rtlCol="0" anchor="ctr"/>
+            <a:lstStyle/>
+            <a:p>
+              <a:pPr algn="ctr"/>
+              <a:r>
+                <a:rPr lang="zh-CN" altLang="en-US" dirty="0"/>
+                <a:t>触发读取操作</a:t>
+              </a:r>
+            </a:p>
+          </p:txBody>
+        </p:sp>
+        <p:sp>
+          <p:nvSpPr>
+            <p:cNvPr id="15" name="流程图: 磁盘 14">
+              <a:extLst>
+                <a:ext uri="{FF2B5EF4-FFF2-40B4-BE49-F238E27FC236}">
+                  <a16:creationId xmlns:a16="http://schemas.microsoft.com/office/drawing/2014/main" id="{07A3EB32-6B31-5610-4268-B9BCF05D3A6C}"/>
+                </a:ext>
+              </a:extLst>
+            </p:cNvPr>
+            <p:cNvSpPr/>
+            <p:nvPr/>
+          </p:nvSpPr>
+          <p:spPr>
+            <a:xfrm>
+              <a:off x="8414952" y="1118285"/>
+              <a:ext cx="951470" cy="992660"/>
+            </a:xfrm>
+            <a:prstGeom prst="flowChartMagneticDisk">
+              <a:avLst/>
+            </a:prstGeom>
+          </p:spPr>
+          <p:style>
+            <a:lnRef idx="2">
+              <a:schemeClr val="accent1">
+                <a:shade val="50000"/>
+              </a:schemeClr>
+            </a:lnRef>
+            <a:fillRef idx="1">
+              <a:schemeClr val="accent1"/>
+            </a:fillRef>
+            <a:effectRef idx="0">
+              <a:schemeClr val="accent1"/>
+            </a:effectRef>
+            <a:fontRef idx="minor">
+              <a:schemeClr val="lt1"/>
+            </a:fontRef>
+          </p:style>
+          <p:txBody>
+            <a:bodyPr rtlCol="0" anchor="ctr"/>
+            <a:lstStyle/>
+            <a:p>
+              <a:pPr algn="ctr"/>
+              <a:r>
+                <a:rPr lang="en-US" altLang="zh-CN" dirty="0">
+                  <a:highlight>
+                    <a:srgbClr val="00FFFF"/>
+                  </a:highlight>
+                </a:rPr>
+                <a:t>effect()</a:t>
+              </a:r>
+              <a:endParaRPr lang="zh-CN" altLang="en-US" dirty="0">
+                <a:highlight>
+                  <a:srgbClr val="00FFFF"/>
+                </a:highlight>
+              </a:endParaRPr>
+            </a:p>
+          </p:txBody>
+        </p:sp>
+        <p:sp>
+          <p:nvSpPr>
+            <p:cNvPr id="16" name="矩形: 圆角 15">
+              <a:extLst>
+                <a:ext uri="{FF2B5EF4-FFF2-40B4-BE49-F238E27FC236}">
+                  <a16:creationId xmlns:a16="http://schemas.microsoft.com/office/drawing/2014/main" id="{25B0F6EE-0640-9736-DAC9-42627CE902D1}"/>
+                </a:ext>
+              </a:extLst>
+            </p:cNvPr>
+            <p:cNvSpPr/>
+            <p:nvPr/>
+          </p:nvSpPr>
+          <p:spPr>
+            <a:xfrm>
+              <a:off x="8013357" y="650788"/>
+              <a:ext cx="1754660" cy="374821"/>
+            </a:xfrm>
+            <a:prstGeom prst="roundRect">
+              <a:avLst/>
+            </a:prstGeom>
+            <a:ln>
+              <a:noFill/>
+            </a:ln>
+          </p:spPr>
+          <p:style>
+            <a:lnRef idx="2">
+              <a:schemeClr val="accent1">
+                <a:shade val="50000"/>
+              </a:schemeClr>
+            </a:lnRef>
+            <a:fillRef idx="1">
+              <a:schemeClr val="accent1"/>
+            </a:fillRef>
+            <a:effectRef idx="0">
+              <a:schemeClr val="accent1"/>
+            </a:effectRef>
+            <a:fontRef idx="minor">
+              <a:schemeClr val="lt1"/>
+            </a:fontRef>
+          </p:style>
+          <p:txBody>
+            <a:bodyPr rtlCol="0" anchor="ctr"/>
+            <a:lstStyle/>
+            <a:p>
+              <a:pPr algn="ctr"/>
+              <a:r>
+                <a:rPr lang="zh-CN" altLang="en-US" sz="1200" dirty="0"/>
+                <a:t>存储副作用函数的桶</a:t>
+              </a:r>
+            </a:p>
+          </p:txBody>
+        </p:sp>
+        <p:cxnSp>
+          <p:nvCxnSpPr>
+            <p:cNvPr id="20" name="直接箭头连接符 19">
+              <a:extLst>
+                <a:ext uri="{FF2B5EF4-FFF2-40B4-BE49-F238E27FC236}">
+                  <a16:creationId xmlns:a16="http://schemas.microsoft.com/office/drawing/2014/main" id="{547CD0A4-D6B1-D941-5A5A-EE094B2C865F}"/>
+                </a:ext>
+              </a:extLst>
+            </p:cNvPr>
+            <p:cNvCxnSpPr>
+              <a:stCxn id="12" idx="3"/>
+              <a:endCxn id="6" idx="1"/>
+            </p:cNvCxnSpPr>
+            <p:nvPr/>
+          </p:nvCxnSpPr>
+          <p:spPr>
+            <a:xfrm>
+              <a:off x="2280109" y="1614616"/>
+              <a:ext cx="545469" cy="0"/>
+            </a:xfrm>
+            <a:prstGeom prst="straightConnector1">
+              <a:avLst/>
+            </a:prstGeom>
+            <a:ln w="38100">
+              <a:tailEnd type="triangle"/>
+            </a:ln>
+          </p:spPr>
+          <p:style>
+            <a:lnRef idx="1">
+              <a:schemeClr val="accent1"/>
+            </a:lnRef>
+            <a:fillRef idx="0">
+              <a:schemeClr val="accent1"/>
+            </a:fillRef>
+            <a:effectRef idx="0">
+              <a:schemeClr val="accent1"/>
+            </a:effectRef>
+            <a:fontRef idx="minor">
+              <a:schemeClr val="tx1"/>
+            </a:fontRef>
+          </p:style>
+        </p:cxnSp>
+        <p:cxnSp>
+          <p:nvCxnSpPr>
+            <p:cNvPr id="22" name="直接箭头连接符 21">
+              <a:extLst>
+                <a:ext uri="{FF2B5EF4-FFF2-40B4-BE49-F238E27FC236}">
+                  <a16:creationId xmlns:a16="http://schemas.microsoft.com/office/drawing/2014/main" id="{ECAE25C7-D11A-128D-EB2F-1AB19CF15380}"/>
+                </a:ext>
+              </a:extLst>
+            </p:cNvPr>
+            <p:cNvCxnSpPr/>
+            <p:nvPr/>
+          </p:nvCxnSpPr>
+          <p:spPr>
+            <a:xfrm>
+              <a:off x="5532283" y="1614616"/>
+              <a:ext cx="545469" cy="0"/>
+            </a:xfrm>
+            <a:prstGeom prst="straightConnector1">
+              <a:avLst/>
+            </a:prstGeom>
+            <a:ln w="38100">
+              <a:tailEnd type="triangle"/>
+            </a:ln>
+          </p:spPr>
+          <p:style>
+            <a:lnRef idx="1">
+              <a:schemeClr val="accent1"/>
+            </a:lnRef>
+            <a:fillRef idx="0">
+              <a:schemeClr val="accent1"/>
+            </a:fillRef>
+            <a:effectRef idx="0">
+              <a:schemeClr val="accent1"/>
+            </a:effectRef>
+            <a:fontRef idx="minor">
+              <a:schemeClr val="tx1"/>
+            </a:fontRef>
+          </p:style>
+        </p:cxnSp>
+        <p:cxnSp>
+          <p:nvCxnSpPr>
+            <p:cNvPr id="23" name="直接箭头连接符 22">
+              <a:extLst>
+                <a:ext uri="{FF2B5EF4-FFF2-40B4-BE49-F238E27FC236}">
+                  <a16:creationId xmlns:a16="http://schemas.microsoft.com/office/drawing/2014/main" id="{162A178B-B39F-85C2-7314-1C0DDE92C617}"/>
+                </a:ext>
+              </a:extLst>
+            </p:cNvPr>
+            <p:cNvCxnSpPr/>
+            <p:nvPr/>
+          </p:nvCxnSpPr>
+          <p:spPr>
+            <a:xfrm>
+              <a:off x="7832412" y="1614615"/>
+              <a:ext cx="545469" cy="0"/>
+            </a:xfrm>
+            <a:prstGeom prst="straightConnector1">
+              <a:avLst/>
+            </a:prstGeom>
+            <a:ln w="38100">
+              <a:tailEnd type="triangle"/>
+            </a:ln>
+          </p:spPr>
+          <p:style>
+            <a:lnRef idx="1">
+              <a:schemeClr val="accent1"/>
+            </a:lnRef>
+            <a:fillRef idx="0">
+              <a:schemeClr val="accent1"/>
+            </a:fillRef>
+            <a:effectRef idx="0">
+              <a:schemeClr val="accent1"/>
+            </a:effectRef>
+            <a:fontRef idx="minor">
+              <a:schemeClr val="tx1"/>
+            </a:fontRef>
+          </p:style>
+        </p:cxnSp>
+        <p:sp>
+          <p:nvSpPr>
+            <p:cNvPr id="27" name="矩形: 圆角 26">
+              <a:extLst>
+                <a:ext uri="{FF2B5EF4-FFF2-40B4-BE49-F238E27FC236}">
+                  <a16:creationId xmlns:a16="http://schemas.microsoft.com/office/drawing/2014/main" id="{E5ACBFE8-4B20-5993-9ADE-6FB35D53CD14}"/>
+                </a:ext>
+              </a:extLst>
+            </p:cNvPr>
+            <p:cNvSpPr/>
+            <p:nvPr/>
+          </p:nvSpPr>
+          <p:spPr>
+            <a:xfrm>
+              <a:off x="492497" y="2224216"/>
+              <a:ext cx="8873925" cy="510743"/>
+            </a:xfrm>
+            <a:prstGeom prst="roundRect">
+              <a:avLst/>
+            </a:prstGeom>
+            <a:ln>
+              <a:noFill/>
+            </a:ln>
+          </p:spPr>
+          <p:style>
+            <a:lnRef idx="2">
+              <a:schemeClr val="accent1">
+                <a:shade val="50000"/>
+              </a:schemeClr>
+            </a:lnRef>
+            <a:fillRef idx="1">
+              <a:schemeClr val="accent1"/>
+            </a:fillRef>
+            <a:effectRef idx="0">
+              <a:schemeClr val="accent1"/>
+            </a:effectRef>
+            <a:fontRef idx="minor">
+              <a:schemeClr val="lt1"/>
+            </a:fontRef>
+          </p:style>
+          <p:txBody>
+            <a:bodyPr rtlCol="0" anchor="ctr"/>
+            <a:lstStyle/>
+            <a:p>
+              <a:pPr algn="ctr"/>
+              <a:r>
+                <a:rPr lang="zh-CN" altLang="en-US" dirty="0"/>
+                <a:t>将副作用函数存储到桶中</a:t>
+              </a:r>
+            </a:p>
+          </p:txBody>
+        </p:sp>
+      </p:grpSp>
+      <p:grpSp>
+        <p:nvGrpSpPr>
+          <p:cNvPr id="43" name="组合 42">
+            <a:extLst>
+              <a:ext uri="{FF2B5EF4-FFF2-40B4-BE49-F238E27FC236}">
+                <a16:creationId xmlns:a16="http://schemas.microsoft.com/office/drawing/2014/main" id="{EE93C6DE-C6B7-F150-B486-584292E27791}"/>
+              </a:ext>
+            </a:extLst>
+          </p:cNvPr>
+          <p:cNvGrpSpPr/>
+          <p:nvPr/>
+        </p:nvGrpSpPr>
+        <p:grpSpPr>
+          <a:xfrm>
+            <a:off x="455425" y="3344558"/>
+            <a:ext cx="8910997" cy="2145966"/>
+            <a:chOff x="455425" y="3344558"/>
+            <a:chExt cx="8910997" cy="2145966"/>
+          </a:xfrm>
+        </p:grpSpPr>
+        <p:grpSp>
+          <p:nvGrpSpPr>
+            <p:cNvPr id="41" name="组合 40">
+              <a:extLst>
+                <a:ext uri="{FF2B5EF4-FFF2-40B4-BE49-F238E27FC236}">
+                  <a16:creationId xmlns:a16="http://schemas.microsoft.com/office/drawing/2014/main" id="{3C3A9C93-D6BB-E173-1A54-293CE18121AD}"/>
+                </a:ext>
+              </a:extLst>
+            </p:cNvPr>
+            <p:cNvGrpSpPr/>
+            <p:nvPr/>
+          </p:nvGrpSpPr>
+          <p:grpSpPr>
+            <a:xfrm>
+              <a:off x="5281544" y="3344558"/>
+              <a:ext cx="1754660" cy="1460157"/>
+              <a:chOff x="8013357" y="3237471"/>
+              <a:chExt cx="1754660" cy="1460157"/>
+            </a:xfrm>
+          </p:grpSpPr>
+          <p:sp>
+            <p:nvSpPr>
+              <p:cNvPr id="33" name="流程图: 磁盘 32">
+                <a:extLst>
+                  <a:ext uri="{FF2B5EF4-FFF2-40B4-BE49-F238E27FC236}">
+                    <a16:creationId xmlns:a16="http://schemas.microsoft.com/office/drawing/2014/main" id="{3DF6203D-D8DF-2A6A-7F7C-227D6CB6F423}"/>
+                  </a:ext>
+                </a:extLst>
+              </p:cNvPr>
+              <p:cNvSpPr/>
+              <p:nvPr/>
+            </p:nvSpPr>
+            <p:spPr>
+              <a:xfrm>
+                <a:off x="8414952" y="3704968"/>
+                <a:ext cx="951470" cy="992660"/>
+              </a:xfrm>
+              <a:prstGeom prst="flowChartMagneticDisk">
+                <a:avLst/>
+              </a:prstGeom>
+            </p:spPr>
+            <p:style>
+              <a:lnRef idx="2">
+                <a:schemeClr val="accent1">
+                  <a:shade val="50000"/>
+                </a:schemeClr>
+              </a:lnRef>
+              <a:fillRef idx="1">
+                <a:schemeClr val="accent1"/>
+              </a:fillRef>
+              <a:effectRef idx="0">
+                <a:schemeClr val="accent1"/>
+              </a:effectRef>
+              <a:fontRef idx="minor">
+                <a:schemeClr val="lt1"/>
+              </a:fontRef>
+            </p:style>
+            <p:txBody>
+              <a:bodyPr rtlCol="0" anchor="ctr"/>
+              <a:lstStyle/>
+              <a:p>
+                <a:pPr algn="ctr"/>
+                <a:r>
+                  <a:rPr lang="en-US" altLang="zh-CN" dirty="0">
+                    <a:highlight>
+                      <a:srgbClr val="00FFFF"/>
+                    </a:highlight>
+                  </a:rPr>
+                  <a:t>effect()</a:t>
+                </a:r>
+                <a:endParaRPr lang="zh-CN" altLang="en-US" dirty="0">
+                  <a:highlight>
+                    <a:srgbClr val="00FFFF"/>
+                  </a:highlight>
+                </a:endParaRPr>
+              </a:p>
+            </p:txBody>
+          </p:sp>
+          <p:sp>
+            <p:nvSpPr>
+              <p:cNvPr id="34" name="矩形: 圆角 33">
+                <a:extLst>
+                  <a:ext uri="{FF2B5EF4-FFF2-40B4-BE49-F238E27FC236}">
+                    <a16:creationId xmlns:a16="http://schemas.microsoft.com/office/drawing/2014/main" id="{8C34BD13-273C-5F91-8AD6-94FB450F5E23}"/>
+                  </a:ext>
+                </a:extLst>
+              </p:cNvPr>
+              <p:cNvSpPr/>
+              <p:nvPr/>
+            </p:nvSpPr>
+            <p:spPr>
+              <a:xfrm>
+                <a:off x="8013357" y="3237471"/>
+                <a:ext cx="1754660" cy="374821"/>
+              </a:xfrm>
+              <a:prstGeom prst="roundRect">
+                <a:avLst/>
+              </a:prstGeom>
+              <a:ln>
+                <a:noFill/>
+              </a:ln>
+            </p:spPr>
+            <p:style>
+              <a:lnRef idx="2">
+                <a:schemeClr val="accent1">
+                  <a:shade val="50000"/>
+                </a:schemeClr>
+              </a:lnRef>
+              <a:fillRef idx="1">
+                <a:schemeClr val="accent1"/>
+              </a:fillRef>
+              <a:effectRef idx="0">
+                <a:schemeClr val="accent1"/>
+              </a:effectRef>
+              <a:fontRef idx="minor">
+                <a:schemeClr val="lt1"/>
+              </a:fontRef>
+            </p:style>
+            <p:txBody>
+              <a:bodyPr rtlCol="0" anchor="ctr"/>
+              <a:lstStyle/>
+              <a:p>
+                <a:pPr algn="ctr"/>
+                <a:r>
+                  <a:rPr lang="zh-CN" altLang="en-US" sz="1200" dirty="0"/>
+                  <a:t>存储副作用函数的桶</a:t>
+                </a:r>
+              </a:p>
+            </p:txBody>
+          </p:sp>
+        </p:grpSp>
+        <p:cxnSp>
+          <p:nvCxnSpPr>
+            <p:cNvPr id="35" name="直接箭头连接符 34">
+              <a:extLst>
+                <a:ext uri="{FF2B5EF4-FFF2-40B4-BE49-F238E27FC236}">
+                  <a16:creationId xmlns:a16="http://schemas.microsoft.com/office/drawing/2014/main" id="{0F2DABBA-3BB1-D335-E16A-42196EF2E7D9}"/>
+                </a:ext>
+              </a:extLst>
+            </p:cNvPr>
+            <p:cNvCxnSpPr>
+              <a:cxnSpLocks/>
+            </p:cNvCxnSpPr>
+            <p:nvPr/>
+          </p:nvCxnSpPr>
+          <p:spPr>
+            <a:xfrm>
+              <a:off x="2280109" y="4201299"/>
+              <a:ext cx="545469" cy="0"/>
+            </a:xfrm>
+            <a:prstGeom prst="straightConnector1">
+              <a:avLst/>
+            </a:prstGeom>
+            <a:ln w="38100">
+              <a:tailEnd type="triangle"/>
+            </a:ln>
+          </p:spPr>
+          <p:style>
+            <a:lnRef idx="1">
+              <a:schemeClr val="accent1"/>
+            </a:lnRef>
+            <a:fillRef idx="0">
+              <a:schemeClr val="accent1"/>
+            </a:fillRef>
+            <a:effectRef idx="0">
+              <a:schemeClr val="accent1"/>
+            </a:effectRef>
+            <a:fontRef idx="minor">
+              <a:schemeClr val="tx1"/>
+            </a:fontRef>
+          </p:style>
+        </p:cxnSp>
+        <p:cxnSp>
+          <p:nvCxnSpPr>
+            <p:cNvPr id="36" name="直接箭头连接符 35">
+              <a:extLst>
+                <a:ext uri="{FF2B5EF4-FFF2-40B4-BE49-F238E27FC236}">
+                  <a16:creationId xmlns:a16="http://schemas.microsoft.com/office/drawing/2014/main" id="{3359A079-9B18-BE8C-9FFE-11B86B386000}"/>
+                </a:ext>
+              </a:extLst>
+            </p:cNvPr>
+            <p:cNvCxnSpPr/>
+            <p:nvPr/>
+          </p:nvCxnSpPr>
+          <p:spPr>
+            <a:xfrm>
+              <a:off x="4779808" y="4201299"/>
+              <a:ext cx="545469" cy="0"/>
+            </a:xfrm>
+            <a:prstGeom prst="straightConnector1">
+              <a:avLst/>
+            </a:prstGeom>
+            <a:ln w="38100">
+              <a:tailEnd type="triangle"/>
+            </a:ln>
+          </p:spPr>
+          <p:style>
+            <a:lnRef idx="1">
+              <a:schemeClr val="accent1"/>
+            </a:lnRef>
+            <a:fillRef idx="0">
+              <a:schemeClr val="accent1"/>
+            </a:fillRef>
+            <a:effectRef idx="0">
+              <a:schemeClr val="accent1"/>
+            </a:effectRef>
+            <a:fontRef idx="minor">
+              <a:schemeClr val="tx1"/>
+            </a:fontRef>
+          </p:style>
+        </p:cxnSp>
+        <p:cxnSp>
+          <p:nvCxnSpPr>
+            <p:cNvPr id="37" name="直接箭头连接符 36">
+              <a:extLst>
+                <a:ext uri="{FF2B5EF4-FFF2-40B4-BE49-F238E27FC236}">
+                  <a16:creationId xmlns:a16="http://schemas.microsoft.com/office/drawing/2014/main" id="{10E639C1-0400-0D4D-BE3B-9DD67D8F6F26}"/>
+                </a:ext>
+              </a:extLst>
+            </p:cNvPr>
+            <p:cNvCxnSpPr/>
+            <p:nvPr/>
+          </p:nvCxnSpPr>
+          <p:spPr>
+            <a:xfrm>
+              <a:off x="6955082" y="4201299"/>
+              <a:ext cx="545469" cy="0"/>
+            </a:xfrm>
+            <a:prstGeom prst="straightConnector1">
+              <a:avLst/>
+            </a:prstGeom>
+            <a:ln w="38100">
+              <a:tailEnd type="triangle"/>
+            </a:ln>
+          </p:spPr>
+          <p:style>
+            <a:lnRef idx="1">
+              <a:schemeClr val="accent1"/>
+            </a:lnRef>
+            <a:fillRef idx="0">
+              <a:schemeClr val="accent1"/>
+            </a:fillRef>
+            <a:effectRef idx="0">
+              <a:schemeClr val="accent1"/>
+            </a:effectRef>
+            <a:fontRef idx="minor">
+              <a:schemeClr val="tx1"/>
+            </a:fontRef>
+          </p:style>
+        </p:cxnSp>
+        <p:sp>
+          <p:nvSpPr>
+            <p:cNvPr id="38" name="矩形: 圆角 37">
+              <a:extLst>
+                <a:ext uri="{FF2B5EF4-FFF2-40B4-BE49-F238E27FC236}">
+                  <a16:creationId xmlns:a16="http://schemas.microsoft.com/office/drawing/2014/main" id="{09F0F2AB-0FF0-3094-E4B1-A2374335A22E}"/>
+                </a:ext>
+              </a:extLst>
+            </p:cNvPr>
+            <p:cNvSpPr/>
+            <p:nvPr/>
+          </p:nvSpPr>
+          <p:spPr>
+            <a:xfrm>
+              <a:off x="455425" y="4979781"/>
+              <a:ext cx="8910997" cy="510743"/>
+            </a:xfrm>
+            <a:prstGeom prst="roundRect">
+              <a:avLst/>
+            </a:prstGeom>
+            <a:ln>
+              <a:noFill/>
+            </a:ln>
+          </p:spPr>
+          <p:style>
+            <a:lnRef idx="2">
+              <a:schemeClr val="accent1">
+                <a:shade val="50000"/>
+              </a:schemeClr>
+            </a:lnRef>
+            <a:fillRef idx="1">
+              <a:schemeClr val="accent1"/>
+            </a:fillRef>
+            <a:effectRef idx="0">
+              <a:schemeClr val="accent1"/>
+            </a:effectRef>
+            <a:fontRef idx="minor">
+              <a:schemeClr val="lt1"/>
+            </a:fontRef>
+          </p:style>
+          <p:txBody>
+            <a:bodyPr rtlCol="0" anchor="ctr"/>
+            <a:lstStyle/>
+            <a:p>
+              <a:pPr algn="ctr"/>
+              <a:r>
+                <a:rPr lang="zh-CN" altLang="en-US" dirty="0"/>
+                <a:t>将副作用函数从桶中取出并执行</a:t>
+              </a:r>
+            </a:p>
+          </p:txBody>
+        </p:sp>
+        <p:pic>
+          <p:nvPicPr>
+            <p:cNvPr id="39" name="图片 38">
+              <a:extLst>
+                <a:ext uri="{FF2B5EF4-FFF2-40B4-BE49-F238E27FC236}">
+                  <a16:creationId xmlns:a16="http://schemas.microsoft.com/office/drawing/2014/main" id="{22E201BB-36AB-CCF3-78C8-911C88AE08C7}"/>
+                </a:ext>
+              </a:extLst>
+            </p:cNvPr>
+            <p:cNvPicPr>
+              <a:picLocks noChangeAspect="1"/>
+            </p:cNvPicPr>
+            <p:nvPr/>
+          </p:nvPicPr>
+          <p:blipFill rotWithShape="1">
+            <a:blip r:embed="rId3" cstate="print">
+              <a:extLst>
+                <a:ext uri="{28A0092B-C50C-407E-A947-70E740481C1C}">
+                  <a14:useLocalDpi xmlns:a14="http://schemas.microsoft.com/office/drawing/2010/main" val="0"/>
+                </a:ext>
+              </a:extLst>
+            </a:blip>
+            <a:srcRect l="10418" t="23689" r="10645" b="23275"/>
+            <a:stretch/>
+          </p:blipFill>
+          <p:spPr>
+            <a:xfrm>
+              <a:off x="455425" y="3957690"/>
+              <a:ext cx="1787613" cy="540171"/>
+            </a:xfrm>
+            <a:prstGeom prst="rect">
+              <a:avLst/>
+            </a:prstGeom>
+          </p:spPr>
+        </p:pic>
+        <p:sp>
+          <p:nvSpPr>
+            <p:cNvPr id="40" name="矩形: 圆角 39">
+              <a:extLst>
+                <a:ext uri="{FF2B5EF4-FFF2-40B4-BE49-F238E27FC236}">
+                  <a16:creationId xmlns:a16="http://schemas.microsoft.com/office/drawing/2014/main" id="{3B831D3F-43F5-EEE6-989D-8857F0F54B65}"/>
+                </a:ext>
+              </a:extLst>
+            </p:cNvPr>
+            <p:cNvSpPr/>
+            <p:nvPr/>
+          </p:nvSpPr>
+          <p:spPr>
+            <a:xfrm>
+              <a:off x="2909417" y="3933566"/>
+              <a:ext cx="1754660" cy="593124"/>
+            </a:xfrm>
+            <a:prstGeom prst="roundRect">
+              <a:avLst/>
+            </a:prstGeom>
+            <a:ln>
+              <a:noFill/>
+            </a:ln>
+          </p:spPr>
+          <p:style>
+            <a:lnRef idx="2">
+              <a:schemeClr val="accent1">
+                <a:shade val="50000"/>
+              </a:schemeClr>
+            </a:lnRef>
+            <a:fillRef idx="1">
+              <a:schemeClr val="accent1"/>
+            </a:fillRef>
+            <a:effectRef idx="0">
+              <a:schemeClr val="accent1"/>
+            </a:effectRef>
+            <a:fontRef idx="minor">
+              <a:schemeClr val="lt1"/>
+            </a:fontRef>
+          </p:style>
+          <p:txBody>
+            <a:bodyPr rtlCol="0" anchor="ctr"/>
+            <a:lstStyle/>
+            <a:p>
+              <a:pPr algn="ctr"/>
+              <a:r>
+                <a:rPr lang="zh-CN" altLang="en-US" dirty="0"/>
+                <a:t>触发设置操作</a:t>
+              </a:r>
+            </a:p>
+          </p:txBody>
+        </p:sp>
+        <p:sp>
+          <p:nvSpPr>
+            <p:cNvPr id="42" name="矩形: 圆角 41">
+              <a:extLst>
+                <a:ext uri="{FF2B5EF4-FFF2-40B4-BE49-F238E27FC236}">
+                  <a16:creationId xmlns:a16="http://schemas.microsoft.com/office/drawing/2014/main" id="{9DA4F043-3DB1-0919-465B-473B9D0B01E0}"/>
+                </a:ext>
+              </a:extLst>
+            </p:cNvPr>
+            <p:cNvSpPr/>
+            <p:nvPr/>
+          </p:nvSpPr>
+          <p:spPr>
+            <a:xfrm>
+              <a:off x="7611762" y="3938381"/>
+              <a:ext cx="1754660" cy="593124"/>
+            </a:xfrm>
+            <a:prstGeom prst="roundRect">
+              <a:avLst/>
+            </a:prstGeom>
+            <a:ln>
+              <a:noFill/>
+            </a:ln>
+          </p:spPr>
+          <p:style>
+            <a:lnRef idx="2">
+              <a:schemeClr val="accent1">
+                <a:shade val="50000"/>
+              </a:schemeClr>
+            </a:lnRef>
+            <a:fillRef idx="1">
+              <a:schemeClr val="accent1"/>
+            </a:fillRef>
+            <a:effectRef idx="0">
+              <a:schemeClr val="accent1"/>
+            </a:effectRef>
+            <a:fontRef idx="minor">
+              <a:schemeClr val="lt1"/>
+            </a:fontRef>
+          </p:style>
+          <p:txBody>
+            <a:bodyPr rtlCol="0" anchor="ctr"/>
+            <a:lstStyle/>
+            <a:p>
+              <a:pPr algn="ctr"/>
+              <a:r>
+                <a:rPr lang="zh-CN" altLang="en-US" dirty="0"/>
+                <a:t>取出并执行</a:t>
+              </a:r>
+            </a:p>
+          </p:txBody>
+        </p:sp>
+      </p:grpSp>
+    </p:spTree>
+    <p:extLst>
+      <p:ext uri="{BB962C8B-B14F-4D97-AF65-F5344CB8AC3E}">
+        <p14:creationId xmlns:p14="http://schemas.microsoft.com/office/powerpoint/2010/main" val="2486419658"/>
+      </p:ext>
+    </p:extLst>
+  </p:cSld>
+  <p:clrMapOvr>
+    <a:masterClrMapping/>
+  </p:clrMapOvr>
+</p:sld>
+</file>
+
+<file path=ppt/slides/slide3.xml><?xml version="1.0" encoding="utf-8"?>
+<p:sld xmlns:a="http://schemas.openxmlformats.org/drawingml/2006/main" xmlns:r="http://schemas.openxmlformats.org/officeDocument/2006/relationships" xmlns:p="http://schemas.openxmlformats.org/presentationml/2006/main">
+  <p:cSld>
+    <p:spTree>
+      <p:nvGrpSpPr>
+        <p:cNvPr id="1" name=""/>
+        <p:cNvGrpSpPr/>
+        <p:nvPr/>
+      </p:nvGrpSpPr>
+      <p:grpSpPr>
+        <a:xfrm>
+          <a:off x="0" y="0"/>
+          <a:ext cx="0" cy="0"/>
+          <a:chOff x="0" y="0"/>
+          <a:chExt cx="0" cy="0"/>
+        </a:xfrm>
+      </p:grpSpPr>
+      <p:pic>
+        <p:nvPicPr>
+          <p:cNvPr id="6" name="图片 5">
+            <a:extLst>
+              <a:ext uri="{FF2B5EF4-FFF2-40B4-BE49-F238E27FC236}">
+                <a16:creationId xmlns:a16="http://schemas.microsoft.com/office/drawing/2014/main" id="{13C7056D-34E8-7B06-C6C5-4BA8064DD528}"/>
+              </a:ext>
+            </a:extLst>
+          </p:cNvPr>
+          <p:cNvPicPr>
+            <a:picLocks noChangeAspect="1"/>
+          </p:cNvPicPr>
+          <p:nvPr/>
+        </p:nvPicPr>
+        <p:blipFill rotWithShape="1">
+          <a:blip r:embed="rId2" cstate="print">
+            <a:extLst>
+              <a:ext uri="{28A0092B-C50C-407E-A947-70E740481C1C}">
+                <a14:useLocalDpi xmlns:a14="http://schemas.microsoft.com/office/drawing/2010/main" val="0"/>
+              </a:ext>
+            </a:extLst>
+          </a:blip>
+          <a:srcRect l="7502" t="18088" r="7219" b="17408"/>
+          <a:stretch/>
+        </p:blipFill>
+        <p:spPr>
+          <a:xfrm>
+            <a:off x="897924" y="650789"/>
+            <a:ext cx="2706705" cy="848497"/>
+          </a:xfrm>
+          <a:prstGeom prst="rect">
+            <a:avLst/>
+          </a:prstGeom>
+        </p:spPr>
+      </p:pic>
+    </p:spTree>
+    <p:extLst>
+      <p:ext uri="{BB962C8B-B14F-4D97-AF65-F5344CB8AC3E}">
+        <p14:creationId xmlns:p14="http://schemas.microsoft.com/office/powerpoint/2010/main" val="1672256668"/>
+      </p:ext>
+    </p:extLst>
+  </p:cSld>
+  <p:clrMapOvr>
+    <a:masterClrMapping/>
+  </p:clrMapOvr>
+</p:sld>
+</file>
+
 <file path=ppt/theme/theme1.xml><?xml version="1.0" encoding="utf-8"?>
 <a:theme xmlns:a="http://schemas.openxmlformats.org/drawingml/2006/main" name="Office 主题">
   <a:themeElements>

--- a/img.pptx
+++ b/img.pptx
@@ -8,6 +8,8 @@
     <p:sldId id="256" r:id="rId2"/>
     <p:sldId id="257" r:id="rId3"/>
     <p:sldId id="258" r:id="rId4"/>
+    <p:sldId id="259" r:id="rId5"/>
+    <p:sldId id="260" r:id="rId6"/>
   </p:sldIdLst>
   <p:sldSz cx="12192000" cy="6858000"/>
   <p:notesSz cx="6858000" cy="9144000"/>
@@ -243,7 +245,7 @@
           <a:p>
             <a:fld id="{D997B5FA-0921-464F-AAE1-844C04324D75}" type="datetimeFigureOut">
               <a:rPr lang="zh-CN" altLang="en-US" smtClean="0"/>
-              <a:t>2023/1/3</a:t>
+              <a:t>2023/1/21</a:t>
             </a:fld>
             <a:endParaRPr lang="zh-CN" altLang="en-US"/>
           </a:p>
@@ -411,7 +413,7 @@
           <a:p>
             <a:fld id="{D997B5FA-0921-464F-AAE1-844C04324D75}" type="datetimeFigureOut">
               <a:rPr lang="zh-CN" altLang="en-US" smtClean="0"/>
-              <a:t>2023/1/3</a:t>
+              <a:t>2023/1/21</a:t>
             </a:fld>
             <a:endParaRPr lang="zh-CN" altLang="en-US"/>
           </a:p>
@@ -589,7 +591,7 @@
           <a:p>
             <a:fld id="{D997B5FA-0921-464F-AAE1-844C04324D75}" type="datetimeFigureOut">
               <a:rPr lang="zh-CN" altLang="en-US" smtClean="0"/>
-              <a:t>2023/1/3</a:t>
+              <a:t>2023/1/21</a:t>
             </a:fld>
             <a:endParaRPr lang="zh-CN" altLang="en-US"/>
           </a:p>
@@ -757,7 +759,7 @@
           <a:p>
             <a:fld id="{D997B5FA-0921-464F-AAE1-844C04324D75}" type="datetimeFigureOut">
               <a:rPr lang="zh-CN" altLang="en-US" smtClean="0"/>
-              <a:t>2023/1/3</a:t>
+              <a:t>2023/1/21</a:t>
             </a:fld>
             <a:endParaRPr lang="zh-CN" altLang="en-US"/>
           </a:p>
@@ -1002,7 +1004,7 @@
           <a:p>
             <a:fld id="{D997B5FA-0921-464F-AAE1-844C04324D75}" type="datetimeFigureOut">
               <a:rPr lang="zh-CN" altLang="en-US" smtClean="0"/>
-              <a:t>2023/1/3</a:t>
+              <a:t>2023/1/21</a:t>
             </a:fld>
             <a:endParaRPr lang="zh-CN" altLang="en-US"/>
           </a:p>
@@ -1231,7 +1233,7 @@
           <a:p>
             <a:fld id="{D997B5FA-0921-464F-AAE1-844C04324D75}" type="datetimeFigureOut">
               <a:rPr lang="zh-CN" altLang="en-US" smtClean="0"/>
-              <a:t>2023/1/3</a:t>
+              <a:t>2023/1/21</a:t>
             </a:fld>
             <a:endParaRPr lang="zh-CN" altLang="en-US"/>
           </a:p>
@@ -1595,7 +1597,7 @@
           <a:p>
             <a:fld id="{D997B5FA-0921-464F-AAE1-844C04324D75}" type="datetimeFigureOut">
               <a:rPr lang="zh-CN" altLang="en-US" smtClean="0"/>
-              <a:t>2023/1/3</a:t>
+              <a:t>2023/1/21</a:t>
             </a:fld>
             <a:endParaRPr lang="zh-CN" altLang="en-US"/>
           </a:p>
@@ -1712,7 +1714,7 @@
           <a:p>
             <a:fld id="{D997B5FA-0921-464F-AAE1-844C04324D75}" type="datetimeFigureOut">
               <a:rPr lang="zh-CN" altLang="en-US" smtClean="0"/>
-              <a:t>2023/1/3</a:t>
+              <a:t>2023/1/21</a:t>
             </a:fld>
             <a:endParaRPr lang="zh-CN" altLang="en-US"/>
           </a:p>
@@ -1807,7 +1809,7 @@
           <a:p>
             <a:fld id="{D997B5FA-0921-464F-AAE1-844C04324D75}" type="datetimeFigureOut">
               <a:rPr lang="zh-CN" altLang="en-US" smtClean="0"/>
-              <a:t>2023/1/3</a:t>
+              <a:t>2023/1/21</a:t>
             </a:fld>
             <a:endParaRPr lang="zh-CN" altLang="en-US"/>
           </a:p>
@@ -2082,7 +2084,7 @@
           <a:p>
             <a:fld id="{D997B5FA-0921-464F-AAE1-844C04324D75}" type="datetimeFigureOut">
               <a:rPr lang="zh-CN" altLang="en-US" smtClean="0"/>
-              <a:t>2023/1/3</a:t>
+              <a:t>2023/1/21</a:t>
             </a:fld>
             <a:endParaRPr lang="zh-CN" altLang="en-US"/>
           </a:p>
@@ -2334,7 +2336,7 @@
           <a:p>
             <a:fld id="{D997B5FA-0921-464F-AAE1-844C04324D75}" type="datetimeFigureOut">
               <a:rPr lang="zh-CN" altLang="en-US" smtClean="0"/>
-              <a:t>2023/1/3</a:t>
+              <a:t>2023/1/21</a:t>
             </a:fld>
             <a:endParaRPr lang="zh-CN" altLang="en-US"/>
           </a:p>
@@ -2545,7 +2547,7 @@
           <a:p>
             <a:fld id="{D997B5FA-0921-464F-AAE1-844C04324D75}" type="datetimeFigureOut">
               <a:rPr lang="zh-CN" altLang="en-US" smtClean="0"/>
-              <a:t>2023/1/3</a:t>
+              <a:t>2023/1/21</a:t>
             </a:fld>
             <a:endParaRPr lang="zh-CN" altLang="en-US"/>
           </a:p>
@@ -4425,45 +4427,2964 @@
           <a:chExt cx="0" cy="0"/>
         </a:xfrm>
       </p:grpSpPr>
-      <p:pic>
-        <p:nvPicPr>
-          <p:cNvPr id="6" name="图片 5">
+      <p:grpSp>
+        <p:nvGrpSpPr>
+          <p:cNvPr id="59" name="组合 58">
             <a:extLst>
               <a:ext uri="{FF2B5EF4-FFF2-40B4-BE49-F238E27FC236}">
-                <a16:creationId xmlns:a16="http://schemas.microsoft.com/office/drawing/2014/main" id="{13C7056D-34E8-7B06-C6C5-4BA8064DD528}"/>
+                <a16:creationId xmlns:a16="http://schemas.microsoft.com/office/drawing/2014/main" id="{959BB103-B053-4863-83E8-CD8618B7175B}"/>
               </a:ext>
             </a:extLst>
           </p:cNvPr>
-          <p:cNvPicPr>
-            <a:picLocks noChangeAspect="1"/>
-          </p:cNvPicPr>
+          <p:cNvGrpSpPr/>
           <p:nvPr/>
-        </p:nvPicPr>
-        <p:blipFill rotWithShape="1">
-          <a:blip r:embed="rId2" cstate="print">
+        </p:nvGrpSpPr>
+        <p:grpSpPr>
+          <a:xfrm>
+            <a:off x="3094871" y="397185"/>
+            <a:ext cx="6002258" cy="5622633"/>
+            <a:chOff x="673729" y="143185"/>
+            <a:chExt cx="6002258" cy="5622633"/>
+          </a:xfrm>
+        </p:grpSpPr>
+        <p:sp>
+          <p:nvSpPr>
+            <p:cNvPr id="2" name="矩形: 圆角 1">
+              <a:extLst>
+                <a:ext uri="{FF2B5EF4-FFF2-40B4-BE49-F238E27FC236}">
+                  <a16:creationId xmlns:a16="http://schemas.microsoft.com/office/drawing/2014/main" id="{A1F1F0EB-21BE-4FB6-959B-C0E8FBF4BF71}"/>
+                </a:ext>
+              </a:extLst>
+            </p:cNvPr>
+            <p:cNvSpPr/>
+            <p:nvPr/>
+          </p:nvSpPr>
+          <p:spPr>
+            <a:xfrm>
+              <a:off x="673729" y="143185"/>
+              <a:ext cx="1257044" cy="337794"/>
+            </a:xfrm>
+            <a:prstGeom prst="roundRect">
+              <a:avLst/>
+            </a:prstGeom>
+            <a:ln>
+              <a:noFill/>
+            </a:ln>
+          </p:spPr>
+          <p:style>
+            <a:lnRef idx="2">
+              <a:schemeClr val="accent1">
+                <a:shade val="50000"/>
+              </a:schemeClr>
+            </a:lnRef>
+            <a:fillRef idx="1">
+              <a:schemeClr val="accent1"/>
+            </a:fillRef>
+            <a:effectRef idx="0">
+              <a:schemeClr val="accent1"/>
+            </a:effectRef>
+            <a:fontRef idx="minor">
+              <a:schemeClr val="lt1"/>
+            </a:fontRef>
+          </p:style>
+          <p:txBody>
+            <a:bodyPr rtlCol="0" anchor="ctr"/>
+            <a:lstStyle/>
+            <a:p>
+              <a:pPr algn="ctr"/>
+              <a:r>
+                <a:rPr lang="en-US" altLang="zh-CN" dirty="0" err="1"/>
+                <a:t>WeakMap</a:t>
+              </a:r>
+              <a:endParaRPr lang="zh-CN" altLang="en-US" dirty="0"/>
+            </a:p>
+          </p:txBody>
+        </p:sp>
+        <p:sp>
+          <p:nvSpPr>
+            <p:cNvPr id="4" name="矩形: 圆角 3">
+              <a:extLst>
+                <a:ext uri="{FF2B5EF4-FFF2-40B4-BE49-F238E27FC236}">
+                  <a16:creationId xmlns:a16="http://schemas.microsoft.com/office/drawing/2014/main" id="{E9718C40-FE64-4F90-BF1E-295679164CBC}"/>
+                </a:ext>
+              </a:extLst>
+            </p:cNvPr>
+            <p:cNvSpPr/>
+            <p:nvPr/>
+          </p:nvSpPr>
+          <p:spPr>
+            <a:xfrm>
+              <a:off x="673729" y="681384"/>
+              <a:ext cx="1257044" cy="337795"/>
+            </a:xfrm>
+            <a:prstGeom prst="roundRect">
+              <a:avLst/>
+            </a:prstGeom>
+            <a:ln>
+              <a:noFill/>
+            </a:ln>
+          </p:spPr>
+          <p:style>
+            <a:lnRef idx="2">
+              <a:schemeClr val="accent1">
+                <a:shade val="50000"/>
+              </a:schemeClr>
+            </a:lnRef>
+            <a:fillRef idx="1">
+              <a:schemeClr val="accent1"/>
+            </a:fillRef>
+            <a:effectRef idx="0">
+              <a:schemeClr val="accent1"/>
+            </a:effectRef>
+            <a:fontRef idx="minor">
+              <a:schemeClr val="lt1"/>
+            </a:fontRef>
+          </p:style>
+          <p:txBody>
+            <a:bodyPr rtlCol="0" anchor="ctr"/>
+            <a:lstStyle/>
+            <a:p>
+              <a:pPr algn="ctr"/>
+              <a:r>
+                <a:rPr lang="en-US" altLang="zh-CN" dirty="0"/>
+                <a:t>key</a:t>
+              </a:r>
+              <a:endParaRPr lang="zh-CN" altLang="en-US" dirty="0"/>
+            </a:p>
+          </p:txBody>
+        </p:sp>
+        <p:sp>
+          <p:nvSpPr>
+            <p:cNvPr id="5" name="矩形: 圆角 4">
+              <a:extLst>
+                <a:ext uri="{FF2B5EF4-FFF2-40B4-BE49-F238E27FC236}">
+                  <a16:creationId xmlns:a16="http://schemas.microsoft.com/office/drawing/2014/main" id="{2120C1A6-89F1-4715-B0D2-2EB90B663BE8}"/>
+                </a:ext>
+              </a:extLst>
+            </p:cNvPr>
+            <p:cNvSpPr/>
+            <p:nvPr/>
+          </p:nvSpPr>
+          <p:spPr>
+            <a:xfrm>
+              <a:off x="3066433" y="1390860"/>
+              <a:ext cx="1356172" cy="296007"/>
+            </a:xfrm>
+            <a:prstGeom prst="roundRect">
+              <a:avLst/>
+            </a:prstGeom>
+            <a:ln>
+              <a:noFill/>
+            </a:ln>
+          </p:spPr>
+          <p:style>
+            <a:lnRef idx="2">
+              <a:schemeClr val="accent1">
+                <a:shade val="50000"/>
+              </a:schemeClr>
+            </a:lnRef>
+            <a:fillRef idx="1">
+              <a:schemeClr val="accent1"/>
+            </a:fillRef>
+            <a:effectRef idx="0">
+              <a:schemeClr val="accent1"/>
+            </a:effectRef>
+            <a:fontRef idx="minor">
+              <a:schemeClr val="lt1"/>
+            </a:fontRef>
+          </p:style>
+          <p:txBody>
+            <a:bodyPr rtlCol="0" anchor="ctr"/>
+            <a:lstStyle/>
+            <a:p>
+              <a:pPr algn="ctr"/>
+              <a:r>
+                <a:rPr lang="en-US" altLang="zh-CN" dirty="0"/>
+                <a:t>Map</a:t>
+              </a:r>
+              <a:endParaRPr lang="zh-CN" altLang="en-US" dirty="0"/>
+            </a:p>
+          </p:txBody>
+        </p:sp>
+        <p:sp>
+          <p:nvSpPr>
+            <p:cNvPr id="7" name="矩形: 圆角 6">
+              <a:extLst>
+                <a:ext uri="{FF2B5EF4-FFF2-40B4-BE49-F238E27FC236}">
+                  <a16:creationId xmlns:a16="http://schemas.microsoft.com/office/drawing/2014/main" id="{EB9E90C1-E2A6-4F11-867A-0A72E4C36B4D}"/>
+                </a:ext>
+              </a:extLst>
+            </p:cNvPr>
+            <p:cNvSpPr/>
+            <p:nvPr/>
+          </p:nvSpPr>
+          <p:spPr>
+            <a:xfrm>
+              <a:off x="3066432" y="2010495"/>
+              <a:ext cx="1356173" cy="296007"/>
+            </a:xfrm>
+            <a:prstGeom prst="roundRect">
+              <a:avLst/>
+            </a:prstGeom>
+            <a:ln>
+              <a:noFill/>
+            </a:ln>
+          </p:spPr>
+          <p:style>
+            <a:lnRef idx="2">
+              <a:schemeClr val="accent1">
+                <a:shade val="50000"/>
+              </a:schemeClr>
+            </a:lnRef>
+            <a:fillRef idx="1">
+              <a:schemeClr val="accent1"/>
+            </a:fillRef>
+            <a:effectRef idx="0">
+              <a:schemeClr val="accent1"/>
+            </a:effectRef>
+            <a:fontRef idx="minor">
+              <a:schemeClr val="lt1"/>
+            </a:fontRef>
+          </p:style>
+          <p:txBody>
+            <a:bodyPr rtlCol="0" anchor="ctr"/>
+            <a:lstStyle/>
+            <a:p>
+              <a:pPr algn="ctr"/>
+              <a:r>
+                <a:rPr lang="en-US" altLang="zh-CN" dirty="0"/>
+                <a:t>key</a:t>
+              </a:r>
+              <a:endParaRPr lang="zh-CN" altLang="en-US" dirty="0"/>
+            </a:p>
+          </p:txBody>
+        </p:sp>
+        <p:sp>
+          <p:nvSpPr>
+            <p:cNvPr id="8" name="矩形: 圆角 7">
+              <a:extLst>
+                <a:ext uri="{FF2B5EF4-FFF2-40B4-BE49-F238E27FC236}">
+                  <a16:creationId xmlns:a16="http://schemas.microsoft.com/office/drawing/2014/main" id="{D2AF87C6-ED4E-47FB-8D43-1067E70E8FDD}"/>
+                </a:ext>
+              </a:extLst>
+            </p:cNvPr>
+            <p:cNvSpPr/>
+            <p:nvPr/>
+          </p:nvSpPr>
+          <p:spPr>
+            <a:xfrm>
+              <a:off x="5319813" y="2761108"/>
+              <a:ext cx="1356174" cy="329736"/>
+            </a:xfrm>
+            <a:prstGeom prst="roundRect">
+              <a:avLst/>
+            </a:prstGeom>
+            <a:ln>
+              <a:noFill/>
+            </a:ln>
+          </p:spPr>
+          <p:style>
+            <a:lnRef idx="2">
+              <a:schemeClr val="accent1">
+                <a:shade val="50000"/>
+              </a:schemeClr>
+            </a:lnRef>
+            <a:fillRef idx="1">
+              <a:schemeClr val="accent1"/>
+            </a:fillRef>
+            <a:effectRef idx="0">
+              <a:schemeClr val="accent1"/>
+            </a:effectRef>
+            <a:fontRef idx="minor">
+              <a:schemeClr val="lt1"/>
+            </a:fontRef>
+          </p:style>
+          <p:txBody>
+            <a:bodyPr rtlCol="0" anchor="ctr"/>
+            <a:lstStyle/>
+            <a:p>
+              <a:pPr algn="ctr"/>
+              <a:r>
+                <a:rPr lang="en-US" altLang="zh-CN" dirty="0"/>
+                <a:t>Set</a:t>
+              </a:r>
+              <a:endParaRPr lang="zh-CN" altLang="en-US" dirty="0"/>
+            </a:p>
+          </p:txBody>
+        </p:sp>
+        <p:sp>
+          <p:nvSpPr>
+            <p:cNvPr id="3" name="矩形 2">
+              <a:extLst>
+                <a:ext uri="{FF2B5EF4-FFF2-40B4-BE49-F238E27FC236}">
+                  <a16:creationId xmlns:a16="http://schemas.microsoft.com/office/drawing/2014/main" id="{049A4773-3C36-4A26-B2E4-B9DD18CC2729}"/>
+                </a:ext>
+              </a:extLst>
+            </p:cNvPr>
+            <p:cNvSpPr/>
+            <p:nvPr/>
+          </p:nvSpPr>
+          <p:spPr>
+            <a:xfrm>
+              <a:off x="673729" y="1165689"/>
+              <a:ext cx="1257045" cy="3238151"/>
+            </a:xfrm>
+            <a:prstGeom prst="rect">
+              <a:avLst/>
+            </a:prstGeom>
+            <a:noFill/>
+            <a:ln>
+              <a:solidFill>
+                <a:srgbClr val="5B9BD5"/>
+              </a:solidFill>
+            </a:ln>
+          </p:spPr>
+          <p:style>
+            <a:lnRef idx="2">
+              <a:schemeClr val="accent1">
+                <a:shade val="50000"/>
+              </a:schemeClr>
+            </a:lnRef>
+            <a:fillRef idx="1">
+              <a:schemeClr val="accent1"/>
+            </a:fillRef>
+            <a:effectRef idx="0">
+              <a:schemeClr val="accent1"/>
+            </a:effectRef>
+            <a:fontRef idx="minor">
+              <a:schemeClr val="lt1"/>
+            </a:fontRef>
+          </p:style>
+          <p:txBody>
+            <a:bodyPr rtlCol="0" anchor="ctr"/>
+            <a:lstStyle/>
+            <a:p>
+              <a:pPr algn="ctr"/>
+              <a:endParaRPr lang="zh-CN" altLang="en-US"/>
+            </a:p>
+          </p:txBody>
+        </p:sp>
+        <p:cxnSp>
+          <p:nvCxnSpPr>
+            <p:cNvPr id="10" name="直接箭头连接符 9">
+              <a:extLst>
+                <a:ext uri="{FF2B5EF4-FFF2-40B4-BE49-F238E27FC236}">
+                  <a16:creationId xmlns:a16="http://schemas.microsoft.com/office/drawing/2014/main" id="{F3066A8C-9008-4852-8CE2-4CCFAD5B4055}"/>
+                </a:ext>
+              </a:extLst>
+            </p:cNvPr>
+            <p:cNvCxnSpPr>
+              <a:cxnSpLocks/>
+              <a:stCxn id="2" idx="2"/>
+              <a:endCxn id="4" idx="0"/>
+            </p:cNvCxnSpPr>
+            <p:nvPr/>
+          </p:nvCxnSpPr>
+          <p:spPr>
+            <a:xfrm>
+              <a:off x="1302251" y="480979"/>
+              <a:ext cx="0" cy="200405"/>
+            </a:xfrm>
+            <a:prstGeom prst="straightConnector1">
+              <a:avLst/>
+            </a:prstGeom>
+            <a:ln w="19050">
+              <a:tailEnd type="triangle"/>
+            </a:ln>
+          </p:spPr>
+          <p:style>
+            <a:lnRef idx="1">
+              <a:schemeClr val="accent1"/>
+            </a:lnRef>
+            <a:fillRef idx="0">
+              <a:schemeClr val="accent1"/>
+            </a:fillRef>
+            <a:effectRef idx="0">
+              <a:schemeClr val="accent1"/>
+            </a:effectRef>
+            <a:fontRef idx="minor">
+              <a:schemeClr val="tx1"/>
+            </a:fontRef>
+          </p:style>
+        </p:cxnSp>
+        <p:sp>
+          <p:nvSpPr>
+            <p:cNvPr id="11" name="矩形 10">
+              <a:extLst>
+                <a:ext uri="{FF2B5EF4-FFF2-40B4-BE49-F238E27FC236}">
+                  <a16:creationId xmlns:a16="http://schemas.microsoft.com/office/drawing/2014/main" id="{37E89ED6-961A-4095-A6CF-8109A50E8260}"/>
+                </a:ext>
+              </a:extLst>
+            </p:cNvPr>
+            <p:cNvSpPr/>
+            <p:nvPr/>
+          </p:nvSpPr>
+          <p:spPr>
+            <a:xfrm>
+              <a:off x="762001" y="1334774"/>
+              <a:ext cx="1068335" cy="400436"/>
+            </a:xfrm>
+            <a:prstGeom prst="rect">
+              <a:avLst/>
+            </a:prstGeom>
+            <a:solidFill>
+              <a:srgbClr val="5B9BD5"/>
+            </a:solidFill>
+            <a:ln>
+              <a:solidFill>
+                <a:srgbClr val="5B9BD5"/>
+              </a:solidFill>
+              <a:prstDash val="sysDash"/>
+            </a:ln>
+          </p:spPr>
+          <p:style>
+            <a:lnRef idx="2">
+              <a:schemeClr val="accent1">
+                <a:shade val="50000"/>
+              </a:schemeClr>
+            </a:lnRef>
+            <a:fillRef idx="1">
+              <a:schemeClr val="accent1"/>
+            </a:fillRef>
+            <a:effectRef idx="0">
+              <a:schemeClr val="accent1"/>
+            </a:effectRef>
+            <a:fontRef idx="minor">
+              <a:schemeClr val="lt1"/>
+            </a:fontRef>
+          </p:style>
+          <p:txBody>
+            <a:bodyPr rtlCol="0" anchor="ctr"/>
+            <a:lstStyle/>
+            <a:p>
+              <a:pPr algn="ctr"/>
+              <a:r>
+                <a:rPr lang="en-US" altLang="zh-CN" dirty="0">
+                  <a:solidFill>
+                    <a:schemeClr val="bg1"/>
+                  </a:solidFill>
+                </a:rPr>
+                <a:t>Target-1</a:t>
+              </a:r>
+              <a:endParaRPr lang="zh-CN" altLang="en-US" dirty="0">
+                <a:solidFill>
+                  <a:schemeClr val="bg1"/>
+                </a:solidFill>
+              </a:endParaRPr>
+            </a:p>
+          </p:txBody>
+        </p:sp>
+        <p:sp>
+          <p:nvSpPr>
+            <p:cNvPr id="12" name="矩形 11">
+              <a:extLst>
+                <a:ext uri="{FF2B5EF4-FFF2-40B4-BE49-F238E27FC236}">
+                  <a16:creationId xmlns:a16="http://schemas.microsoft.com/office/drawing/2014/main" id="{B134E6D5-D0C0-48EA-A6F1-01EFB9AEAEED}"/>
+                </a:ext>
+              </a:extLst>
+            </p:cNvPr>
+            <p:cNvSpPr/>
+            <p:nvPr/>
+          </p:nvSpPr>
+          <p:spPr>
+            <a:xfrm>
+              <a:off x="762001" y="1805677"/>
+              <a:ext cx="1068335" cy="400436"/>
+            </a:xfrm>
+            <a:prstGeom prst="rect">
+              <a:avLst/>
+            </a:prstGeom>
+            <a:solidFill>
+              <a:srgbClr val="5B9BD5"/>
+            </a:solidFill>
+            <a:ln>
+              <a:solidFill>
+                <a:srgbClr val="5B9BD5"/>
+              </a:solidFill>
+              <a:prstDash val="sysDash"/>
+            </a:ln>
+          </p:spPr>
+          <p:style>
+            <a:lnRef idx="2">
+              <a:schemeClr val="accent1">
+                <a:shade val="50000"/>
+              </a:schemeClr>
+            </a:lnRef>
+            <a:fillRef idx="1">
+              <a:schemeClr val="accent1"/>
+            </a:fillRef>
+            <a:effectRef idx="0">
+              <a:schemeClr val="accent1"/>
+            </a:effectRef>
+            <a:fontRef idx="minor">
+              <a:schemeClr val="lt1"/>
+            </a:fontRef>
+          </p:style>
+          <p:txBody>
+            <a:bodyPr rtlCol="0" anchor="ctr"/>
+            <a:lstStyle/>
+            <a:p>
+              <a:pPr algn="ctr"/>
+              <a:r>
+                <a:rPr lang="en-US" altLang="zh-CN" dirty="0">
+                  <a:solidFill>
+                    <a:schemeClr val="bg1"/>
+                  </a:solidFill>
+                </a:rPr>
+                <a:t>Target-1</a:t>
+              </a:r>
+              <a:endParaRPr lang="zh-CN" altLang="en-US" dirty="0">
+                <a:solidFill>
+                  <a:schemeClr val="bg1"/>
+                </a:solidFill>
+              </a:endParaRPr>
+            </a:p>
+          </p:txBody>
+        </p:sp>
+        <p:sp>
+          <p:nvSpPr>
+            <p:cNvPr id="13" name="矩形 12">
+              <a:extLst>
+                <a:ext uri="{FF2B5EF4-FFF2-40B4-BE49-F238E27FC236}">
+                  <a16:creationId xmlns:a16="http://schemas.microsoft.com/office/drawing/2014/main" id="{9CA8325A-5450-4884-B021-97F5023EFB31}"/>
+                </a:ext>
+              </a:extLst>
+            </p:cNvPr>
+            <p:cNvSpPr/>
+            <p:nvPr/>
+          </p:nvSpPr>
+          <p:spPr>
+            <a:xfrm>
+              <a:off x="762001" y="3838420"/>
+              <a:ext cx="1068335" cy="400436"/>
+            </a:xfrm>
+            <a:prstGeom prst="rect">
+              <a:avLst/>
+            </a:prstGeom>
+            <a:solidFill>
+              <a:srgbClr val="5B9BD5"/>
+            </a:solidFill>
+            <a:ln>
+              <a:solidFill>
+                <a:srgbClr val="5B9BD5"/>
+              </a:solidFill>
+              <a:prstDash val="sysDash"/>
+            </a:ln>
+          </p:spPr>
+          <p:style>
+            <a:lnRef idx="2">
+              <a:schemeClr val="accent1">
+                <a:shade val="50000"/>
+              </a:schemeClr>
+            </a:lnRef>
+            <a:fillRef idx="1">
+              <a:schemeClr val="accent1"/>
+            </a:fillRef>
+            <a:effectRef idx="0">
+              <a:schemeClr val="accent1"/>
+            </a:effectRef>
+            <a:fontRef idx="minor">
+              <a:schemeClr val="lt1"/>
+            </a:fontRef>
+          </p:style>
+          <p:txBody>
+            <a:bodyPr rtlCol="0" anchor="ctr"/>
+            <a:lstStyle/>
+            <a:p>
+              <a:pPr algn="ctr"/>
+              <a:r>
+                <a:rPr lang="en-US" altLang="zh-CN" dirty="0">
+                  <a:solidFill>
+                    <a:schemeClr val="bg1"/>
+                  </a:solidFill>
+                </a:rPr>
+                <a:t>Target-N</a:t>
+              </a:r>
+              <a:endParaRPr lang="zh-CN" altLang="en-US" dirty="0">
+                <a:solidFill>
+                  <a:schemeClr val="bg1"/>
+                </a:solidFill>
+              </a:endParaRPr>
+            </a:p>
+          </p:txBody>
+        </p:sp>
+        <p:cxnSp>
+          <p:nvCxnSpPr>
+            <p:cNvPr id="15" name="直接连接符 14">
+              <a:extLst>
+                <a:ext uri="{FF2B5EF4-FFF2-40B4-BE49-F238E27FC236}">
+                  <a16:creationId xmlns:a16="http://schemas.microsoft.com/office/drawing/2014/main" id="{EB1F39AD-4AFF-4625-9A2F-A6C42F296795}"/>
+                </a:ext>
+              </a:extLst>
+            </p:cNvPr>
+            <p:cNvCxnSpPr>
+              <a:cxnSpLocks/>
+            </p:cNvCxnSpPr>
+            <p:nvPr/>
+          </p:nvCxnSpPr>
+          <p:spPr>
+            <a:xfrm>
+              <a:off x="1305561" y="2306502"/>
+              <a:ext cx="0" cy="1384181"/>
+            </a:xfrm>
+            <a:prstGeom prst="line">
+              <a:avLst/>
+            </a:prstGeom>
+            <a:ln>
+              <a:prstDash val="lgDash"/>
+            </a:ln>
+          </p:spPr>
+          <p:style>
+            <a:lnRef idx="1">
+              <a:schemeClr val="accent1"/>
+            </a:lnRef>
+            <a:fillRef idx="0">
+              <a:schemeClr val="accent1"/>
+            </a:fillRef>
+            <a:effectRef idx="0">
+              <a:schemeClr val="accent1"/>
+            </a:effectRef>
+            <a:fontRef idx="minor">
+              <a:schemeClr val="tx1"/>
+            </a:fontRef>
+          </p:style>
+        </p:cxnSp>
+        <p:cxnSp>
+          <p:nvCxnSpPr>
+            <p:cNvPr id="18" name="直接箭头连接符 17">
+              <a:extLst>
+                <a:ext uri="{FF2B5EF4-FFF2-40B4-BE49-F238E27FC236}">
+                  <a16:creationId xmlns:a16="http://schemas.microsoft.com/office/drawing/2014/main" id="{FDBB8053-EBB9-44F3-9B2D-092DA37316D8}"/>
+                </a:ext>
+              </a:extLst>
+            </p:cNvPr>
+            <p:cNvCxnSpPr>
+              <a:cxnSpLocks/>
+              <a:stCxn id="11" idx="3"/>
+              <a:endCxn id="5" idx="1"/>
+            </p:cNvCxnSpPr>
+            <p:nvPr/>
+          </p:nvCxnSpPr>
+          <p:spPr>
+            <a:xfrm>
+              <a:off x="1830336" y="1534992"/>
+              <a:ext cx="1236097" cy="3872"/>
+            </a:xfrm>
+            <a:prstGeom prst="straightConnector1">
+              <a:avLst/>
+            </a:prstGeom>
+            <a:ln>
+              <a:tailEnd type="triangle"/>
+            </a:ln>
+          </p:spPr>
+          <p:style>
+            <a:lnRef idx="1">
+              <a:schemeClr val="accent1"/>
+            </a:lnRef>
+            <a:fillRef idx="0">
+              <a:schemeClr val="accent1"/>
+            </a:fillRef>
+            <a:effectRef idx="0">
+              <a:schemeClr val="accent1"/>
+            </a:effectRef>
+            <a:fontRef idx="minor">
+              <a:schemeClr val="tx1"/>
+            </a:fontRef>
+          </p:style>
+        </p:cxnSp>
+        <p:sp>
+          <p:nvSpPr>
+            <p:cNvPr id="20" name="文本框 19">
+              <a:extLst>
+                <a:ext uri="{FF2B5EF4-FFF2-40B4-BE49-F238E27FC236}">
+                  <a16:creationId xmlns:a16="http://schemas.microsoft.com/office/drawing/2014/main" id="{571D6EAF-FDDC-4E2C-992D-C85C86B4368A}"/>
+                </a:ext>
+              </a:extLst>
+            </p:cNvPr>
+            <p:cNvSpPr txBox="1"/>
+            <p:nvPr/>
+          </p:nvSpPr>
+          <p:spPr>
+            <a:xfrm>
+              <a:off x="2151433" y="1206194"/>
+              <a:ext cx="686213" cy="369332"/>
+            </a:xfrm>
+            <a:prstGeom prst="rect">
+              <a:avLst/>
+            </a:prstGeom>
+            <a:noFill/>
+          </p:spPr>
+          <p:txBody>
+            <a:bodyPr wrap="none" rtlCol="0">
+              <a:spAutoFit/>
+            </a:bodyPr>
+            <a:lstStyle/>
+            <a:p>
+              <a:r>
+                <a:rPr lang="en-US" altLang="zh-CN" dirty="0"/>
+                <a:t>value</a:t>
+              </a:r>
+              <a:endParaRPr lang="zh-CN" altLang="en-US" dirty="0"/>
+            </a:p>
+          </p:txBody>
+        </p:sp>
+        <p:cxnSp>
+          <p:nvCxnSpPr>
+            <p:cNvPr id="22" name="直接箭头连接符 21">
+              <a:extLst>
+                <a:ext uri="{FF2B5EF4-FFF2-40B4-BE49-F238E27FC236}">
+                  <a16:creationId xmlns:a16="http://schemas.microsoft.com/office/drawing/2014/main" id="{3CACD87C-4EE5-4CC3-8FAF-DFC93E4D7AB9}"/>
+                </a:ext>
+              </a:extLst>
+            </p:cNvPr>
+            <p:cNvCxnSpPr>
+              <a:cxnSpLocks/>
+              <a:stCxn id="5" idx="2"/>
+              <a:endCxn id="7" idx="0"/>
+            </p:cNvCxnSpPr>
+            <p:nvPr/>
+          </p:nvCxnSpPr>
+          <p:spPr>
+            <a:xfrm>
+              <a:off x="3744519" y="1686867"/>
+              <a:ext cx="0" cy="323628"/>
+            </a:xfrm>
+            <a:prstGeom prst="straightConnector1">
+              <a:avLst/>
+            </a:prstGeom>
+            <a:ln w="19050">
+              <a:tailEnd type="triangle"/>
+            </a:ln>
+          </p:spPr>
+          <p:style>
+            <a:lnRef idx="1">
+              <a:schemeClr val="accent1"/>
+            </a:lnRef>
+            <a:fillRef idx="0">
+              <a:schemeClr val="accent1"/>
+            </a:fillRef>
+            <a:effectRef idx="0">
+              <a:schemeClr val="accent1"/>
+            </a:effectRef>
+            <a:fontRef idx="minor">
+              <a:schemeClr val="tx1"/>
+            </a:fontRef>
+          </p:style>
+        </p:cxnSp>
+        <p:sp>
+          <p:nvSpPr>
+            <p:cNvPr id="23" name="矩形 22">
+              <a:extLst>
+                <a:ext uri="{FF2B5EF4-FFF2-40B4-BE49-F238E27FC236}">
+                  <a16:creationId xmlns:a16="http://schemas.microsoft.com/office/drawing/2014/main" id="{738E34AA-7DAD-40EB-87D9-36BB5FB9B43D}"/>
+                </a:ext>
+              </a:extLst>
+            </p:cNvPr>
+            <p:cNvSpPr/>
+            <p:nvPr/>
+          </p:nvSpPr>
+          <p:spPr>
+            <a:xfrm>
+              <a:off x="3066432" y="2625252"/>
+              <a:ext cx="1356174" cy="2501782"/>
+            </a:xfrm>
+            <a:prstGeom prst="rect">
+              <a:avLst/>
+            </a:prstGeom>
+            <a:noFill/>
+            <a:ln>
+              <a:solidFill>
+                <a:srgbClr val="5B9BD5"/>
+              </a:solidFill>
+            </a:ln>
+          </p:spPr>
+          <p:style>
+            <a:lnRef idx="2">
+              <a:schemeClr val="accent1">
+                <a:shade val="50000"/>
+              </a:schemeClr>
+            </a:lnRef>
+            <a:fillRef idx="1">
+              <a:schemeClr val="accent1"/>
+            </a:fillRef>
+            <a:effectRef idx="0">
+              <a:schemeClr val="accent1"/>
+            </a:effectRef>
+            <a:fontRef idx="minor">
+              <a:schemeClr val="lt1"/>
+            </a:fontRef>
+          </p:style>
+          <p:txBody>
+            <a:bodyPr rtlCol="0" anchor="ctr"/>
+            <a:lstStyle/>
+            <a:p>
+              <a:pPr algn="ctr"/>
+              <a:endParaRPr lang="zh-CN" altLang="en-US"/>
+            </a:p>
+          </p:txBody>
+        </p:sp>
+        <p:sp>
+          <p:nvSpPr>
+            <p:cNvPr id="24" name="矩形 23">
+              <a:extLst>
+                <a:ext uri="{FF2B5EF4-FFF2-40B4-BE49-F238E27FC236}">
+                  <a16:creationId xmlns:a16="http://schemas.microsoft.com/office/drawing/2014/main" id="{369D2710-7B0D-4123-AEF4-4E6BFBC8F636}"/>
+                </a:ext>
+              </a:extLst>
+            </p:cNvPr>
+            <p:cNvSpPr/>
+            <p:nvPr/>
+          </p:nvSpPr>
+          <p:spPr>
+            <a:xfrm>
+              <a:off x="3261364" y="2718085"/>
+              <a:ext cx="921690" cy="400436"/>
+            </a:xfrm>
+            <a:prstGeom prst="rect">
+              <a:avLst/>
+            </a:prstGeom>
+            <a:solidFill>
+              <a:srgbClr val="5B9BD5"/>
+            </a:solidFill>
+            <a:ln>
+              <a:solidFill>
+                <a:srgbClr val="5B9BD5"/>
+              </a:solidFill>
+              <a:prstDash val="sysDash"/>
+            </a:ln>
+          </p:spPr>
+          <p:style>
+            <a:lnRef idx="2">
+              <a:schemeClr val="accent1">
+                <a:shade val="50000"/>
+              </a:schemeClr>
+            </a:lnRef>
+            <a:fillRef idx="1">
+              <a:schemeClr val="accent1"/>
+            </a:fillRef>
+            <a:effectRef idx="0">
+              <a:schemeClr val="accent1"/>
+            </a:effectRef>
+            <a:fontRef idx="minor">
+              <a:schemeClr val="lt1"/>
+            </a:fontRef>
+          </p:style>
+          <p:txBody>
+            <a:bodyPr rtlCol="0" anchor="ctr"/>
+            <a:lstStyle/>
+            <a:p>
+              <a:pPr algn="ctr"/>
+              <a:r>
+                <a:rPr lang="en-US" altLang="zh-CN" dirty="0">
+                  <a:solidFill>
+                    <a:schemeClr val="bg1"/>
+                  </a:solidFill>
+                </a:rPr>
+                <a:t>Key-1</a:t>
+              </a:r>
+              <a:endParaRPr lang="zh-CN" altLang="en-US" dirty="0">
+                <a:solidFill>
+                  <a:schemeClr val="bg1"/>
+                </a:solidFill>
+              </a:endParaRPr>
+            </a:p>
+          </p:txBody>
+        </p:sp>
+        <p:sp>
+          <p:nvSpPr>
+            <p:cNvPr id="25" name="矩形 24">
+              <a:extLst>
+                <a:ext uri="{FF2B5EF4-FFF2-40B4-BE49-F238E27FC236}">
+                  <a16:creationId xmlns:a16="http://schemas.microsoft.com/office/drawing/2014/main" id="{C1396CC3-C37F-4403-B6C6-D6B3E679CCF8}"/>
+                </a:ext>
+              </a:extLst>
+            </p:cNvPr>
+            <p:cNvSpPr/>
+            <p:nvPr/>
+          </p:nvSpPr>
+          <p:spPr>
+            <a:xfrm>
+              <a:off x="3261364" y="3211354"/>
+              <a:ext cx="921690" cy="400436"/>
+            </a:xfrm>
+            <a:prstGeom prst="rect">
+              <a:avLst/>
+            </a:prstGeom>
+            <a:solidFill>
+              <a:srgbClr val="5B9BD5"/>
+            </a:solidFill>
+            <a:ln>
+              <a:solidFill>
+                <a:srgbClr val="5B9BD5"/>
+              </a:solidFill>
+              <a:prstDash val="sysDash"/>
+            </a:ln>
+          </p:spPr>
+          <p:style>
+            <a:lnRef idx="2">
+              <a:schemeClr val="accent1">
+                <a:shade val="50000"/>
+              </a:schemeClr>
+            </a:lnRef>
+            <a:fillRef idx="1">
+              <a:schemeClr val="accent1"/>
+            </a:fillRef>
+            <a:effectRef idx="0">
+              <a:schemeClr val="accent1"/>
+            </a:effectRef>
+            <a:fontRef idx="minor">
+              <a:schemeClr val="lt1"/>
+            </a:fontRef>
+          </p:style>
+          <p:txBody>
+            <a:bodyPr rtlCol="0" anchor="ctr"/>
+            <a:lstStyle/>
+            <a:p>
+              <a:pPr algn="ctr"/>
+              <a:r>
+                <a:rPr lang="en-US" altLang="zh-CN" dirty="0">
+                  <a:solidFill>
+                    <a:schemeClr val="bg1"/>
+                  </a:solidFill>
+                </a:rPr>
+                <a:t>Key-1</a:t>
+              </a:r>
+              <a:endParaRPr lang="zh-CN" altLang="en-US" dirty="0">
+                <a:solidFill>
+                  <a:schemeClr val="bg1"/>
+                </a:solidFill>
+              </a:endParaRPr>
+            </a:p>
+          </p:txBody>
+        </p:sp>
+        <p:sp>
+          <p:nvSpPr>
+            <p:cNvPr id="26" name="矩形 25">
+              <a:extLst>
+                <a:ext uri="{FF2B5EF4-FFF2-40B4-BE49-F238E27FC236}">
+                  <a16:creationId xmlns:a16="http://schemas.microsoft.com/office/drawing/2014/main" id="{BC7A1CFE-9FE4-4A9C-B356-DA1D3F9C2D6C}"/>
+                </a:ext>
+              </a:extLst>
+            </p:cNvPr>
+            <p:cNvSpPr/>
+            <p:nvPr/>
+          </p:nvSpPr>
+          <p:spPr>
+            <a:xfrm>
+              <a:off x="3261364" y="4632353"/>
+              <a:ext cx="921690" cy="400436"/>
+            </a:xfrm>
+            <a:prstGeom prst="rect">
+              <a:avLst/>
+            </a:prstGeom>
+            <a:solidFill>
+              <a:srgbClr val="5B9BD5"/>
+            </a:solidFill>
+            <a:ln>
+              <a:solidFill>
+                <a:srgbClr val="5B9BD5"/>
+              </a:solidFill>
+              <a:prstDash val="sysDash"/>
+            </a:ln>
+          </p:spPr>
+          <p:style>
+            <a:lnRef idx="2">
+              <a:schemeClr val="accent1">
+                <a:shade val="50000"/>
+              </a:schemeClr>
+            </a:lnRef>
+            <a:fillRef idx="1">
+              <a:schemeClr val="accent1"/>
+            </a:fillRef>
+            <a:effectRef idx="0">
+              <a:schemeClr val="accent1"/>
+            </a:effectRef>
+            <a:fontRef idx="minor">
+              <a:schemeClr val="lt1"/>
+            </a:fontRef>
+          </p:style>
+          <p:txBody>
+            <a:bodyPr rtlCol="0" anchor="ctr"/>
+            <a:lstStyle/>
+            <a:p>
+              <a:pPr algn="ctr"/>
+              <a:r>
+                <a:rPr lang="en-US" altLang="zh-CN" dirty="0">
+                  <a:solidFill>
+                    <a:schemeClr val="bg1"/>
+                  </a:solidFill>
+                </a:rPr>
+                <a:t>Key-n</a:t>
+              </a:r>
+              <a:endParaRPr lang="zh-CN" altLang="en-US" dirty="0">
+                <a:solidFill>
+                  <a:schemeClr val="bg1"/>
+                </a:solidFill>
+              </a:endParaRPr>
+            </a:p>
+          </p:txBody>
+        </p:sp>
+        <p:cxnSp>
+          <p:nvCxnSpPr>
+            <p:cNvPr id="27" name="直接连接符 26">
+              <a:extLst>
+                <a:ext uri="{FF2B5EF4-FFF2-40B4-BE49-F238E27FC236}">
+                  <a16:creationId xmlns:a16="http://schemas.microsoft.com/office/drawing/2014/main" id="{86B114E7-9BB0-4A6B-AB4E-4EE7D4006023}"/>
+                </a:ext>
+              </a:extLst>
+            </p:cNvPr>
+            <p:cNvCxnSpPr>
+              <a:cxnSpLocks/>
+            </p:cNvCxnSpPr>
+            <p:nvPr/>
+          </p:nvCxnSpPr>
+          <p:spPr>
+            <a:xfrm>
+              <a:off x="3744519" y="3784982"/>
+              <a:ext cx="0" cy="682204"/>
+            </a:xfrm>
+            <a:prstGeom prst="line">
+              <a:avLst/>
+            </a:prstGeom>
+            <a:ln>
+              <a:prstDash val="lgDash"/>
+            </a:ln>
+          </p:spPr>
+          <p:style>
+            <a:lnRef idx="1">
+              <a:schemeClr val="accent1"/>
+            </a:lnRef>
+            <a:fillRef idx="0">
+              <a:schemeClr val="accent1"/>
+            </a:fillRef>
+            <a:effectRef idx="0">
+              <a:schemeClr val="accent1"/>
+            </a:effectRef>
+            <a:fontRef idx="minor">
+              <a:schemeClr val="tx1"/>
+            </a:fontRef>
+          </p:style>
+        </p:cxnSp>
+        <p:cxnSp>
+          <p:nvCxnSpPr>
+            <p:cNvPr id="51" name="直接箭头连接符 50">
+              <a:extLst>
+                <a:ext uri="{FF2B5EF4-FFF2-40B4-BE49-F238E27FC236}">
+                  <a16:creationId xmlns:a16="http://schemas.microsoft.com/office/drawing/2014/main" id="{0B88C6CA-18EA-4DD2-99EF-6921C45B1778}"/>
+                </a:ext>
+              </a:extLst>
+            </p:cNvPr>
+            <p:cNvCxnSpPr>
+              <a:cxnSpLocks/>
+              <a:endCxn id="8" idx="1"/>
+            </p:cNvCxnSpPr>
+            <p:nvPr/>
+          </p:nvCxnSpPr>
+          <p:spPr>
+            <a:xfrm>
+              <a:off x="4209578" y="2918303"/>
+              <a:ext cx="1110235" cy="7673"/>
+            </a:xfrm>
+            <a:prstGeom prst="straightConnector1">
+              <a:avLst/>
+            </a:prstGeom>
+            <a:ln>
+              <a:tailEnd type="triangle"/>
+            </a:ln>
+          </p:spPr>
+          <p:style>
+            <a:lnRef idx="1">
+              <a:schemeClr val="accent1"/>
+            </a:lnRef>
+            <a:fillRef idx="0">
+              <a:schemeClr val="accent1"/>
+            </a:fillRef>
+            <a:effectRef idx="0">
+              <a:schemeClr val="accent1"/>
+            </a:effectRef>
+            <a:fontRef idx="minor">
+              <a:schemeClr val="tx1"/>
+            </a:fontRef>
+          </p:style>
+        </p:cxnSp>
+        <p:sp>
+          <p:nvSpPr>
+            <p:cNvPr id="52" name="文本框 51">
+              <a:extLst>
+                <a:ext uri="{FF2B5EF4-FFF2-40B4-BE49-F238E27FC236}">
+                  <a16:creationId xmlns:a16="http://schemas.microsoft.com/office/drawing/2014/main" id="{0211A344-7DB6-4B8D-B867-2BCEC3B818E8}"/>
+                </a:ext>
+              </a:extLst>
+            </p:cNvPr>
+            <p:cNvSpPr txBox="1"/>
+            <p:nvPr/>
+          </p:nvSpPr>
+          <p:spPr>
+            <a:xfrm>
+              <a:off x="4449130" y="2546380"/>
+              <a:ext cx="686213" cy="369332"/>
+            </a:xfrm>
+            <a:prstGeom prst="rect">
+              <a:avLst/>
+            </a:prstGeom>
+            <a:noFill/>
+          </p:spPr>
+          <p:txBody>
+            <a:bodyPr wrap="none" rtlCol="0">
+              <a:spAutoFit/>
+            </a:bodyPr>
+            <a:lstStyle/>
+            <a:p>
+              <a:r>
+                <a:rPr lang="en-US" altLang="zh-CN" dirty="0"/>
+                <a:t>value</a:t>
+              </a:r>
+              <a:endParaRPr lang="zh-CN" altLang="en-US" dirty="0"/>
+            </a:p>
+          </p:txBody>
+        </p:sp>
+        <p:sp>
+          <p:nvSpPr>
+            <p:cNvPr id="53" name="矩形 52">
+              <a:extLst>
+                <a:ext uri="{FF2B5EF4-FFF2-40B4-BE49-F238E27FC236}">
+                  <a16:creationId xmlns:a16="http://schemas.microsoft.com/office/drawing/2014/main" id="{AB34BFE6-BB48-48D9-AADA-7FF0F0915FC0}"/>
+                </a:ext>
+              </a:extLst>
+            </p:cNvPr>
+            <p:cNvSpPr/>
+            <p:nvPr/>
+          </p:nvSpPr>
+          <p:spPr>
+            <a:xfrm>
+              <a:off x="5319813" y="3264036"/>
+              <a:ext cx="1356174" cy="2501782"/>
+            </a:xfrm>
+            <a:prstGeom prst="rect">
+              <a:avLst/>
+            </a:prstGeom>
+            <a:noFill/>
+            <a:ln>
+              <a:solidFill>
+                <a:srgbClr val="5B9BD5"/>
+              </a:solidFill>
+            </a:ln>
+          </p:spPr>
+          <p:style>
+            <a:lnRef idx="2">
+              <a:schemeClr val="accent1">
+                <a:shade val="50000"/>
+              </a:schemeClr>
+            </a:lnRef>
+            <a:fillRef idx="1">
+              <a:schemeClr val="accent1"/>
+            </a:fillRef>
+            <a:effectRef idx="0">
+              <a:schemeClr val="accent1"/>
+            </a:effectRef>
+            <a:fontRef idx="minor">
+              <a:schemeClr val="lt1"/>
+            </a:fontRef>
+          </p:style>
+          <p:txBody>
+            <a:bodyPr rtlCol="0" anchor="ctr"/>
+            <a:lstStyle/>
+            <a:p>
+              <a:pPr algn="ctr"/>
+              <a:endParaRPr lang="zh-CN" altLang="en-US"/>
+            </a:p>
+          </p:txBody>
+        </p:sp>
+        <p:sp>
+          <p:nvSpPr>
+            <p:cNvPr id="54" name="矩形 53">
+              <a:extLst>
+                <a:ext uri="{FF2B5EF4-FFF2-40B4-BE49-F238E27FC236}">
+                  <a16:creationId xmlns:a16="http://schemas.microsoft.com/office/drawing/2014/main" id="{813F0B3A-38A3-47B4-9AFC-2D4133D6E31B}"/>
+                </a:ext>
+              </a:extLst>
+            </p:cNvPr>
+            <p:cNvSpPr/>
+            <p:nvPr/>
+          </p:nvSpPr>
+          <p:spPr>
+            <a:xfrm>
+              <a:off x="5514745" y="3356869"/>
+              <a:ext cx="921690" cy="400436"/>
+            </a:xfrm>
+            <a:prstGeom prst="rect">
+              <a:avLst/>
+            </a:prstGeom>
+            <a:solidFill>
+              <a:srgbClr val="5B9BD5"/>
+            </a:solidFill>
+            <a:ln>
+              <a:solidFill>
+                <a:srgbClr val="5B9BD5"/>
+              </a:solidFill>
+              <a:prstDash val="sysDash"/>
+            </a:ln>
+          </p:spPr>
+          <p:style>
+            <a:lnRef idx="2">
+              <a:schemeClr val="accent1">
+                <a:shade val="50000"/>
+              </a:schemeClr>
+            </a:lnRef>
+            <a:fillRef idx="1">
+              <a:schemeClr val="accent1"/>
+            </a:fillRef>
+            <a:effectRef idx="0">
+              <a:schemeClr val="accent1"/>
+            </a:effectRef>
+            <a:fontRef idx="minor">
+              <a:schemeClr val="lt1"/>
+            </a:fontRef>
+          </p:style>
+          <p:txBody>
+            <a:bodyPr rtlCol="0" anchor="ctr"/>
+            <a:lstStyle/>
+            <a:p>
+              <a:pPr algn="ctr"/>
+              <a:r>
+                <a:rPr lang="en-US" altLang="zh-CN" dirty="0">
+                  <a:solidFill>
+                    <a:schemeClr val="bg1"/>
+                  </a:solidFill>
+                </a:rPr>
+                <a:t>effect-1</a:t>
+              </a:r>
+              <a:endParaRPr lang="zh-CN" altLang="en-US" dirty="0">
+                <a:solidFill>
+                  <a:schemeClr val="bg1"/>
+                </a:solidFill>
+              </a:endParaRPr>
+            </a:p>
+          </p:txBody>
+        </p:sp>
+        <p:sp>
+          <p:nvSpPr>
+            <p:cNvPr id="55" name="矩形 54">
+              <a:extLst>
+                <a:ext uri="{FF2B5EF4-FFF2-40B4-BE49-F238E27FC236}">
+                  <a16:creationId xmlns:a16="http://schemas.microsoft.com/office/drawing/2014/main" id="{6D2430F5-5788-4508-8E75-4873AF3A9928}"/>
+                </a:ext>
+              </a:extLst>
+            </p:cNvPr>
+            <p:cNvSpPr/>
+            <p:nvPr/>
+          </p:nvSpPr>
+          <p:spPr>
+            <a:xfrm>
+              <a:off x="5514745" y="3850138"/>
+              <a:ext cx="921690" cy="400436"/>
+            </a:xfrm>
+            <a:prstGeom prst="rect">
+              <a:avLst/>
+            </a:prstGeom>
+            <a:solidFill>
+              <a:srgbClr val="5B9BD5"/>
+            </a:solidFill>
+            <a:ln>
+              <a:solidFill>
+                <a:srgbClr val="5B9BD5"/>
+              </a:solidFill>
+              <a:prstDash val="sysDash"/>
+            </a:ln>
+          </p:spPr>
+          <p:style>
+            <a:lnRef idx="2">
+              <a:schemeClr val="accent1">
+                <a:shade val="50000"/>
+              </a:schemeClr>
+            </a:lnRef>
+            <a:fillRef idx="1">
+              <a:schemeClr val="accent1"/>
+            </a:fillRef>
+            <a:effectRef idx="0">
+              <a:schemeClr val="accent1"/>
+            </a:effectRef>
+            <a:fontRef idx="minor">
+              <a:schemeClr val="lt1"/>
+            </a:fontRef>
+          </p:style>
+          <p:txBody>
+            <a:bodyPr rtlCol="0" anchor="ctr"/>
+            <a:lstStyle/>
+            <a:p>
+              <a:pPr algn="ctr"/>
+              <a:r>
+                <a:rPr lang="en-US" altLang="zh-CN" dirty="0">
+                  <a:solidFill>
+                    <a:schemeClr val="bg1"/>
+                  </a:solidFill>
+                </a:rPr>
+                <a:t>effect-1</a:t>
+              </a:r>
+              <a:endParaRPr lang="zh-CN" altLang="en-US" dirty="0">
+                <a:solidFill>
+                  <a:schemeClr val="bg1"/>
+                </a:solidFill>
+              </a:endParaRPr>
+            </a:p>
+          </p:txBody>
+        </p:sp>
+        <p:sp>
+          <p:nvSpPr>
+            <p:cNvPr id="56" name="矩形 55">
+              <a:extLst>
+                <a:ext uri="{FF2B5EF4-FFF2-40B4-BE49-F238E27FC236}">
+                  <a16:creationId xmlns:a16="http://schemas.microsoft.com/office/drawing/2014/main" id="{1BCBC85E-3213-42A1-8752-B6F7CCE16C60}"/>
+                </a:ext>
+              </a:extLst>
+            </p:cNvPr>
+            <p:cNvSpPr/>
+            <p:nvPr/>
+          </p:nvSpPr>
+          <p:spPr>
+            <a:xfrm>
+              <a:off x="5514745" y="5271137"/>
+              <a:ext cx="921690" cy="400436"/>
+            </a:xfrm>
+            <a:prstGeom prst="rect">
+              <a:avLst/>
+            </a:prstGeom>
+            <a:solidFill>
+              <a:srgbClr val="5B9BD5"/>
+            </a:solidFill>
+            <a:ln>
+              <a:solidFill>
+                <a:srgbClr val="5B9BD5"/>
+              </a:solidFill>
+              <a:prstDash val="sysDash"/>
+            </a:ln>
+          </p:spPr>
+          <p:style>
+            <a:lnRef idx="2">
+              <a:schemeClr val="accent1">
+                <a:shade val="50000"/>
+              </a:schemeClr>
+            </a:lnRef>
+            <a:fillRef idx="1">
+              <a:schemeClr val="accent1"/>
+            </a:fillRef>
+            <a:effectRef idx="0">
+              <a:schemeClr val="accent1"/>
+            </a:effectRef>
+            <a:fontRef idx="minor">
+              <a:schemeClr val="lt1"/>
+            </a:fontRef>
+          </p:style>
+          <p:txBody>
+            <a:bodyPr rtlCol="0" anchor="ctr"/>
+            <a:lstStyle/>
+            <a:p>
+              <a:pPr algn="ctr"/>
+              <a:r>
+                <a:rPr lang="en-US" altLang="zh-CN" dirty="0">
+                  <a:solidFill>
+                    <a:schemeClr val="bg1"/>
+                  </a:solidFill>
+                </a:rPr>
+                <a:t>effect-n</a:t>
+              </a:r>
+              <a:endParaRPr lang="zh-CN" altLang="en-US" dirty="0">
+                <a:solidFill>
+                  <a:schemeClr val="bg1"/>
+                </a:solidFill>
+              </a:endParaRPr>
+            </a:p>
+          </p:txBody>
+        </p:sp>
+        <p:cxnSp>
+          <p:nvCxnSpPr>
+            <p:cNvPr id="57" name="直接连接符 56">
+              <a:extLst>
+                <a:ext uri="{FF2B5EF4-FFF2-40B4-BE49-F238E27FC236}">
+                  <a16:creationId xmlns:a16="http://schemas.microsoft.com/office/drawing/2014/main" id="{AB1FDCAE-D495-48F2-A75C-A85D3AE79BE8}"/>
+                </a:ext>
+              </a:extLst>
+            </p:cNvPr>
+            <p:cNvCxnSpPr>
+              <a:cxnSpLocks/>
+            </p:cNvCxnSpPr>
+            <p:nvPr/>
+          </p:nvCxnSpPr>
+          <p:spPr>
+            <a:xfrm>
+              <a:off x="5997900" y="4423766"/>
+              <a:ext cx="0" cy="682204"/>
+            </a:xfrm>
+            <a:prstGeom prst="line">
+              <a:avLst/>
+            </a:prstGeom>
+            <a:ln>
+              <a:prstDash val="lgDash"/>
+            </a:ln>
+          </p:spPr>
+          <p:style>
+            <a:lnRef idx="1">
+              <a:schemeClr val="accent1"/>
+            </a:lnRef>
+            <a:fillRef idx="0">
+              <a:schemeClr val="accent1"/>
+            </a:fillRef>
+            <a:effectRef idx="0">
+              <a:schemeClr val="accent1"/>
+            </a:effectRef>
+            <a:fontRef idx="minor">
+              <a:schemeClr val="tx1"/>
+            </a:fontRef>
+          </p:style>
+        </p:cxnSp>
+      </p:grpSp>
+    </p:spTree>
+    <p:extLst>
+      <p:ext uri="{BB962C8B-B14F-4D97-AF65-F5344CB8AC3E}">
+        <p14:creationId xmlns:p14="http://schemas.microsoft.com/office/powerpoint/2010/main" val="1672256668"/>
+      </p:ext>
+    </p:extLst>
+  </p:cSld>
+  <p:clrMapOvr>
+    <a:masterClrMapping/>
+  </p:clrMapOvr>
+</p:sld>
+</file>
+
+<file path=ppt/slides/slide4.xml><?xml version="1.0" encoding="utf-8"?>
+<p:sld xmlns:a="http://schemas.openxmlformats.org/drawingml/2006/main" xmlns:r="http://schemas.openxmlformats.org/officeDocument/2006/relationships" xmlns:p="http://schemas.openxmlformats.org/presentationml/2006/main">
+  <p:cSld>
+    <p:spTree>
+      <p:nvGrpSpPr>
+        <p:cNvPr id="1" name=""/>
+        <p:cNvGrpSpPr/>
+        <p:nvPr/>
+      </p:nvGrpSpPr>
+      <p:grpSpPr>
+        <a:xfrm>
+          <a:off x="0" y="0"/>
+          <a:ext cx="0" cy="0"/>
+          <a:chOff x="0" y="0"/>
+          <a:chExt cx="0" cy="0"/>
+        </a:xfrm>
+      </p:grpSpPr>
+      <p:sp>
+        <p:nvSpPr>
+          <p:cNvPr id="2" name="矩形: 圆角 1">
             <a:extLst>
-              <a:ext uri="{28A0092B-C50C-407E-A947-70E740481C1C}">
-                <a14:useLocalDpi xmlns:a14="http://schemas.microsoft.com/office/drawing/2010/main" val="0"/>
+              <a:ext uri="{FF2B5EF4-FFF2-40B4-BE49-F238E27FC236}">
+                <a16:creationId xmlns:a16="http://schemas.microsoft.com/office/drawing/2014/main" id="{A1F1F0EB-21BE-4FB6-959B-C0E8FBF4BF71}"/>
               </a:ext>
             </a:extLst>
-          </a:blip>
-          <a:srcRect l="7502" t="18088" r="7219" b="17408"/>
-          <a:stretch/>
-        </p:blipFill>
+          </p:cNvPr>
+          <p:cNvSpPr/>
+          <p:nvPr/>
+        </p:nvSpPr>
         <p:spPr>
           <a:xfrm>
-            <a:off x="897924" y="650789"/>
-            <a:ext cx="2706705" cy="848497"/>
+            <a:off x="3094871" y="397185"/>
+            <a:ext cx="1257044" cy="337794"/>
+          </a:xfrm>
+          <a:prstGeom prst="roundRect">
+            <a:avLst/>
+          </a:prstGeom>
+          <a:ln>
+            <a:noFill/>
+          </a:ln>
+        </p:spPr>
+        <p:style>
+          <a:lnRef idx="2">
+            <a:schemeClr val="accent1">
+              <a:shade val="50000"/>
+            </a:schemeClr>
+          </a:lnRef>
+          <a:fillRef idx="1">
+            <a:schemeClr val="accent1"/>
+          </a:fillRef>
+          <a:effectRef idx="0">
+            <a:schemeClr val="accent1"/>
+          </a:effectRef>
+          <a:fontRef idx="minor">
+            <a:schemeClr val="lt1"/>
+          </a:fontRef>
+        </p:style>
+        <p:txBody>
+          <a:bodyPr rtlCol="0" anchor="ctr"/>
+          <a:lstStyle/>
+          <a:p>
+            <a:pPr algn="ctr"/>
+            <a:r>
+              <a:rPr lang="en-US" altLang="zh-CN" u="sng" dirty="0" err="1"/>
+              <a:t>WeakMap</a:t>
+            </a:r>
+            <a:endParaRPr lang="zh-CN" altLang="en-US" u="sng" dirty="0"/>
+          </a:p>
+        </p:txBody>
+      </p:sp>
+      <p:sp>
+        <p:nvSpPr>
+          <p:cNvPr id="4" name="矩形: 圆角 3">
+            <a:extLst>
+              <a:ext uri="{FF2B5EF4-FFF2-40B4-BE49-F238E27FC236}">
+                <a16:creationId xmlns:a16="http://schemas.microsoft.com/office/drawing/2014/main" id="{E9718C40-FE64-4F90-BF1E-295679164CBC}"/>
+              </a:ext>
+            </a:extLst>
+          </p:cNvPr>
+          <p:cNvSpPr/>
+          <p:nvPr/>
+        </p:nvSpPr>
+        <p:spPr>
+          <a:xfrm>
+            <a:off x="3094871" y="935384"/>
+            <a:ext cx="1257044" cy="337795"/>
+          </a:xfrm>
+          <a:prstGeom prst="roundRect">
+            <a:avLst/>
+          </a:prstGeom>
+          <a:ln>
+            <a:noFill/>
+          </a:ln>
+        </p:spPr>
+        <p:style>
+          <a:lnRef idx="2">
+            <a:schemeClr val="accent1">
+              <a:shade val="50000"/>
+            </a:schemeClr>
+          </a:lnRef>
+          <a:fillRef idx="1">
+            <a:schemeClr val="accent1"/>
+          </a:fillRef>
+          <a:effectRef idx="0">
+            <a:schemeClr val="accent1"/>
+          </a:effectRef>
+          <a:fontRef idx="minor">
+            <a:schemeClr val="lt1"/>
+          </a:fontRef>
+        </p:style>
+        <p:txBody>
+          <a:bodyPr rtlCol="0" anchor="ctr"/>
+          <a:lstStyle/>
+          <a:p>
+            <a:pPr algn="ctr"/>
+            <a:r>
+              <a:rPr lang="en-US" altLang="zh-CN" u="sng" dirty="0"/>
+              <a:t>key</a:t>
+            </a:r>
+            <a:endParaRPr lang="zh-CN" altLang="en-US" u="sng" dirty="0"/>
+          </a:p>
+        </p:txBody>
+      </p:sp>
+      <p:sp>
+        <p:nvSpPr>
+          <p:cNvPr id="5" name="矩形: 圆角 4">
+            <a:extLst>
+              <a:ext uri="{FF2B5EF4-FFF2-40B4-BE49-F238E27FC236}">
+                <a16:creationId xmlns:a16="http://schemas.microsoft.com/office/drawing/2014/main" id="{2120C1A6-89F1-4715-B0D2-2EB90B663BE8}"/>
+              </a:ext>
+            </a:extLst>
+          </p:cNvPr>
+          <p:cNvSpPr/>
+          <p:nvPr/>
+        </p:nvSpPr>
+        <p:spPr>
+          <a:xfrm>
+            <a:off x="5487575" y="1644860"/>
+            <a:ext cx="1356172" cy="296007"/>
+          </a:xfrm>
+          <a:prstGeom prst="roundRect">
+            <a:avLst/>
+          </a:prstGeom>
+          <a:ln>
+            <a:noFill/>
+          </a:ln>
+        </p:spPr>
+        <p:style>
+          <a:lnRef idx="2">
+            <a:schemeClr val="accent1">
+              <a:shade val="50000"/>
+            </a:schemeClr>
+          </a:lnRef>
+          <a:fillRef idx="1">
+            <a:schemeClr val="accent1"/>
+          </a:fillRef>
+          <a:effectRef idx="0">
+            <a:schemeClr val="accent1"/>
+          </a:effectRef>
+          <a:fontRef idx="minor">
+            <a:schemeClr val="lt1"/>
+          </a:fontRef>
+        </p:style>
+        <p:txBody>
+          <a:bodyPr rtlCol="0" anchor="ctr"/>
+          <a:lstStyle/>
+          <a:p>
+            <a:pPr algn="ctr"/>
+            <a:r>
+              <a:rPr lang="en-US" altLang="zh-CN" u="sng" dirty="0"/>
+              <a:t>Map</a:t>
+            </a:r>
+            <a:endParaRPr lang="zh-CN" altLang="en-US" u="sng" dirty="0"/>
+          </a:p>
+        </p:txBody>
+      </p:sp>
+      <p:sp>
+        <p:nvSpPr>
+          <p:cNvPr id="7" name="矩形: 圆角 6">
+            <a:extLst>
+              <a:ext uri="{FF2B5EF4-FFF2-40B4-BE49-F238E27FC236}">
+                <a16:creationId xmlns:a16="http://schemas.microsoft.com/office/drawing/2014/main" id="{EB9E90C1-E2A6-4F11-867A-0A72E4C36B4D}"/>
+              </a:ext>
+            </a:extLst>
+          </p:cNvPr>
+          <p:cNvSpPr/>
+          <p:nvPr/>
+        </p:nvSpPr>
+        <p:spPr>
+          <a:xfrm>
+            <a:off x="5487574" y="2264495"/>
+            <a:ext cx="1356173" cy="296007"/>
+          </a:xfrm>
+          <a:prstGeom prst="roundRect">
+            <a:avLst/>
+          </a:prstGeom>
+          <a:ln>
+            <a:noFill/>
+          </a:ln>
+        </p:spPr>
+        <p:style>
+          <a:lnRef idx="2">
+            <a:schemeClr val="accent1">
+              <a:shade val="50000"/>
+            </a:schemeClr>
+          </a:lnRef>
+          <a:fillRef idx="1">
+            <a:schemeClr val="accent1"/>
+          </a:fillRef>
+          <a:effectRef idx="0">
+            <a:schemeClr val="accent1"/>
+          </a:effectRef>
+          <a:fontRef idx="minor">
+            <a:schemeClr val="lt1"/>
+          </a:fontRef>
+        </p:style>
+        <p:txBody>
+          <a:bodyPr rtlCol="0" anchor="ctr"/>
+          <a:lstStyle/>
+          <a:p>
+            <a:pPr algn="ctr"/>
+            <a:r>
+              <a:rPr lang="en-US" altLang="zh-CN" u="sng" dirty="0"/>
+              <a:t>key</a:t>
+            </a:r>
+            <a:endParaRPr lang="zh-CN" altLang="en-US" u="sng" dirty="0"/>
+          </a:p>
+        </p:txBody>
+      </p:sp>
+      <p:sp>
+        <p:nvSpPr>
+          <p:cNvPr id="8" name="矩形: 圆角 7">
+            <a:extLst>
+              <a:ext uri="{FF2B5EF4-FFF2-40B4-BE49-F238E27FC236}">
+                <a16:creationId xmlns:a16="http://schemas.microsoft.com/office/drawing/2014/main" id="{D2AF87C6-ED4E-47FB-8D43-1067E70E8FDD}"/>
+              </a:ext>
+            </a:extLst>
+          </p:cNvPr>
+          <p:cNvSpPr/>
+          <p:nvPr/>
+        </p:nvSpPr>
+        <p:spPr>
+          <a:xfrm>
+            <a:off x="7740955" y="3015108"/>
+            <a:ext cx="1356174" cy="329736"/>
+          </a:xfrm>
+          <a:prstGeom prst="roundRect">
+            <a:avLst/>
+          </a:prstGeom>
+          <a:ln>
+            <a:noFill/>
+          </a:ln>
+        </p:spPr>
+        <p:style>
+          <a:lnRef idx="2">
+            <a:schemeClr val="accent1">
+              <a:shade val="50000"/>
+            </a:schemeClr>
+          </a:lnRef>
+          <a:fillRef idx="1">
+            <a:schemeClr val="accent1"/>
+          </a:fillRef>
+          <a:effectRef idx="0">
+            <a:schemeClr val="accent1"/>
+          </a:effectRef>
+          <a:fontRef idx="minor">
+            <a:schemeClr val="lt1"/>
+          </a:fontRef>
+        </p:style>
+        <p:txBody>
+          <a:bodyPr rtlCol="0" anchor="ctr"/>
+          <a:lstStyle/>
+          <a:p>
+            <a:pPr algn="ctr"/>
+            <a:r>
+              <a:rPr lang="en-US" altLang="zh-CN" u="sng" dirty="0"/>
+              <a:t>Set</a:t>
+            </a:r>
+            <a:endParaRPr lang="zh-CN" altLang="en-US" u="sng" dirty="0"/>
+          </a:p>
+        </p:txBody>
+      </p:sp>
+      <p:sp>
+        <p:nvSpPr>
+          <p:cNvPr id="3" name="矩形 2">
+            <a:extLst>
+              <a:ext uri="{FF2B5EF4-FFF2-40B4-BE49-F238E27FC236}">
+                <a16:creationId xmlns:a16="http://schemas.microsoft.com/office/drawing/2014/main" id="{049A4773-3C36-4A26-B2E4-B9DD18CC2729}"/>
+              </a:ext>
+            </a:extLst>
+          </p:cNvPr>
+          <p:cNvSpPr/>
+          <p:nvPr/>
+        </p:nvSpPr>
+        <p:spPr>
+          <a:xfrm>
+            <a:off x="3094871" y="1419689"/>
+            <a:ext cx="1257045" cy="727893"/>
           </a:xfrm>
           <a:prstGeom prst="rect">
             <a:avLst/>
           </a:prstGeom>
+          <a:noFill/>
+          <a:ln>
+            <a:solidFill>
+              <a:srgbClr val="5B9BD5"/>
+            </a:solidFill>
+          </a:ln>
         </p:spPr>
-      </p:pic>
+        <p:style>
+          <a:lnRef idx="2">
+            <a:schemeClr val="accent1">
+              <a:shade val="50000"/>
+            </a:schemeClr>
+          </a:lnRef>
+          <a:fillRef idx="1">
+            <a:schemeClr val="accent1"/>
+          </a:fillRef>
+          <a:effectRef idx="0">
+            <a:schemeClr val="accent1"/>
+          </a:effectRef>
+          <a:fontRef idx="minor">
+            <a:schemeClr val="lt1"/>
+          </a:fontRef>
+        </p:style>
+        <p:txBody>
+          <a:bodyPr rtlCol="0" anchor="ctr"/>
+          <a:lstStyle/>
+          <a:p>
+            <a:pPr algn="ctr"/>
+            <a:endParaRPr lang="zh-CN" altLang="en-US" u="sng"/>
+          </a:p>
+        </p:txBody>
+      </p:sp>
+      <p:cxnSp>
+        <p:nvCxnSpPr>
+          <p:cNvPr id="10" name="直接箭头连接符 9">
+            <a:extLst>
+              <a:ext uri="{FF2B5EF4-FFF2-40B4-BE49-F238E27FC236}">
+                <a16:creationId xmlns:a16="http://schemas.microsoft.com/office/drawing/2014/main" id="{F3066A8C-9008-4852-8CE2-4CCFAD5B4055}"/>
+              </a:ext>
+            </a:extLst>
+          </p:cNvPr>
+          <p:cNvCxnSpPr>
+            <a:cxnSpLocks/>
+            <a:stCxn id="2" idx="2"/>
+            <a:endCxn id="4" idx="0"/>
+          </p:cNvCxnSpPr>
+          <p:nvPr/>
+        </p:nvCxnSpPr>
+        <p:spPr>
+          <a:xfrm>
+            <a:off x="3723393" y="734979"/>
+            <a:ext cx="0" cy="200405"/>
+          </a:xfrm>
+          <a:prstGeom prst="straightConnector1">
+            <a:avLst/>
+          </a:prstGeom>
+          <a:ln w="19050">
+            <a:tailEnd type="triangle"/>
+          </a:ln>
+        </p:spPr>
+        <p:style>
+          <a:lnRef idx="1">
+            <a:schemeClr val="accent1"/>
+          </a:lnRef>
+          <a:fillRef idx="0">
+            <a:schemeClr val="accent1"/>
+          </a:fillRef>
+          <a:effectRef idx="0">
+            <a:schemeClr val="accent1"/>
+          </a:effectRef>
+          <a:fontRef idx="minor">
+            <a:schemeClr val="tx1"/>
+          </a:fontRef>
+        </p:style>
+      </p:cxnSp>
+      <p:sp>
+        <p:nvSpPr>
+          <p:cNvPr id="11" name="矩形 10">
+            <a:extLst>
+              <a:ext uri="{FF2B5EF4-FFF2-40B4-BE49-F238E27FC236}">
+                <a16:creationId xmlns:a16="http://schemas.microsoft.com/office/drawing/2014/main" id="{37E89ED6-961A-4095-A6CF-8109A50E8260}"/>
+              </a:ext>
+            </a:extLst>
+          </p:cNvPr>
+          <p:cNvSpPr/>
+          <p:nvPr/>
+        </p:nvSpPr>
+        <p:spPr>
+          <a:xfrm>
+            <a:off x="3183143" y="1588774"/>
+            <a:ext cx="1068335" cy="400436"/>
+          </a:xfrm>
+          <a:prstGeom prst="rect">
+            <a:avLst/>
+          </a:prstGeom>
+          <a:solidFill>
+            <a:srgbClr val="5B9BD5"/>
+          </a:solidFill>
+          <a:ln>
+            <a:solidFill>
+              <a:srgbClr val="5B9BD5"/>
+            </a:solidFill>
+            <a:prstDash val="sysDash"/>
+          </a:ln>
+        </p:spPr>
+        <p:style>
+          <a:lnRef idx="2">
+            <a:schemeClr val="accent1">
+              <a:shade val="50000"/>
+            </a:schemeClr>
+          </a:lnRef>
+          <a:fillRef idx="1">
+            <a:schemeClr val="accent1"/>
+          </a:fillRef>
+          <a:effectRef idx="0">
+            <a:schemeClr val="accent1"/>
+          </a:effectRef>
+          <a:fontRef idx="minor">
+            <a:schemeClr val="lt1"/>
+          </a:fontRef>
+        </p:style>
+        <p:txBody>
+          <a:bodyPr rtlCol="0" anchor="ctr"/>
+          <a:lstStyle/>
+          <a:p>
+            <a:pPr algn="ctr"/>
+            <a:r>
+              <a:rPr lang="en-US" altLang="zh-CN" u="sng" dirty="0">
+                <a:solidFill>
+                  <a:schemeClr val="bg1"/>
+                </a:solidFill>
+              </a:rPr>
+              <a:t>data</a:t>
+            </a:r>
+            <a:endParaRPr lang="zh-CN" altLang="en-US" u="sng" dirty="0">
+              <a:solidFill>
+                <a:schemeClr val="bg1"/>
+              </a:solidFill>
+            </a:endParaRPr>
+          </a:p>
+        </p:txBody>
+      </p:sp>
+      <p:cxnSp>
+        <p:nvCxnSpPr>
+          <p:cNvPr id="18" name="直接箭头连接符 17">
+            <a:extLst>
+              <a:ext uri="{FF2B5EF4-FFF2-40B4-BE49-F238E27FC236}">
+                <a16:creationId xmlns:a16="http://schemas.microsoft.com/office/drawing/2014/main" id="{FDBB8053-EBB9-44F3-9B2D-092DA37316D8}"/>
+              </a:ext>
+            </a:extLst>
+          </p:cNvPr>
+          <p:cNvCxnSpPr>
+            <a:cxnSpLocks/>
+            <a:stCxn id="11" idx="3"/>
+            <a:endCxn id="5" idx="1"/>
+          </p:cNvCxnSpPr>
+          <p:nvPr/>
+        </p:nvCxnSpPr>
+        <p:spPr>
+          <a:xfrm>
+            <a:off x="4251478" y="1788992"/>
+            <a:ext cx="1236097" cy="3872"/>
+          </a:xfrm>
+          <a:prstGeom prst="straightConnector1">
+            <a:avLst/>
+          </a:prstGeom>
+          <a:ln>
+            <a:tailEnd type="triangle"/>
+          </a:ln>
+        </p:spPr>
+        <p:style>
+          <a:lnRef idx="1">
+            <a:schemeClr val="accent1"/>
+          </a:lnRef>
+          <a:fillRef idx="0">
+            <a:schemeClr val="accent1"/>
+          </a:fillRef>
+          <a:effectRef idx="0">
+            <a:schemeClr val="accent1"/>
+          </a:effectRef>
+          <a:fontRef idx="minor">
+            <a:schemeClr val="tx1"/>
+          </a:fontRef>
+        </p:style>
+      </p:cxnSp>
+      <p:sp>
+        <p:nvSpPr>
+          <p:cNvPr id="20" name="文本框 19">
+            <a:extLst>
+              <a:ext uri="{FF2B5EF4-FFF2-40B4-BE49-F238E27FC236}">
+                <a16:creationId xmlns:a16="http://schemas.microsoft.com/office/drawing/2014/main" id="{571D6EAF-FDDC-4E2C-992D-C85C86B4368A}"/>
+              </a:ext>
+            </a:extLst>
+          </p:cNvPr>
+          <p:cNvSpPr txBox="1"/>
+          <p:nvPr/>
+        </p:nvSpPr>
+        <p:spPr>
+          <a:xfrm>
+            <a:off x="4572575" y="1460194"/>
+            <a:ext cx="686213" cy="369332"/>
+          </a:xfrm>
+          <a:prstGeom prst="rect">
+            <a:avLst/>
+          </a:prstGeom>
+          <a:noFill/>
+        </p:spPr>
+        <p:txBody>
+          <a:bodyPr wrap="none" rtlCol="0">
+            <a:spAutoFit/>
+          </a:bodyPr>
+          <a:lstStyle/>
+          <a:p>
+            <a:r>
+              <a:rPr lang="en-US" altLang="zh-CN" u="sng" dirty="0"/>
+              <a:t>value</a:t>
+            </a:r>
+            <a:endParaRPr lang="zh-CN" altLang="en-US" u="sng" dirty="0"/>
+          </a:p>
+        </p:txBody>
+      </p:sp>
+      <p:cxnSp>
+        <p:nvCxnSpPr>
+          <p:cNvPr id="22" name="直接箭头连接符 21">
+            <a:extLst>
+              <a:ext uri="{FF2B5EF4-FFF2-40B4-BE49-F238E27FC236}">
+                <a16:creationId xmlns:a16="http://schemas.microsoft.com/office/drawing/2014/main" id="{3CACD87C-4EE5-4CC3-8FAF-DFC93E4D7AB9}"/>
+              </a:ext>
+            </a:extLst>
+          </p:cNvPr>
+          <p:cNvCxnSpPr>
+            <a:cxnSpLocks/>
+            <a:stCxn id="5" idx="2"/>
+            <a:endCxn id="7" idx="0"/>
+          </p:cNvCxnSpPr>
+          <p:nvPr/>
+        </p:nvCxnSpPr>
+        <p:spPr>
+          <a:xfrm>
+            <a:off x="6165661" y="1940867"/>
+            <a:ext cx="0" cy="323628"/>
+          </a:xfrm>
+          <a:prstGeom prst="straightConnector1">
+            <a:avLst/>
+          </a:prstGeom>
+          <a:ln w="19050">
+            <a:tailEnd type="triangle"/>
+          </a:ln>
+        </p:spPr>
+        <p:style>
+          <a:lnRef idx="1">
+            <a:schemeClr val="accent1"/>
+          </a:lnRef>
+          <a:fillRef idx="0">
+            <a:schemeClr val="accent1"/>
+          </a:fillRef>
+          <a:effectRef idx="0">
+            <a:schemeClr val="accent1"/>
+          </a:effectRef>
+          <a:fontRef idx="minor">
+            <a:schemeClr val="tx1"/>
+          </a:fontRef>
+        </p:style>
+      </p:cxnSp>
+      <p:sp>
+        <p:nvSpPr>
+          <p:cNvPr id="23" name="矩形 22">
+            <a:extLst>
+              <a:ext uri="{FF2B5EF4-FFF2-40B4-BE49-F238E27FC236}">
+                <a16:creationId xmlns:a16="http://schemas.microsoft.com/office/drawing/2014/main" id="{738E34AA-7DAD-40EB-87D9-36BB5FB9B43D}"/>
+              </a:ext>
+            </a:extLst>
+          </p:cNvPr>
+          <p:cNvSpPr/>
+          <p:nvPr/>
+        </p:nvSpPr>
+        <p:spPr>
+          <a:xfrm>
+            <a:off x="5487574" y="2879252"/>
+            <a:ext cx="1356174" cy="1132053"/>
+          </a:xfrm>
+          <a:prstGeom prst="rect">
+            <a:avLst/>
+          </a:prstGeom>
+          <a:noFill/>
+          <a:ln>
+            <a:solidFill>
+              <a:srgbClr val="5B9BD5"/>
+            </a:solidFill>
+          </a:ln>
+        </p:spPr>
+        <p:style>
+          <a:lnRef idx="2">
+            <a:schemeClr val="accent1">
+              <a:shade val="50000"/>
+            </a:schemeClr>
+          </a:lnRef>
+          <a:fillRef idx="1">
+            <a:schemeClr val="accent1"/>
+          </a:fillRef>
+          <a:effectRef idx="0">
+            <a:schemeClr val="accent1"/>
+          </a:effectRef>
+          <a:fontRef idx="minor">
+            <a:schemeClr val="lt1"/>
+          </a:fontRef>
+        </p:style>
+        <p:txBody>
+          <a:bodyPr rtlCol="0" anchor="ctr"/>
+          <a:lstStyle/>
+          <a:p>
+            <a:pPr algn="ctr"/>
+            <a:endParaRPr lang="zh-CN" altLang="en-US" u="sng"/>
+          </a:p>
+        </p:txBody>
+      </p:sp>
+      <p:sp>
+        <p:nvSpPr>
+          <p:cNvPr id="24" name="矩形 23">
+            <a:extLst>
+              <a:ext uri="{FF2B5EF4-FFF2-40B4-BE49-F238E27FC236}">
+                <a16:creationId xmlns:a16="http://schemas.microsoft.com/office/drawing/2014/main" id="{369D2710-7B0D-4123-AEF4-4E6BFBC8F636}"/>
+              </a:ext>
+            </a:extLst>
+          </p:cNvPr>
+          <p:cNvSpPr/>
+          <p:nvPr/>
+        </p:nvSpPr>
+        <p:spPr>
+          <a:xfrm>
+            <a:off x="5682506" y="2972085"/>
+            <a:ext cx="921690" cy="400436"/>
+          </a:xfrm>
+          <a:prstGeom prst="rect">
+            <a:avLst/>
+          </a:prstGeom>
+          <a:solidFill>
+            <a:srgbClr val="5B9BD5"/>
+          </a:solidFill>
+          <a:ln>
+            <a:solidFill>
+              <a:srgbClr val="5B9BD5"/>
+            </a:solidFill>
+            <a:prstDash val="sysDash"/>
+          </a:ln>
+        </p:spPr>
+        <p:style>
+          <a:lnRef idx="2">
+            <a:schemeClr val="accent1">
+              <a:shade val="50000"/>
+            </a:schemeClr>
+          </a:lnRef>
+          <a:fillRef idx="1">
+            <a:schemeClr val="accent1"/>
+          </a:fillRef>
+          <a:effectRef idx="0">
+            <a:schemeClr val="accent1"/>
+          </a:effectRef>
+          <a:fontRef idx="minor">
+            <a:schemeClr val="lt1"/>
+          </a:fontRef>
+        </p:style>
+        <p:txBody>
+          <a:bodyPr rtlCol="0" anchor="ctr"/>
+          <a:lstStyle/>
+          <a:p>
+            <a:pPr algn="ctr"/>
+            <a:r>
+              <a:rPr lang="en-US" altLang="zh-CN" u="sng" dirty="0">
+                <a:solidFill>
+                  <a:schemeClr val="bg1"/>
+                </a:solidFill>
+              </a:rPr>
+              <a:t>ok</a:t>
+            </a:r>
+            <a:endParaRPr lang="zh-CN" altLang="en-US" u="sng" dirty="0">
+              <a:solidFill>
+                <a:schemeClr val="bg1"/>
+              </a:solidFill>
+            </a:endParaRPr>
+          </a:p>
+        </p:txBody>
+      </p:sp>
+      <p:cxnSp>
+        <p:nvCxnSpPr>
+          <p:cNvPr id="51" name="直接箭头连接符 50">
+            <a:extLst>
+              <a:ext uri="{FF2B5EF4-FFF2-40B4-BE49-F238E27FC236}">
+                <a16:creationId xmlns:a16="http://schemas.microsoft.com/office/drawing/2014/main" id="{0B88C6CA-18EA-4DD2-99EF-6921C45B1778}"/>
+              </a:ext>
+            </a:extLst>
+          </p:cNvPr>
+          <p:cNvCxnSpPr>
+            <a:cxnSpLocks/>
+            <a:endCxn id="8" idx="1"/>
+          </p:cNvCxnSpPr>
+          <p:nvPr/>
+        </p:nvCxnSpPr>
+        <p:spPr>
+          <a:xfrm>
+            <a:off x="6630720" y="3172303"/>
+            <a:ext cx="1110235" cy="7673"/>
+          </a:xfrm>
+          <a:prstGeom prst="straightConnector1">
+            <a:avLst/>
+          </a:prstGeom>
+          <a:ln>
+            <a:tailEnd type="triangle"/>
+          </a:ln>
+        </p:spPr>
+        <p:style>
+          <a:lnRef idx="1">
+            <a:schemeClr val="accent1"/>
+          </a:lnRef>
+          <a:fillRef idx="0">
+            <a:schemeClr val="accent1"/>
+          </a:fillRef>
+          <a:effectRef idx="0">
+            <a:schemeClr val="accent1"/>
+          </a:effectRef>
+          <a:fontRef idx="minor">
+            <a:schemeClr val="tx1"/>
+          </a:fontRef>
+        </p:style>
+      </p:cxnSp>
+      <p:sp>
+        <p:nvSpPr>
+          <p:cNvPr id="52" name="文本框 51">
+            <a:extLst>
+              <a:ext uri="{FF2B5EF4-FFF2-40B4-BE49-F238E27FC236}">
+                <a16:creationId xmlns:a16="http://schemas.microsoft.com/office/drawing/2014/main" id="{0211A344-7DB6-4B8D-B867-2BCEC3B818E8}"/>
+              </a:ext>
+            </a:extLst>
+          </p:cNvPr>
+          <p:cNvSpPr txBox="1"/>
+          <p:nvPr/>
+        </p:nvSpPr>
+        <p:spPr>
+          <a:xfrm>
+            <a:off x="6870272" y="2800380"/>
+            <a:ext cx="686213" cy="369332"/>
+          </a:xfrm>
+          <a:prstGeom prst="rect">
+            <a:avLst/>
+          </a:prstGeom>
+          <a:noFill/>
+        </p:spPr>
+        <p:txBody>
+          <a:bodyPr wrap="none" rtlCol="0">
+            <a:spAutoFit/>
+          </a:bodyPr>
+          <a:lstStyle/>
+          <a:p>
+            <a:r>
+              <a:rPr lang="en-US" altLang="zh-CN" u="sng" dirty="0"/>
+              <a:t>value</a:t>
+            </a:r>
+            <a:endParaRPr lang="zh-CN" altLang="en-US" u="sng" dirty="0"/>
+          </a:p>
+        </p:txBody>
+      </p:sp>
+      <p:sp>
+        <p:nvSpPr>
+          <p:cNvPr id="54" name="矩形 53">
+            <a:extLst>
+              <a:ext uri="{FF2B5EF4-FFF2-40B4-BE49-F238E27FC236}">
+                <a16:creationId xmlns:a16="http://schemas.microsoft.com/office/drawing/2014/main" id="{813F0B3A-38A3-47B4-9AFC-2D4133D6E31B}"/>
+              </a:ext>
+            </a:extLst>
+          </p:cNvPr>
+          <p:cNvSpPr/>
+          <p:nvPr/>
+        </p:nvSpPr>
+        <p:spPr>
+          <a:xfrm>
+            <a:off x="9281597" y="3081436"/>
+            <a:ext cx="1073889" cy="189405"/>
+          </a:xfrm>
+          <a:prstGeom prst="rect">
+            <a:avLst/>
+          </a:prstGeom>
+          <a:solidFill>
+            <a:srgbClr val="5B9BD5"/>
+          </a:solidFill>
+          <a:ln>
+            <a:solidFill>
+              <a:srgbClr val="5B9BD5"/>
+            </a:solidFill>
+            <a:prstDash val="sysDash"/>
+          </a:ln>
+        </p:spPr>
+        <p:style>
+          <a:lnRef idx="2">
+            <a:schemeClr val="accent1">
+              <a:shade val="50000"/>
+            </a:schemeClr>
+          </a:lnRef>
+          <a:fillRef idx="1">
+            <a:schemeClr val="accent1"/>
+          </a:fillRef>
+          <a:effectRef idx="0">
+            <a:schemeClr val="accent1"/>
+          </a:effectRef>
+          <a:fontRef idx="minor">
+            <a:schemeClr val="lt1"/>
+          </a:fontRef>
+        </p:style>
+        <p:txBody>
+          <a:bodyPr rtlCol="0" anchor="ctr"/>
+          <a:lstStyle/>
+          <a:p>
+            <a:pPr algn="ctr"/>
+            <a:r>
+              <a:rPr lang="en-US" altLang="zh-CN" u="sng" dirty="0" err="1">
+                <a:solidFill>
+                  <a:schemeClr val="bg1"/>
+                </a:solidFill>
+              </a:rPr>
+              <a:t>effectFn</a:t>
+            </a:r>
+            <a:endParaRPr lang="zh-CN" altLang="en-US" u="sng" dirty="0">
+              <a:solidFill>
+                <a:schemeClr val="bg1"/>
+              </a:solidFill>
+            </a:endParaRPr>
+          </a:p>
+        </p:txBody>
+      </p:sp>
+      <p:sp>
+        <p:nvSpPr>
+          <p:cNvPr id="29" name="矩形 28">
+            <a:extLst>
+              <a:ext uri="{FF2B5EF4-FFF2-40B4-BE49-F238E27FC236}">
+                <a16:creationId xmlns:a16="http://schemas.microsoft.com/office/drawing/2014/main" id="{27D94D3C-19E2-43F2-AB2C-C948D4C311FD}"/>
+              </a:ext>
+            </a:extLst>
+          </p:cNvPr>
+          <p:cNvSpPr/>
+          <p:nvPr/>
+        </p:nvSpPr>
+        <p:spPr>
+          <a:xfrm>
+            <a:off x="5682506" y="3452260"/>
+            <a:ext cx="921690" cy="400436"/>
+          </a:xfrm>
+          <a:prstGeom prst="rect">
+            <a:avLst/>
+          </a:prstGeom>
+          <a:solidFill>
+            <a:srgbClr val="5B9BD5"/>
+          </a:solidFill>
+          <a:ln>
+            <a:solidFill>
+              <a:srgbClr val="5B9BD5"/>
+            </a:solidFill>
+            <a:prstDash val="sysDash"/>
+          </a:ln>
+        </p:spPr>
+        <p:style>
+          <a:lnRef idx="2">
+            <a:schemeClr val="accent1">
+              <a:shade val="50000"/>
+            </a:schemeClr>
+          </a:lnRef>
+          <a:fillRef idx="1">
+            <a:schemeClr val="accent1"/>
+          </a:fillRef>
+          <a:effectRef idx="0">
+            <a:schemeClr val="accent1"/>
+          </a:effectRef>
+          <a:fontRef idx="minor">
+            <a:schemeClr val="lt1"/>
+          </a:fontRef>
+        </p:style>
+        <p:txBody>
+          <a:bodyPr rtlCol="0" anchor="ctr"/>
+          <a:lstStyle/>
+          <a:p>
+            <a:pPr algn="ctr"/>
+            <a:r>
+              <a:rPr lang="en-US" altLang="zh-CN" u="sng" dirty="0">
+                <a:solidFill>
+                  <a:schemeClr val="bg1"/>
+                </a:solidFill>
+              </a:rPr>
+              <a:t>text</a:t>
+            </a:r>
+            <a:endParaRPr lang="zh-CN" altLang="en-US" u="sng" dirty="0">
+              <a:solidFill>
+                <a:schemeClr val="bg1"/>
+              </a:solidFill>
+            </a:endParaRPr>
+          </a:p>
+        </p:txBody>
+      </p:sp>
+      <p:sp>
+        <p:nvSpPr>
+          <p:cNvPr id="30" name="矩形: 圆角 29">
+            <a:extLst>
+              <a:ext uri="{FF2B5EF4-FFF2-40B4-BE49-F238E27FC236}">
+                <a16:creationId xmlns:a16="http://schemas.microsoft.com/office/drawing/2014/main" id="{CBF7DF0D-1159-4EA8-9427-D976386CBBFA}"/>
+              </a:ext>
+            </a:extLst>
+          </p:cNvPr>
+          <p:cNvSpPr/>
+          <p:nvPr/>
+        </p:nvSpPr>
+        <p:spPr>
+          <a:xfrm>
+            <a:off x="7740955" y="3451849"/>
+            <a:ext cx="1356174" cy="329736"/>
+          </a:xfrm>
+          <a:prstGeom prst="roundRect">
+            <a:avLst/>
+          </a:prstGeom>
+          <a:ln>
+            <a:noFill/>
+          </a:ln>
+        </p:spPr>
+        <p:style>
+          <a:lnRef idx="2">
+            <a:schemeClr val="accent1">
+              <a:shade val="50000"/>
+            </a:schemeClr>
+          </a:lnRef>
+          <a:fillRef idx="1">
+            <a:schemeClr val="accent1"/>
+          </a:fillRef>
+          <a:effectRef idx="0">
+            <a:schemeClr val="accent1"/>
+          </a:effectRef>
+          <a:fontRef idx="minor">
+            <a:schemeClr val="lt1"/>
+          </a:fontRef>
+        </p:style>
+        <p:txBody>
+          <a:bodyPr rtlCol="0" anchor="ctr"/>
+          <a:lstStyle/>
+          <a:p>
+            <a:pPr algn="ctr"/>
+            <a:r>
+              <a:rPr lang="en-US" altLang="zh-CN" u="sng" dirty="0"/>
+              <a:t>Set</a:t>
+            </a:r>
+            <a:endParaRPr lang="zh-CN" altLang="en-US" u="sng" dirty="0"/>
+          </a:p>
+        </p:txBody>
+      </p:sp>
+      <p:cxnSp>
+        <p:nvCxnSpPr>
+          <p:cNvPr id="31" name="直接箭头连接符 30">
+            <a:extLst>
+              <a:ext uri="{FF2B5EF4-FFF2-40B4-BE49-F238E27FC236}">
+                <a16:creationId xmlns:a16="http://schemas.microsoft.com/office/drawing/2014/main" id="{CD15A081-EB41-43DA-B94C-364186EBBCF0}"/>
+              </a:ext>
+            </a:extLst>
+          </p:cNvPr>
+          <p:cNvCxnSpPr>
+            <a:cxnSpLocks/>
+            <a:endCxn id="30" idx="1"/>
+          </p:cNvCxnSpPr>
+          <p:nvPr/>
+        </p:nvCxnSpPr>
+        <p:spPr>
+          <a:xfrm>
+            <a:off x="6630720" y="3609044"/>
+            <a:ext cx="1110235" cy="7673"/>
+          </a:xfrm>
+          <a:prstGeom prst="straightConnector1">
+            <a:avLst/>
+          </a:prstGeom>
+          <a:ln>
+            <a:tailEnd type="triangle"/>
+          </a:ln>
+        </p:spPr>
+        <p:style>
+          <a:lnRef idx="1">
+            <a:schemeClr val="accent1"/>
+          </a:lnRef>
+          <a:fillRef idx="0">
+            <a:schemeClr val="accent1"/>
+          </a:fillRef>
+          <a:effectRef idx="0">
+            <a:schemeClr val="accent1"/>
+          </a:effectRef>
+          <a:fontRef idx="minor">
+            <a:schemeClr val="tx1"/>
+          </a:fontRef>
+        </p:style>
+      </p:cxnSp>
+      <p:sp>
+        <p:nvSpPr>
+          <p:cNvPr id="32" name="矩形 31">
+            <a:extLst>
+              <a:ext uri="{FF2B5EF4-FFF2-40B4-BE49-F238E27FC236}">
+                <a16:creationId xmlns:a16="http://schemas.microsoft.com/office/drawing/2014/main" id="{D67495FA-8C46-41D0-ABB1-C600CBB8BCFA}"/>
+              </a:ext>
+            </a:extLst>
+          </p:cNvPr>
+          <p:cNvSpPr/>
+          <p:nvPr/>
+        </p:nvSpPr>
+        <p:spPr>
+          <a:xfrm>
+            <a:off x="9281597" y="3492457"/>
+            <a:ext cx="1073889" cy="189405"/>
+          </a:xfrm>
+          <a:prstGeom prst="rect">
+            <a:avLst/>
+          </a:prstGeom>
+          <a:solidFill>
+            <a:srgbClr val="5B9BD5"/>
+          </a:solidFill>
+          <a:ln>
+            <a:solidFill>
+              <a:srgbClr val="5B9BD5"/>
+            </a:solidFill>
+            <a:prstDash val="sysDash"/>
+          </a:ln>
+        </p:spPr>
+        <p:style>
+          <a:lnRef idx="2">
+            <a:schemeClr val="accent1">
+              <a:shade val="50000"/>
+            </a:schemeClr>
+          </a:lnRef>
+          <a:fillRef idx="1">
+            <a:schemeClr val="accent1"/>
+          </a:fillRef>
+          <a:effectRef idx="0">
+            <a:schemeClr val="accent1"/>
+          </a:effectRef>
+          <a:fontRef idx="minor">
+            <a:schemeClr val="lt1"/>
+          </a:fontRef>
+        </p:style>
+        <p:txBody>
+          <a:bodyPr rtlCol="0" anchor="ctr"/>
+          <a:lstStyle/>
+          <a:p>
+            <a:pPr algn="ctr"/>
+            <a:r>
+              <a:rPr lang="en-US" altLang="zh-CN" u="sng" dirty="0" err="1">
+                <a:solidFill>
+                  <a:schemeClr val="bg1"/>
+                </a:solidFill>
+              </a:rPr>
+              <a:t>effectFn</a:t>
+            </a:r>
+            <a:endParaRPr lang="zh-CN" altLang="en-US" u="sng" dirty="0">
+              <a:solidFill>
+                <a:schemeClr val="bg1"/>
+              </a:solidFill>
+            </a:endParaRPr>
+          </a:p>
+        </p:txBody>
+      </p:sp>
     </p:spTree>
     <p:extLst>
       <p:ext uri="{BB962C8B-B14F-4D97-AF65-F5344CB8AC3E}">
-        <p14:creationId xmlns:p14="http://schemas.microsoft.com/office/powerpoint/2010/main" val="1672256668"/>
+        <p14:creationId xmlns:p14="http://schemas.microsoft.com/office/powerpoint/2010/main" val="2505169892"/>
+      </p:ext>
+    </p:extLst>
+  </p:cSld>
+  <p:clrMapOvr>
+    <a:masterClrMapping/>
+  </p:clrMapOvr>
+</p:sld>
+</file>
+
+<file path=ppt/slides/slide5.xml><?xml version="1.0" encoding="utf-8"?>
+<p:sld xmlns:a="http://schemas.openxmlformats.org/drawingml/2006/main" xmlns:r="http://schemas.openxmlformats.org/officeDocument/2006/relationships" xmlns:p="http://schemas.openxmlformats.org/presentationml/2006/main">
+  <p:cSld>
+    <p:spTree>
+      <p:nvGrpSpPr>
+        <p:cNvPr id="1" name=""/>
+        <p:cNvGrpSpPr/>
+        <p:nvPr/>
+      </p:nvGrpSpPr>
+      <p:grpSpPr>
+        <a:xfrm>
+          <a:off x="0" y="0"/>
+          <a:ext cx="0" cy="0"/>
+          <a:chOff x="0" y="0"/>
+          <a:chExt cx="0" cy="0"/>
+        </a:xfrm>
+      </p:grpSpPr>
+      <p:grpSp>
+        <p:nvGrpSpPr>
+          <p:cNvPr id="19" name="组合 18">
+            <a:extLst>
+              <a:ext uri="{FF2B5EF4-FFF2-40B4-BE49-F238E27FC236}">
+                <a16:creationId xmlns:a16="http://schemas.microsoft.com/office/drawing/2014/main" id="{A5403402-2138-47C3-9E20-805B0C5DDBDB}"/>
+              </a:ext>
+            </a:extLst>
+          </p:cNvPr>
+          <p:cNvGrpSpPr/>
+          <p:nvPr/>
+        </p:nvGrpSpPr>
+        <p:grpSpPr>
+          <a:xfrm>
+            <a:off x="365760" y="647700"/>
+            <a:ext cx="3444239" cy="1440182"/>
+            <a:chOff x="365760" y="647700"/>
+            <a:chExt cx="3444239" cy="1440182"/>
+          </a:xfrm>
+        </p:grpSpPr>
+        <p:sp>
+          <p:nvSpPr>
+            <p:cNvPr id="6" name="矩形: 圆角 5">
+              <a:extLst>
+                <a:ext uri="{FF2B5EF4-FFF2-40B4-BE49-F238E27FC236}">
+                  <a16:creationId xmlns:a16="http://schemas.microsoft.com/office/drawing/2014/main" id="{6182CC87-021E-4164-9301-5204FB32599B}"/>
+                </a:ext>
+              </a:extLst>
+            </p:cNvPr>
+            <p:cNvSpPr/>
+            <p:nvPr/>
+          </p:nvSpPr>
+          <p:spPr>
+            <a:xfrm>
+              <a:off x="365760" y="647700"/>
+              <a:ext cx="929640" cy="274320"/>
+            </a:xfrm>
+            <a:prstGeom prst="roundRect">
+              <a:avLst/>
+            </a:prstGeom>
+            <a:ln>
+              <a:noFill/>
+            </a:ln>
+          </p:spPr>
+          <p:style>
+            <a:lnRef idx="2">
+              <a:schemeClr val="accent1">
+                <a:shade val="50000"/>
+              </a:schemeClr>
+            </a:lnRef>
+            <a:fillRef idx="1">
+              <a:schemeClr val="accent1"/>
+            </a:fillRef>
+            <a:effectRef idx="0">
+              <a:schemeClr val="accent1"/>
+            </a:effectRef>
+            <a:fontRef idx="minor">
+              <a:schemeClr val="lt1"/>
+            </a:fontRef>
+          </p:style>
+          <p:txBody>
+            <a:bodyPr rtlCol="0" anchor="ctr"/>
+            <a:lstStyle/>
+            <a:p>
+              <a:pPr algn="ctr"/>
+              <a:r>
+                <a:rPr lang="en-US" altLang="zh-CN" dirty="0"/>
+                <a:t>data</a:t>
+              </a:r>
+              <a:endParaRPr lang="zh-CN" altLang="en-US" dirty="0"/>
+            </a:p>
+          </p:txBody>
+        </p:sp>
+        <p:cxnSp>
+          <p:nvCxnSpPr>
+            <p:cNvPr id="12" name="连接符: 肘形 11">
+              <a:extLst>
+                <a:ext uri="{FF2B5EF4-FFF2-40B4-BE49-F238E27FC236}">
+                  <a16:creationId xmlns:a16="http://schemas.microsoft.com/office/drawing/2014/main" id="{D052362F-0F1E-4FB0-9D76-CF29F0108ECF}"/>
+                </a:ext>
+              </a:extLst>
+            </p:cNvPr>
+            <p:cNvCxnSpPr>
+              <a:cxnSpLocks/>
+              <a:stCxn id="6" idx="2"/>
+            </p:cNvCxnSpPr>
+            <p:nvPr/>
+          </p:nvCxnSpPr>
+          <p:spPr>
+            <a:xfrm rot="16200000" flipH="1">
+              <a:off x="1131571" y="621029"/>
+              <a:ext cx="205739" cy="807720"/>
+            </a:xfrm>
+            <a:prstGeom prst="bentConnector2">
+              <a:avLst/>
+            </a:prstGeom>
+          </p:spPr>
+          <p:style>
+            <a:lnRef idx="1">
+              <a:schemeClr val="accent1"/>
+            </a:lnRef>
+            <a:fillRef idx="0">
+              <a:schemeClr val="accent1"/>
+            </a:fillRef>
+            <a:effectRef idx="0">
+              <a:schemeClr val="accent1"/>
+            </a:effectRef>
+            <a:fontRef idx="minor">
+              <a:schemeClr val="tx1"/>
+            </a:fontRef>
+          </p:style>
+        </p:cxnSp>
+        <p:sp>
+          <p:nvSpPr>
+            <p:cNvPr id="27" name="矩形: 圆角 26">
+              <a:extLst>
+                <a:ext uri="{FF2B5EF4-FFF2-40B4-BE49-F238E27FC236}">
+                  <a16:creationId xmlns:a16="http://schemas.microsoft.com/office/drawing/2014/main" id="{8877B6D1-BD28-454A-B672-568222B58D0F}"/>
+                </a:ext>
+              </a:extLst>
+            </p:cNvPr>
+            <p:cNvSpPr/>
+            <p:nvPr/>
+          </p:nvSpPr>
+          <p:spPr>
+            <a:xfrm>
+              <a:off x="1638301" y="990600"/>
+              <a:ext cx="601979" cy="274320"/>
+            </a:xfrm>
+            <a:prstGeom prst="roundRect">
+              <a:avLst/>
+            </a:prstGeom>
+            <a:ln>
+              <a:noFill/>
+            </a:ln>
+          </p:spPr>
+          <p:style>
+            <a:lnRef idx="2">
+              <a:schemeClr val="accent1">
+                <a:shade val="50000"/>
+              </a:schemeClr>
+            </a:lnRef>
+            <a:fillRef idx="1">
+              <a:schemeClr val="accent1"/>
+            </a:fillRef>
+            <a:effectRef idx="0">
+              <a:schemeClr val="accent1"/>
+            </a:effectRef>
+            <a:fontRef idx="minor">
+              <a:schemeClr val="lt1"/>
+            </a:fontRef>
+          </p:style>
+          <p:txBody>
+            <a:bodyPr rtlCol="0" anchor="ctr"/>
+            <a:lstStyle/>
+            <a:p>
+              <a:pPr algn="ctr"/>
+              <a:r>
+                <a:rPr lang="en-US" altLang="zh-CN" dirty="0"/>
+                <a:t>ok</a:t>
+              </a:r>
+              <a:endParaRPr lang="zh-CN" altLang="en-US" dirty="0"/>
+            </a:p>
+          </p:txBody>
+        </p:sp>
+        <p:cxnSp>
+          <p:nvCxnSpPr>
+            <p:cNvPr id="28" name="连接符: 肘形 27">
+              <a:extLst>
+                <a:ext uri="{FF2B5EF4-FFF2-40B4-BE49-F238E27FC236}">
+                  <a16:creationId xmlns:a16="http://schemas.microsoft.com/office/drawing/2014/main" id="{1E8DC990-5A22-469D-92D4-3C5B659BFB62}"/>
+                </a:ext>
+              </a:extLst>
+            </p:cNvPr>
+            <p:cNvCxnSpPr>
+              <a:cxnSpLocks/>
+            </p:cNvCxnSpPr>
+            <p:nvPr/>
+          </p:nvCxnSpPr>
+          <p:spPr>
+            <a:xfrm rot="16200000" flipH="1">
+              <a:off x="2240281" y="929641"/>
+              <a:ext cx="205739" cy="807720"/>
+            </a:xfrm>
+            <a:prstGeom prst="bentConnector2">
+              <a:avLst/>
+            </a:prstGeom>
+          </p:spPr>
+          <p:style>
+            <a:lnRef idx="1">
+              <a:schemeClr val="accent1"/>
+            </a:lnRef>
+            <a:fillRef idx="0">
+              <a:schemeClr val="accent1"/>
+            </a:fillRef>
+            <a:effectRef idx="0">
+              <a:schemeClr val="accent1"/>
+            </a:effectRef>
+            <a:fontRef idx="minor">
+              <a:schemeClr val="tx1"/>
+            </a:fontRef>
+          </p:style>
+        </p:cxnSp>
+        <p:sp>
+          <p:nvSpPr>
+            <p:cNvPr id="33" name="矩形: 圆角 32">
+              <a:extLst>
+                <a:ext uri="{FF2B5EF4-FFF2-40B4-BE49-F238E27FC236}">
+                  <a16:creationId xmlns:a16="http://schemas.microsoft.com/office/drawing/2014/main" id="{8B97C4B1-9A9B-418F-ADA1-F56990B0DADB}"/>
+                </a:ext>
+              </a:extLst>
+            </p:cNvPr>
+            <p:cNvSpPr/>
+            <p:nvPr/>
+          </p:nvSpPr>
+          <p:spPr>
+            <a:xfrm>
+              <a:off x="2747010" y="1299211"/>
+              <a:ext cx="1062989" cy="274320"/>
+            </a:xfrm>
+            <a:prstGeom prst="roundRect">
+              <a:avLst/>
+            </a:prstGeom>
+            <a:ln>
+              <a:noFill/>
+            </a:ln>
+          </p:spPr>
+          <p:style>
+            <a:lnRef idx="2">
+              <a:schemeClr val="accent1">
+                <a:shade val="50000"/>
+              </a:schemeClr>
+            </a:lnRef>
+            <a:fillRef idx="1">
+              <a:schemeClr val="accent1"/>
+            </a:fillRef>
+            <a:effectRef idx="0">
+              <a:schemeClr val="accent1"/>
+            </a:effectRef>
+            <a:fontRef idx="minor">
+              <a:schemeClr val="lt1"/>
+            </a:fontRef>
+          </p:style>
+          <p:txBody>
+            <a:bodyPr rtlCol="0" anchor="ctr"/>
+            <a:lstStyle/>
+            <a:p>
+              <a:pPr algn="ctr"/>
+              <a:r>
+                <a:rPr lang="en-US" altLang="zh-CN" dirty="0" err="1"/>
+                <a:t>effectFn</a:t>
+              </a:r>
+              <a:endParaRPr lang="zh-CN" altLang="en-US" dirty="0"/>
+            </a:p>
+          </p:txBody>
+        </p:sp>
+        <p:cxnSp>
+          <p:nvCxnSpPr>
+            <p:cNvPr id="34" name="连接符: 肘形 33">
+              <a:extLst>
+                <a:ext uri="{FF2B5EF4-FFF2-40B4-BE49-F238E27FC236}">
+                  <a16:creationId xmlns:a16="http://schemas.microsoft.com/office/drawing/2014/main" id="{8F5D4633-0FE0-4C4C-B1A5-150384339F4C}"/>
+                </a:ext>
+              </a:extLst>
+            </p:cNvPr>
+            <p:cNvCxnSpPr>
+              <a:cxnSpLocks/>
+            </p:cNvCxnSpPr>
+            <p:nvPr/>
+          </p:nvCxnSpPr>
+          <p:spPr>
+            <a:xfrm>
+              <a:off x="832486" y="1127761"/>
+              <a:ext cx="807720" cy="514348"/>
+            </a:xfrm>
+            <a:prstGeom prst="bentConnector3">
+              <a:avLst>
+                <a:gd name="adj1" fmla="val -236"/>
+              </a:avLst>
+            </a:prstGeom>
+          </p:spPr>
+          <p:style>
+            <a:lnRef idx="1">
+              <a:schemeClr val="accent1"/>
+            </a:lnRef>
+            <a:fillRef idx="0">
+              <a:schemeClr val="accent1"/>
+            </a:fillRef>
+            <a:effectRef idx="0">
+              <a:schemeClr val="accent1"/>
+            </a:effectRef>
+            <a:fontRef idx="minor">
+              <a:schemeClr val="tx1"/>
+            </a:fontRef>
+          </p:style>
+        </p:cxnSp>
+        <p:sp>
+          <p:nvSpPr>
+            <p:cNvPr id="35" name="矩形: 圆角 34">
+              <a:extLst>
+                <a:ext uri="{FF2B5EF4-FFF2-40B4-BE49-F238E27FC236}">
+                  <a16:creationId xmlns:a16="http://schemas.microsoft.com/office/drawing/2014/main" id="{F90AF6DD-0277-4BB7-A6FB-4372656A47A2}"/>
+                </a:ext>
+              </a:extLst>
+            </p:cNvPr>
+            <p:cNvSpPr/>
+            <p:nvPr/>
+          </p:nvSpPr>
+          <p:spPr>
+            <a:xfrm>
+              <a:off x="1638301" y="1504951"/>
+              <a:ext cx="601979" cy="274320"/>
+            </a:xfrm>
+            <a:prstGeom prst="roundRect">
+              <a:avLst/>
+            </a:prstGeom>
+            <a:ln>
+              <a:noFill/>
+            </a:ln>
+          </p:spPr>
+          <p:style>
+            <a:lnRef idx="2">
+              <a:schemeClr val="accent1">
+                <a:shade val="50000"/>
+              </a:schemeClr>
+            </a:lnRef>
+            <a:fillRef idx="1">
+              <a:schemeClr val="accent1"/>
+            </a:fillRef>
+            <a:effectRef idx="0">
+              <a:schemeClr val="accent1"/>
+            </a:effectRef>
+            <a:fontRef idx="minor">
+              <a:schemeClr val="lt1"/>
+            </a:fontRef>
+          </p:style>
+          <p:txBody>
+            <a:bodyPr rtlCol="0" anchor="ctr"/>
+            <a:lstStyle/>
+            <a:p>
+              <a:pPr algn="ctr"/>
+              <a:r>
+                <a:rPr lang="en-US" altLang="zh-CN" dirty="0"/>
+                <a:t>text</a:t>
+              </a:r>
+              <a:endParaRPr lang="zh-CN" altLang="en-US" dirty="0"/>
+            </a:p>
+          </p:txBody>
+        </p:sp>
+        <p:cxnSp>
+          <p:nvCxnSpPr>
+            <p:cNvPr id="36" name="连接符: 肘形 35">
+              <a:extLst>
+                <a:ext uri="{FF2B5EF4-FFF2-40B4-BE49-F238E27FC236}">
+                  <a16:creationId xmlns:a16="http://schemas.microsoft.com/office/drawing/2014/main" id="{0D621F82-4F43-49DD-BF6E-6486D3644041}"/>
+                </a:ext>
+              </a:extLst>
+            </p:cNvPr>
+            <p:cNvCxnSpPr>
+              <a:cxnSpLocks/>
+            </p:cNvCxnSpPr>
+            <p:nvPr/>
+          </p:nvCxnSpPr>
+          <p:spPr>
+            <a:xfrm rot="16200000" flipH="1">
+              <a:off x="2240281" y="1443992"/>
+              <a:ext cx="205739" cy="807720"/>
+            </a:xfrm>
+            <a:prstGeom prst="bentConnector2">
+              <a:avLst/>
+            </a:prstGeom>
+          </p:spPr>
+          <p:style>
+            <a:lnRef idx="1">
+              <a:schemeClr val="accent1"/>
+            </a:lnRef>
+            <a:fillRef idx="0">
+              <a:schemeClr val="accent1"/>
+            </a:fillRef>
+            <a:effectRef idx="0">
+              <a:schemeClr val="accent1"/>
+            </a:effectRef>
+            <a:fontRef idx="minor">
+              <a:schemeClr val="tx1"/>
+            </a:fontRef>
+          </p:style>
+        </p:cxnSp>
+        <p:sp>
+          <p:nvSpPr>
+            <p:cNvPr id="37" name="矩形: 圆角 36">
+              <a:extLst>
+                <a:ext uri="{FF2B5EF4-FFF2-40B4-BE49-F238E27FC236}">
+                  <a16:creationId xmlns:a16="http://schemas.microsoft.com/office/drawing/2014/main" id="{C4FB8B08-0AC6-4E3A-BD01-4FF2EE1DD9CE}"/>
+                </a:ext>
+              </a:extLst>
+            </p:cNvPr>
+            <p:cNvSpPr/>
+            <p:nvPr/>
+          </p:nvSpPr>
+          <p:spPr>
+            <a:xfrm>
+              <a:off x="2747010" y="1813562"/>
+              <a:ext cx="1062989" cy="274320"/>
+            </a:xfrm>
+            <a:prstGeom prst="roundRect">
+              <a:avLst/>
+            </a:prstGeom>
+            <a:ln>
+              <a:noFill/>
+            </a:ln>
+          </p:spPr>
+          <p:style>
+            <a:lnRef idx="2">
+              <a:schemeClr val="accent1">
+                <a:shade val="50000"/>
+              </a:schemeClr>
+            </a:lnRef>
+            <a:fillRef idx="1">
+              <a:schemeClr val="accent1"/>
+            </a:fillRef>
+            <a:effectRef idx="0">
+              <a:schemeClr val="accent1"/>
+            </a:effectRef>
+            <a:fontRef idx="minor">
+              <a:schemeClr val="lt1"/>
+            </a:fontRef>
+          </p:style>
+          <p:txBody>
+            <a:bodyPr rtlCol="0" anchor="ctr"/>
+            <a:lstStyle/>
+            <a:p>
+              <a:pPr algn="ctr"/>
+              <a:r>
+                <a:rPr lang="en-US" altLang="zh-CN" dirty="0" err="1"/>
+                <a:t>effectFn</a:t>
+              </a:r>
+              <a:endParaRPr lang="zh-CN" altLang="en-US" dirty="0"/>
+            </a:p>
+          </p:txBody>
+        </p:sp>
+      </p:grpSp>
+    </p:spTree>
+    <p:extLst>
+      <p:ext uri="{BB962C8B-B14F-4D97-AF65-F5344CB8AC3E}">
+        <p14:creationId xmlns:p14="http://schemas.microsoft.com/office/powerpoint/2010/main" val="981756448"/>
       </p:ext>
     </p:extLst>
   </p:cSld>

--- a/img.pptx
+++ b/img.pptx
@@ -10,6 +10,9 @@
     <p:sldId id="258" r:id="rId4"/>
     <p:sldId id="259" r:id="rId5"/>
     <p:sldId id="260" r:id="rId6"/>
+    <p:sldId id="261" r:id="rId7"/>
+    <p:sldId id="262" r:id="rId8"/>
+    <p:sldId id="263" r:id="rId9"/>
   </p:sldIdLst>
   <p:sldSz cx="12192000" cy="6858000"/>
   <p:notesSz cx="6858000" cy="9144000"/>
@@ -245,7 +248,7 @@
           <a:p>
             <a:fld id="{D997B5FA-0921-464F-AAE1-844C04324D75}" type="datetimeFigureOut">
               <a:rPr lang="zh-CN" altLang="en-US" smtClean="0"/>
-              <a:t>2023/1/21</a:t>
+              <a:t>2023/2/28</a:t>
             </a:fld>
             <a:endParaRPr lang="zh-CN" altLang="en-US"/>
           </a:p>
@@ -413,7 +416,7 @@
           <a:p>
             <a:fld id="{D997B5FA-0921-464F-AAE1-844C04324D75}" type="datetimeFigureOut">
               <a:rPr lang="zh-CN" altLang="en-US" smtClean="0"/>
-              <a:t>2023/1/21</a:t>
+              <a:t>2023/2/28</a:t>
             </a:fld>
             <a:endParaRPr lang="zh-CN" altLang="en-US"/>
           </a:p>
@@ -591,7 +594,7 @@
           <a:p>
             <a:fld id="{D997B5FA-0921-464F-AAE1-844C04324D75}" type="datetimeFigureOut">
               <a:rPr lang="zh-CN" altLang="en-US" smtClean="0"/>
-              <a:t>2023/1/21</a:t>
+              <a:t>2023/2/28</a:t>
             </a:fld>
             <a:endParaRPr lang="zh-CN" altLang="en-US"/>
           </a:p>
@@ -759,7 +762,7 @@
           <a:p>
             <a:fld id="{D997B5FA-0921-464F-AAE1-844C04324D75}" type="datetimeFigureOut">
               <a:rPr lang="zh-CN" altLang="en-US" smtClean="0"/>
-              <a:t>2023/1/21</a:t>
+              <a:t>2023/2/28</a:t>
             </a:fld>
             <a:endParaRPr lang="zh-CN" altLang="en-US"/>
           </a:p>
@@ -1004,7 +1007,7 @@
           <a:p>
             <a:fld id="{D997B5FA-0921-464F-AAE1-844C04324D75}" type="datetimeFigureOut">
               <a:rPr lang="zh-CN" altLang="en-US" smtClean="0"/>
-              <a:t>2023/1/21</a:t>
+              <a:t>2023/2/28</a:t>
             </a:fld>
             <a:endParaRPr lang="zh-CN" altLang="en-US"/>
           </a:p>
@@ -1233,7 +1236,7 @@
           <a:p>
             <a:fld id="{D997B5FA-0921-464F-AAE1-844C04324D75}" type="datetimeFigureOut">
               <a:rPr lang="zh-CN" altLang="en-US" smtClean="0"/>
-              <a:t>2023/1/21</a:t>
+              <a:t>2023/2/28</a:t>
             </a:fld>
             <a:endParaRPr lang="zh-CN" altLang="en-US"/>
           </a:p>
@@ -1597,7 +1600,7 @@
           <a:p>
             <a:fld id="{D997B5FA-0921-464F-AAE1-844C04324D75}" type="datetimeFigureOut">
               <a:rPr lang="zh-CN" altLang="en-US" smtClean="0"/>
-              <a:t>2023/1/21</a:t>
+              <a:t>2023/2/28</a:t>
             </a:fld>
             <a:endParaRPr lang="zh-CN" altLang="en-US"/>
           </a:p>
@@ -1714,7 +1717,7 @@
           <a:p>
             <a:fld id="{D997B5FA-0921-464F-AAE1-844C04324D75}" type="datetimeFigureOut">
               <a:rPr lang="zh-CN" altLang="en-US" smtClean="0"/>
-              <a:t>2023/1/21</a:t>
+              <a:t>2023/2/28</a:t>
             </a:fld>
             <a:endParaRPr lang="zh-CN" altLang="en-US"/>
           </a:p>
@@ -1809,7 +1812,7 @@
           <a:p>
             <a:fld id="{D997B5FA-0921-464F-AAE1-844C04324D75}" type="datetimeFigureOut">
               <a:rPr lang="zh-CN" altLang="en-US" smtClean="0"/>
-              <a:t>2023/1/21</a:t>
+              <a:t>2023/2/28</a:t>
             </a:fld>
             <a:endParaRPr lang="zh-CN" altLang="en-US"/>
           </a:p>
@@ -2084,7 +2087,7 @@
           <a:p>
             <a:fld id="{D997B5FA-0921-464F-AAE1-844C04324D75}" type="datetimeFigureOut">
               <a:rPr lang="zh-CN" altLang="en-US" smtClean="0"/>
-              <a:t>2023/1/21</a:t>
+              <a:t>2023/2/28</a:t>
             </a:fld>
             <a:endParaRPr lang="zh-CN" altLang="en-US"/>
           </a:p>
@@ -2336,7 +2339,7 @@
           <a:p>
             <a:fld id="{D997B5FA-0921-464F-AAE1-844C04324D75}" type="datetimeFigureOut">
               <a:rPr lang="zh-CN" altLang="en-US" smtClean="0"/>
-              <a:t>2023/1/21</a:t>
+              <a:t>2023/2/28</a:t>
             </a:fld>
             <a:endParaRPr lang="zh-CN" altLang="en-US"/>
           </a:p>
@@ -2547,7 +2550,7 @@
           <a:p>
             <a:fld id="{D997B5FA-0921-464F-AAE1-844C04324D75}" type="datetimeFigureOut">
               <a:rPr lang="zh-CN" altLang="en-US" smtClean="0"/>
-              <a:t>2023/1/21</a:t>
+              <a:t>2023/2/28</a:t>
             </a:fld>
             <a:endParaRPr lang="zh-CN" altLang="en-US"/>
           </a:p>
@@ -3015,21 +3018,7 @@
                   <a:latin typeface="Times New Roman" panose="02020603050405020304" pitchFamily="18" charset="0"/>
                   <a:cs typeface="Times New Roman" panose="02020603050405020304" pitchFamily="18" charset="0"/>
                 </a:rPr>
-                <a:t>H(‘</a:t>
-              </a:r>
-              <a:r>
-                <a:rPr lang="en-US" altLang="zh-CN" dirty="0" err="1">
-                  <a:latin typeface="Times New Roman" panose="02020603050405020304" pitchFamily="18" charset="0"/>
-                  <a:cs typeface="Times New Roman" panose="02020603050405020304" pitchFamily="18" charset="0"/>
-                </a:rPr>
-                <a:t>div’,’hello</a:t>
-              </a:r>
-              <a:r>
-                <a:rPr lang="en-US" altLang="zh-CN" dirty="0">
-                  <a:latin typeface="Times New Roman" panose="02020603050405020304" pitchFamily="18" charset="0"/>
-                  <a:cs typeface="Times New Roman" panose="02020603050405020304" pitchFamily="18" charset="0"/>
-                </a:rPr>
-                <a:t>’)</a:t>
+                <a:t>H(‘div’,’hello’)</a:t>
               </a:r>
               <a:endParaRPr lang="zh-CN" altLang="en-US" dirty="0">
                 <a:latin typeface="Times New Roman" panose="02020603050405020304" pitchFamily="18" charset="0"/>
@@ -4427,1417 +4416,1573 @@
           <a:chExt cx="0" cy="0"/>
         </a:xfrm>
       </p:grpSpPr>
-      <p:grpSp>
-        <p:nvGrpSpPr>
-          <p:cNvPr id="59" name="组合 58">
-            <a:extLst>
-              <a:ext uri="{FF2B5EF4-FFF2-40B4-BE49-F238E27FC236}">
-                <a16:creationId xmlns:a16="http://schemas.microsoft.com/office/drawing/2014/main" id="{959BB103-B053-4863-83E8-CD8618B7175B}"/>
-              </a:ext>
-            </a:extLst>
-          </p:cNvPr>
-          <p:cNvGrpSpPr/>
-          <p:nvPr/>
-        </p:nvGrpSpPr>
-        <p:grpSpPr>
-          <a:xfrm>
-            <a:off x="3094871" y="397185"/>
-            <a:ext cx="6002258" cy="5622633"/>
-            <a:chOff x="673729" y="143185"/>
-            <a:chExt cx="6002258" cy="5622633"/>
-          </a:xfrm>
-        </p:grpSpPr>
-        <p:sp>
-          <p:nvSpPr>
-            <p:cNvPr id="2" name="矩形: 圆角 1">
-              <a:extLst>
-                <a:ext uri="{FF2B5EF4-FFF2-40B4-BE49-F238E27FC236}">
-                  <a16:creationId xmlns:a16="http://schemas.microsoft.com/office/drawing/2014/main" id="{A1F1F0EB-21BE-4FB6-959B-C0E8FBF4BF71}"/>
-                </a:ext>
-              </a:extLst>
-            </p:cNvPr>
-            <p:cNvSpPr/>
-            <p:nvPr/>
-          </p:nvSpPr>
-          <p:spPr>
-            <a:xfrm>
-              <a:off x="673729" y="143185"/>
-              <a:ext cx="1257044" cy="337794"/>
-            </a:xfrm>
-            <a:prstGeom prst="roundRect">
-              <a:avLst/>
-            </a:prstGeom>
-            <a:ln>
-              <a:noFill/>
-            </a:ln>
-          </p:spPr>
-          <p:style>
-            <a:lnRef idx="2">
-              <a:schemeClr val="accent1">
-                <a:shade val="50000"/>
+      <p:sp>
+        <p:nvSpPr>
+          <p:cNvPr id="14" name="矩形 13">
+            <a:extLst>
+              <a:ext uri="{FF2B5EF4-FFF2-40B4-BE49-F238E27FC236}">
+                <a16:creationId xmlns:a16="http://schemas.microsoft.com/office/drawing/2014/main" id="{58E3EA88-8BAC-56DB-149A-94056BD988CE}"/>
+              </a:ext>
+            </a:extLst>
+          </p:cNvPr>
+          <p:cNvSpPr/>
+          <p:nvPr/>
+        </p:nvSpPr>
+        <p:spPr>
+          <a:xfrm>
+            <a:off x="2747626" y="495300"/>
+            <a:ext cx="6696747" cy="5867400"/>
+          </a:xfrm>
+          <a:prstGeom prst="rect">
+            <a:avLst/>
+          </a:prstGeom>
+          <a:noFill/>
+          <a:ln w="9525">
+            <a:solidFill>
+              <a:schemeClr val="bg1">
+                <a:lumMod val="75000"/>
               </a:schemeClr>
-            </a:lnRef>
-            <a:fillRef idx="1">
-              <a:schemeClr val="accent1"/>
-            </a:fillRef>
-            <a:effectRef idx="0">
-              <a:schemeClr val="accent1"/>
-            </a:effectRef>
-            <a:fontRef idx="minor">
-              <a:schemeClr val="lt1"/>
-            </a:fontRef>
-          </p:style>
-          <p:txBody>
-            <a:bodyPr rtlCol="0" anchor="ctr"/>
-            <a:lstStyle/>
-            <a:p>
-              <a:pPr algn="ctr"/>
-              <a:r>
-                <a:rPr lang="en-US" altLang="zh-CN" dirty="0" err="1"/>
-                <a:t>WeakMap</a:t>
-              </a:r>
-              <a:endParaRPr lang="zh-CN" altLang="en-US" dirty="0"/>
-            </a:p>
-          </p:txBody>
-        </p:sp>
-        <p:sp>
-          <p:nvSpPr>
-            <p:cNvPr id="4" name="矩形: 圆角 3">
-              <a:extLst>
-                <a:ext uri="{FF2B5EF4-FFF2-40B4-BE49-F238E27FC236}">
-                  <a16:creationId xmlns:a16="http://schemas.microsoft.com/office/drawing/2014/main" id="{E9718C40-FE64-4F90-BF1E-295679164CBC}"/>
-                </a:ext>
-              </a:extLst>
-            </p:cNvPr>
-            <p:cNvSpPr/>
-            <p:nvPr/>
-          </p:nvSpPr>
-          <p:spPr>
-            <a:xfrm>
-              <a:off x="673729" y="681384"/>
-              <a:ext cx="1257044" cy="337795"/>
-            </a:xfrm>
-            <a:prstGeom prst="roundRect">
-              <a:avLst/>
-            </a:prstGeom>
-            <a:ln>
-              <a:noFill/>
-            </a:ln>
-          </p:spPr>
-          <p:style>
-            <a:lnRef idx="2">
-              <a:schemeClr val="accent1">
-                <a:shade val="50000"/>
-              </a:schemeClr>
-            </a:lnRef>
-            <a:fillRef idx="1">
-              <a:schemeClr val="accent1"/>
-            </a:fillRef>
-            <a:effectRef idx="0">
-              <a:schemeClr val="accent1"/>
-            </a:effectRef>
-            <a:fontRef idx="minor">
-              <a:schemeClr val="lt1"/>
-            </a:fontRef>
-          </p:style>
-          <p:txBody>
-            <a:bodyPr rtlCol="0" anchor="ctr"/>
-            <a:lstStyle/>
-            <a:p>
-              <a:pPr algn="ctr"/>
-              <a:r>
-                <a:rPr lang="en-US" altLang="zh-CN" dirty="0"/>
-                <a:t>key</a:t>
-              </a:r>
-              <a:endParaRPr lang="zh-CN" altLang="en-US" dirty="0"/>
-            </a:p>
-          </p:txBody>
-        </p:sp>
-        <p:sp>
-          <p:nvSpPr>
-            <p:cNvPr id="5" name="矩形: 圆角 4">
-              <a:extLst>
-                <a:ext uri="{FF2B5EF4-FFF2-40B4-BE49-F238E27FC236}">
-                  <a16:creationId xmlns:a16="http://schemas.microsoft.com/office/drawing/2014/main" id="{2120C1A6-89F1-4715-B0D2-2EB90B663BE8}"/>
-                </a:ext>
-              </a:extLst>
-            </p:cNvPr>
-            <p:cNvSpPr/>
-            <p:nvPr/>
-          </p:nvSpPr>
-          <p:spPr>
-            <a:xfrm>
-              <a:off x="3066433" y="1390860"/>
-              <a:ext cx="1356172" cy="296007"/>
-            </a:xfrm>
-            <a:prstGeom prst="roundRect">
-              <a:avLst/>
-            </a:prstGeom>
-            <a:ln>
-              <a:noFill/>
-            </a:ln>
-          </p:spPr>
-          <p:style>
-            <a:lnRef idx="2">
-              <a:schemeClr val="accent1">
-                <a:shade val="50000"/>
-              </a:schemeClr>
-            </a:lnRef>
-            <a:fillRef idx="1">
-              <a:schemeClr val="accent1"/>
-            </a:fillRef>
-            <a:effectRef idx="0">
-              <a:schemeClr val="accent1"/>
-            </a:effectRef>
-            <a:fontRef idx="minor">
-              <a:schemeClr val="lt1"/>
-            </a:fontRef>
-          </p:style>
-          <p:txBody>
-            <a:bodyPr rtlCol="0" anchor="ctr"/>
-            <a:lstStyle/>
-            <a:p>
-              <a:pPr algn="ctr"/>
-              <a:r>
-                <a:rPr lang="en-US" altLang="zh-CN" dirty="0"/>
-                <a:t>Map</a:t>
-              </a:r>
-              <a:endParaRPr lang="zh-CN" altLang="en-US" dirty="0"/>
-            </a:p>
-          </p:txBody>
-        </p:sp>
-        <p:sp>
-          <p:nvSpPr>
-            <p:cNvPr id="7" name="矩形: 圆角 6">
-              <a:extLst>
-                <a:ext uri="{FF2B5EF4-FFF2-40B4-BE49-F238E27FC236}">
-                  <a16:creationId xmlns:a16="http://schemas.microsoft.com/office/drawing/2014/main" id="{EB9E90C1-E2A6-4F11-867A-0A72E4C36B4D}"/>
-                </a:ext>
-              </a:extLst>
-            </p:cNvPr>
-            <p:cNvSpPr/>
-            <p:nvPr/>
-          </p:nvSpPr>
-          <p:spPr>
-            <a:xfrm>
-              <a:off x="3066432" y="2010495"/>
-              <a:ext cx="1356173" cy="296007"/>
-            </a:xfrm>
-            <a:prstGeom prst="roundRect">
-              <a:avLst/>
-            </a:prstGeom>
-            <a:ln>
-              <a:noFill/>
-            </a:ln>
-          </p:spPr>
-          <p:style>
-            <a:lnRef idx="2">
-              <a:schemeClr val="accent1">
-                <a:shade val="50000"/>
-              </a:schemeClr>
-            </a:lnRef>
-            <a:fillRef idx="1">
-              <a:schemeClr val="accent1"/>
-            </a:fillRef>
-            <a:effectRef idx="0">
-              <a:schemeClr val="accent1"/>
-            </a:effectRef>
-            <a:fontRef idx="minor">
-              <a:schemeClr val="lt1"/>
-            </a:fontRef>
-          </p:style>
-          <p:txBody>
-            <a:bodyPr rtlCol="0" anchor="ctr"/>
-            <a:lstStyle/>
-            <a:p>
-              <a:pPr algn="ctr"/>
-              <a:r>
-                <a:rPr lang="en-US" altLang="zh-CN" dirty="0"/>
-                <a:t>key</a:t>
-              </a:r>
-              <a:endParaRPr lang="zh-CN" altLang="en-US" dirty="0"/>
-            </a:p>
-          </p:txBody>
-        </p:sp>
-        <p:sp>
-          <p:nvSpPr>
-            <p:cNvPr id="8" name="矩形: 圆角 7">
-              <a:extLst>
-                <a:ext uri="{FF2B5EF4-FFF2-40B4-BE49-F238E27FC236}">
-                  <a16:creationId xmlns:a16="http://schemas.microsoft.com/office/drawing/2014/main" id="{D2AF87C6-ED4E-47FB-8D43-1067E70E8FDD}"/>
-                </a:ext>
-              </a:extLst>
-            </p:cNvPr>
-            <p:cNvSpPr/>
-            <p:nvPr/>
-          </p:nvSpPr>
-          <p:spPr>
-            <a:xfrm>
-              <a:off x="5319813" y="2761108"/>
-              <a:ext cx="1356174" cy="329736"/>
-            </a:xfrm>
-            <a:prstGeom prst="roundRect">
-              <a:avLst/>
-            </a:prstGeom>
-            <a:ln>
-              <a:noFill/>
-            </a:ln>
-          </p:spPr>
-          <p:style>
-            <a:lnRef idx="2">
-              <a:schemeClr val="accent1">
-                <a:shade val="50000"/>
-              </a:schemeClr>
-            </a:lnRef>
-            <a:fillRef idx="1">
-              <a:schemeClr val="accent1"/>
-            </a:fillRef>
-            <a:effectRef idx="0">
-              <a:schemeClr val="accent1"/>
-            </a:effectRef>
-            <a:fontRef idx="minor">
-              <a:schemeClr val="lt1"/>
-            </a:fontRef>
-          </p:style>
-          <p:txBody>
-            <a:bodyPr rtlCol="0" anchor="ctr"/>
-            <a:lstStyle/>
-            <a:p>
-              <a:pPr algn="ctr"/>
-              <a:r>
-                <a:rPr lang="en-US" altLang="zh-CN" dirty="0"/>
-                <a:t>Set</a:t>
-              </a:r>
-              <a:endParaRPr lang="zh-CN" altLang="en-US" dirty="0"/>
-            </a:p>
-          </p:txBody>
-        </p:sp>
-        <p:sp>
-          <p:nvSpPr>
-            <p:cNvPr id="3" name="矩形 2">
-              <a:extLst>
-                <a:ext uri="{FF2B5EF4-FFF2-40B4-BE49-F238E27FC236}">
-                  <a16:creationId xmlns:a16="http://schemas.microsoft.com/office/drawing/2014/main" id="{049A4773-3C36-4A26-B2E4-B9DD18CC2729}"/>
-                </a:ext>
-              </a:extLst>
-            </p:cNvPr>
-            <p:cNvSpPr/>
-            <p:nvPr/>
-          </p:nvSpPr>
-          <p:spPr>
-            <a:xfrm>
-              <a:off x="673729" y="1165689"/>
-              <a:ext cx="1257045" cy="3238151"/>
-            </a:xfrm>
-            <a:prstGeom prst="rect">
-              <a:avLst/>
-            </a:prstGeom>
+            </a:solidFill>
+            <a:prstDash val="lgDash"/>
+          </a:ln>
+        </p:spPr>
+        <p:style>
+          <a:lnRef idx="2">
+            <a:schemeClr val="accent1">
+              <a:shade val="50000"/>
+            </a:schemeClr>
+          </a:lnRef>
+          <a:fillRef idx="1">
+            <a:schemeClr val="accent1"/>
+          </a:fillRef>
+          <a:effectRef idx="0">
+            <a:schemeClr val="accent1"/>
+          </a:effectRef>
+          <a:fontRef idx="minor">
+            <a:schemeClr val="lt1"/>
+          </a:fontRef>
+        </p:style>
+        <p:txBody>
+          <a:bodyPr rtlCol="0" anchor="ctr"/>
+          <a:lstStyle/>
+          <a:p>
+            <a:pPr algn="ctr"/>
+            <a:endParaRPr lang="zh-CN" altLang="en-US"/>
+          </a:p>
+        </p:txBody>
+      </p:sp>
+      <p:sp>
+        <p:nvSpPr>
+          <p:cNvPr id="4" name="矩形: 圆角 3">
+            <a:extLst>
+              <a:ext uri="{FF2B5EF4-FFF2-40B4-BE49-F238E27FC236}">
+                <a16:creationId xmlns:a16="http://schemas.microsoft.com/office/drawing/2014/main" id="{E9718C40-FE64-4F90-BF1E-295679164CBC}"/>
+              </a:ext>
+            </a:extLst>
+          </p:cNvPr>
+          <p:cNvSpPr/>
+          <p:nvPr/>
+        </p:nvSpPr>
+        <p:spPr>
+          <a:xfrm>
+            <a:off x="3094871" y="935384"/>
+            <a:ext cx="1257044" cy="337795"/>
+          </a:xfrm>
+          <a:prstGeom prst="roundRect">
+            <a:avLst/>
+          </a:prstGeom>
+          <a:ln>
             <a:noFill/>
-            <a:ln>
-              <a:solidFill>
-                <a:srgbClr val="5B9BD5"/>
-              </a:solidFill>
-            </a:ln>
-          </p:spPr>
-          <p:style>
-            <a:lnRef idx="2">
-              <a:schemeClr val="accent1">
-                <a:shade val="50000"/>
-              </a:schemeClr>
-            </a:lnRef>
-            <a:fillRef idx="1">
-              <a:schemeClr val="accent1"/>
-            </a:fillRef>
-            <a:effectRef idx="0">
-              <a:schemeClr val="accent1"/>
-            </a:effectRef>
-            <a:fontRef idx="minor">
-              <a:schemeClr val="lt1"/>
-            </a:fontRef>
-          </p:style>
-          <p:txBody>
-            <a:bodyPr rtlCol="0" anchor="ctr"/>
-            <a:lstStyle/>
-            <a:p>
-              <a:pPr algn="ctr"/>
-              <a:endParaRPr lang="zh-CN" altLang="en-US"/>
-            </a:p>
-          </p:txBody>
-        </p:sp>
-        <p:cxnSp>
-          <p:nvCxnSpPr>
-            <p:cNvPr id="10" name="直接箭头连接符 9">
-              <a:extLst>
-                <a:ext uri="{FF2B5EF4-FFF2-40B4-BE49-F238E27FC236}">
-                  <a16:creationId xmlns:a16="http://schemas.microsoft.com/office/drawing/2014/main" id="{F3066A8C-9008-4852-8CE2-4CCFAD5B4055}"/>
-                </a:ext>
-              </a:extLst>
-            </p:cNvPr>
-            <p:cNvCxnSpPr>
-              <a:cxnSpLocks/>
-              <a:stCxn id="2" idx="2"/>
-              <a:endCxn id="4" idx="0"/>
-            </p:cNvCxnSpPr>
-            <p:nvPr/>
-          </p:nvCxnSpPr>
-          <p:spPr>
-            <a:xfrm>
-              <a:off x="1302251" y="480979"/>
-              <a:ext cx="0" cy="200405"/>
-            </a:xfrm>
-            <a:prstGeom prst="straightConnector1">
-              <a:avLst/>
-            </a:prstGeom>
-            <a:ln w="19050">
-              <a:tailEnd type="triangle"/>
-            </a:ln>
-          </p:spPr>
-          <p:style>
-            <a:lnRef idx="1">
-              <a:schemeClr val="accent1"/>
-            </a:lnRef>
-            <a:fillRef idx="0">
-              <a:schemeClr val="accent1"/>
-            </a:fillRef>
-            <a:effectRef idx="0">
-              <a:schemeClr val="accent1"/>
-            </a:effectRef>
-            <a:fontRef idx="minor">
-              <a:schemeClr val="tx1"/>
-            </a:fontRef>
-          </p:style>
-        </p:cxnSp>
-        <p:sp>
-          <p:nvSpPr>
-            <p:cNvPr id="11" name="矩形 10">
-              <a:extLst>
-                <a:ext uri="{FF2B5EF4-FFF2-40B4-BE49-F238E27FC236}">
-                  <a16:creationId xmlns:a16="http://schemas.microsoft.com/office/drawing/2014/main" id="{37E89ED6-961A-4095-A6CF-8109A50E8260}"/>
-                </a:ext>
-              </a:extLst>
-            </p:cNvPr>
-            <p:cNvSpPr/>
-            <p:nvPr/>
-          </p:nvSpPr>
-          <p:spPr>
-            <a:xfrm>
-              <a:off x="762001" y="1334774"/>
-              <a:ext cx="1068335" cy="400436"/>
-            </a:xfrm>
-            <a:prstGeom prst="rect">
-              <a:avLst/>
-            </a:prstGeom>
+          </a:ln>
+        </p:spPr>
+        <p:style>
+          <a:lnRef idx="2">
+            <a:schemeClr val="accent1">
+              <a:shade val="50000"/>
+            </a:schemeClr>
+          </a:lnRef>
+          <a:fillRef idx="1">
+            <a:schemeClr val="accent1"/>
+          </a:fillRef>
+          <a:effectRef idx="0">
+            <a:schemeClr val="accent1"/>
+          </a:effectRef>
+          <a:fontRef idx="minor">
+            <a:schemeClr val="lt1"/>
+          </a:fontRef>
+        </p:style>
+        <p:txBody>
+          <a:bodyPr rtlCol="0" anchor="ctr"/>
+          <a:lstStyle/>
+          <a:p>
+            <a:pPr algn="ctr"/>
+            <a:r>
+              <a:rPr lang="en-US" altLang="zh-CN" dirty="0"/>
+              <a:t>key</a:t>
+            </a:r>
+            <a:endParaRPr lang="zh-CN" altLang="en-US" dirty="0"/>
+          </a:p>
+        </p:txBody>
+      </p:sp>
+      <p:sp>
+        <p:nvSpPr>
+          <p:cNvPr id="7" name="矩形: 圆角 6">
+            <a:extLst>
+              <a:ext uri="{FF2B5EF4-FFF2-40B4-BE49-F238E27FC236}">
+                <a16:creationId xmlns:a16="http://schemas.microsoft.com/office/drawing/2014/main" id="{EB9E90C1-E2A6-4F11-867A-0A72E4C36B4D}"/>
+              </a:ext>
+            </a:extLst>
+          </p:cNvPr>
+          <p:cNvSpPr/>
+          <p:nvPr/>
+        </p:nvSpPr>
+        <p:spPr>
+          <a:xfrm>
+            <a:off x="5487574" y="2264495"/>
+            <a:ext cx="1356173" cy="296007"/>
+          </a:xfrm>
+          <a:prstGeom prst="roundRect">
+            <a:avLst/>
+          </a:prstGeom>
+          <a:ln>
+            <a:noFill/>
+          </a:ln>
+        </p:spPr>
+        <p:style>
+          <a:lnRef idx="2">
+            <a:schemeClr val="accent1">
+              <a:shade val="50000"/>
+            </a:schemeClr>
+          </a:lnRef>
+          <a:fillRef idx="1">
+            <a:schemeClr val="accent1"/>
+          </a:fillRef>
+          <a:effectRef idx="0">
+            <a:schemeClr val="accent1"/>
+          </a:effectRef>
+          <a:fontRef idx="minor">
+            <a:schemeClr val="lt1"/>
+          </a:fontRef>
+        </p:style>
+        <p:txBody>
+          <a:bodyPr rtlCol="0" anchor="ctr"/>
+          <a:lstStyle/>
+          <a:p>
+            <a:pPr algn="ctr"/>
+            <a:r>
+              <a:rPr lang="en-US" altLang="zh-CN" dirty="0"/>
+              <a:t>key</a:t>
+            </a:r>
+            <a:endParaRPr lang="zh-CN" altLang="en-US" dirty="0"/>
+          </a:p>
+        </p:txBody>
+      </p:sp>
+      <p:sp>
+        <p:nvSpPr>
+          <p:cNvPr id="3" name="矩形 2">
+            <a:extLst>
+              <a:ext uri="{FF2B5EF4-FFF2-40B4-BE49-F238E27FC236}">
+                <a16:creationId xmlns:a16="http://schemas.microsoft.com/office/drawing/2014/main" id="{049A4773-3C36-4A26-B2E4-B9DD18CC2729}"/>
+              </a:ext>
+            </a:extLst>
+          </p:cNvPr>
+          <p:cNvSpPr/>
+          <p:nvPr/>
+        </p:nvSpPr>
+        <p:spPr>
+          <a:xfrm>
+            <a:off x="3094871" y="1419689"/>
+            <a:ext cx="1257045" cy="3238151"/>
+          </a:xfrm>
+          <a:prstGeom prst="rect">
+            <a:avLst/>
+          </a:prstGeom>
+          <a:noFill/>
+          <a:ln>
             <a:solidFill>
               <a:srgbClr val="5B9BD5"/>
             </a:solidFill>
-            <a:ln>
-              <a:solidFill>
-                <a:srgbClr val="5B9BD5"/>
-              </a:solidFill>
-              <a:prstDash val="sysDash"/>
-            </a:ln>
-          </p:spPr>
-          <p:style>
-            <a:lnRef idx="2">
-              <a:schemeClr val="accent1">
-                <a:shade val="50000"/>
-              </a:schemeClr>
-            </a:lnRef>
-            <a:fillRef idx="1">
-              <a:schemeClr val="accent1"/>
-            </a:fillRef>
-            <a:effectRef idx="0">
-              <a:schemeClr val="accent1"/>
-            </a:effectRef>
-            <a:fontRef idx="minor">
-              <a:schemeClr val="lt1"/>
-            </a:fontRef>
-          </p:style>
-          <p:txBody>
-            <a:bodyPr rtlCol="0" anchor="ctr"/>
-            <a:lstStyle/>
-            <a:p>
-              <a:pPr algn="ctr"/>
-              <a:r>
-                <a:rPr lang="en-US" altLang="zh-CN" dirty="0">
-                  <a:solidFill>
-                    <a:schemeClr val="bg1"/>
-                  </a:solidFill>
-                </a:rPr>
-                <a:t>Target-1</a:t>
-              </a:r>
-              <a:endParaRPr lang="zh-CN" altLang="en-US" dirty="0">
+          </a:ln>
+        </p:spPr>
+        <p:style>
+          <a:lnRef idx="2">
+            <a:schemeClr val="accent1">
+              <a:shade val="50000"/>
+            </a:schemeClr>
+          </a:lnRef>
+          <a:fillRef idx="1">
+            <a:schemeClr val="accent1"/>
+          </a:fillRef>
+          <a:effectRef idx="0">
+            <a:schemeClr val="accent1"/>
+          </a:effectRef>
+          <a:fontRef idx="minor">
+            <a:schemeClr val="lt1"/>
+          </a:fontRef>
+        </p:style>
+        <p:txBody>
+          <a:bodyPr rtlCol="0" anchor="ctr"/>
+          <a:lstStyle/>
+          <a:p>
+            <a:pPr algn="ctr"/>
+            <a:endParaRPr lang="zh-CN" altLang="en-US"/>
+          </a:p>
+        </p:txBody>
+      </p:sp>
+      <p:cxnSp>
+        <p:nvCxnSpPr>
+          <p:cNvPr id="10" name="直接箭头连接符 9">
+            <a:extLst>
+              <a:ext uri="{FF2B5EF4-FFF2-40B4-BE49-F238E27FC236}">
+                <a16:creationId xmlns:a16="http://schemas.microsoft.com/office/drawing/2014/main" id="{F3066A8C-9008-4852-8CE2-4CCFAD5B4055}"/>
+              </a:ext>
+            </a:extLst>
+          </p:cNvPr>
+          <p:cNvCxnSpPr>
+            <a:cxnSpLocks/>
+            <a:stCxn id="2" idx="2"/>
+            <a:endCxn id="4" idx="0"/>
+          </p:cNvCxnSpPr>
+          <p:nvPr/>
+        </p:nvCxnSpPr>
+        <p:spPr>
+          <a:xfrm>
+            <a:off x="3723393" y="734979"/>
+            <a:ext cx="0" cy="200405"/>
+          </a:xfrm>
+          <a:prstGeom prst="straightConnector1">
+            <a:avLst/>
+          </a:prstGeom>
+          <a:ln w="19050">
+            <a:tailEnd type="triangle"/>
+          </a:ln>
+        </p:spPr>
+        <p:style>
+          <a:lnRef idx="1">
+            <a:schemeClr val="accent1"/>
+          </a:lnRef>
+          <a:fillRef idx="0">
+            <a:schemeClr val="accent1"/>
+          </a:fillRef>
+          <a:effectRef idx="0">
+            <a:schemeClr val="accent1"/>
+          </a:effectRef>
+          <a:fontRef idx="minor">
+            <a:schemeClr val="tx1"/>
+          </a:fontRef>
+        </p:style>
+      </p:cxnSp>
+      <p:sp>
+        <p:nvSpPr>
+          <p:cNvPr id="11" name="矩形 10">
+            <a:extLst>
+              <a:ext uri="{FF2B5EF4-FFF2-40B4-BE49-F238E27FC236}">
+                <a16:creationId xmlns:a16="http://schemas.microsoft.com/office/drawing/2014/main" id="{37E89ED6-961A-4095-A6CF-8109A50E8260}"/>
+              </a:ext>
+            </a:extLst>
+          </p:cNvPr>
+          <p:cNvSpPr/>
+          <p:nvPr/>
+        </p:nvSpPr>
+        <p:spPr>
+          <a:xfrm>
+            <a:off x="3183143" y="1588774"/>
+            <a:ext cx="1068335" cy="400436"/>
+          </a:xfrm>
+          <a:prstGeom prst="rect">
+            <a:avLst/>
+          </a:prstGeom>
+          <a:solidFill>
+            <a:srgbClr val="5B9BD5"/>
+          </a:solidFill>
+          <a:ln>
+            <a:solidFill>
+              <a:srgbClr val="5B9BD5"/>
+            </a:solidFill>
+            <a:prstDash val="sysDash"/>
+          </a:ln>
+        </p:spPr>
+        <p:style>
+          <a:lnRef idx="2">
+            <a:schemeClr val="accent1">
+              <a:shade val="50000"/>
+            </a:schemeClr>
+          </a:lnRef>
+          <a:fillRef idx="1">
+            <a:schemeClr val="accent1"/>
+          </a:fillRef>
+          <a:effectRef idx="0">
+            <a:schemeClr val="accent1"/>
+          </a:effectRef>
+          <a:fontRef idx="minor">
+            <a:schemeClr val="lt1"/>
+          </a:fontRef>
+        </p:style>
+        <p:txBody>
+          <a:bodyPr rtlCol="0" anchor="ctr"/>
+          <a:lstStyle/>
+          <a:p>
+            <a:pPr algn="ctr"/>
+            <a:r>
+              <a:rPr lang="en-US" altLang="zh-CN" dirty="0">
                 <a:solidFill>
                   <a:schemeClr val="bg1"/>
                 </a:solidFill>
-              </a:endParaRPr>
-            </a:p>
-          </p:txBody>
-        </p:sp>
-        <p:sp>
-          <p:nvSpPr>
-            <p:cNvPr id="12" name="矩形 11">
-              <a:extLst>
-                <a:ext uri="{FF2B5EF4-FFF2-40B4-BE49-F238E27FC236}">
-                  <a16:creationId xmlns:a16="http://schemas.microsoft.com/office/drawing/2014/main" id="{B134E6D5-D0C0-48EA-A6F1-01EFB9AEAEED}"/>
-                </a:ext>
-              </a:extLst>
-            </p:cNvPr>
-            <p:cNvSpPr/>
-            <p:nvPr/>
-          </p:nvSpPr>
-          <p:spPr>
-            <a:xfrm>
-              <a:off x="762001" y="1805677"/>
-              <a:ext cx="1068335" cy="400436"/>
-            </a:xfrm>
-            <a:prstGeom prst="rect">
-              <a:avLst/>
-            </a:prstGeom>
+              </a:rPr>
+              <a:t>obj-1</a:t>
+            </a:r>
+            <a:endParaRPr lang="zh-CN" altLang="en-US" dirty="0">
+              <a:solidFill>
+                <a:schemeClr val="bg1"/>
+              </a:solidFill>
+            </a:endParaRPr>
+          </a:p>
+        </p:txBody>
+      </p:sp>
+      <p:sp>
+        <p:nvSpPr>
+          <p:cNvPr id="12" name="矩形 11">
+            <a:extLst>
+              <a:ext uri="{FF2B5EF4-FFF2-40B4-BE49-F238E27FC236}">
+                <a16:creationId xmlns:a16="http://schemas.microsoft.com/office/drawing/2014/main" id="{B134E6D5-D0C0-48EA-A6F1-01EFB9AEAEED}"/>
+              </a:ext>
+            </a:extLst>
+          </p:cNvPr>
+          <p:cNvSpPr/>
+          <p:nvPr/>
+        </p:nvSpPr>
+        <p:spPr>
+          <a:xfrm>
+            <a:off x="3183143" y="2059677"/>
+            <a:ext cx="1068335" cy="400436"/>
+          </a:xfrm>
+          <a:prstGeom prst="rect">
+            <a:avLst/>
+          </a:prstGeom>
+          <a:solidFill>
+            <a:srgbClr val="5B9BD5"/>
+          </a:solidFill>
+          <a:ln>
             <a:solidFill>
               <a:srgbClr val="5B9BD5"/>
             </a:solidFill>
-            <a:ln>
-              <a:solidFill>
-                <a:srgbClr val="5B9BD5"/>
-              </a:solidFill>
-              <a:prstDash val="sysDash"/>
-            </a:ln>
-          </p:spPr>
-          <p:style>
-            <a:lnRef idx="2">
-              <a:schemeClr val="accent1">
-                <a:shade val="50000"/>
-              </a:schemeClr>
-            </a:lnRef>
-            <a:fillRef idx="1">
-              <a:schemeClr val="accent1"/>
-            </a:fillRef>
-            <a:effectRef idx="0">
-              <a:schemeClr val="accent1"/>
-            </a:effectRef>
-            <a:fontRef idx="minor">
-              <a:schemeClr val="lt1"/>
-            </a:fontRef>
-          </p:style>
-          <p:txBody>
-            <a:bodyPr rtlCol="0" anchor="ctr"/>
-            <a:lstStyle/>
-            <a:p>
-              <a:pPr algn="ctr"/>
-              <a:r>
-                <a:rPr lang="en-US" altLang="zh-CN" dirty="0">
-                  <a:solidFill>
-                    <a:schemeClr val="bg1"/>
-                  </a:solidFill>
-                </a:rPr>
-                <a:t>Target-1</a:t>
-              </a:r>
-              <a:endParaRPr lang="zh-CN" altLang="en-US" dirty="0">
+            <a:prstDash val="sysDash"/>
+          </a:ln>
+        </p:spPr>
+        <p:style>
+          <a:lnRef idx="2">
+            <a:schemeClr val="accent1">
+              <a:shade val="50000"/>
+            </a:schemeClr>
+          </a:lnRef>
+          <a:fillRef idx="1">
+            <a:schemeClr val="accent1"/>
+          </a:fillRef>
+          <a:effectRef idx="0">
+            <a:schemeClr val="accent1"/>
+          </a:effectRef>
+          <a:fontRef idx="minor">
+            <a:schemeClr val="lt1"/>
+          </a:fontRef>
+        </p:style>
+        <p:txBody>
+          <a:bodyPr rtlCol="0" anchor="ctr"/>
+          <a:lstStyle/>
+          <a:p>
+            <a:pPr algn="ctr"/>
+            <a:r>
+              <a:rPr lang="en-US" altLang="zh-CN" dirty="0">
                 <a:solidFill>
                   <a:schemeClr val="bg1"/>
                 </a:solidFill>
-              </a:endParaRPr>
-            </a:p>
-          </p:txBody>
-        </p:sp>
-        <p:sp>
-          <p:nvSpPr>
-            <p:cNvPr id="13" name="矩形 12">
-              <a:extLst>
-                <a:ext uri="{FF2B5EF4-FFF2-40B4-BE49-F238E27FC236}">
-                  <a16:creationId xmlns:a16="http://schemas.microsoft.com/office/drawing/2014/main" id="{9CA8325A-5450-4884-B021-97F5023EFB31}"/>
-                </a:ext>
-              </a:extLst>
-            </p:cNvPr>
-            <p:cNvSpPr/>
-            <p:nvPr/>
-          </p:nvSpPr>
-          <p:spPr>
-            <a:xfrm>
-              <a:off x="762001" y="3838420"/>
-              <a:ext cx="1068335" cy="400436"/>
-            </a:xfrm>
-            <a:prstGeom prst="rect">
-              <a:avLst/>
-            </a:prstGeom>
+              </a:rPr>
+              <a:t>obj-2</a:t>
+            </a:r>
+            <a:endParaRPr lang="zh-CN" altLang="en-US" dirty="0">
+              <a:solidFill>
+                <a:schemeClr val="bg1"/>
+              </a:solidFill>
+            </a:endParaRPr>
+          </a:p>
+        </p:txBody>
+      </p:sp>
+      <p:sp>
+        <p:nvSpPr>
+          <p:cNvPr id="13" name="矩形 12">
+            <a:extLst>
+              <a:ext uri="{FF2B5EF4-FFF2-40B4-BE49-F238E27FC236}">
+                <a16:creationId xmlns:a16="http://schemas.microsoft.com/office/drawing/2014/main" id="{9CA8325A-5450-4884-B021-97F5023EFB31}"/>
+              </a:ext>
+            </a:extLst>
+          </p:cNvPr>
+          <p:cNvSpPr/>
+          <p:nvPr/>
+        </p:nvSpPr>
+        <p:spPr>
+          <a:xfrm>
+            <a:off x="3183143" y="4092420"/>
+            <a:ext cx="1068335" cy="400436"/>
+          </a:xfrm>
+          <a:prstGeom prst="rect">
+            <a:avLst/>
+          </a:prstGeom>
+          <a:solidFill>
+            <a:srgbClr val="5B9BD5"/>
+          </a:solidFill>
+          <a:ln>
             <a:solidFill>
               <a:srgbClr val="5B9BD5"/>
             </a:solidFill>
-            <a:ln>
-              <a:solidFill>
-                <a:srgbClr val="5B9BD5"/>
-              </a:solidFill>
-              <a:prstDash val="sysDash"/>
-            </a:ln>
-          </p:spPr>
-          <p:style>
-            <a:lnRef idx="2">
-              <a:schemeClr val="accent1">
-                <a:shade val="50000"/>
-              </a:schemeClr>
-            </a:lnRef>
-            <a:fillRef idx="1">
-              <a:schemeClr val="accent1"/>
-            </a:fillRef>
-            <a:effectRef idx="0">
-              <a:schemeClr val="accent1"/>
-            </a:effectRef>
-            <a:fontRef idx="minor">
-              <a:schemeClr val="lt1"/>
-            </a:fontRef>
-          </p:style>
-          <p:txBody>
-            <a:bodyPr rtlCol="0" anchor="ctr"/>
-            <a:lstStyle/>
-            <a:p>
-              <a:pPr algn="ctr"/>
-              <a:r>
-                <a:rPr lang="en-US" altLang="zh-CN" dirty="0">
-                  <a:solidFill>
-                    <a:schemeClr val="bg1"/>
-                  </a:solidFill>
-                </a:rPr>
-                <a:t>Target-N</a:t>
-              </a:r>
-              <a:endParaRPr lang="zh-CN" altLang="en-US" dirty="0">
+            <a:prstDash val="sysDash"/>
+          </a:ln>
+        </p:spPr>
+        <p:style>
+          <a:lnRef idx="2">
+            <a:schemeClr val="accent1">
+              <a:shade val="50000"/>
+            </a:schemeClr>
+          </a:lnRef>
+          <a:fillRef idx="1">
+            <a:schemeClr val="accent1"/>
+          </a:fillRef>
+          <a:effectRef idx="0">
+            <a:schemeClr val="accent1"/>
+          </a:effectRef>
+          <a:fontRef idx="minor">
+            <a:schemeClr val="lt1"/>
+          </a:fontRef>
+        </p:style>
+        <p:txBody>
+          <a:bodyPr rtlCol="0" anchor="ctr"/>
+          <a:lstStyle/>
+          <a:p>
+            <a:pPr algn="ctr"/>
+            <a:r>
+              <a:rPr lang="en-US" altLang="zh-CN" dirty="0">
                 <a:solidFill>
                   <a:schemeClr val="bg1"/>
                 </a:solidFill>
-              </a:endParaRPr>
-            </a:p>
-          </p:txBody>
-        </p:sp>
-        <p:cxnSp>
-          <p:nvCxnSpPr>
-            <p:cNvPr id="15" name="直接连接符 14">
-              <a:extLst>
-                <a:ext uri="{FF2B5EF4-FFF2-40B4-BE49-F238E27FC236}">
-                  <a16:creationId xmlns:a16="http://schemas.microsoft.com/office/drawing/2014/main" id="{EB1F39AD-4AFF-4625-9A2F-A6C42F296795}"/>
-                </a:ext>
-              </a:extLst>
-            </p:cNvPr>
-            <p:cNvCxnSpPr>
-              <a:cxnSpLocks/>
-            </p:cNvCxnSpPr>
-            <p:nvPr/>
-          </p:nvCxnSpPr>
-          <p:spPr>
-            <a:xfrm>
-              <a:off x="1305561" y="2306502"/>
-              <a:ext cx="0" cy="1384181"/>
-            </a:xfrm>
-            <a:prstGeom prst="line">
-              <a:avLst/>
-            </a:prstGeom>
-            <a:ln>
-              <a:prstDash val="lgDash"/>
-            </a:ln>
-          </p:spPr>
-          <p:style>
-            <a:lnRef idx="1">
-              <a:schemeClr val="accent1"/>
-            </a:lnRef>
-            <a:fillRef idx="0">
-              <a:schemeClr val="accent1"/>
-            </a:fillRef>
-            <a:effectRef idx="0">
-              <a:schemeClr val="accent1"/>
-            </a:effectRef>
-            <a:fontRef idx="minor">
-              <a:schemeClr val="tx1"/>
-            </a:fontRef>
-          </p:style>
-        </p:cxnSp>
-        <p:cxnSp>
-          <p:nvCxnSpPr>
-            <p:cNvPr id="18" name="直接箭头连接符 17">
-              <a:extLst>
-                <a:ext uri="{FF2B5EF4-FFF2-40B4-BE49-F238E27FC236}">
-                  <a16:creationId xmlns:a16="http://schemas.microsoft.com/office/drawing/2014/main" id="{FDBB8053-EBB9-44F3-9B2D-092DA37316D8}"/>
-                </a:ext>
-              </a:extLst>
-            </p:cNvPr>
-            <p:cNvCxnSpPr>
-              <a:cxnSpLocks/>
-              <a:stCxn id="11" idx="3"/>
-              <a:endCxn id="5" idx="1"/>
-            </p:cNvCxnSpPr>
-            <p:nvPr/>
-          </p:nvCxnSpPr>
-          <p:spPr>
-            <a:xfrm>
-              <a:off x="1830336" y="1534992"/>
-              <a:ext cx="1236097" cy="3872"/>
-            </a:xfrm>
-            <a:prstGeom prst="straightConnector1">
-              <a:avLst/>
-            </a:prstGeom>
-            <a:ln>
-              <a:tailEnd type="triangle"/>
-            </a:ln>
-          </p:spPr>
-          <p:style>
-            <a:lnRef idx="1">
-              <a:schemeClr val="accent1"/>
-            </a:lnRef>
-            <a:fillRef idx="0">
-              <a:schemeClr val="accent1"/>
-            </a:fillRef>
-            <a:effectRef idx="0">
-              <a:schemeClr val="accent1"/>
-            </a:effectRef>
-            <a:fontRef idx="minor">
-              <a:schemeClr val="tx1"/>
-            </a:fontRef>
-          </p:style>
-        </p:cxnSp>
-        <p:sp>
-          <p:nvSpPr>
-            <p:cNvPr id="20" name="文本框 19">
-              <a:extLst>
-                <a:ext uri="{FF2B5EF4-FFF2-40B4-BE49-F238E27FC236}">
-                  <a16:creationId xmlns:a16="http://schemas.microsoft.com/office/drawing/2014/main" id="{571D6EAF-FDDC-4E2C-992D-C85C86B4368A}"/>
-                </a:ext>
-              </a:extLst>
-            </p:cNvPr>
-            <p:cNvSpPr txBox="1"/>
-            <p:nvPr/>
-          </p:nvSpPr>
-          <p:spPr>
-            <a:xfrm>
-              <a:off x="2151433" y="1206194"/>
-              <a:ext cx="686213" cy="369332"/>
-            </a:xfrm>
-            <a:prstGeom prst="rect">
-              <a:avLst/>
-            </a:prstGeom>
-            <a:noFill/>
-          </p:spPr>
-          <p:txBody>
-            <a:bodyPr wrap="none" rtlCol="0">
-              <a:spAutoFit/>
-            </a:bodyPr>
-            <a:lstStyle/>
-            <a:p>
-              <a:r>
-                <a:rPr lang="en-US" altLang="zh-CN" dirty="0"/>
-                <a:t>value</a:t>
-              </a:r>
-              <a:endParaRPr lang="zh-CN" altLang="en-US" dirty="0"/>
-            </a:p>
-          </p:txBody>
-        </p:sp>
-        <p:cxnSp>
-          <p:nvCxnSpPr>
-            <p:cNvPr id="22" name="直接箭头连接符 21">
-              <a:extLst>
-                <a:ext uri="{FF2B5EF4-FFF2-40B4-BE49-F238E27FC236}">
-                  <a16:creationId xmlns:a16="http://schemas.microsoft.com/office/drawing/2014/main" id="{3CACD87C-4EE5-4CC3-8FAF-DFC93E4D7AB9}"/>
-                </a:ext>
-              </a:extLst>
-            </p:cNvPr>
-            <p:cNvCxnSpPr>
-              <a:cxnSpLocks/>
-              <a:stCxn id="5" idx="2"/>
-              <a:endCxn id="7" idx="0"/>
-            </p:cNvCxnSpPr>
-            <p:nvPr/>
-          </p:nvCxnSpPr>
-          <p:spPr>
-            <a:xfrm>
-              <a:off x="3744519" y="1686867"/>
-              <a:ext cx="0" cy="323628"/>
-            </a:xfrm>
-            <a:prstGeom prst="straightConnector1">
-              <a:avLst/>
-            </a:prstGeom>
-            <a:ln w="19050">
-              <a:tailEnd type="triangle"/>
-            </a:ln>
-          </p:spPr>
-          <p:style>
-            <a:lnRef idx="1">
-              <a:schemeClr val="accent1"/>
-            </a:lnRef>
-            <a:fillRef idx="0">
-              <a:schemeClr val="accent1"/>
-            </a:fillRef>
-            <a:effectRef idx="0">
-              <a:schemeClr val="accent1"/>
-            </a:effectRef>
-            <a:fontRef idx="minor">
-              <a:schemeClr val="tx1"/>
-            </a:fontRef>
-          </p:style>
-        </p:cxnSp>
-        <p:sp>
-          <p:nvSpPr>
-            <p:cNvPr id="23" name="矩形 22">
-              <a:extLst>
-                <a:ext uri="{FF2B5EF4-FFF2-40B4-BE49-F238E27FC236}">
-                  <a16:creationId xmlns:a16="http://schemas.microsoft.com/office/drawing/2014/main" id="{738E34AA-7DAD-40EB-87D9-36BB5FB9B43D}"/>
-                </a:ext>
-              </a:extLst>
-            </p:cNvPr>
-            <p:cNvSpPr/>
-            <p:nvPr/>
-          </p:nvSpPr>
-          <p:spPr>
-            <a:xfrm>
-              <a:off x="3066432" y="2625252"/>
-              <a:ext cx="1356174" cy="2501782"/>
-            </a:xfrm>
-            <a:prstGeom prst="rect">
-              <a:avLst/>
-            </a:prstGeom>
-            <a:noFill/>
-            <a:ln>
+              </a:rPr>
+              <a:t>obj-n</a:t>
+            </a:r>
+            <a:endParaRPr lang="zh-CN" altLang="en-US" dirty="0">
               <a:solidFill>
-                <a:srgbClr val="5B9BD5"/>
+                <a:schemeClr val="bg1"/>
               </a:solidFill>
-            </a:ln>
-          </p:spPr>
-          <p:style>
-            <a:lnRef idx="2">
-              <a:schemeClr val="accent1">
-                <a:shade val="50000"/>
-              </a:schemeClr>
-            </a:lnRef>
-            <a:fillRef idx="1">
-              <a:schemeClr val="accent1"/>
-            </a:fillRef>
-            <a:effectRef idx="0">
-              <a:schemeClr val="accent1"/>
-            </a:effectRef>
-            <a:fontRef idx="minor">
-              <a:schemeClr val="lt1"/>
-            </a:fontRef>
-          </p:style>
-          <p:txBody>
-            <a:bodyPr rtlCol="0" anchor="ctr"/>
-            <a:lstStyle/>
-            <a:p>
-              <a:pPr algn="ctr"/>
-              <a:endParaRPr lang="zh-CN" altLang="en-US"/>
-            </a:p>
-          </p:txBody>
-        </p:sp>
-        <p:sp>
-          <p:nvSpPr>
-            <p:cNvPr id="24" name="矩形 23">
-              <a:extLst>
-                <a:ext uri="{FF2B5EF4-FFF2-40B4-BE49-F238E27FC236}">
-                  <a16:creationId xmlns:a16="http://schemas.microsoft.com/office/drawing/2014/main" id="{369D2710-7B0D-4123-AEF4-4E6BFBC8F636}"/>
-                </a:ext>
-              </a:extLst>
-            </p:cNvPr>
-            <p:cNvSpPr/>
-            <p:nvPr/>
-          </p:nvSpPr>
-          <p:spPr>
-            <a:xfrm>
-              <a:off x="3261364" y="2718085"/>
-              <a:ext cx="921690" cy="400436"/>
-            </a:xfrm>
-            <a:prstGeom prst="rect">
-              <a:avLst/>
-            </a:prstGeom>
+            </a:endParaRPr>
+          </a:p>
+        </p:txBody>
+      </p:sp>
+      <p:cxnSp>
+        <p:nvCxnSpPr>
+          <p:cNvPr id="15" name="直接连接符 14">
+            <a:extLst>
+              <a:ext uri="{FF2B5EF4-FFF2-40B4-BE49-F238E27FC236}">
+                <a16:creationId xmlns:a16="http://schemas.microsoft.com/office/drawing/2014/main" id="{EB1F39AD-4AFF-4625-9A2F-A6C42F296795}"/>
+              </a:ext>
+            </a:extLst>
+          </p:cNvPr>
+          <p:cNvCxnSpPr>
+            <a:cxnSpLocks/>
+          </p:cNvCxnSpPr>
+          <p:nvPr/>
+        </p:nvCxnSpPr>
+        <p:spPr>
+          <a:xfrm>
+            <a:off x="3726703" y="2560502"/>
+            <a:ext cx="0" cy="1384181"/>
+          </a:xfrm>
+          <a:prstGeom prst="line">
+            <a:avLst/>
+          </a:prstGeom>
+          <a:ln>
+            <a:prstDash val="lgDash"/>
+          </a:ln>
+        </p:spPr>
+        <p:style>
+          <a:lnRef idx="1">
+            <a:schemeClr val="accent1"/>
+          </a:lnRef>
+          <a:fillRef idx="0">
+            <a:schemeClr val="accent1"/>
+          </a:fillRef>
+          <a:effectRef idx="0">
+            <a:schemeClr val="accent1"/>
+          </a:effectRef>
+          <a:fontRef idx="minor">
+            <a:schemeClr val="tx1"/>
+          </a:fontRef>
+        </p:style>
+      </p:cxnSp>
+      <p:cxnSp>
+        <p:nvCxnSpPr>
+          <p:cNvPr id="18" name="直接箭头连接符 17">
+            <a:extLst>
+              <a:ext uri="{FF2B5EF4-FFF2-40B4-BE49-F238E27FC236}">
+                <a16:creationId xmlns:a16="http://schemas.microsoft.com/office/drawing/2014/main" id="{FDBB8053-EBB9-44F3-9B2D-092DA37316D8}"/>
+              </a:ext>
+            </a:extLst>
+          </p:cNvPr>
+          <p:cNvCxnSpPr>
+            <a:cxnSpLocks/>
+            <a:stCxn id="11" idx="3"/>
+            <a:endCxn id="5" idx="1"/>
+          </p:cNvCxnSpPr>
+          <p:nvPr/>
+        </p:nvCxnSpPr>
+        <p:spPr>
+          <a:xfrm>
+            <a:off x="4251478" y="1788992"/>
+            <a:ext cx="1236097" cy="3872"/>
+          </a:xfrm>
+          <a:prstGeom prst="straightConnector1">
+            <a:avLst/>
+          </a:prstGeom>
+          <a:ln>
+            <a:tailEnd type="triangle"/>
+          </a:ln>
+        </p:spPr>
+        <p:style>
+          <a:lnRef idx="1">
+            <a:schemeClr val="accent1"/>
+          </a:lnRef>
+          <a:fillRef idx="0">
+            <a:schemeClr val="accent1"/>
+          </a:fillRef>
+          <a:effectRef idx="0">
+            <a:schemeClr val="accent1"/>
+          </a:effectRef>
+          <a:fontRef idx="minor">
+            <a:schemeClr val="tx1"/>
+          </a:fontRef>
+        </p:style>
+      </p:cxnSp>
+      <p:sp>
+        <p:nvSpPr>
+          <p:cNvPr id="20" name="文本框 19">
+            <a:extLst>
+              <a:ext uri="{FF2B5EF4-FFF2-40B4-BE49-F238E27FC236}">
+                <a16:creationId xmlns:a16="http://schemas.microsoft.com/office/drawing/2014/main" id="{571D6EAF-FDDC-4E2C-992D-C85C86B4368A}"/>
+              </a:ext>
+            </a:extLst>
+          </p:cNvPr>
+          <p:cNvSpPr txBox="1"/>
+          <p:nvPr/>
+        </p:nvSpPr>
+        <p:spPr>
+          <a:xfrm>
+            <a:off x="4572575" y="1460194"/>
+            <a:ext cx="686213" cy="369332"/>
+          </a:xfrm>
+          <a:prstGeom prst="rect">
+            <a:avLst/>
+          </a:prstGeom>
+          <a:noFill/>
+        </p:spPr>
+        <p:txBody>
+          <a:bodyPr wrap="none" rtlCol="0">
+            <a:spAutoFit/>
+          </a:bodyPr>
+          <a:lstStyle/>
+          <a:p>
+            <a:r>
+              <a:rPr lang="en-US" altLang="zh-CN" dirty="0"/>
+              <a:t>value</a:t>
+            </a:r>
+            <a:endParaRPr lang="zh-CN" altLang="en-US" dirty="0"/>
+          </a:p>
+        </p:txBody>
+      </p:sp>
+      <p:cxnSp>
+        <p:nvCxnSpPr>
+          <p:cNvPr id="22" name="直接箭头连接符 21">
+            <a:extLst>
+              <a:ext uri="{FF2B5EF4-FFF2-40B4-BE49-F238E27FC236}">
+                <a16:creationId xmlns:a16="http://schemas.microsoft.com/office/drawing/2014/main" id="{3CACD87C-4EE5-4CC3-8FAF-DFC93E4D7AB9}"/>
+              </a:ext>
+            </a:extLst>
+          </p:cNvPr>
+          <p:cNvCxnSpPr>
+            <a:cxnSpLocks/>
+            <a:stCxn id="5" idx="2"/>
+            <a:endCxn id="7" idx="0"/>
+          </p:cNvCxnSpPr>
+          <p:nvPr/>
+        </p:nvCxnSpPr>
+        <p:spPr>
+          <a:xfrm>
+            <a:off x="6165661" y="1940867"/>
+            <a:ext cx="0" cy="323628"/>
+          </a:xfrm>
+          <a:prstGeom prst="straightConnector1">
+            <a:avLst/>
+          </a:prstGeom>
+          <a:ln w="19050">
+            <a:tailEnd type="triangle"/>
+          </a:ln>
+        </p:spPr>
+        <p:style>
+          <a:lnRef idx="1">
+            <a:schemeClr val="accent1"/>
+          </a:lnRef>
+          <a:fillRef idx="0">
+            <a:schemeClr val="accent1"/>
+          </a:fillRef>
+          <a:effectRef idx="0">
+            <a:schemeClr val="accent1"/>
+          </a:effectRef>
+          <a:fontRef idx="minor">
+            <a:schemeClr val="tx1"/>
+          </a:fontRef>
+        </p:style>
+      </p:cxnSp>
+      <p:sp>
+        <p:nvSpPr>
+          <p:cNvPr id="23" name="矩形 22">
+            <a:extLst>
+              <a:ext uri="{FF2B5EF4-FFF2-40B4-BE49-F238E27FC236}">
+                <a16:creationId xmlns:a16="http://schemas.microsoft.com/office/drawing/2014/main" id="{738E34AA-7DAD-40EB-87D9-36BB5FB9B43D}"/>
+              </a:ext>
+            </a:extLst>
+          </p:cNvPr>
+          <p:cNvSpPr/>
+          <p:nvPr/>
+        </p:nvSpPr>
+        <p:spPr>
+          <a:xfrm>
+            <a:off x="5487574" y="2669702"/>
+            <a:ext cx="1356174" cy="2501782"/>
+          </a:xfrm>
+          <a:prstGeom prst="rect">
+            <a:avLst/>
+          </a:prstGeom>
+          <a:noFill/>
+          <a:ln>
             <a:solidFill>
               <a:srgbClr val="5B9BD5"/>
             </a:solidFill>
-            <a:ln>
-              <a:solidFill>
-                <a:srgbClr val="5B9BD5"/>
-              </a:solidFill>
-              <a:prstDash val="sysDash"/>
-            </a:ln>
-          </p:spPr>
-          <p:style>
-            <a:lnRef idx="2">
-              <a:schemeClr val="accent1">
-                <a:shade val="50000"/>
-              </a:schemeClr>
-            </a:lnRef>
-            <a:fillRef idx="1">
-              <a:schemeClr val="accent1"/>
-            </a:fillRef>
-            <a:effectRef idx="0">
-              <a:schemeClr val="accent1"/>
-            </a:effectRef>
-            <a:fontRef idx="minor">
-              <a:schemeClr val="lt1"/>
-            </a:fontRef>
-          </p:style>
-          <p:txBody>
-            <a:bodyPr rtlCol="0" anchor="ctr"/>
-            <a:lstStyle/>
-            <a:p>
-              <a:pPr algn="ctr"/>
-              <a:r>
-                <a:rPr lang="en-US" altLang="zh-CN" dirty="0">
-                  <a:solidFill>
-                    <a:schemeClr val="bg1"/>
-                  </a:solidFill>
-                </a:rPr>
-                <a:t>Key-1</a:t>
-              </a:r>
-              <a:endParaRPr lang="zh-CN" altLang="en-US" dirty="0">
+          </a:ln>
+        </p:spPr>
+        <p:style>
+          <a:lnRef idx="2">
+            <a:schemeClr val="accent1">
+              <a:shade val="50000"/>
+            </a:schemeClr>
+          </a:lnRef>
+          <a:fillRef idx="1">
+            <a:schemeClr val="accent1"/>
+          </a:fillRef>
+          <a:effectRef idx="0">
+            <a:schemeClr val="accent1"/>
+          </a:effectRef>
+          <a:fontRef idx="minor">
+            <a:schemeClr val="lt1"/>
+          </a:fontRef>
+        </p:style>
+        <p:txBody>
+          <a:bodyPr rtlCol="0" anchor="ctr"/>
+          <a:lstStyle/>
+          <a:p>
+            <a:pPr algn="ctr"/>
+            <a:endParaRPr lang="zh-CN" altLang="en-US"/>
+          </a:p>
+        </p:txBody>
+      </p:sp>
+      <p:sp>
+        <p:nvSpPr>
+          <p:cNvPr id="24" name="矩形 23">
+            <a:extLst>
+              <a:ext uri="{FF2B5EF4-FFF2-40B4-BE49-F238E27FC236}">
+                <a16:creationId xmlns:a16="http://schemas.microsoft.com/office/drawing/2014/main" id="{369D2710-7B0D-4123-AEF4-4E6BFBC8F636}"/>
+              </a:ext>
+            </a:extLst>
+          </p:cNvPr>
+          <p:cNvSpPr/>
+          <p:nvPr/>
+        </p:nvSpPr>
+        <p:spPr>
+          <a:xfrm>
+            <a:off x="5543550" y="2762535"/>
+            <a:ext cx="1262098" cy="400436"/>
+          </a:xfrm>
+          <a:prstGeom prst="rect">
+            <a:avLst/>
+          </a:prstGeom>
+          <a:solidFill>
+            <a:srgbClr val="5B9BD5"/>
+          </a:solidFill>
+          <a:ln>
+            <a:solidFill>
+              <a:srgbClr val="5B9BD5"/>
+            </a:solidFill>
+            <a:prstDash val="sysDash"/>
+          </a:ln>
+        </p:spPr>
+        <p:style>
+          <a:lnRef idx="2">
+            <a:schemeClr val="accent1">
+              <a:shade val="50000"/>
+            </a:schemeClr>
+          </a:lnRef>
+          <a:fillRef idx="1">
+            <a:schemeClr val="accent1"/>
+          </a:fillRef>
+          <a:effectRef idx="0">
+            <a:schemeClr val="accent1"/>
+          </a:effectRef>
+          <a:fontRef idx="minor">
+            <a:schemeClr val="lt1"/>
+          </a:fontRef>
+        </p:style>
+        <p:txBody>
+          <a:bodyPr rtlCol="0" anchor="ctr"/>
+          <a:lstStyle/>
+          <a:p>
+            <a:pPr algn="ctr"/>
+            <a:r>
+              <a:rPr lang="en-US" altLang="zh-CN" dirty="0"/>
+              <a:t>property</a:t>
+            </a:r>
+            <a:r>
+              <a:rPr lang="en-US" altLang="zh-CN" dirty="0">
                 <a:solidFill>
                   <a:schemeClr val="bg1"/>
                 </a:solidFill>
-              </a:endParaRPr>
-            </a:p>
-          </p:txBody>
-        </p:sp>
-        <p:sp>
-          <p:nvSpPr>
-            <p:cNvPr id="25" name="矩形 24">
-              <a:extLst>
-                <a:ext uri="{FF2B5EF4-FFF2-40B4-BE49-F238E27FC236}">
-                  <a16:creationId xmlns:a16="http://schemas.microsoft.com/office/drawing/2014/main" id="{C1396CC3-C37F-4403-B6C6-D6B3E679CCF8}"/>
-                </a:ext>
-              </a:extLst>
-            </p:cNvPr>
-            <p:cNvSpPr/>
-            <p:nvPr/>
-          </p:nvSpPr>
-          <p:spPr>
-            <a:xfrm>
-              <a:off x="3261364" y="3211354"/>
-              <a:ext cx="921690" cy="400436"/>
-            </a:xfrm>
-            <a:prstGeom prst="rect">
-              <a:avLst/>
-            </a:prstGeom>
+              </a:rPr>
+              <a:t>-1</a:t>
+            </a:r>
+            <a:endParaRPr lang="zh-CN" altLang="en-US" dirty="0">
+              <a:solidFill>
+                <a:schemeClr val="bg1"/>
+              </a:solidFill>
+            </a:endParaRPr>
+          </a:p>
+        </p:txBody>
+      </p:sp>
+      <p:cxnSp>
+        <p:nvCxnSpPr>
+          <p:cNvPr id="27" name="直接连接符 26">
+            <a:extLst>
+              <a:ext uri="{FF2B5EF4-FFF2-40B4-BE49-F238E27FC236}">
+                <a16:creationId xmlns:a16="http://schemas.microsoft.com/office/drawing/2014/main" id="{86B114E7-9BB0-4A6B-AB4E-4EE7D4006023}"/>
+              </a:ext>
+            </a:extLst>
+          </p:cNvPr>
+          <p:cNvCxnSpPr>
+            <a:cxnSpLocks/>
+          </p:cNvCxnSpPr>
+          <p:nvPr/>
+        </p:nvCxnSpPr>
+        <p:spPr>
+          <a:xfrm>
+            <a:off x="6165661" y="3829432"/>
+            <a:ext cx="0" cy="682204"/>
+          </a:xfrm>
+          <a:prstGeom prst="line">
+            <a:avLst/>
+          </a:prstGeom>
+          <a:ln>
+            <a:prstDash val="lgDash"/>
+          </a:ln>
+        </p:spPr>
+        <p:style>
+          <a:lnRef idx="1">
+            <a:schemeClr val="accent1"/>
+          </a:lnRef>
+          <a:fillRef idx="0">
+            <a:schemeClr val="accent1"/>
+          </a:fillRef>
+          <a:effectRef idx="0">
+            <a:schemeClr val="accent1"/>
+          </a:effectRef>
+          <a:fontRef idx="minor">
+            <a:schemeClr val="tx1"/>
+          </a:fontRef>
+        </p:style>
+      </p:cxnSp>
+      <p:cxnSp>
+        <p:nvCxnSpPr>
+          <p:cNvPr id="51" name="直接箭头连接符 50">
+            <a:extLst>
+              <a:ext uri="{FF2B5EF4-FFF2-40B4-BE49-F238E27FC236}">
+                <a16:creationId xmlns:a16="http://schemas.microsoft.com/office/drawing/2014/main" id="{0B88C6CA-18EA-4DD2-99EF-6921C45B1778}"/>
+              </a:ext>
+            </a:extLst>
+          </p:cNvPr>
+          <p:cNvCxnSpPr>
+            <a:cxnSpLocks/>
+            <a:endCxn id="8" idx="1"/>
+          </p:cNvCxnSpPr>
+          <p:nvPr/>
+        </p:nvCxnSpPr>
+        <p:spPr>
+          <a:xfrm>
+            <a:off x="6630720" y="2962753"/>
+            <a:ext cx="1110235" cy="7673"/>
+          </a:xfrm>
+          <a:prstGeom prst="straightConnector1">
+            <a:avLst/>
+          </a:prstGeom>
+          <a:ln>
+            <a:tailEnd type="triangle"/>
+          </a:ln>
+        </p:spPr>
+        <p:style>
+          <a:lnRef idx="1">
+            <a:schemeClr val="accent1"/>
+          </a:lnRef>
+          <a:fillRef idx="0">
+            <a:schemeClr val="accent1"/>
+          </a:fillRef>
+          <a:effectRef idx="0">
+            <a:schemeClr val="accent1"/>
+          </a:effectRef>
+          <a:fontRef idx="minor">
+            <a:schemeClr val="tx1"/>
+          </a:fontRef>
+        </p:style>
+      </p:cxnSp>
+      <p:sp>
+        <p:nvSpPr>
+          <p:cNvPr id="52" name="文本框 51">
+            <a:extLst>
+              <a:ext uri="{FF2B5EF4-FFF2-40B4-BE49-F238E27FC236}">
+                <a16:creationId xmlns:a16="http://schemas.microsoft.com/office/drawing/2014/main" id="{0211A344-7DB6-4B8D-B867-2BCEC3B818E8}"/>
+              </a:ext>
+            </a:extLst>
+          </p:cNvPr>
+          <p:cNvSpPr txBox="1"/>
+          <p:nvPr/>
+        </p:nvSpPr>
+        <p:spPr>
+          <a:xfrm>
+            <a:off x="6870272" y="2590830"/>
+            <a:ext cx="686213" cy="369332"/>
+          </a:xfrm>
+          <a:prstGeom prst="rect">
+            <a:avLst/>
+          </a:prstGeom>
+          <a:noFill/>
+        </p:spPr>
+        <p:txBody>
+          <a:bodyPr wrap="none" rtlCol="0">
+            <a:spAutoFit/>
+          </a:bodyPr>
+          <a:lstStyle/>
+          <a:p>
+            <a:r>
+              <a:rPr lang="en-US" altLang="zh-CN" dirty="0"/>
+              <a:t>value</a:t>
+            </a:r>
+            <a:endParaRPr lang="zh-CN" altLang="en-US" dirty="0"/>
+          </a:p>
+        </p:txBody>
+      </p:sp>
+      <p:sp>
+        <p:nvSpPr>
+          <p:cNvPr id="53" name="矩形 52">
+            <a:extLst>
+              <a:ext uri="{FF2B5EF4-FFF2-40B4-BE49-F238E27FC236}">
+                <a16:creationId xmlns:a16="http://schemas.microsoft.com/office/drawing/2014/main" id="{AB34BFE6-BB48-48D9-AADA-7FF0F0915FC0}"/>
+              </a:ext>
+            </a:extLst>
+          </p:cNvPr>
+          <p:cNvSpPr/>
+          <p:nvPr/>
+        </p:nvSpPr>
+        <p:spPr>
+          <a:xfrm>
+            <a:off x="7740955" y="3241811"/>
+            <a:ext cx="1356174" cy="2501782"/>
+          </a:xfrm>
+          <a:prstGeom prst="rect">
+            <a:avLst/>
+          </a:prstGeom>
+          <a:noFill/>
+          <a:ln>
             <a:solidFill>
               <a:srgbClr val="5B9BD5"/>
             </a:solidFill>
-            <a:ln>
-              <a:solidFill>
-                <a:srgbClr val="5B9BD5"/>
-              </a:solidFill>
-              <a:prstDash val="sysDash"/>
-            </a:ln>
-          </p:spPr>
-          <p:style>
-            <a:lnRef idx="2">
-              <a:schemeClr val="accent1">
-                <a:shade val="50000"/>
-              </a:schemeClr>
-            </a:lnRef>
-            <a:fillRef idx="1">
-              <a:schemeClr val="accent1"/>
-            </a:fillRef>
-            <a:effectRef idx="0">
-              <a:schemeClr val="accent1"/>
-            </a:effectRef>
-            <a:fontRef idx="minor">
-              <a:schemeClr val="lt1"/>
-            </a:fontRef>
-          </p:style>
-          <p:txBody>
-            <a:bodyPr rtlCol="0" anchor="ctr"/>
-            <a:lstStyle/>
-            <a:p>
-              <a:pPr algn="ctr"/>
-              <a:r>
-                <a:rPr lang="en-US" altLang="zh-CN" dirty="0">
-                  <a:solidFill>
-                    <a:schemeClr val="bg1"/>
-                  </a:solidFill>
-                </a:rPr>
-                <a:t>Key-1</a:t>
-              </a:r>
-              <a:endParaRPr lang="zh-CN" altLang="en-US" dirty="0">
+          </a:ln>
+        </p:spPr>
+        <p:style>
+          <a:lnRef idx="2">
+            <a:schemeClr val="accent1">
+              <a:shade val="50000"/>
+            </a:schemeClr>
+          </a:lnRef>
+          <a:fillRef idx="1">
+            <a:schemeClr val="accent1"/>
+          </a:fillRef>
+          <a:effectRef idx="0">
+            <a:schemeClr val="accent1"/>
+          </a:effectRef>
+          <a:fontRef idx="minor">
+            <a:schemeClr val="lt1"/>
+          </a:fontRef>
+        </p:style>
+        <p:txBody>
+          <a:bodyPr rtlCol="0" anchor="ctr"/>
+          <a:lstStyle/>
+          <a:p>
+            <a:pPr algn="ctr"/>
+            <a:endParaRPr lang="zh-CN" altLang="en-US"/>
+          </a:p>
+        </p:txBody>
+      </p:sp>
+      <p:sp>
+        <p:nvSpPr>
+          <p:cNvPr id="54" name="矩形 53">
+            <a:extLst>
+              <a:ext uri="{FF2B5EF4-FFF2-40B4-BE49-F238E27FC236}">
+                <a16:creationId xmlns:a16="http://schemas.microsoft.com/office/drawing/2014/main" id="{813F0B3A-38A3-47B4-9AFC-2D4133D6E31B}"/>
+              </a:ext>
+            </a:extLst>
+          </p:cNvPr>
+          <p:cNvSpPr/>
+          <p:nvPr/>
+        </p:nvSpPr>
+        <p:spPr>
+          <a:xfrm>
+            <a:off x="7935887" y="3334644"/>
+            <a:ext cx="921690" cy="400436"/>
+          </a:xfrm>
+          <a:prstGeom prst="rect">
+            <a:avLst/>
+          </a:prstGeom>
+          <a:solidFill>
+            <a:srgbClr val="5B9BD5"/>
+          </a:solidFill>
+          <a:ln>
+            <a:solidFill>
+              <a:srgbClr val="5B9BD5"/>
+            </a:solidFill>
+            <a:prstDash val="sysDash"/>
+          </a:ln>
+        </p:spPr>
+        <p:style>
+          <a:lnRef idx="2">
+            <a:schemeClr val="accent1">
+              <a:shade val="50000"/>
+            </a:schemeClr>
+          </a:lnRef>
+          <a:fillRef idx="1">
+            <a:schemeClr val="accent1"/>
+          </a:fillRef>
+          <a:effectRef idx="0">
+            <a:schemeClr val="accent1"/>
+          </a:effectRef>
+          <a:fontRef idx="minor">
+            <a:schemeClr val="lt1"/>
+          </a:fontRef>
+        </p:style>
+        <p:txBody>
+          <a:bodyPr rtlCol="0" anchor="ctr"/>
+          <a:lstStyle/>
+          <a:p>
+            <a:pPr algn="ctr"/>
+            <a:r>
+              <a:rPr lang="en-US" altLang="zh-CN" dirty="0">
                 <a:solidFill>
                   <a:schemeClr val="bg1"/>
                 </a:solidFill>
-              </a:endParaRPr>
-            </a:p>
-          </p:txBody>
-        </p:sp>
-        <p:sp>
-          <p:nvSpPr>
-            <p:cNvPr id="26" name="矩形 25">
-              <a:extLst>
-                <a:ext uri="{FF2B5EF4-FFF2-40B4-BE49-F238E27FC236}">
-                  <a16:creationId xmlns:a16="http://schemas.microsoft.com/office/drawing/2014/main" id="{BC7A1CFE-9FE4-4A9C-B356-DA1D3F9C2D6C}"/>
-                </a:ext>
-              </a:extLst>
-            </p:cNvPr>
-            <p:cNvSpPr/>
-            <p:nvPr/>
-          </p:nvSpPr>
-          <p:spPr>
-            <a:xfrm>
-              <a:off x="3261364" y="4632353"/>
-              <a:ext cx="921690" cy="400436"/>
-            </a:xfrm>
-            <a:prstGeom prst="rect">
-              <a:avLst/>
-            </a:prstGeom>
+              </a:rPr>
+              <a:t>effect-1</a:t>
+            </a:r>
+            <a:endParaRPr lang="zh-CN" altLang="en-US" dirty="0">
+              <a:solidFill>
+                <a:schemeClr val="bg1"/>
+              </a:solidFill>
+            </a:endParaRPr>
+          </a:p>
+        </p:txBody>
+      </p:sp>
+      <p:sp>
+        <p:nvSpPr>
+          <p:cNvPr id="55" name="矩形 54">
+            <a:extLst>
+              <a:ext uri="{FF2B5EF4-FFF2-40B4-BE49-F238E27FC236}">
+                <a16:creationId xmlns:a16="http://schemas.microsoft.com/office/drawing/2014/main" id="{6D2430F5-5788-4508-8E75-4873AF3A9928}"/>
+              </a:ext>
+            </a:extLst>
+          </p:cNvPr>
+          <p:cNvSpPr/>
+          <p:nvPr/>
+        </p:nvSpPr>
+        <p:spPr>
+          <a:xfrm>
+            <a:off x="7935887" y="3827913"/>
+            <a:ext cx="921690" cy="400436"/>
+          </a:xfrm>
+          <a:prstGeom prst="rect">
+            <a:avLst/>
+          </a:prstGeom>
+          <a:solidFill>
+            <a:srgbClr val="5B9BD5"/>
+          </a:solidFill>
+          <a:ln>
             <a:solidFill>
               <a:srgbClr val="5B9BD5"/>
             </a:solidFill>
-            <a:ln>
-              <a:solidFill>
-                <a:srgbClr val="5B9BD5"/>
-              </a:solidFill>
-              <a:prstDash val="sysDash"/>
-            </a:ln>
-          </p:spPr>
-          <p:style>
-            <a:lnRef idx="2">
-              <a:schemeClr val="accent1">
-                <a:shade val="50000"/>
-              </a:schemeClr>
-            </a:lnRef>
-            <a:fillRef idx="1">
-              <a:schemeClr val="accent1"/>
-            </a:fillRef>
-            <a:effectRef idx="0">
-              <a:schemeClr val="accent1"/>
-            </a:effectRef>
-            <a:fontRef idx="minor">
-              <a:schemeClr val="lt1"/>
-            </a:fontRef>
-          </p:style>
-          <p:txBody>
-            <a:bodyPr rtlCol="0" anchor="ctr"/>
-            <a:lstStyle/>
-            <a:p>
-              <a:pPr algn="ctr"/>
-              <a:r>
-                <a:rPr lang="en-US" altLang="zh-CN" dirty="0">
-                  <a:solidFill>
-                    <a:schemeClr val="bg1"/>
-                  </a:solidFill>
-                </a:rPr>
-                <a:t>Key-n</a:t>
-              </a:r>
-              <a:endParaRPr lang="zh-CN" altLang="en-US" dirty="0">
+            <a:prstDash val="sysDash"/>
+          </a:ln>
+        </p:spPr>
+        <p:style>
+          <a:lnRef idx="2">
+            <a:schemeClr val="accent1">
+              <a:shade val="50000"/>
+            </a:schemeClr>
+          </a:lnRef>
+          <a:fillRef idx="1">
+            <a:schemeClr val="accent1"/>
+          </a:fillRef>
+          <a:effectRef idx="0">
+            <a:schemeClr val="accent1"/>
+          </a:effectRef>
+          <a:fontRef idx="minor">
+            <a:schemeClr val="lt1"/>
+          </a:fontRef>
+        </p:style>
+        <p:txBody>
+          <a:bodyPr rtlCol="0" anchor="ctr"/>
+          <a:lstStyle/>
+          <a:p>
+            <a:pPr algn="ctr"/>
+            <a:r>
+              <a:rPr lang="en-US" altLang="zh-CN" dirty="0">
                 <a:solidFill>
                   <a:schemeClr val="bg1"/>
                 </a:solidFill>
-              </a:endParaRPr>
-            </a:p>
-          </p:txBody>
-        </p:sp>
-        <p:cxnSp>
-          <p:nvCxnSpPr>
-            <p:cNvPr id="27" name="直接连接符 26">
-              <a:extLst>
-                <a:ext uri="{FF2B5EF4-FFF2-40B4-BE49-F238E27FC236}">
-                  <a16:creationId xmlns:a16="http://schemas.microsoft.com/office/drawing/2014/main" id="{86B114E7-9BB0-4A6B-AB4E-4EE7D4006023}"/>
-                </a:ext>
-              </a:extLst>
-            </p:cNvPr>
-            <p:cNvCxnSpPr>
-              <a:cxnSpLocks/>
-            </p:cNvCxnSpPr>
-            <p:nvPr/>
-          </p:nvCxnSpPr>
-          <p:spPr>
-            <a:xfrm>
-              <a:off x="3744519" y="3784982"/>
-              <a:ext cx="0" cy="682204"/>
-            </a:xfrm>
-            <a:prstGeom prst="line">
-              <a:avLst/>
-            </a:prstGeom>
-            <a:ln>
-              <a:prstDash val="lgDash"/>
-            </a:ln>
-          </p:spPr>
-          <p:style>
-            <a:lnRef idx="1">
-              <a:schemeClr val="accent1"/>
-            </a:lnRef>
-            <a:fillRef idx="0">
-              <a:schemeClr val="accent1"/>
-            </a:fillRef>
-            <a:effectRef idx="0">
-              <a:schemeClr val="accent1"/>
-            </a:effectRef>
-            <a:fontRef idx="minor">
-              <a:schemeClr val="tx1"/>
-            </a:fontRef>
-          </p:style>
-        </p:cxnSp>
-        <p:cxnSp>
-          <p:nvCxnSpPr>
-            <p:cNvPr id="51" name="直接箭头连接符 50">
-              <a:extLst>
-                <a:ext uri="{FF2B5EF4-FFF2-40B4-BE49-F238E27FC236}">
-                  <a16:creationId xmlns:a16="http://schemas.microsoft.com/office/drawing/2014/main" id="{0B88C6CA-18EA-4DD2-99EF-6921C45B1778}"/>
-                </a:ext>
-              </a:extLst>
-            </p:cNvPr>
-            <p:cNvCxnSpPr>
-              <a:cxnSpLocks/>
-              <a:endCxn id="8" idx="1"/>
-            </p:cNvCxnSpPr>
-            <p:nvPr/>
-          </p:nvCxnSpPr>
-          <p:spPr>
-            <a:xfrm>
-              <a:off x="4209578" y="2918303"/>
-              <a:ext cx="1110235" cy="7673"/>
-            </a:xfrm>
-            <a:prstGeom prst="straightConnector1">
-              <a:avLst/>
-            </a:prstGeom>
-            <a:ln>
-              <a:tailEnd type="triangle"/>
-            </a:ln>
-          </p:spPr>
-          <p:style>
-            <a:lnRef idx="1">
-              <a:schemeClr val="accent1"/>
-            </a:lnRef>
-            <a:fillRef idx="0">
-              <a:schemeClr val="accent1"/>
-            </a:fillRef>
-            <a:effectRef idx="0">
-              <a:schemeClr val="accent1"/>
-            </a:effectRef>
-            <a:fontRef idx="minor">
-              <a:schemeClr val="tx1"/>
-            </a:fontRef>
-          </p:style>
-        </p:cxnSp>
-        <p:sp>
-          <p:nvSpPr>
-            <p:cNvPr id="52" name="文本框 51">
-              <a:extLst>
-                <a:ext uri="{FF2B5EF4-FFF2-40B4-BE49-F238E27FC236}">
-                  <a16:creationId xmlns:a16="http://schemas.microsoft.com/office/drawing/2014/main" id="{0211A344-7DB6-4B8D-B867-2BCEC3B818E8}"/>
-                </a:ext>
-              </a:extLst>
-            </p:cNvPr>
-            <p:cNvSpPr txBox="1"/>
-            <p:nvPr/>
-          </p:nvSpPr>
-          <p:spPr>
-            <a:xfrm>
-              <a:off x="4449130" y="2546380"/>
-              <a:ext cx="686213" cy="369332"/>
-            </a:xfrm>
-            <a:prstGeom prst="rect">
-              <a:avLst/>
-            </a:prstGeom>
-            <a:noFill/>
-          </p:spPr>
-          <p:txBody>
-            <a:bodyPr wrap="none" rtlCol="0">
-              <a:spAutoFit/>
-            </a:bodyPr>
-            <a:lstStyle/>
-            <a:p>
-              <a:r>
-                <a:rPr lang="en-US" altLang="zh-CN" dirty="0"/>
-                <a:t>value</a:t>
-              </a:r>
-              <a:endParaRPr lang="zh-CN" altLang="en-US" dirty="0"/>
-            </a:p>
-          </p:txBody>
-        </p:sp>
-        <p:sp>
-          <p:nvSpPr>
-            <p:cNvPr id="53" name="矩形 52">
-              <a:extLst>
-                <a:ext uri="{FF2B5EF4-FFF2-40B4-BE49-F238E27FC236}">
-                  <a16:creationId xmlns:a16="http://schemas.microsoft.com/office/drawing/2014/main" id="{AB34BFE6-BB48-48D9-AADA-7FF0F0915FC0}"/>
-                </a:ext>
-              </a:extLst>
-            </p:cNvPr>
-            <p:cNvSpPr/>
-            <p:nvPr/>
-          </p:nvSpPr>
-          <p:spPr>
-            <a:xfrm>
-              <a:off x="5319813" y="3264036"/>
-              <a:ext cx="1356174" cy="2501782"/>
-            </a:xfrm>
-            <a:prstGeom prst="rect">
-              <a:avLst/>
-            </a:prstGeom>
-            <a:noFill/>
-            <a:ln>
+              </a:rPr>
+              <a:t>effect-2</a:t>
+            </a:r>
+            <a:endParaRPr lang="zh-CN" altLang="en-US" dirty="0">
               <a:solidFill>
-                <a:srgbClr val="5B9BD5"/>
+                <a:schemeClr val="bg1"/>
               </a:solidFill>
-            </a:ln>
-          </p:spPr>
-          <p:style>
-            <a:lnRef idx="2">
-              <a:schemeClr val="accent1">
-                <a:shade val="50000"/>
-              </a:schemeClr>
-            </a:lnRef>
-            <a:fillRef idx="1">
-              <a:schemeClr val="accent1"/>
-            </a:fillRef>
-            <a:effectRef idx="0">
-              <a:schemeClr val="accent1"/>
-            </a:effectRef>
-            <a:fontRef idx="minor">
-              <a:schemeClr val="lt1"/>
-            </a:fontRef>
-          </p:style>
-          <p:txBody>
-            <a:bodyPr rtlCol="0" anchor="ctr"/>
-            <a:lstStyle/>
-            <a:p>
-              <a:pPr algn="ctr"/>
-              <a:endParaRPr lang="zh-CN" altLang="en-US"/>
-            </a:p>
-          </p:txBody>
-        </p:sp>
-        <p:sp>
-          <p:nvSpPr>
-            <p:cNvPr id="54" name="矩形 53">
-              <a:extLst>
-                <a:ext uri="{FF2B5EF4-FFF2-40B4-BE49-F238E27FC236}">
-                  <a16:creationId xmlns:a16="http://schemas.microsoft.com/office/drawing/2014/main" id="{813F0B3A-38A3-47B4-9AFC-2D4133D6E31B}"/>
-                </a:ext>
-              </a:extLst>
-            </p:cNvPr>
-            <p:cNvSpPr/>
-            <p:nvPr/>
-          </p:nvSpPr>
-          <p:spPr>
-            <a:xfrm>
-              <a:off x="5514745" y="3356869"/>
-              <a:ext cx="921690" cy="400436"/>
-            </a:xfrm>
-            <a:prstGeom prst="rect">
-              <a:avLst/>
-            </a:prstGeom>
+            </a:endParaRPr>
+          </a:p>
+        </p:txBody>
+      </p:sp>
+      <p:sp>
+        <p:nvSpPr>
+          <p:cNvPr id="56" name="矩形 55">
+            <a:extLst>
+              <a:ext uri="{FF2B5EF4-FFF2-40B4-BE49-F238E27FC236}">
+                <a16:creationId xmlns:a16="http://schemas.microsoft.com/office/drawing/2014/main" id="{1BCBC85E-3213-42A1-8752-B6F7CCE16C60}"/>
+              </a:ext>
+            </a:extLst>
+          </p:cNvPr>
+          <p:cNvSpPr/>
+          <p:nvPr/>
+        </p:nvSpPr>
+        <p:spPr>
+          <a:xfrm>
+            <a:off x="7935887" y="5248912"/>
+            <a:ext cx="921690" cy="400436"/>
+          </a:xfrm>
+          <a:prstGeom prst="rect">
+            <a:avLst/>
+          </a:prstGeom>
+          <a:solidFill>
+            <a:srgbClr val="5B9BD5"/>
+          </a:solidFill>
+          <a:ln>
             <a:solidFill>
               <a:srgbClr val="5B9BD5"/>
             </a:solidFill>
-            <a:ln>
-              <a:solidFill>
-                <a:srgbClr val="5B9BD5"/>
-              </a:solidFill>
-              <a:prstDash val="sysDash"/>
-            </a:ln>
-          </p:spPr>
-          <p:style>
-            <a:lnRef idx="2">
-              <a:schemeClr val="accent1">
-                <a:shade val="50000"/>
-              </a:schemeClr>
-            </a:lnRef>
-            <a:fillRef idx="1">
-              <a:schemeClr val="accent1"/>
-            </a:fillRef>
-            <a:effectRef idx="0">
-              <a:schemeClr val="accent1"/>
-            </a:effectRef>
-            <a:fontRef idx="minor">
-              <a:schemeClr val="lt1"/>
-            </a:fontRef>
-          </p:style>
-          <p:txBody>
-            <a:bodyPr rtlCol="0" anchor="ctr"/>
-            <a:lstStyle/>
-            <a:p>
-              <a:pPr algn="ctr"/>
-              <a:r>
-                <a:rPr lang="en-US" altLang="zh-CN" dirty="0">
-                  <a:solidFill>
-                    <a:schemeClr val="bg1"/>
-                  </a:solidFill>
-                </a:rPr>
-                <a:t>effect-1</a:t>
-              </a:r>
-              <a:endParaRPr lang="zh-CN" altLang="en-US" dirty="0">
+            <a:prstDash val="sysDash"/>
+          </a:ln>
+        </p:spPr>
+        <p:style>
+          <a:lnRef idx="2">
+            <a:schemeClr val="accent1">
+              <a:shade val="50000"/>
+            </a:schemeClr>
+          </a:lnRef>
+          <a:fillRef idx="1">
+            <a:schemeClr val="accent1"/>
+          </a:fillRef>
+          <a:effectRef idx="0">
+            <a:schemeClr val="accent1"/>
+          </a:effectRef>
+          <a:fontRef idx="minor">
+            <a:schemeClr val="lt1"/>
+          </a:fontRef>
+        </p:style>
+        <p:txBody>
+          <a:bodyPr rtlCol="0" anchor="ctr"/>
+          <a:lstStyle/>
+          <a:p>
+            <a:pPr algn="ctr"/>
+            <a:r>
+              <a:rPr lang="en-US" altLang="zh-CN" dirty="0">
                 <a:solidFill>
                   <a:schemeClr val="bg1"/>
                 </a:solidFill>
-              </a:endParaRPr>
-            </a:p>
-          </p:txBody>
-        </p:sp>
-        <p:sp>
-          <p:nvSpPr>
-            <p:cNvPr id="55" name="矩形 54">
-              <a:extLst>
-                <a:ext uri="{FF2B5EF4-FFF2-40B4-BE49-F238E27FC236}">
-                  <a16:creationId xmlns:a16="http://schemas.microsoft.com/office/drawing/2014/main" id="{6D2430F5-5788-4508-8E75-4873AF3A9928}"/>
-                </a:ext>
-              </a:extLst>
-            </p:cNvPr>
-            <p:cNvSpPr/>
-            <p:nvPr/>
-          </p:nvSpPr>
-          <p:spPr>
-            <a:xfrm>
-              <a:off x="5514745" y="3850138"/>
-              <a:ext cx="921690" cy="400436"/>
-            </a:xfrm>
-            <a:prstGeom prst="rect">
-              <a:avLst/>
-            </a:prstGeom>
+              </a:rPr>
+              <a:t>effect-n</a:t>
+            </a:r>
+            <a:endParaRPr lang="zh-CN" altLang="en-US" dirty="0">
+              <a:solidFill>
+                <a:schemeClr val="bg1"/>
+              </a:solidFill>
+            </a:endParaRPr>
+          </a:p>
+        </p:txBody>
+      </p:sp>
+      <p:cxnSp>
+        <p:nvCxnSpPr>
+          <p:cNvPr id="57" name="直接连接符 56">
+            <a:extLst>
+              <a:ext uri="{FF2B5EF4-FFF2-40B4-BE49-F238E27FC236}">
+                <a16:creationId xmlns:a16="http://schemas.microsoft.com/office/drawing/2014/main" id="{AB1FDCAE-D495-48F2-A75C-A85D3AE79BE8}"/>
+              </a:ext>
+            </a:extLst>
+          </p:cNvPr>
+          <p:cNvCxnSpPr>
+            <a:cxnSpLocks/>
+          </p:cNvCxnSpPr>
+          <p:nvPr/>
+        </p:nvCxnSpPr>
+        <p:spPr>
+          <a:xfrm>
+            <a:off x="8419042" y="4401541"/>
+            <a:ext cx="0" cy="682204"/>
+          </a:xfrm>
+          <a:prstGeom prst="line">
+            <a:avLst/>
+          </a:prstGeom>
+          <a:ln>
+            <a:prstDash val="lgDash"/>
+          </a:ln>
+        </p:spPr>
+        <p:style>
+          <a:lnRef idx="1">
+            <a:schemeClr val="accent1"/>
+          </a:lnRef>
+          <a:fillRef idx="0">
+            <a:schemeClr val="accent1"/>
+          </a:fillRef>
+          <a:effectRef idx="0">
+            <a:schemeClr val="accent1"/>
+          </a:effectRef>
+          <a:fontRef idx="minor">
+            <a:schemeClr val="tx1"/>
+          </a:fontRef>
+        </p:style>
+      </p:cxnSp>
+      <p:sp>
+        <p:nvSpPr>
+          <p:cNvPr id="6" name="矩形 5">
+            <a:extLst>
+              <a:ext uri="{FF2B5EF4-FFF2-40B4-BE49-F238E27FC236}">
+                <a16:creationId xmlns:a16="http://schemas.microsoft.com/office/drawing/2014/main" id="{173E8EA5-6013-5B40-DDAA-2081CB390210}"/>
+              </a:ext>
+            </a:extLst>
+          </p:cNvPr>
+          <p:cNvSpPr/>
+          <p:nvPr/>
+        </p:nvSpPr>
+        <p:spPr>
+          <a:xfrm>
+            <a:off x="5543550" y="3276215"/>
+            <a:ext cx="1262098" cy="400436"/>
+          </a:xfrm>
+          <a:prstGeom prst="rect">
+            <a:avLst/>
+          </a:prstGeom>
+          <a:solidFill>
+            <a:srgbClr val="5B9BD5"/>
+          </a:solidFill>
+          <a:ln>
             <a:solidFill>
               <a:srgbClr val="5B9BD5"/>
             </a:solidFill>
-            <a:ln>
-              <a:solidFill>
-                <a:srgbClr val="5B9BD5"/>
-              </a:solidFill>
-              <a:prstDash val="sysDash"/>
-            </a:ln>
-          </p:spPr>
-          <p:style>
-            <a:lnRef idx="2">
-              <a:schemeClr val="accent1">
-                <a:shade val="50000"/>
-              </a:schemeClr>
-            </a:lnRef>
-            <a:fillRef idx="1">
-              <a:schemeClr val="accent1"/>
-            </a:fillRef>
-            <a:effectRef idx="0">
-              <a:schemeClr val="accent1"/>
-            </a:effectRef>
-            <a:fontRef idx="minor">
-              <a:schemeClr val="lt1"/>
-            </a:fontRef>
-          </p:style>
-          <p:txBody>
-            <a:bodyPr rtlCol="0" anchor="ctr"/>
-            <a:lstStyle/>
-            <a:p>
-              <a:pPr algn="ctr"/>
-              <a:r>
-                <a:rPr lang="en-US" altLang="zh-CN" dirty="0">
-                  <a:solidFill>
-                    <a:schemeClr val="bg1"/>
-                  </a:solidFill>
-                </a:rPr>
-                <a:t>effect-1</a:t>
-              </a:r>
-              <a:endParaRPr lang="zh-CN" altLang="en-US" dirty="0">
+            <a:prstDash val="sysDash"/>
+          </a:ln>
+        </p:spPr>
+        <p:style>
+          <a:lnRef idx="2">
+            <a:schemeClr val="accent1">
+              <a:shade val="50000"/>
+            </a:schemeClr>
+          </a:lnRef>
+          <a:fillRef idx="1">
+            <a:schemeClr val="accent1"/>
+          </a:fillRef>
+          <a:effectRef idx="0">
+            <a:schemeClr val="accent1"/>
+          </a:effectRef>
+          <a:fontRef idx="minor">
+            <a:schemeClr val="lt1"/>
+          </a:fontRef>
+        </p:style>
+        <p:txBody>
+          <a:bodyPr rtlCol="0" anchor="ctr"/>
+          <a:lstStyle/>
+          <a:p>
+            <a:pPr algn="ctr"/>
+            <a:r>
+              <a:rPr lang="en-US" altLang="zh-CN" dirty="0"/>
+              <a:t>property</a:t>
+            </a:r>
+            <a:r>
+              <a:rPr lang="en-US" altLang="zh-CN" dirty="0">
                 <a:solidFill>
                   <a:schemeClr val="bg1"/>
                 </a:solidFill>
-              </a:endParaRPr>
-            </a:p>
-          </p:txBody>
-        </p:sp>
-        <p:sp>
-          <p:nvSpPr>
-            <p:cNvPr id="56" name="矩形 55">
-              <a:extLst>
-                <a:ext uri="{FF2B5EF4-FFF2-40B4-BE49-F238E27FC236}">
-                  <a16:creationId xmlns:a16="http://schemas.microsoft.com/office/drawing/2014/main" id="{1BCBC85E-3213-42A1-8752-B6F7CCE16C60}"/>
-                </a:ext>
-              </a:extLst>
-            </p:cNvPr>
-            <p:cNvSpPr/>
-            <p:nvPr/>
-          </p:nvSpPr>
-          <p:spPr>
-            <a:xfrm>
-              <a:off x="5514745" y="5271137"/>
-              <a:ext cx="921690" cy="400436"/>
-            </a:xfrm>
-            <a:prstGeom prst="rect">
-              <a:avLst/>
-            </a:prstGeom>
+              </a:rPr>
+              <a:t>-2</a:t>
+            </a:r>
+            <a:endParaRPr lang="zh-CN" altLang="en-US" dirty="0">
+              <a:solidFill>
+                <a:schemeClr val="bg1"/>
+              </a:solidFill>
+            </a:endParaRPr>
+          </a:p>
+        </p:txBody>
+      </p:sp>
+      <p:sp>
+        <p:nvSpPr>
+          <p:cNvPr id="9" name="矩形 8">
+            <a:extLst>
+              <a:ext uri="{FF2B5EF4-FFF2-40B4-BE49-F238E27FC236}">
+                <a16:creationId xmlns:a16="http://schemas.microsoft.com/office/drawing/2014/main" id="{D3021AE4-FBB8-4849-0ED0-39FE7D25B8E1}"/>
+              </a:ext>
+            </a:extLst>
+          </p:cNvPr>
+          <p:cNvSpPr/>
+          <p:nvPr/>
+        </p:nvSpPr>
+        <p:spPr>
+          <a:xfrm>
+            <a:off x="5534611" y="4723725"/>
+            <a:ext cx="1262098" cy="400436"/>
+          </a:xfrm>
+          <a:prstGeom prst="rect">
+            <a:avLst/>
+          </a:prstGeom>
+          <a:solidFill>
+            <a:srgbClr val="5B9BD5"/>
+          </a:solidFill>
+          <a:ln>
             <a:solidFill>
               <a:srgbClr val="5B9BD5"/>
             </a:solidFill>
-            <a:ln>
-              <a:solidFill>
-                <a:srgbClr val="5B9BD5"/>
-              </a:solidFill>
-              <a:prstDash val="sysDash"/>
-            </a:ln>
-          </p:spPr>
-          <p:style>
-            <a:lnRef idx="2">
-              <a:schemeClr val="accent1">
-                <a:shade val="50000"/>
-              </a:schemeClr>
-            </a:lnRef>
-            <a:fillRef idx="1">
-              <a:schemeClr val="accent1"/>
-            </a:fillRef>
-            <a:effectRef idx="0">
-              <a:schemeClr val="accent1"/>
-            </a:effectRef>
-            <a:fontRef idx="minor">
-              <a:schemeClr val="lt1"/>
-            </a:fontRef>
-          </p:style>
-          <p:txBody>
-            <a:bodyPr rtlCol="0" anchor="ctr"/>
-            <a:lstStyle/>
-            <a:p>
-              <a:pPr algn="ctr"/>
-              <a:r>
-                <a:rPr lang="en-US" altLang="zh-CN" dirty="0">
-                  <a:solidFill>
-                    <a:schemeClr val="bg1"/>
-                  </a:solidFill>
-                </a:rPr>
-                <a:t>effect-n</a:t>
-              </a:r>
-              <a:endParaRPr lang="zh-CN" altLang="en-US" dirty="0">
+            <a:prstDash val="sysDash"/>
+          </a:ln>
+        </p:spPr>
+        <p:style>
+          <a:lnRef idx="2">
+            <a:schemeClr val="accent1">
+              <a:shade val="50000"/>
+            </a:schemeClr>
+          </a:lnRef>
+          <a:fillRef idx="1">
+            <a:schemeClr val="accent1"/>
+          </a:fillRef>
+          <a:effectRef idx="0">
+            <a:schemeClr val="accent1"/>
+          </a:effectRef>
+          <a:fontRef idx="minor">
+            <a:schemeClr val="lt1"/>
+          </a:fontRef>
+        </p:style>
+        <p:txBody>
+          <a:bodyPr rtlCol="0" anchor="ctr"/>
+          <a:lstStyle/>
+          <a:p>
+            <a:pPr algn="ctr"/>
+            <a:r>
+              <a:rPr lang="en-US" altLang="zh-CN" dirty="0"/>
+              <a:t>property</a:t>
+            </a:r>
+            <a:r>
+              <a:rPr lang="en-US" altLang="zh-CN" dirty="0">
                 <a:solidFill>
                   <a:schemeClr val="bg1"/>
                 </a:solidFill>
-              </a:endParaRPr>
-            </a:p>
-          </p:txBody>
-        </p:sp>
-        <p:cxnSp>
-          <p:nvCxnSpPr>
-            <p:cNvPr id="57" name="直接连接符 56">
-              <a:extLst>
-                <a:ext uri="{FF2B5EF4-FFF2-40B4-BE49-F238E27FC236}">
-                  <a16:creationId xmlns:a16="http://schemas.microsoft.com/office/drawing/2014/main" id="{AB1FDCAE-D495-48F2-A75C-A85D3AE79BE8}"/>
-                </a:ext>
-              </a:extLst>
-            </p:cNvPr>
-            <p:cNvCxnSpPr>
-              <a:cxnSpLocks/>
-            </p:cNvCxnSpPr>
-            <p:nvPr/>
-          </p:nvCxnSpPr>
-          <p:spPr>
-            <a:xfrm>
-              <a:off x="5997900" y="4423766"/>
-              <a:ext cx="0" cy="682204"/>
-            </a:xfrm>
-            <a:prstGeom prst="line">
-              <a:avLst/>
-            </a:prstGeom>
-            <a:ln>
-              <a:prstDash val="lgDash"/>
-            </a:ln>
-          </p:spPr>
-          <p:style>
-            <a:lnRef idx="1">
-              <a:schemeClr val="accent1"/>
-            </a:lnRef>
-            <a:fillRef idx="0">
-              <a:schemeClr val="accent1"/>
-            </a:fillRef>
-            <a:effectRef idx="0">
-              <a:schemeClr val="accent1"/>
-            </a:effectRef>
-            <a:fontRef idx="minor">
-              <a:schemeClr val="tx1"/>
-            </a:fontRef>
-          </p:style>
-        </p:cxnSp>
-      </p:grpSp>
+              </a:rPr>
+              <a:t>-n</a:t>
+            </a:r>
+            <a:endParaRPr lang="zh-CN" altLang="en-US" dirty="0">
+              <a:solidFill>
+                <a:schemeClr val="bg1"/>
+              </a:solidFill>
+            </a:endParaRPr>
+          </a:p>
+        </p:txBody>
+      </p:sp>
+      <p:sp>
+        <p:nvSpPr>
+          <p:cNvPr id="2" name="矩形: 圆角 1">
+            <a:extLst>
+              <a:ext uri="{FF2B5EF4-FFF2-40B4-BE49-F238E27FC236}">
+                <a16:creationId xmlns:a16="http://schemas.microsoft.com/office/drawing/2014/main" id="{A1F1F0EB-21BE-4FB6-959B-C0E8FBF4BF71}"/>
+              </a:ext>
+            </a:extLst>
+          </p:cNvPr>
+          <p:cNvSpPr/>
+          <p:nvPr/>
+        </p:nvSpPr>
+        <p:spPr>
+          <a:xfrm>
+            <a:off x="3094871" y="397185"/>
+            <a:ext cx="1257044" cy="337794"/>
+          </a:xfrm>
+          <a:prstGeom prst="roundRect">
+            <a:avLst/>
+          </a:prstGeom>
+          <a:ln>
+            <a:noFill/>
+          </a:ln>
+        </p:spPr>
+        <p:style>
+          <a:lnRef idx="2">
+            <a:schemeClr val="accent1">
+              <a:shade val="50000"/>
+            </a:schemeClr>
+          </a:lnRef>
+          <a:fillRef idx="1">
+            <a:schemeClr val="accent1"/>
+          </a:fillRef>
+          <a:effectRef idx="0">
+            <a:schemeClr val="accent1"/>
+          </a:effectRef>
+          <a:fontRef idx="minor">
+            <a:schemeClr val="lt1"/>
+          </a:fontRef>
+        </p:style>
+        <p:txBody>
+          <a:bodyPr rtlCol="0" anchor="ctr"/>
+          <a:lstStyle/>
+          <a:p>
+            <a:pPr algn="ctr"/>
+            <a:r>
+              <a:rPr lang="en-US" altLang="zh-CN" dirty="0"/>
+              <a:t>WeakMap</a:t>
+            </a:r>
+            <a:endParaRPr lang="zh-CN" altLang="en-US" dirty="0"/>
+          </a:p>
+        </p:txBody>
+      </p:sp>
+      <p:sp>
+        <p:nvSpPr>
+          <p:cNvPr id="16" name="矩形 15">
+            <a:extLst>
+              <a:ext uri="{FF2B5EF4-FFF2-40B4-BE49-F238E27FC236}">
+                <a16:creationId xmlns:a16="http://schemas.microsoft.com/office/drawing/2014/main" id="{05A05C0B-80C8-01FF-49FB-7A3B59039CB1}"/>
+              </a:ext>
+            </a:extLst>
+          </p:cNvPr>
+          <p:cNvSpPr/>
+          <p:nvPr/>
+        </p:nvSpPr>
+        <p:spPr>
+          <a:xfrm>
+            <a:off x="5181599" y="1788993"/>
+            <a:ext cx="4162425" cy="4440358"/>
+          </a:xfrm>
+          <a:prstGeom prst="rect">
+            <a:avLst/>
+          </a:prstGeom>
+          <a:noFill/>
+          <a:ln w="9525">
+            <a:solidFill>
+              <a:schemeClr val="bg1">
+                <a:lumMod val="75000"/>
+              </a:schemeClr>
+            </a:solidFill>
+            <a:prstDash val="lgDash"/>
+          </a:ln>
+        </p:spPr>
+        <p:style>
+          <a:lnRef idx="2">
+            <a:schemeClr val="accent1">
+              <a:shade val="50000"/>
+            </a:schemeClr>
+          </a:lnRef>
+          <a:fillRef idx="1">
+            <a:schemeClr val="accent1"/>
+          </a:fillRef>
+          <a:effectRef idx="0">
+            <a:schemeClr val="accent1"/>
+          </a:effectRef>
+          <a:fontRef idx="minor">
+            <a:schemeClr val="lt1"/>
+          </a:fontRef>
+        </p:style>
+        <p:txBody>
+          <a:bodyPr rtlCol="0" anchor="ctr"/>
+          <a:lstStyle/>
+          <a:p>
+            <a:pPr algn="ctr"/>
+            <a:endParaRPr lang="zh-CN" altLang="en-US"/>
+          </a:p>
+        </p:txBody>
+      </p:sp>
+      <p:sp>
+        <p:nvSpPr>
+          <p:cNvPr id="17" name="矩形 16">
+            <a:extLst>
+              <a:ext uri="{FF2B5EF4-FFF2-40B4-BE49-F238E27FC236}">
+                <a16:creationId xmlns:a16="http://schemas.microsoft.com/office/drawing/2014/main" id="{8FB2861A-5705-5A27-D50A-DA8E65E77C6E}"/>
+              </a:ext>
+            </a:extLst>
+          </p:cNvPr>
+          <p:cNvSpPr/>
+          <p:nvPr/>
+        </p:nvSpPr>
+        <p:spPr>
+          <a:xfrm>
+            <a:off x="7556485" y="2970426"/>
+            <a:ext cx="1674197" cy="3030324"/>
+          </a:xfrm>
+          <a:prstGeom prst="rect">
+            <a:avLst/>
+          </a:prstGeom>
+          <a:noFill/>
+          <a:ln w="9525">
+            <a:solidFill>
+              <a:schemeClr val="bg1">
+                <a:lumMod val="75000"/>
+              </a:schemeClr>
+            </a:solidFill>
+            <a:prstDash val="lgDash"/>
+          </a:ln>
+        </p:spPr>
+        <p:style>
+          <a:lnRef idx="2">
+            <a:schemeClr val="accent1">
+              <a:shade val="50000"/>
+            </a:schemeClr>
+          </a:lnRef>
+          <a:fillRef idx="1">
+            <a:schemeClr val="accent1"/>
+          </a:fillRef>
+          <a:effectRef idx="0">
+            <a:schemeClr val="accent1"/>
+          </a:effectRef>
+          <a:fontRef idx="minor">
+            <a:schemeClr val="lt1"/>
+          </a:fontRef>
+        </p:style>
+        <p:txBody>
+          <a:bodyPr rtlCol="0" anchor="ctr"/>
+          <a:lstStyle/>
+          <a:p>
+            <a:pPr algn="ctr"/>
+            <a:endParaRPr lang="zh-CN" altLang="en-US"/>
+          </a:p>
+        </p:txBody>
+      </p:sp>
+      <p:sp>
+        <p:nvSpPr>
+          <p:cNvPr id="5" name="矩形: 圆角 4">
+            <a:extLst>
+              <a:ext uri="{FF2B5EF4-FFF2-40B4-BE49-F238E27FC236}">
+                <a16:creationId xmlns:a16="http://schemas.microsoft.com/office/drawing/2014/main" id="{2120C1A6-89F1-4715-B0D2-2EB90B663BE8}"/>
+              </a:ext>
+            </a:extLst>
+          </p:cNvPr>
+          <p:cNvSpPr/>
+          <p:nvPr/>
+        </p:nvSpPr>
+        <p:spPr>
+          <a:xfrm>
+            <a:off x="5487575" y="1644860"/>
+            <a:ext cx="1356172" cy="296007"/>
+          </a:xfrm>
+          <a:prstGeom prst="roundRect">
+            <a:avLst/>
+          </a:prstGeom>
+          <a:ln>
+            <a:noFill/>
+          </a:ln>
+        </p:spPr>
+        <p:style>
+          <a:lnRef idx="2">
+            <a:schemeClr val="accent1">
+              <a:shade val="50000"/>
+            </a:schemeClr>
+          </a:lnRef>
+          <a:fillRef idx="1">
+            <a:schemeClr val="accent1"/>
+          </a:fillRef>
+          <a:effectRef idx="0">
+            <a:schemeClr val="accent1"/>
+          </a:effectRef>
+          <a:fontRef idx="minor">
+            <a:schemeClr val="lt1"/>
+          </a:fontRef>
+        </p:style>
+        <p:txBody>
+          <a:bodyPr rtlCol="0" anchor="ctr"/>
+          <a:lstStyle/>
+          <a:p>
+            <a:pPr algn="ctr"/>
+            <a:r>
+              <a:rPr lang="en-US" altLang="zh-CN" dirty="0"/>
+              <a:t>Map</a:t>
+            </a:r>
+            <a:endParaRPr lang="zh-CN" altLang="en-US" dirty="0"/>
+          </a:p>
+        </p:txBody>
+      </p:sp>
+      <p:sp>
+        <p:nvSpPr>
+          <p:cNvPr id="8" name="矩形: 圆角 7">
+            <a:extLst>
+              <a:ext uri="{FF2B5EF4-FFF2-40B4-BE49-F238E27FC236}">
+                <a16:creationId xmlns:a16="http://schemas.microsoft.com/office/drawing/2014/main" id="{D2AF87C6-ED4E-47FB-8D43-1067E70E8FDD}"/>
+              </a:ext>
+            </a:extLst>
+          </p:cNvPr>
+          <p:cNvSpPr/>
+          <p:nvPr/>
+        </p:nvSpPr>
+        <p:spPr>
+          <a:xfrm>
+            <a:off x="7740955" y="2805558"/>
+            <a:ext cx="1356174" cy="329736"/>
+          </a:xfrm>
+          <a:prstGeom prst="roundRect">
+            <a:avLst/>
+          </a:prstGeom>
+          <a:ln>
+            <a:noFill/>
+          </a:ln>
+        </p:spPr>
+        <p:style>
+          <a:lnRef idx="2">
+            <a:schemeClr val="accent1">
+              <a:shade val="50000"/>
+            </a:schemeClr>
+          </a:lnRef>
+          <a:fillRef idx="1">
+            <a:schemeClr val="accent1"/>
+          </a:fillRef>
+          <a:effectRef idx="0">
+            <a:schemeClr val="accent1"/>
+          </a:effectRef>
+          <a:fontRef idx="minor">
+            <a:schemeClr val="lt1"/>
+          </a:fontRef>
+        </p:style>
+        <p:txBody>
+          <a:bodyPr rtlCol="0" anchor="ctr"/>
+          <a:lstStyle/>
+          <a:p>
+            <a:pPr algn="ctr"/>
+            <a:r>
+              <a:rPr lang="en-US" altLang="zh-CN" dirty="0"/>
+              <a:t>Set</a:t>
+            </a:r>
+            <a:endParaRPr lang="zh-CN" altLang="en-US" dirty="0"/>
+          </a:p>
+        </p:txBody>
+      </p:sp>
     </p:spTree>
     <p:extLst>
       <p:ext uri="{BB962C8B-B14F-4D97-AF65-F5344CB8AC3E}">
@@ -5914,7 +6059,7 @@
           <a:p>
             <a:pPr algn="ctr"/>
             <a:r>
-              <a:rPr lang="en-US" altLang="zh-CN" u="sng" dirty="0" err="1"/>
+              <a:rPr lang="en-US" altLang="zh-CN" u="sng" dirty="0"/>
               <a:t>WeakMap</a:t>
             </a:r>
             <a:endParaRPr lang="zh-CN" altLang="en-US" u="sng" dirty="0"/>
@@ -6666,7 +6811,7 @@
           <a:p>
             <a:pPr algn="ctr"/>
             <a:r>
-              <a:rPr lang="en-US" altLang="zh-CN" u="sng" dirty="0" err="1">
+              <a:rPr lang="en-US" altLang="zh-CN" u="sng" dirty="0">
                 <a:solidFill>
                   <a:schemeClr val="bg1"/>
                 </a:solidFill>
@@ -6895,7 +7040,7 @@
           <a:p>
             <a:pPr algn="ctr"/>
             <a:r>
-              <a:rPr lang="en-US" altLang="zh-CN" u="sng" dirty="0" err="1">
+              <a:rPr lang="en-US" altLang="zh-CN" u="sng" dirty="0">
                 <a:solidFill>
                   <a:schemeClr val="bg1"/>
                 </a:solidFill>
@@ -7189,7 +7334,7 @@
             <a:p>
               <a:pPr algn="ctr"/>
               <a:r>
-                <a:rPr lang="en-US" altLang="zh-CN" dirty="0" err="1"/>
+                <a:rPr lang="en-US" altLang="zh-CN" dirty="0"/>
                 <a:t>effectFn</a:t>
               </a:r>
               <a:endParaRPr lang="zh-CN" altLang="en-US" dirty="0"/>
@@ -7373,7 +7518,7 @@
             <a:p>
               <a:pPr algn="ctr"/>
               <a:r>
-                <a:rPr lang="en-US" altLang="zh-CN" dirty="0" err="1"/>
+                <a:rPr lang="en-US" altLang="zh-CN" dirty="0"/>
                 <a:t>effectFn</a:t>
               </a:r>
               <a:endParaRPr lang="zh-CN" altLang="en-US" dirty="0"/>
@@ -7385,6 +7530,5310 @@
     <p:extLst>
       <p:ext uri="{BB962C8B-B14F-4D97-AF65-F5344CB8AC3E}">
         <p14:creationId xmlns:p14="http://schemas.microsoft.com/office/powerpoint/2010/main" val="981756448"/>
+      </p:ext>
+    </p:extLst>
+  </p:cSld>
+  <p:clrMapOvr>
+    <a:masterClrMapping/>
+  </p:clrMapOvr>
+</p:sld>
+</file>
+
+<file path=ppt/slides/slide6.xml><?xml version="1.0" encoding="utf-8"?>
+<p:sld xmlns:a="http://schemas.openxmlformats.org/drawingml/2006/main" xmlns:r="http://schemas.openxmlformats.org/officeDocument/2006/relationships" xmlns:p="http://schemas.openxmlformats.org/presentationml/2006/main">
+  <p:cSld>
+    <p:spTree>
+      <p:nvGrpSpPr>
+        <p:cNvPr id="1" name=""/>
+        <p:cNvGrpSpPr/>
+        <p:nvPr/>
+      </p:nvGrpSpPr>
+      <p:grpSpPr>
+        <a:xfrm>
+          <a:off x="0" y="0"/>
+          <a:ext cx="0" cy="0"/>
+          <a:chOff x="0" y="0"/>
+          <a:chExt cx="0" cy="0"/>
+        </a:xfrm>
+      </p:grpSpPr>
+      <p:cxnSp>
+        <p:nvCxnSpPr>
+          <p:cNvPr id="14" name="直接箭头连接符 13">
+            <a:extLst>
+              <a:ext uri="{FF2B5EF4-FFF2-40B4-BE49-F238E27FC236}">
+                <a16:creationId xmlns:a16="http://schemas.microsoft.com/office/drawing/2014/main" id="{25499DD3-FF0A-BD6C-3C0D-EAB72BEC7BD3}"/>
+              </a:ext>
+            </a:extLst>
+          </p:cNvPr>
+          <p:cNvCxnSpPr>
+            <a:cxnSpLocks/>
+            <a:stCxn id="7" idx="3"/>
+            <a:endCxn id="8" idx="2"/>
+          </p:cNvCxnSpPr>
+          <p:nvPr/>
+        </p:nvCxnSpPr>
+        <p:spPr>
+          <a:xfrm flipV="1">
+            <a:off x="1409700" y="1894106"/>
+            <a:ext cx="2394955" cy="1719560"/>
+          </a:xfrm>
+          <a:prstGeom prst="straightConnector1">
+            <a:avLst/>
+          </a:prstGeom>
+          <a:ln w="12700">
+            <a:tailEnd type="triangle"/>
+          </a:ln>
+        </p:spPr>
+        <p:style>
+          <a:lnRef idx="1">
+            <a:schemeClr val="accent1"/>
+          </a:lnRef>
+          <a:fillRef idx="0">
+            <a:schemeClr val="accent1"/>
+          </a:fillRef>
+          <a:effectRef idx="0">
+            <a:schemeClr val="accent1"/>
+          </a:effectRef>
+          <a:fontRef idx="minor">
+            <a:schemeClr val="tx1"/>
+          </a:fontRef>
+        </p:style>
+      </p:cxnSp>
+      <p:sp>
+        <p:nvSpPr>
+          <p:cNvPr id="4" name="流程图: 磁盘 3">
+            <a:extLst>
+              <a:ext uri="{FF2B5EF4-FFF2-40B4-BE49-F238E27FC236}">
+                <a16:creationId xmlns:a16="http://schemas.microsoft.com/office/drawing/2014/main" id="{DBC1139C-8235-268D-821F-77487A5D24AD}"/>
+              </a:ext>
+            </a:extLst>
+          </p:cNvPr>
+          <p:cNvSpPr/>
+          <p:nvPr/>
+        </p:nvSpPr>
+        <p:spPr>
+          <a:xfrm>
+            <a:off x="5602274" y="1247775"/>
+            <a:ext cx="1890713" cy="3810000"/>
+          </a:xfrm>
+          <a:prstGeom prst="flowChartMagneticDisk">
+            <a:avLst/>
+          </a:prstGeom>
+        </p:spPr>
+        <p:style>
+          <a:lnRef idx="2">
+            <a:schemeClr val="accent1">
+              <a:shade val="50000"/>
+            </a:schemeClr>
+          </a:lnRef>
+          <a:fillRef idx="1">
+            <a:schemeClr val="accent1"/>
+          </a:fillRef>
+          <a:effectRef idx="0">
+            <a:schemeClr val="accent1"/>
+          </a:effectRef>
+          <a:fontRef idx="minor">
+            <a:schemeClr val="lt1"/>
+          </a:fontRef>
+        </p:style>
+        <p:txBody>
+          <a:bodyPr rtlCol="0" anchor="ctr"/>
+          <a:lstStyle/>
+          <a:p>
+            <a:pPr algn="ctr"/>
+            <a:endParaRPr lang="zh-CN" altLang="en-US"/>
+          </a:p>
+        </p:txBody>
+      </p:sp>
+      <p:sp>
+        <p:nvSpPr>
+          <p:cNvPr id="7" name="文本框 6">
+            <a:extLst>
+              <a:ext uri="{FF2B5EF4-FFF2-40B4-BE49-F238E27FC236}">
+                <a16:creationId xmlns:a16="http://schemas.microsoft.com/office/drawing/2014/main" id="{DAC3A05F-AB1E-7234-30D6-D886CC59DCAE}"/>
+              </a:ext>
+            </a:extLst>
+          </p:cNvPr>
+          <p:cNvSpPr txBox="1"/>
+          <p:nvPr/>
+        </p:nvSpPr>
+        <p:spPr>
+          <a:xfrm>
+            <a:off x="476250" y="3429000"/>
+            <a:ext cx="933450" cy="369332"/>
+          </a:xfrm>
+          <a:prstGeom prst="rect">
+            <a:avLst/>
+          </a:prstGeom>
+          <a:noFill/>
+        </p:spPr>
+        <p:txBody>
+          <a:bodyPr wrap="square" rtlCol="0">
+            <a:spAutoFit/>
+          </a:bodyPr>
+          <a:lstStyle/>
+          <a:p>
+            <a:r>
+              <a:rPr lang="en-US" altLang="zh-CN" dirty="0"/>
+              <a:t>effect()</a:t>
+            </a:r>
+            <a:endParaRPr lang="zh-CN" altLang="en-US" dirty="0"/>
+          </a:p>
+        </p:txBody>
+      </p:sp>
+      <p:sp>
+        <p:nvSpPr>
+          <p:cNvPr id="6" name="文本框 5">
+            <a:extLst>
+              <a:ext uri="{FF2B5EF4-FFF2-40B4-BE49-F238E27FC236}">
+                <a16:creationId xmlns:a16="http://schemas.microsoft.com/office/drawing/2014/main" id="{A73631A2-EA29-2C57-C338-0F5A69BEFF2B}"/>
+              </a:ext>
+            </a:extLst>
+          </p:cNvPr>
+          <p:cNvSpPr txBox="1"/>
+          <p:nvPr/>
+        </p:nvSpPr>
+        <p:spPr>
+          <a:xfrm>
+            <a:off x="304800" y="1247775"/>
+            <a:ext cx="2914067" cy="923330"/>
+          </a:xfrm>
+          <a:prstGeom prst="rect">
+            <a:avLst/>
+          </a:prstGeom>
+          <a:ln>
+            <a:noFill/>
+          </a:ln>
+        </p:spPr>
+        <p:style>
+          <a:lnRef idx="2">
+            <a:schemeClr val="dk1"/>
+          </a:lnRef>
+          <a:fillRef idx="1">
+            <a:schemeClr val="lt1"/>
+          </a:fillRef>
+          <a:effectRef idx="0">
+            <a:schemeClr val="dk1"/>
+          </a:effectRef>
+          <a:fontRef idx="minor">
+            <a:schemeClr val="dk1"/>
+          </a:fontRef>
+        </p:style>
+        <p:txBody>
+          <a:bodyPr wrap="none" rtlCol="0">
+            <a:spAutoFit/>
+          </a:bodyPr>
+          <a:lstStyle/>
+          <a:p>
+            <a:r>
+              <a:rPr lang="en-US" altLang="zh-CN" dirty="0"/>
+              <a:t>function effect(){	</a:t>
+            </a:r>
+          </a:p>
+          <a:p>
+            <a:r>
+              <a:rPr lang="en-US" altLang="zh-CN" dirty="0"/>
+              <a:t>    document.body.innerText=</a:t>
+            </a:r>
+          </a:p>
+          <a:p>
+            <a:r>
+              <a:rPr lang="en-US" altLang="zh-CN" dirty="0"/>
+              <a:t>}</a:t>
+            </a:r>
+            <a:endParaRPr lang="zh-CN" altLang="en-US" dirty="0"/>
+          </a:p>
+        </p:txBody>
+      </p:sp>
+      <p:sp>
+        <p:nvSpPr>
+          <p:cNvPr id="8" name="文本框 7">
+            <a:extLst>
+              <a:ext uri="{FF2B5EF4-FFF2-40B4-BE49-F238E27FC236}">
+                <a16:creationId xmlns:a16="http://schemas.microsoft.com/office/drawing/2014/main" id="{7D004061-F178-8633-8543-058509A40210}"/>
+              </a:ext>
+            </a:extLst>
+          </p:cNvPr>
+          <p:cNvSpPr txBox="1"/>
+          <p:nvPr/>
+        </p:nvSpPr>
+        <p:spPr>
+          <a:xfrm>
+            <a:off x="3037892" y="1524774"/>
+            <a:ext cx="1533525" cy="369332"/>
+          </a:xfrm>
+          <a:prstGeom prst="rect">
+            <a:avLst/>
+          </a:prstGeom>
+          <a:noFill/>
+        </p:spPr>
+        <p:txBody>
+          <a:bodyPr wrap="square" rtlCol="0">
+            <a:spAutoFit/>
+          </a:bodyPr>
+          <a:lstStyle/>
+          <a:p>
+            <a:r>
+              <a:rPr lang="en-US" altLang="zh-CN" dirty="0">
+                <a:solidFill>
+                  <a:srgbClr val="00B0F0"/>
+                </a:solidFill>
+              </a:rPr>
+              <a:t>person.name</a:t>
+            </a:r>
+            <a:endParaRPr lang="zh-CN" altLang="en-US" dirty="0">
+              <a:solidFill>
+                <a:srgbClr val="00B0F0"/>
+              </a:solidFill>
+            </a:endParaRPr>
+          </a:p>
+        </p:txBody>
+      </p:sp>
+      <p:sp>
+        <p:nvSpPr>
+          <p:cNvPr id="10" name="文本框 9">
+            <a:extLst>
+              <a:ext uri="{FF2B5EF4-FFF2-40B4-BE49-F238E27FC236}">
+                <a16:creationId xmlns:a16="http://schemas.microsoft.com/office/drawing/2014/main" id="{7CECFF5A-3C69-BEAE-FA51-07FE28B0121D}"/>
+              </a:ext>
+            </a:extLst>
+          </p:cNvPr>
+          <p:cNvSpPr txBox="1"/>
+          <p:nvPr/>
+        </p:nvSpPr>
+        <p:spPr>
+          <a:xfrm>
+            <a:off x="1899291" y="2584609"/>
+            <a:ext cx="1415772" cy="338554"/>
+          </a:xfrm>
+          <a:prstGeom prst="rect">
+            <a:avLst/>
+          </a:prstGeom>
+          <a:solidFill>
+            <a:schemeClr val="bg1"/>
+          </a:solidFill>
+        </p:spPr>
+        <p:txBody>
+          <a:bodyPr wrap="none" rtlCol="0">
+            <a:spAutoFit/>
+          </a:bodyPr>
+          <a:lstStyle/>
+          <a:p>
+            <a:r>
+              <a:rPr lang="zh-CN" altLang="en-US" sz="1600" dirty="0">
+                <a:solidFill>
+                  <a:srgbClr val="5B9BD5"/>
+                </a:solidFill>
+              </a:rPr>
+              <a:t>触发读取操作</a:t>
+            </a:r>
+          </a:p>
+        </p:txBody>
+      </p:sp>
+      <p:sp>
+        <p:nvSpPr>
+          <p:cNvPr id="18" name="文本框 17">
+            <a:extLst>
+              <a:ext uri="{FF2B5EF4-FFF2-40B4-BE49-F238E27FC236}">
+                <a16:creationId xmlns:a16="http://schemas.microsoft.com/office/drawing/2014/main" id="{E2C7EE0F-1700-78FD-DC7E-882C716173C8}"/>
+              </a:ext>
+            </a:extLst>
+          </p:cNvPr>
+          <p:cNvSpPr txBox="1"/>
+          <p:nvPr/>
+        </p:nvSpPr>
+        <p:spPr>
+          <a:xfrm>
+            <a:off x="315601" y="1247775"/>
+            <a:ext cx="4387863" cy="923330"/>
+          </a:xfrm>
+          <a:prstGeom prst="rect">
+            <a:avLst/>
+          </a:prstGeom>
+          <a:noFill/>
+        </p:spPr>
+        <p:txBody>
+          <a:bodyPr wrap="square" rtlCol="0">
+            <a:spAutoFit/>
+          </a:bodyPr>
+          <a:lstStyle/>
+          <a:p>
+            <a:r>
+              <a:rPr lang="en-US" altLang="zh-CN" dirty="0"/>
+              <a:t>function effect(){	</a:t>
+            </a:r>
+          </a:p>
+          <a:p>
+            <a:r>
+              <a:rPr lang="en-US" altLang="zh-CN" dirty="0"/>
+              <a:t>    document.body.innerText=</a:t>
+            </a:r>
+            <a:r>
+              <a:rPr lang="en-US" altLang="zh-CN" dirty="0">
+                <a:solidFill>
+                  <a:srgbClr val="00B0F0"/>
+                </a:solidFill>
+              </a:rPr>
+              <a:t>person.name</a:t>
+            </a:r>
+            <a:endParaRPr lang="en-US" altLang="zh-CN" dirty="0"/>
+          </a:p>
+          <a:p>
+            <a:r>
+              <a:rPr lang="en-US" altLang="zh-CN" dirty="0"/>
+              <a:t>}</a:t>
+            </a:r>
+            <a:endParaRPr lang="zh-CN" altLang="en-US" dirty="0"/>
+          </a:p>
+        </p:txBody>
+      </p:sp>
+      <p:sp>
+        <p:nvSpPr>
+          <p:cNvPr id="19" name="文本框 18">
+            <a:extLst>
+              <a:ext uri="{FF2B5EF4-FFF2-40B4-BE49-F238E27FC236}">
+                <a16:creationId xmlns:a16="http://schemas.microsoft.com/office/drawing/2014/main" id="{ADB79CBD-5A50-7E53-AE2D-DAF5B7843A2C}"/>
+              </a:ext>
+            </a:extLst>
+          </p:cNvPr>
+          <p:cNvSpPr txBox="1"/>
+          <p:nvPr/>
+        </p:nvSpPr>
+        <p:spPr>
+          <a:xfrm>
+            <a:off x="6184900" y="3218934"/>
+            <a:ext cx="927100" cy="369332"/>
+          </a:xfrm>
+          <a:prstGeom prst="rect">
+            <a:avLst/>
+          </a:prstGeom>
+          <a:noFill/>
+        </p:spPr>
+        <p:txBody>
+          <a:bodyPr wrap="square" rtlCol="0">
+            <a:spAutoFit/>
+          </a:bodyPr>
+          <a:lstStyle/>
+          <a:p>
+            <a:r>
+              <a:rPr lang="en-US" altLang="zh-CN" dirty="0"/>
+              <a:t>effect</a:t>
+            </a:r>
+            <a:endParaRPr lang="zh-CN" altLang="en-US" dirty="0"/>
+          </a:p>
+        </p:txBody>
+      </p:sp>
+      <p:sp>
+        <p:nvSpPr>
+          <p:cNvPr id="20" name="文本框 19">
+            <a:extLst>
+              <a:ext uri="{FF2B5EF4-FFF2-40B4-BE49-F238E27FC236}">
+                <a16:creationId xmlns:a16="http://schemas.microsoft.com/office/drawing/2014/main" id="{AB3AADC9-AE59-6A13-84EF-92D10AE4700C}"/>
+              </a:ext>
+            </a:extLst>
+          </p:cNvPr>
+          <p:cNvSpPr txBox="1"/>
+          <p:nvPr/>
+        </p:nvSpPr>
+        <p:spPr>
+          <a:xfrm>
+            <a:off x="8764561" y="1063109"/>
+            <a:ext cx="2705100" cy="369332"/>
+          </a:xfrm>
+          <a:prstGeom prst="rect">
+            <a:avLst/>
+          </a:prstGeom>
+          <a:noFill/>
+        </p:spPr>
+        <p:txBody>
+          <a:bodyPr wrap="square" rtlCol="0">
+            <a:spAutoFit/>
+          </a:bodyPr>
+          <a:lstStyle/>
+          <a:p>
+            <a:r>
+              <a:rPr lang="en-US" altLang="zh-CN" dirty="0"/>
+              <a:t>person.name=‘</a:t>
+            </a:r>
+            <a:r>
+              <a:rPr lang="zh-CN" altLang="en-US" dirty="0"/>
+              <a:t>左同学</a:t>
+            </a:r>
+            <a:r>
+              <a:rPr lang="en-US" altLang="zh-CN" dirty="0"/>
+              <a:t>’</a:t>
+            </a:r>
+            <a:endParaRPr lang="zh-CN" altLang="en-US" dirty="0"/>
+          </a:p>
+        </p:txBody>
+      </p:sp>
+      <p:cxnSp>
+        <p:nvCxnSpPr>
+          <p:cNvPr id="22" name="直接箭头连接符 21">
+            <a:extLst>
+              <a:ext uri="{FF2B5EF4-FFF2-40B4-BE49-F238E27FC236}">
+                <a16:creationId xmlns:a16="http://schemas.microsoft.com/office/drawing/2014/main" id="{D260C903-9543-C741-5FB8-D4AC61728D3F}"/>
+              </a:ext>
+            </a:extLst>
+          </p:cNvPr>
+          <p:cNvCxnSpPr>
+            <a:stCxn id="20" idx="2"/>
+          </p:cNvCxnSpPr>
+          <p:nvPr/>
+        </p:nvCxnSpPr>
+        <p:spPr>
+          <a:xfrm flipH="1">
+            <a:off x="6985000" y="1432441"/>
+            <a:ext cx="3132111" cy="1971159"/>
+          </a:xfrm>
+          <a:prstGeom prst="straightConnector1">
+            <a:avLst/>
+          </a:prstGeom>
+          <a:ln w="19050">
+            <a:tailEnd type="triangle"/>
+          </a:ln>
+        </p:spPr>
+        <p:style>
+          <a:lnRef idx="1">
+            <a:schemeClr val="accent1"/>
+          </a:lnRef>
+          <a:fillRef idx="0">
+            <a:schemeClr val="accent1"/>
+          </a:fillRef>
+          <a:effectRef idx="0">
+            <a:schemeClr val="accent1"/>
+          </a:effectRef>
+          <a:fontRef idx="minor">
+            <a:schemeClr val="tx1"/>
+          </a:fontRef>
+        </p:style>
+      </p:cxnSp>
+      <p:sp>
+        <p:nvSpPr>
+          <p:cNvPr id="23" name="文本框 22">
+            <a:extLst>
+              <a:ext uri="{FF2B5EF4-FFF2-40B4-BE49-F238E27FC236}">
+                <a16:creationId xmlns:a16="http://schemas.microsoft.com/office/drawing/2014/main" id="{0657613C-69F5-0FE8-1B7B-2FAC8B2E2A0B}"/>
+              </a:ext>
+            </a:extLst>
+          </p:cNvPr>
+          <p:cNvSpPr txBox="1"/>
+          <p:nvPr/>
+        </p:nvSpPr>
+        <p:spPr>
+          <a:xfrm>
+            <a:off x="8293087" y="1986439"/>
+            <a:ext cx="1587500" cy="369332"/>
+          </a:xfrm>
+          <a:prstGeom prst="rect">
+            <a:avLst/>
+          </a:prstGeom>
+          <a:solidFill>
+            <a:schemeClr val="bg1"/>
+          </a:solidFill>
+        </p:spPr>
+        <p:txBody>
+          <a:bodyPr wrap="square" rtlCol="0">
+            <a:spAutoFit/>
+          </a:bodyPr>
+          <a:lstStyle/>
+          <a:p>
+            <a:r>
+              <a:rPr lang="zh-CN" altLang="en-US" dirty="0">
+                <a:solidFill>
+                  <a:srgbClr val="00B0F0"/>
+                </a:solidFill>
+              </a:rPr>
+              <a:t>触发设置操作</a:t>
+            </a:r>
+          </a:p>
+        </p:txBody>
+      </p:sp>
+      <p:sp>
+        <p:nvSpPr>
+          <p:cNvPr id="27" name="文本框 26">
+            <a:extLst>
+              <a:ext uri="{FF2B5EF4-FFF2-40B4-BE49-F238E27FC236}">
+                <a16:creationId xmlns:a16="http://schemas.microsoft.com/office/drawing/2014/main" id="{43AA8824-B82A-A9C5-B53E-AECD3B0A7603}"/>
+              </a:ext>
+            </a:extLst>
+          </p:cNvPr>
+          <p:cNvSpPr txBox="1"/>
+          <p:nvPr/>
+        </p:nvSpPr>
+        <p:spPr>
+          <a:xfrm>
+            <a:off x="9659006" y="4590534"/>
+            <a:ext cx="862287" cy="369332"/>
+          </a:xfrm>
+          <a:prstGeom prst="rect">
+            <a:avLst/>
+          </a:prstGeom>
+          <a:noFill/>
+        </p:spPr>
+        <p:txBody>
+          <a:bodyPr wrap="none" rtlCol="0">
+            <a:spAutoFit/>
+          </a:bodyPr>
+          <a:lstStyle/>
+          <a:p>
+            <a:r>
+              <a:rPr lang="en-US" altLang="zh-CN" dirty="0">
+                <a:solidFill>
+                  <a:srgbClr val="5B9BD5"/>
+                </a:solidFill>
+              </a:rPr>
+              <a:t>effect()</a:t>
+            </a:r>
+            <a:endParaRPr lang="zh-CN" altLang="en-US" dirty="0">
+              <a:solidFill>
+                <a:srgbClr val="5B9BD5"/>
+              </a:solidFill>
+            </a:endParaRPr>
+          </a:p>
+        </p:txBody>
+      </p:sp>
+      <p:sp>
+        <p:nvSpPr>
+          <p:cNvPr id="28" name="文本框 27">
+            <a:extLst>
+              <a:ext uri="{FF2B5EF4-FFF2-40B4-BE49-F238E27FC236}">
+                <a16:creationId xmlns:a16="http://schemas.microsoft.com/office/drawing/2014/main" id="{BED613AB-BC52-0942-022D-F11DC23534DC}"/>
+              </a:ext>
+            </a:extLst>
+          </p:cNvPr>
+          <p:cNvSpPr txBox="1"/>
+          <p:nvPr/>
+        </p:nvSpPr>
+        <p:spPr>
+          <a:xfrm>
+            <a:off x="5405468" y="5190093"/>
+            <a:ext cx="2262158" cy="369332"/>
+          </a:xfrm>
+          <a:prstGeom prst="rect">
+            <a:avLst/>
+          </a:prstGeom>
+          <a:noFill/>
+        </p:spPr>
+        <p:txBody>
+          <a:bodyPr wrap="none" rtlCol="0">
+            <a:spAutoFit/>
+          </a:bodyPr>
+          <a:lstStyle/>
+          <a:p>
+            <a:r>
+              <a:rPr lang="zh-CN" altLang="en-US" dirty="0"/>
+              <a:t>存储副作用函数的桶</a:t>
+            </a:r>
+          </a:p>
+        </p:txBody>
+      </p:sp>
+    </p:spTree>
+    <p:extLst>
+      <p:ext uri="{BB962C8B-B14F-4D97-AF65-F5344CB8AC3E}">
+        <p14:creationId xmlns:p14="http://schemas.microsoft.com/office/powerpoint/2010/main" val="73929588"/>
+      </p:ext>
+    </p:extLst>
+  </p:cSld>
+  <p:clrMapOvr>
+    <a:masterClrMapping/>
+  </p:clrMapOvr>
+  <p:timing>
+    <p:tnLst>
+      <p:par>
+        <p:cTn id="1" dur="indefinite" restart="never" nodeType="tmRoot">
+          <p:childTnLst>
+            <p:seq concurrent="1" nextAc="seek">
+              <p:cTn id="2" dur="indefinite" nodeType="mainSeq">
+                <p:childTnLst>
+                  <p:par>
+                    <p:cTn id="3" fill="hold">
+                      <p:stCondLst>
+                        <p:cond delay="indefinite"/>
+                      </p:stCondLst>
+                      <p:childTnLst>
+                        <p:par>
+                          <p:cTn id="4" fill="hold">
+                            <p:stCondLst>
+                              <p:cond delay="0"/>
+                            </p:stCondLst>
+                            <p:childTnLst>
+                              <p:par>
+                                <p:cTn id="5" presetID="53" presetClass="entr" presetSubtype="16" fill="hold" grpId="0" nodeType="clickEffect">
+                                  <p:stCondLst>
+                                    <p:cond delay="1000"/>
+                                  </p:stCondLst>
+                                  <p:childTnLst>
+                                    <p:set>
+                                      <p:cBhvr>
+                                        <p:cTn id="6" dur="1" fill="hold">
+                                          <p:stCondLst>
+                                            <p:cond delay="0"/>
+                                          </p:stCondLst>
+                                        </p:cTn>
+                                        <p:tgtEl>
+                                          <p:spTgt spid="7"/>
+                                        </p:tgtEl>
+                                        <p:attrNameLst>
+                                          <p:attrName>style.visibility</p:attrName>
+                                        </p:attrNameLst>
+                                      </p:cBhvr>
+                                      <p:to>
+                                        <p:strVal val="visible"/>
+                                      </p:to>
+                                    </p:set>
+                                    <p:anim calcmode="lin" valueType="num">
+                                      <p:cBhvr>
+                                        <p:cTn id="7" dur="500" fill="hold"/>
+                                        <p:tgtEl>
+                                          <p:spTgt spid="7"/>
+                                        </p:tgtEl>
+                                        <p:attrNameLst>
+                                          <p:attrName>ppt_w</p:attrName>
+                                        </p:attrNameLst>
+                                      </p:cBhvr>
+                                      <p:tavLst>
+                                        <p:tav tm="0">
+                                          <p:val>
+                                            <p:fltVal val="0"/>
+                                          </p:val>
+                                        </p:tav>
+                                        <p:tav tm="100000">
+                                          <p:val>
+                                            <p:strVal val="#ppt_w"/>
+                                          </p:val>
+                                        </p:tav>
+                                      </p:tavLst>
+                                    </p:anim>
+                                    <p:anim calcmode="lin" valueType="num">
+                                      <p:cBhvr>
+                                        <p:cTn id="8" dur="500" fill="hold"/>
+                                        <p:tgtEl>
+                                          <p:spTgt spid="7"/>
+                                        </p:tgtEl>
+                                        <p:attrNameLst>
+                                          <p:attrName>ppt_h</p:attrName>
+                                        </p:attrNameLst>
+                                      </p:cBhvr>
+                                      <p:tavLst>
+                                        <p:tav tm="0">
+                                          <p:val>
+                                            <p:fltVal val="0"/>
+                                          </p:val>
+                                        </p:tav>
+                                        <p:tav tm="100000">
+                                          <p:val>
+                                            <p:strVal val="#ppt_h"/>
+                                          </p:val>
+                                        </p:tav>
+                                      </p:tavLst>
+                                    </p:anim>
+                                    <p:animEffect transition="in" filter="fade">
+                                      <p:cBhvr>
+                                        <p:cTn id="9" dur="500"/>
+                                        <p:tgtEl>
+                                          <p:spTgt spid="7"/>
+                                        </p:tgtEl>
+                                      </p:cBhvr>
+                                    </p:animEffect>
+                                  </p:childTnLst>
+                                </p:cTn>
+                              </p:par>
+                            </p:childTnLst>
+                          </p:cTn>
+                        </p:par>
+                        <p:par>
+                          <p:cTn id="10" fill="hold">
+                            <p:stCondLst>
+                              <p:cond delay="1500"/>
+                            </p:stCondLst>
+                            <p:childTnLst>
+                              <p:par>
+                                <p:cTn id="11" presetID="22" presetClass="entr" presetSubtype="4" fill="hold" nodeType="afterEffect">
+                                  <p:stCondLst>
+                                    <p:cond delay="0"/>
+                                  </p:stCondLst>
+                                  <p:childTnLst>
+                                    <p:set>
+                                      <p:cBhvr>
+                                        <p:cTn id="12" dur="1" fill="hold">
+                                          <p:stCondLst>
+                                            <p:cond delay="0"/>
+                                          </p:stCondLst>
+                                        </p:cTn>
+                                        <p:tgtEl>
+                                          <p:spTgt spid="14"/>
+                                        </p:tgtEl>
+                                        <p:attrNameLst>
+                                          <p:attrName>style.visibility</p:attrName>
+                                        </p:attrNameLst>
+                                      </p:cBhvr>
+                                      <p:to>
+                                        <p:strVal val="visible"/>
+                                      </p:to>
+                                    </p:set>
+                                    <p:animEffect transition="in" filter="wipe(down)">
+                                      <p:cBhvr>
+                                        <p:cTn id="13" dur="500"/>
+                                        <p:tgtEl>
+                                          <p:spTgt spid="14"/>
+                                        </p:tgtEl>
+                                      </p:cBhvr>
+                                    </p:animEffect>
+                                  </p:childTnLst>
+                                </p:cTn>
+                              </p:par>
+                            </p:childTnLst>
+                          </p:cTn>
+                        </p:par>
+                        <p:par>
+                          <p:cTn id="14" fill="hold">
+                            <p:stCondLst>
+                              <p:cond delay="2000"/>
+                            </p:stCondLst>
+                            <p:childTnLst>
+                              <p:par>
+                                <p:cTn id="15" presetID="14" presetClass="entr" presetSubtype="10" fill="hold" grpId="0" nodeType="afterEffect">
+                                  <p:stCondLst>
+                                    <p:cond delay="0"/>
+                                  </p:stCondLst>
+                                  <p:childTnLst>
+                                    <p:set>
+                                      <p:cBhvr>
+                                        <p:cTn id="16" dur="1" fill="hold">
+                                          <p:stCondLst>
+                                            <p:cond delay="0"/>
+                                          </p:stCondLst>
+                                        </p:cTn>
+                                        <p:tgtEl>
+                                          <p:spTgt spid="10"/>
+                                        </p:tgtEl>
+                                        <p:attrNameLst>
+                                          <p:attrName>style.visibility</p:attrName>
+                                        </p:attrNameLst>
+                                      </p:cBhvr>
+                                      <p:to>
+                                        <p:strVal val="visible"/>
+                                      </p:to>
+                                    </p:set>
+                                    <p:animEffect transition="in" filter="randombar(horizontal)">
+                                      <p:cBhvr>
+                                        <p:cTn id="17" dur="500"/>
+                                        <p:tgtEl>
+                                          <p:spTgt spid="10"/>
+                                        </p:tgtEl>
+                                      </p:cBhvr>
+                                    </p:animEffect>
+                                  </p:childTnLst>
+                                </p:cTn>
+                              </p:par>
+                            </p:childTnLst>
+                          </p:cTn>
+                        </p:par>
+                        <p:par>
+                          <p:cTn id="18" fill="hold">
+                            <p:stCondLst>
+                              <p:cond delay="2500"/>
+                            </p:stCondLst>
+                            <p:childTnLst>
+                              <p:par>
+                                <p:cTn id="19" presetID="26" presetClass="emph" presetSubtype="0" repeatCount="2000" fill="hold" grpId="0" nodeType="afterEffect">
+                                  <p:stCondLst>
+                                    <p:cond delay="0"/>
+                                  </p:stCondLst>
+                                  <p:childTnLst>
+                                    <p:animEffect transition="out" filter="fade">
+                                      <p:cBhvr>
+                                        <p:cTn id="20" dur="1000" tmFilter="0, 0; .2, .5; .8, .5; 1, 0"/>
+                                        <p:tgtEl>
+                                          <p:spTgt spid="8">
+                                            <p:txEl>
+                                              <p:pRg st="0" end="0"/>
+                                            </p:txEl>
+                                          </p:spTgt>
+                                        </p:tgtEl>
+                                      </p:cBhvr>
+                                    </p:animEffect>
+                                    <p:animScale>
+                                      <p:cBhvr>
+                                        <p:cTn id="21" dur="500" autoRev="1" fill="hold"/>
+                                        <p:tgtEl>
+                                          <p:spTgt spid="8">
+                                            <p:txEl>
+                                              <p:pRg st="0" end="0"/>
+                                            </p:txEl>
+                                          </p:spTgt>
+                                        </p:tgtEl>
+                                      </p:cBhvr>
+                                      <p:by x="105000" y="105000"/>
+                                    </p:animScale>
+                                  </p:childTnLst>
+                                </p:cTn>
+                              </p:par>
+                            </p:childTnLst>
+                          </p:cTn>
+                        </p:par>
+                        <p:par>
+                          <p:cTn id="22" fill="hold">
+                            <p:stCondLst>
+                              <p:cond delay="4500"/>
+                            </p:stCondLst>
+                            <p:childTnLst>
+                              <p:par>
+                                <p:cTn id="23" presetID="1" presetClass="exit" presetSubtype="0" fill="hold" grpId="1" nodeType="afterEffect">
+                                  <p:stCondLst>
+                                    <p:cond delay="0"/>
+                                  </p:stCondLst>
+                                  <p:childTnLst>
+                                    <p:set>
+                                      <p:cBhvr>
+                                        <p:cTn id="24" dur="1" fill="hold">
+                                          <p:stCondLst>
+                                            <p:cond delay="0"/>
+                                          </p:stCondLst>
+                                        </p:cTn>
+                                        <p:tgtEl>
+                                          <p:spTgt spid="8">
+                                            <p:txEl>
+                                              <p:pRg st="0" end="0"/>
+                                            </p:txEl>
+                                          </p:spTgt>
+                                        </p:tgtEl>
+                                        <p:attrNameLst>
+                                          <p:attrName>style.visibility</p:attrName>
+                                        </p:attrNameLst>
+                                      </p:cBhvr>
+                                      <p:to>
+                                        <p:strVal val="hidden"/>
+                                      </p:to>
+                                    </p:set>
+                                  </p:childTnLst>
+                                </p:cTn>
+                              </p:par>
+                              <p:par>
+                                <p:cTn id="25" presetID="1" presetClass="exit" presetSubtype="0" fill="hold" grpId="0" nodeType="withEffect">
+                                  <p:stCondLst>
+                                    <p:cond delay="0"/>
+                                  </p:stCondLst>
+                                  <p:childTnLst>
+                                    <p:set>
+                                      <p:cBhvr>
+                                        <p:cTn id="26" dur="1" fill="hold">
+                                          <p:stCondLst>
+                                            <p:cond delay="0"/>
+                                          </p:stCondLst>
+                                        </p:cTn>
+                                        <p:tgtEl>
+                                          <p:spTgt spid="6"/>
+                                        </p:tgtEl>
+                                        <p:attrNameLst>
+                                          <p:attrName>style.visibility</p:attrName>
+                                        </p:attrNameLst>
+                                      </p:cBhvr>
+                                      <p:to>
+                                        <p:strVal val="hidden"/>
+                                      </p:to>
+                                    </p:set>
+                                  </p:childTnLst>
+                                </p:cTn>
+                              </p:par>
+                            </p:childTnLst>
+                          </p:cTn>
+                        </p:par>
+                        <p:par>
+                          <p:cTn id="27" fill="hold">
+                            <p:stCondLst>
+                              <p:cond delay="4500"/>
+                            </p:stCondLst>
+                            <p:childTnLst>
+                              <p:par>
+                                <p:cTn id="28" presetID="1" presetClass="entr" presetSubtype="0" fill="hold" grpId="0" nodeType="afterEffect">
+                                  <p:stCondLst>
+                                    <p:cond delay="0"/>
+                                  </p:stCondLst>
+                                  <p:childTnLst>
+                                    <p:set>
+                                      <p:cBhvr>
+                                        <p:cTn id="29" dur="1" fill="hold">
+                                          <p:stCondLst>
+                                            <p:cond delay="0"/>
+                                          </p:stCondLst>
+                                        </p:cTn>
+                                        <p:tgtEl>
+                                          <p:spTgt spid="18"/>
+                                        </p:tgtEl>
+                                        <p:attrNameLst>
+                                          <p:attrName>style.visibility</p:attrName>
+                                        </p:attrNameLst>
+                                      </p:cBhvr>
+                                      <p:to>
+                                        <p:strVal val="visible"/>
+                                      </p:to>
+                                    </p:set>
+                                  </p:childTnLst>
+                                </p:cTn>
+                              </p:par>
+                            </p:childTnLst>
+                          </p:cTn>
+                        </p:par>
+                        <p:par>
+                          <p:cTn id="30" fill="hold">
+                            <p:stCondLst>
+                              <p:cond delay="4500"/>
+                            </p:stCondLst>
+                            <p:childTnLst>
+                              <p:par>
+                                <p:cTn id="31" presetID="6" presetClass="emph" presetSubtype="0" fill="hold" grpId="1" nodeType="afterEffect">
+                                  <p:stCondLst>
+                                    <p:cond delay="0"/>
+                                  </p:stCondLst>
+                                  <p:childTnLst>
+                                    <p:animScale>
+                                      <p:cBhvr>
+                                        <p:cTn id="32" dur="2000" fill="hold"/>
+                                        <p:tgtEl>
+                                          <p:spTgt spid="18"/>
+                                        </p:tgtEl>
+                                      </p:cBhvr>
+                                      <p:by x="25000" y="25000"/>
+                                    </p:animScale>
+                                  </p:childTnLst>
+                                </p:cTn>
+                              </p:par>
+                              <p:par>
+                                <p:cTn id="33" presetID="42" presetClass="path" presetSubtype="0" accel="50000" decel="50000" fill="hold" grpId="2" nodeType="withEffect">
+                                  <p:stCondLst>
+                                    <p:cond delay="0"/>
+                                  </p:stCondLst>
+                                  <p:childTnLst>
+                                    <p:animMotion origin="layout" path="M 6.25E-7 4.44444E-6 L 0.33893 0.22013 " pathEditMode="relative" rAng="0" ptsTypes="AA">
+                                      <p:cBhvr>
+                                        <p:cTn id="34" dur="2000" fill="hold"/>
+                                        <p:tgtEl>
+                                          <p:spTgt spid="18"/>
+                                        </p:tgtEl>
+                                        <p:attrNameLst>
+                                          <p:attrName>ppt_x</p:attrName>
+                                          <p:attrName>ppt_y</p:attrName>
+                                        </p:attrNameLst>
+                                      </p:cBhvr>
+                                      <p:rCtr x="16940" y="10995"/>
+                                    </p:animMotion>
+                                  </p:childTnLst>
+                                </p:cTn>
+                              </p:par>
+                              <p:par>
+                                <p:cTn id="35" presetID="1" presetClass="exit" presetSubtype="0" fill="hold" grpId="1" nodeType="withEffect">
+                                  <p:stCondLst>
+                                    <p:cond delay="0"/>
+                                  </p:stCondLst>
+                                  <p:childTnLst>
+                                    <p:set>
+                                      <p:cBhvr>
+                                        <p:cTn id="36" dur="1" fill="hold">
+                                          <p:stCondLst>
+                                            <p:cond delay="0"/>
+                                          </p:stCondLst>
+                                        </p:cTn>
+                                        <p:tgtEl>
+                                          <p:spTgt spid="7"/>
+                                        </p:tgtEl>
+                                        <p:attrNameLst>
+                                          <p:attrName>style.visibility</p:attrName>
+                                        </p:attrNameLst>
+                                      </p:cBhvr>
+                                      <p:to>
+                                        <p:strVal val="hidden"/>
+                                      </p:to>
+                                    </p:set>
+                                  </p:childTnLst>
+                                </p:cTn>
+                              </p:par>
+                              <p:par>
+                                <p:cTn id="37" presetID="1" presetClass="exit" presetSubtype="0" fill="hold" nodeType="withEffect">
+                                  <p:stCondLst>
+                                    <p:cond delay="0"/>
+                                  </p:stCondLst>
+                                  <p:childTnLst>
+                                    <p:set>
+                                      <p:cBhvr>
+                                        <p:cTn id="38" dur="1" fill="hold">
+                                          <p:stCondLst>
+                                            <p:cond delay="0"/>
+                                          </p:stCondLst>
+                                        </p:cTn>
+                                        <p:tgtEl>
+                                          <p:spTgt spid="14"/>
+                                        </p:tgtEl>
+                                        <p:attrNameLst>
+                                          <p:attrName>style.visibility</p:attrName>
+                                        </p:attrNameLst>
+                                      </p:cBhvr>
+                                      <p:to>
+                                        <p:strVal val="hidden"/>
+                                      </p:to>
+                                    </p:set>
+                                  </p:childTnLst>
+                                </p:cTn>
+                              </p:par>
+                              <p:par>
+                                <p:cTn id="39" presetID="1" presetClass="exit" presetSubtype="0" fill="hold" grpId="1" nodeType="withEffect">
+                                  <p:stCondLst>
+                                    <p:cond delay="0"/>
+                                  </p:stCondLst>
+                                  <p:childTnLst>
+                                    <p:set>
+                                      <p:cBhvr>
+                                        <p:cTn id="40" dur="1" fill="hold">
+                                          <p:stCondLst>
+                                            <p:cond delay="0"/>
+                                          </p:stCondLst>
+                                        </p:cTn>
+                                        <p:tgtEl>
+                                          <p:spTgt spid="10"/>
+                                        </p:tgtEl>
+                                        <p:attrNameLst>
+                                          <p:attrName>style.visibility</p:attrName>
+                                        </p:attrNameLst>
+                                      </p:cBhvr>
+                                      <p:to>
+                                        <p:strVal val="hidden"/>
+                                      </p:to>
+                                    </p:set>
+                                  </p:childTnLst>
+                                </p:cTn>
+                              </p:par>
+                            </p:childTnLst>
+                          </p:cTn>
+                        </p:par>
+                        <p:par>
+                          <p:cTn id="41" fill="hold">
+                            <p:stCondLst>
+                              <p:cond delay="6500"/>
+                            </p:stCondLst>
+                            <p:childTnLst>
+                              <p:par>
+                                <p:cTn id="42" presetID="1" presetClass="exit" presetSubtype="0" fill="hold" grpId="3" nodeType="afterEffect">
+                                  <p:stCondLst>
+                                    <p:cond delay="0"/>
+                                  </p:stCondLst>
+                                  <p:childTnLst>
+                                    <p:set>
+                                      <p:cBhvr>
+                                        <p:cTn id="43" dur="1" fill="hold">
+                                          <p:stCondLst>
+                                            <p:cond delay="0"/>
+                                          </p:stCondLst>
+                                        </p:cTn>
+                                        <p:tgtEl>
+                                          <p:spTgt spid="18"/>
+                                        </p:tgtEl>
+                                        <p:attrNameLst>
+                                          <p:attrName>style.visibility</p:attrName>
+                                        </p:attrNameLst>
+                                      </p:cBhvr>
+                                      <p:to>
+                                        <p:strVal val="hidden"/>
+                                      </p:to>
+                                    </p:set>
+                                  </p:childTnLst>
+                                </p:cTn>
+                              </p:par>
+                            </p:childTnLst>
+                          </p:cTn>
+                        </p:par>
+                        <p:par>
+                          <p:cTn id="44" fill="hold">
+                            <p:stCondLst>
+                              <p:cond delay="6500"/>
+                            </p:stCondLst>
+                            <p:childTnLst>
+                              <p:par>
+                                <p:cTn id="45" presetID="1" presetClass="entr" presetSubtype="0" fill="hold" grpId="0" nodeType="afterEffect">
+                                  <p:stCondLst>
+                                    <p:cond delay="0"/>
+                                  </p:stCondLst>
+                                  <p:childTnLst>
+                                    <p:set>
+                                      <p:cBhvr>
+                                        <p:cTn id="46" dur="1" fill="hold">
+                                          <p:stCondLst>
+                                            <p:cond delay="0"/>
+                                          </p:stCondLst>
+                                        </p:cTn>
+                                        <p:tgtEl>
+                                          <p:spTgt spid="19"/>
+                                        </p:tgtEl>
+                                        <p:attrNameLst>
+                                          <p:attrName>style.visibility</p:attrName>
+                                        </p:attrNameLst>
+                                      </p:cBhvr>
+                                      <p:to>
+                                        <p:strVal val="visible"/>
+                                      </p:to>
+                                    </p:set>
+                                  </p:childTnLst>
+                                </p:cTn>
+                              </p:par>
+                            </p:childTnLst>
+                          </p:cTn>
+                        </p:par>
+                        <p:par>
+                          <p:cTn id="47" fill="hold">
+                            <p:stCondLst>
+                              <p:cond delay="6500"/>
+                            </p:stCondLst>
+                            <p:childTnLst>
+                              <p:par>
+                                <p:cTn id="48" presetID="53" presetClass="entr" presetSubtype="16" fill="hold" grpId="0" nodeType="afterEffect">
+                                  <p:stCondLst>
+                                    <p:cond delay="500"/>
+                                  </p:stCondLst>
+                                  <p:childTnLst>
+                                    <p:set>
+                                      <p:cBhvr>
+                                        <p:cTn id="49" dur="1" fill="hold">
+                                          <p:stCondLst>
+                                            <p:cond delay="0"/>
+                                          </p:stCondLst>
+                                        </p:cTn>
+                                        <p:tgtEl>
+                                          <p:spTgt spid="20"/>
+                                        </p:tgtEl>
+                                        <p:attrNameLst>
+                                          <p:attrName>style.visibility</p:attrName>
+                                        </p:attrNameLst>
+                                      </p:cBhvr>
+                                      <p:to>
+                                        <p:strVal val="visible"/>
+                                      </p:to>
+                                    </p:set>
+                                    <p:anim calcmode="lin" valueType="num">
+                                      <p:cBhvr>
+                                        <p:cTn id="50" dur="500" fill="hold"/>
+                                        <p:tgtEl>
+                                          <p:spTgt spid="20"/>
+                                        </p:tgtEl>
+                                        <p:attrNameLst>
+                                          <p:attrName>ppt_w</p:attrName>
+                                        </p:attrNameLst>
+                                      </p:cBhvr>
+                                      <p:tavLst>
+                                        <p:tav tm="0">
+                                          <p:val>
+                                            <p:fltVal val="0"/>
+                                          </p:val>
+                                        </p:tav>
+                                        <p:tav tm="100000">
+                                          <p:val>
+                                            <p:strVal val="#ppt_w"/>
+                                          </p:val>
+                                        </p:tav>
+                                      </p:tavLst>
+                                    </p:anim>
+                                    <p:anim calcmode="lin" valueType="num">
+                                      <p:cBhvr>
+                                        <p:cTn id="51" dur="500" fill="hold"/>
+                                        <p:tgtEl>
+                                          <p:spTgt spid="20"/>
+                                        </p:tgtEl>
+                                        <p:attrNameLst>
+                                          <p:attrName>ppt_h</p:attrName>
+                                        </p:attrNameLst>
+                                      </p:cBhvr>
+                                      <p:tavLst>
+                                        <p:tav tm="0">
+                                          <p:val>
+                                            <p:fltVal val="0"/>
+                                          </p:val>
+                                        </p:tav>
+                                        <p:tav tm="100000">
+                                          <p:val>
+                                            <p:strVal val="#ppt_h"/>
+                                          </p:val>
+                                        </p:tav>
+                                      </p:tavLst>
+                                    </p:anim>
+                                    <p:animEffect transition="in" filter="fade">
+                                      <p:cBhvr>
+                                        <p:cTn id="52" dur="500"/>
+                                        <p:tgtEl>
+                                          <p:spTgt spid="20"/>
+                                        </p:tgtEl>
+                                      </p:cBhvr>
+                                    </p:animEffect>
+                                  </p:childTnLst>
+                                </p:cTn>
+                              </p:par>
+                            </p:childTnLst>
+                          </p:cTn>
+                        </p:par>
+                        <p:par>
+                          <p:cTn id="53" fill="hold">
+                            <p:stCondLst>
+                              <p:cond delay="7500"/>
+                            </p:stCondLst>
+                            <p:childTnLst>
+                              <p:par>
+                                <p:cTn id="54" presetID="22" presetClass="entr" presetSubtype="1" fill="hold" nodeType="afterEffect">
+                                  <p:stCondLst>
+                                    <p:cond delay="0"/>
+                                  </p:stCondLst>
+                                  <p:childTnLst>
+                                    <p:set>
+                                      <p:cBhvr>
+                                        <p:cTn id="55" dur="1" fill="hold">
+                                          <p:stCondLst>
+                                            <p:cond delay="0"/>
+                                          </p:stCondLst>
+                                        </p:cTn>
+                                        <p:tgtEl>
+                                          <p:spTgt spid="22"/>
+                                        </p:tgtEl>
+                                        <p:attrNameLst>
+                                          <p:attrName>style.visibility</p:attrName>
+                                        </p:attrNameLst>
+                                      </p:cBhvr>
+                                      <p:to>
+                                        <p:strVal val="visible"/>
+                                      </p:to>
+                                    </p:set>
+                                    <p:animEffect transition="in" filter="wipe(up)">
+                                      <p:cBhvr>
+                                        <p:cTn id="56" dur="500"/>
+                                        <p:tgtEl>
+                                          <p:spTgt spid="22"/>
+                                        </p:tgtEl>
+                                      </p:cBhvr>
+                                    </p:animEffect>
+                                  </p:childTnLst>
+                                </p:cTn>
+                              </p:par>
+                            </p:childTnLst>
+                          </p:cTn>
+                        </p:par>
+                        <p:par>
+                          <p:cTn id="57" fill="hold">
+                            <p:stCondLst>
+                              <p:cond delay="8000"/>
+                            </p:stCondLst>
+                            <p:childTnLst>
+                              <p:par>
+                                <p:cTn id="58" presetID="14" presetClass="entr" presetSubtype="10" fill="hold" grpId="0" nodeType="afterEffect">
+                                  <p:stCondLst>
+                                    <p:cond delay="0"/>
+                                  </p:stCondLst>
+                                  <p:childTnLst>
+                                    <p:set>
+                                      <p:cBhvr>
+                                        <p:cTn id="59" dur="1" fill="hold">
+                                          <p:stCondLst>
+                                            <p:cond delay="0"/>
+                                          </p:stCondLst>
+                                        </p:cTn>
+                                        <p:tgtEl>
+                                          <p:spTgt spid="23"/>
+                                        </p:tgtEl>
+                                        <p:attrNameLst>
+                                          <p:attrName>style.visibility</p:attrName>
+                                        </p:attrNameLst>
+                                      </p:cBhvr>
+                                      <p:to>
+                                        <p:strVal val="visible"/>
+                                      </p:to>
+                                    </p:set>
+                                    <p:animEffect transition="in" filter="randombar(horizontal)">
+                                      <p:cBhvr>
+                                        <p:cTn id="60" dur="500"/>
+                                        <p:tgtEl>
+                                          <p:spTgt spid="23"/>
+                                        </p:tgtEl>
+                                      </p:cBhvr>
+                                    </p:animEffect>
+                                  </p:childTnLst>
+                                </p:cTn>
+                              </p:par>
+                            </p:childTnLst>
+                          </p:cTn>
+                        </p:par>
+                        <p:par>
+                          <p:cTn id="61" fill="hold">
+                            <p:stCondLst>
+                              <p:cond delay="8500"/>
+                            </p:stCondLst>
+                            <p:childTnLst>
+                              <p:par>
+                                <p:cTn id="62" presetID="42" presetClass="path" presetSubtype="0" accel="50000" decel="50000" fill="hold" grpId="1" nodeType="afterEffect">
+                                  <p:stCondLst>
+                                    <p:cond delay="0"/>
+                                  </p:stCondLst>
+                                  <p:childTnLst>
+                                    <p:animMotion origin="layout" path="M -2.5E-6 3.7037E-6 L 0.28451 0.2 " pathEditMode="relative" rAng="0" ptsTypes="AA">
+                                      <p:cBhvr>
+                                        <p:cTn id="63" dur="2000" fill="hold"/>
+                                        <p:tgtEl>
+                                          <p:spTgt spid="19"/>
+                                        </p:tgtEl>
+                                        <p:attrNameLst>
+                                          <p:attrName>ppt_x</p:attrName>
+                                          <p:attrName>ppt_y</p:attrName>
+                                        </p:attrNameLst>
+                                      </p:cBhvr>
+                                      <p:rCtr x="14219" y="10000"/>
+                                    </p:animMotion>
+                                  </p:childTnLst>
+                                </p:cTn>
+                              </p:par>
+                              <p:par>
+                                <p:cTn id="64" presetID="1" presetClass="exit" presetSubtype="0" fill="hold" grpId="1" nodeType="withEffect">
+                                  <p:stCondLst>
+                                    <p:cond delay="0"/>
+                                  </p:stCondLst>
+                                  <p:childTnLst>
+                                    <p:set>
+                                      <p:cBhvr>
+                                        <p:cTn id="65" dur="1" fill="hold">
+                                          <p:stCondLst>
+                                            <p:cond delay="0"/>
+                                          </p:stCondLst>
+                                        </p:cTn>
+                                        <p:tgtEl>
+                                          <p:spTgt spid="20"/>
+                                        </p:tgtEl>
+                                        <p:attrNameLst>
+                                          <p:attrName>style.visibility</p:attrName>
+                                        </p:attrNameLst>
+                                      </p:cBhvr>
+                                      <p:to>
+                                        <p:strVal val="hidden"/>
+                                      </p:to>
+                                    </p:set>
+                                  </p:childTnLst>
+                                </p:cTn>
+                              </p:par>
+                              <p:par>
+                                <p:cTn id="66" presetID="1" presetClass="exit" presetSubtype="0" fill="hold" nodeType="withEffect">
+                                  <p:stCondLst>
+                                    <p:cond delay="0"/>
+                                  </p:stCondLst>
+                                  <p:childTnLst>
+                                    <p:set>
+                                      <p:cBhvr>
+                                        <p:cTn id="67" dur="1" fill="hold">
+                                          <p:stCondLst>
+                                            <p:cond delay="0"/>
+                                          </p:stCondLst>
+                                        </p:cTn>
+                                        <p:tgtEl>
+                                          <p:spTgt spid="22"/>
+                                        </p:tgtEl>
+                                        <p:attrNameLst>
+                                          <p:attrName>style.visibility</p:attrName>
+                                        </p:attrNameLst>
+                                      </p:cBhvr>
+                                      <p:to>
+                                        <p:strVal val="hidden"/>
+                                      </p:to>
+                                    </p:set>
+                                  </p:childTnLst>
+                                </p:cTn>
+                              </p:par>
+                              <p:par>
+                                <p:cTn id="68" presetID="1" presetClass="exit" presetSubtype="0" fill="hold" grpId="1" nodeType="withEffect">
+                                  <p:stCondLst>
+                                    <p:cond delay="0"/>
+                                  </p:stCondLst>
+                                  <p:childTnLst>
+                                    <p:set>
+                                      <p:cBhvr>
+                                        <p:cTn id="69" dur="1" fill="hold">
+                                          <p:stCondLst>
+                                            <p:cond delay="0"/>
+                                          </p:stCondLst>
+                                        </p:cTn>
+                                        <p:tgtEl>
+                                          <p:spTgt spid="23"/>
+                                        </p:tgtEl>
+                                        <p:attrNameLst>
+                                          <p:attrName>style.visibility</p:attrName>
+                                        </p:attrNameLst>
+                                      </p:cBhvr>
+                                      <p:to>
+                                        <p:strVal val="hidden"/>
+                                      </p:to>
+                                    </p:set>
+                                  </p:childTnLst>
+                                </p:cTn>
+                              </p:par>
+                            </p:childTnLst>
+                          </p:cTn>
+                        </p:par>
+                        <p:par>
+                          <p:cTn id="70" fill="hold">
+                            <p:stCondLst>
+                              <p:cond delay="10500"/>
+                            </p:stCondLst>
+                            <p:childTnLst>
+                              <p:par>
+                                <p:cTn id="71" presetID="1" presetClass="entr" presetSubtype="0" fill="hold" grpId="0" nodeType="afterEffect">
+                                  <p:stCondLst>
+                                    <p:cond delay="0"/>
+                                  </p:stCondLst>
+                                  <p:childTnLst>
+                                    <p:set>
+                                      <p:cBhvr>
+                                        <p:cTn id="72" dur="1" fill="hold">
+                                          <p:stCondLst>
+                                            <p:cond delay="0"/>
+                                          </p:stCondLst>
+                                        </p:cTn>
+                                        <p:tgtEl>
+                                          <p:spTgt spid="27"/>
+                                        </p:tgtEl>
+                                        <p:attrNameLst>
+                                          <p:attrName>style.visibility</p:attrName>
+                                        </p:attrNameLst>
+                                      </p:cBhvr>
+                                      <p:to>
+                                        <p:strVal val="visible"/>
+                                      </p:to>
+                                    </p:set>
+                                  </p:childTnLst>
+                                </p:cTn>
+                              </p:par>
+                            </p:childTnLst>
+                          </p:cTn>
+                        </p:par>
+                        <p:par>
+                          <p:cTn id="73" fill="hold">
+                            <p:stCondLst>
+                              <p:cond delay="10500"/>
+                            </p:stCondLst>
+                            <p:childTnLst>
+                              <p:par>
+                                <p:cTn id="74" presetID="26" presetClass="emph" presetSubtype="0" fill="hold" grpId="1" nodeType="afterEffect">
+                                  <p:stCondLst>
+                                    <p:cond delay="0"/>
+                                  </p:stCondLst>
+                                  <p:childTnLst>
+                                    <p:animEffect transition="out" filter="fade">
+                                      <p:cBhvr>
+                                        <p:cTn id="75" dur="2000" tmFilter="0, 0; .2, .5; .8, .5; 1, 0"/>
+                                        <p:tgtEl>
+                                          <p:spTgt spid="27"/>
+                                        </p:tgtEl>
+                                      </p:cBhvr>
+                                    </p:animEffect>
+                                    <p:animScale>
+                                      <p:cBhvr>
+                                        <p:cTn id="76" dur="1000" autoRev="1" fill="hold"/>
+                                        <p:tgtEl>
+                                          <p:spTgt spid="27"/>
+                                        </p:tgtEl>
+                                      </p:cBhvr>
+                                      <p:by x="105000" y="105000"/>
+                                    </p:animScale>
+                                  </p:childTnLst>
+                                </p:cTn>
+                              </p:par>
+                            </p:childTnLst>
+                          </p:cTn>
+                        </p:par>
+                      </p:childTnLst>
+                    </p:cTn>
+                  </p:par>
+                </p:childTnLst>
+              </p:cTn>
+              <p:prevCondLst>
+                <p:cond evt="onPrev" delay="0">
+                  <p:tgtEl>
+                    <p:sldTgt/>
+                  </p:tgtEl>
+                </p:cond>
+              </p:prevCondLst>
+              <p:nextCondLst>
+                <p:cond evt="onNext" delay="0">
+                  <p:tgtEl>
+                    <p:sldTgt/>
+                  </p:tgtEl>
+                </p:cond>
+              </p:nextCondLst>
+            </p:seq>
+          </p:childTnLst>
+        </p:cTn>
+      </p:par>
+    </p:tnLst>
+    <p:bldLst>
+      <p:bldP spid="7" grpId="0"/>
+      <p:bldP spid="7" grpId="1"/>
+      <p:bldP spid="6" grpId="0" animBg="1"/>
+      <p:bldP spid="8" grpId="0" build="allAtOnce"/>
+      <p:bldP spid="8" grpId="1" build="allAtOnce"/>
+      <p:bldP spid="10" grpId="0" animBg="1"/>
+      <p:bldP spid="10" grpId="1" animBg="1"/>
+      <p:bldP spid="18" grpId="0"/>
+      <p:bldP spid="18" grpId="1"/>
+      <p:bldP spid="18" grpId="2"/>
+      <p:bldP spid="18" grpId="3"/>
+      <p:bldP spid="19" grpId="0"/>
+      <p:bldP spid="19" grpId="1"/>
+      <p:bldP spid="20" grpId="0"/>
+      <p:bldP spid="20" grpId="1"/>
+      <p:bldP spid="23" grpId="0" animBg="1"/>
+      <p:bldP spid="23" grpId="1" animBg="1"/>
+      <p:bldP spid="27" grpId="0"/>
+      <p:bldP spid="27" grpId="1"/>
+    </p:bldLst>
+  </p:timing>
+</p:sld>
+</file>
+
+<file path=ppt/slides/slide7.xml><?xml version="1.0" encoding="utf-8"?>
+<p:sld xmlns:a="http://schemas.openxmlformats.org/drawingml/2006/main" xmlns:r="http://schemas.openxmlformats.org/officeDocument/2006/relationships" xmlns:p="http://schemas.openxmlformats.org/presentationml/2006/main">
+  <p:cSld>
+    <p:spTree>
+      <p:nvGrpSpPr>
+        <p:cNvPr id="1" name=""/>
+        <p:cNvGrpSpPr/>
+        <p:nvPr/>
+      </p:nvGrpSpPr>
+      <p:grpSpPr>
+        <a:xfrm>
+          <a:off x="0" y="0"/>
+          <a:ext cx="0" cy="0"/>
+          <a:chOff x="0" y="0"/>
+          <a:chExt cx="0" cy="0"/>
+        </a:xfrm>
+      </p:grpSpPr>
+      <p:sp>
+        <p:nvSpPr>
+          <p:cNvPr id="4" name="文本框 3">
+            <a:extLst>
+              <a:ext uri="{FF2B5EF4-FFF2-40B4-BE49-F238E27FC236}">
+                <a16:creationId xmlns:a16="http://schemas.microsoft.com/office/drawing/2014/main" id="{AB3349F0-5018-5F60-766D-65BBBDE269C4}"/>
+              </a:ext>
+            </a:extLst>
+          </p:cNvPr>
+          <p:cNvSpPr txBox="1"/>
+          <p:nvPr/>
+        </p:nvSpPr>
+        <p:spPr>
+          <a:xfrm>
+            <a:off x="123825" y="563589"/>
+            <a:ext cx="673100" cy="461665"/>
+          </a:xfrm>
+          <a:prstGeom prst="rect">
+            <a:avLst/>
+          </a:prstGeom>
+          <a:noFill/>
+        </p:spPr>
+        <p:txBody>
+          <a:bodyPr wrap="square" rtlCol="0">
+            <a:spAutoFit/>
+          </a:bodyPr>
+          <a:lstStyle/>
+          <a:p>
+            <a:r>
+              <a:rPr lang="en-US" altLang="zh-CN" sz="2400" dirty="0"/>
+              <a:t>obj</a:t>
+            </a:r>
+            <a:endParaRPr lang="zh-CN" altLang="en-US" sz="2400" dirty="0"/>
+          </a:p>
+        </p:txBody>
+      </p:sp>
+      <p:sp>
+        <p:nvSpPr>
+          <p:cNvPr id="12" name="箭头: 直角上 11">
+            <a:extLst>
+              <a:ext uri="{FF2B5EF4-FFF2-40B4-BE49-F238E27FC236}">
+                <a16:creationId xmlns:a16="http://schemas.microsoft.com/office/drawing/2014/main" id="{FD21534D-E765-8A82-2D35-208FF6CCA51B}"/>
+              </a:ext>
+            </a:extLst>
+          </p:cNvPr>
+          <p:cNvSpPr/>
+          <p:nvPr/>
+        </p:nvSpPr>
+        <p:spPr>
+          <a:xfrm rot="5400000">
+            <a:off x="463876" y="992545"/>
+            <a:ext cx="300337" cy="365760"/>
+          </a:xfrm>
+          <a:prstGeom prst="bentUpArrow">
+            <a:avLst>
+              <a:gd name="adj1" fmla="val 2865"/>
+              <a:gd name="adj2" fmla="val 6771"/>
+              <a:gd name="adj3" fmla="val 15885"/>
+            </a:avLst>
+          </a:prstGeom>
+          <a:ln>
+            <a:noFill/>
+          </a:ln>
+        </p:spPr>
+        <p:style>
+          <a:lnRef idx="2">
+            <a:schemeClr val="accent1">
+              <a:shade val="50000"/>
+            </a:schemeClr>
+          </a:lnRef>
+          <a:fillRef idx="1">
+            <a:schemeClr val="accent1"/>
+          </a:fillRef>
+          <a:effectRef idx="0">
+            <a:schemeClr val="accent1"/>
+          </a:effectRef>
+          <a:fontRef idx="minor">
+            <a:schemeClr val="lt1"/>
+          </a:fontRef>
+        </p:style>
+        <p:txBody>
+          <a:bodyPr rtlCol="0" anchor="ctr"/>
+          <a:lstStyle/>
+          <a:p>
+            <a:pPr algn="ctr"/>
+            <a:endParaRPr lang="zh-CN" altLang="en-US"/>
+          </a:p>
+        </p:txBody>
+      </p:sp>
+      <p:sp>
+        <p:nvSpPr>
+          <p:cNvPr id="13" name="文本框 12">
+            <a:extLst>
+              <a:ext uri="{FF2B5EF4-FFF2-40B4-BE49-F238E27FC236}">
+                <a16:creationId xmlns:a16="http://schemas.microsoft.com/office/drawing/2014/main" id="{A52262EF-B13C-5B7D-04D2-3878C43A2539}"/>
+              </a:ext>
+            </a:extLst>
+          </p:cNvPr>
+          <p:cNvSpPr txBox="1"/>
+          <p:nvPr/>
+        </p:nvSpPr>
+        <p:spPr>
+          <a:xfrm>
+            <a:off x="692150" y="1093303"/>
+            <a:ext cx="1120307" cy="369332"/>
+          </a:xfrm>
+          <a:prstGeom prst="rect">
+            <a:avLst/>
+          </a:prstGeom>
+          <a:noFill/>
+        </p:spPr>
+        <p:txBody>
+          <a:bodyPr wrap="none" rtlCol="0">
+            <a:spAutoFit/>
+          </a:bodyPr>
+          <a:lstStyle/>
+          <a:p>
+            <a:r>
+              <a:rPr lang="en-US" altLang="zh-CN" dirty="0"/>
+              <a:t>property1</a:t>
+            </a:r>
+            <a:endParaRPr lang="zh-CN" altLang="en-US" dirty="0"/>
+          </a:p>
+        </p:txBody>
+      </p:sp>
+      <p:sp>
+        <p:nvSpPr>
+          <p:cNvPr id="14" name="箭头: 直角上 13">
+            <a:extLst>
+              <a:ext uri="{FF2B5EF4-FFF2-40B4-BE49-F238E27FC236}">
+                <a16:creationId xmlns:a16="http://schemas.microsoft.com/office/drawing/2014/main" id="{632ABA84-2166-4824-2496-331B146D2FFF}"/>
+              </a:ext>
+            </a:extLst>
+          </p:cNvPr>
+          <p:cNvSpPr/>
+          <p:nvPr/>
+        </p:nvSpPr>
+        <p:spPr>
+          <a:xfrm rot="5400000">
+            <a:off x="1178549" y="1376378"/>
+            <a:ext cx="300337" cy="365760"/>
+          </a:xfrm>
+          <a:prstGeom prst="bentUpArrow">
+            <a:avLst>
+              <a:gd name="adj1" fmla="val 2865"/>
+              <a:gd name="adj2" fmla="val 6771"/>
+              <a:gd name="adj3" fmla="val 15885"/>
+            </a:avLst>
+          </a:prstGeom>
+          <a:ln>
+            <a:noFill/>
+          </a:ln>
+        </p:spPr>
+        <p:style>
+          <a:lnRef idx="2">
+            <a:schemeClr val="accent1">
+              <a:shade val="50000"/>
+            </a:schemeClr>
+          </a:lnRef>
+          <a:fillRef idx="1">
+            <a:schemeClr val="accent1"/>
+          </a:fillRef>
+          <a:effectRef idx="0">
+            <a:schemeClr val="accent1"/>
+          </a:effectRef>
+          <a:fontRef idx="minor">
+            <a:schemeClr val="lt1"/>
+          </a:fontRef>
+        </p:style>
+        <p:txBody>
+          <a:bodyPr rtlCol="0" anchor="ctr"/>
+          <a:lstStyle/>
+          <a:p>
+            <a:pPr algn="ctr"/>
+            <a:endParaRPr lang="zh-CN" altLang="en-US"/>
+          </a:p>
+        </p:txBody>
+      </p:sp>
+      <p:sp>
+        <p:nvSpPr>
+          <p:cNvPr id="15" name="文本框 14">
+            <a:extLst>
+              <a:ext uri="{FF2B5EF4-FFF2-40B4-BE49-F238E27FC236}">
+                <a16:creationId xmlns:a16="http://schemas.microsoft.com/office/drawing/2014/main" id="{1ADAF81A-1DB9-2526-DCB6-C0B03EEB7143}"/>
+              </a:ext>
+            </a:extLst>
+          </p:cNvPr>
+          <p:cNvSpPr txBox="1"/>
+          <p:nvPr/>
+        </p:nvSpPr>
+        <p:spPr>
+          <a:xfrm>
+            <a:off x="1442066" y="1486661"/>
+            <a:ext cx="895362" cy="369332"/>
+          </a:xfrm>
+          <a:prstGeom prst="rect">
+            <a:avLst/>
+          </a:prstGeom>
+          <a:noFill/>
+        </p:spPr>
+        <p:txBody>
+          <a:bodyPr wrap="square" rtlCol="0">
+            <a:spAutoFit/>
+          </a:bodyPr>
+          <a:lstStyle/>
+          <a:p>
+            <a:r>
+              <a:rPr lang="en-US" altLang="zh-CN" dirty="0"/>
+              <a:t>effect1</a:t>
+            </a:r>
+            <a:endParaRPr lang="zh-CN" altLang="en-US" dirty="0"/>
+          </a:p>
+        </p:txBody>
+      </p:sp>
+      <p:sp>
+        <p:nvSpPr>
+          <p:cNvPr id="32" name="箭头: 直角上 31">
+            <a:extLst>
+              <a:ext uri="{FF2B5EF4-FFF2-40B4-BE49-F238E27FC236}">
+                <a16:creationId xmlns:a16="http://schemas.microsoft.com/office/drawing/2014/main" id="{48C89B71-FB9B-820D-9A31-D1B699589E23}"/>
+              </a:ext>
+            </a:extLst>
+          </p:cNvPr>
+          <p:cNvSpPr/>
+          <p:nvPr/>
+        </p:nvSpPr>
+        <p:spPr>
+          <a:xfrm rot="5400000">
+            <a:off x="463875" y="1755235"/>
+            <a:ext cx="300337" cy="365760"/>
+          </a:xfrm>
+          <a:prstGeom prst="bentUpArrow">
+            <a:avLst>
+              <a:gd name="adj1" fmla="val 2865"/>
+              <a:gd name="adj2" fmla="val 6771"/>
+              <a:gd name="adj3" fmla="val 15885"/>
+            </a:avLst>
+          </a:prstGeom>
+          <a:ln>
+            <a:noFill/>
+          </a:ln>
+        </p:spPr>
+        <p:style>
+          <a:lnRef idx="2">
+            <a:schemeClr val="accent1">
+              <a:shade val="50000"/>
+            </a:schemeClr>
+          </a:lnRef>
+          <a:fillRef idx="1">
+            <a:schemeClr val="accent1"/>
+          </a:fillRef>
+          <a:effectRef idx="0">
+            <a:schemeClr val="accent1"/>
+          </a:effectRef>
+          <a:fontRef idx="minor">
+            <a:schemeClr val="lt1"/>
+          </a:fontRef>
+        </p:style>
+        <p:txBody>
+          <a:bodyPr rtlCol="0" anchor="ctr"/>
+          <a:lstStyle/>
+          <a:p>
+            <a:pPr algn="ctr"/>
+            <a:endParaRPr lang="zh-CN" altLang="en-US"/>
+          </a:p>
+        </p:txBody>
+      </p:sp>
+      <p:sp>
+        <p:nvSpPr>
+          <p:cNvPr id="33" name="文本框 32">
+            <a:extLst>
+              <a:ext uri="{FF2B5EF4-FFF2-40B4-BE49-F238E27FC236}">
+                <a16:creationId xmlns:a16="http://schemas.microsoft.com/office/drawing/2014/main" id="{1715FF59-F9B4-6A1F-492A-66A9CE362279}"/>
+              </a:ext>
+            </a:extLst>
+          </p:cNvPr>
+          <p:cNvSpPr txBox="1"/>
+          <p:nvPr/>
+        </p:nvSpPr>
+        <p:spPr>
+          <a:xfrm>
+            <a:off x="692149" y="1855993"/>
+            <a:ext cx="1120307" cy="369332"/>
+          </a:xfrm>
+          <a:prstGeom prst="rect">
+            <a:avLst/>
+          </a:prstGeom>
+          <a:noFill/>
+        </p:spPr>
+        <p:txBody>
+          <a:bodyPr wrap="none" rtlCol="0">
+            <a:spAutoFit/>
+          </a:bodyPr>
+          <a:lstStyle/>
+          <a:p>
+            <a:r>
+              <a:rPr lang="en-US" altLang="zh-CN" dirty="0"/>
+              <a:t>property2</a:t>
+            </a:r>
+            <a:endParaRPr lang="zh-CN" altLang="en-US" dirty="0"/>
+          </a:p>
+        </p:txBody>
+      </p:sp>
+      <p:sp>
+        <p:nvSpPr>
+          <p:cNvPr id="34" name="箭头: 直角上 33">
+            <a:extLst>
+              <a:ext uri="{FF2B5EF4-FFF2-40B4-BE49-F238E27FC236}">
+                <a16:creationId xmlns:a16="http://schemas.microsoft.com/office/drawing/2014/main" id="{7740DF53-B242-0C3E-2ADC-6ED075C3B469}"/>
+              </a:ext>
+            </a:extLst>
+          </p:cNvPr>
+          <p:cNvSpPr/>
+          <p:nvPr/>
+        </p:nvSpPr>
+        <p:spPr>
+          <a:xfrm rot="5400000">
+            <a:off x="1178548" y="2139068"/>
+            <a:ext cx="300337" cy="365760"/>
+          </a:xfrm>
+          <a:prstGeom prst="bentUpArrow">
+            <a:avLst>
+              <a:gd name="adj1" fmla="val 2865"/>
+              <a:gd name="adj2" fmla="val 6771"/>
+              <a:gd name="adj3" fmla="val 15885"/>
+            </a:avLst>
+          </a:prstGeom>
+          <a:ln>
+            <a:noFill/>
+          </a:ln>
+        </p:spPr>
+        <p:style>
+          <a:lnRef idx="2">
+            <a:schemeClr val="accent1">
+              <a:shade val="50000"/>
+            </a:schemeClr>
+          </a:lnRef>
+          <a:fillRef idx="1">
+            <a:schemeClr val="accent1"/>
+          </a:fillRef>
+          <a:effectRef idx="0">
+            <a:schemeClr val="accent1"/>
+          </a:effectRef>
+          <a:fontRef idx="minor">
+            <a:schemeClr val="lt1"/>
+          </a:fontRef>
+        </p:style>
+        <p:txBody>
+          <a:bodyPr rtlCol="0" anchor="ctr"/>
+          <a:lstStyle/>
+          <a:p>
+            <a:pPr algn="ctr"/>
+            <a:endParaRPr lang="zh-CN" altLang="en-US"/>
+          </a:p>
+        </p:txBody>
+      </p:sp>
+      <p:sp>
+        <p:nvSpPr>
+          <p:cNvPr id="35" name="文本框 34">
+            <a:extLst>
+              <a:ext uri="{FF2B5EF4-FFF2-40B4-BE49-F238E27FC236}">
+                <a16:creationId xmlns:a16="http://schemas.microsoft.com/office/drawing/2014/main" id="{A5DB206D-7409-CF89-95E4-B9252A9A59BC}"/>
+              </a:ext>
+            </a:extLst>
+          </p:cNvPr>
+          <p:cNvSpPr txBox="1"/>
+          <p:nvPr/>
+        </p:nvSpPr>
+        <p:spPr>
+          <a:xfrm>
+            <a:off x="1442065" y="2249351"/>
+            <a:ext cx="895362" cy="369332"/>
+          </a:xfrm>
+          <a:prstGeom prst="rect">
+            <a:avLst/>
+          </a:prstGeom>
+          <a:noFill/>
+        </p:spPr>
+        <p:txBody>
+          <a:bodyPr wrap="square" rtlCol="0">
+            <a:spAutoFit/>
+          </a:bodyPr>
+          <a:lstStyle/>
+          <a:p>
+            <a:r>
+              <a:rPr lang="en-US" altLang="zh-CN" dirty="0"/>
+              <a:t>effect2</a:t>
+            </a:r>
+            <a:endParaRPr lang="zh-CN" altLang="en-US" dirty="0"/>
+          </a:p>
+        </p:txBody>
+      </p:sp>
+      <p:sp>
+        <p:nvSpPr>
+          <p:cNvPr id="36" name="箭头: 直角上 35">
+            <a:extLst>
+              <a:ext uri="{FF2B5EF4-FFF2-40B4-BE49-F238E27FC236}">
+                <a16:creationId xmlns:a16="http://schemas.microsoft.com/office/drawing/2014/main" id="{E18A4A39-2BC3-9262-030A-67F8A228D278}"/>
+              </a:ext>
+            </a:extLst>
+          </p:cNvPr>
+          <p:cNvSpPr/>
+          <p:nvPr/>
+        </p:nvSpPr>
+        <p:spPr>
+          <a:xfrm rot="5400000">
+            <a:off x="463875" y="2565552"/>
+            <a:ext cx="300337" cy="365760"/>
+          </a:xfrm>
+          <a:prstGeom prst="bentUpArrow">
+            <a:avLst>
+              <a:gd name="adj1" fmla="val 2865"/>
+              <a:gd name="adj2" fmla="val 6771"/>
+              <a:gd name="adj3" fmla="val 15885"/>
+            </a:avLst>
+          </a:prstGeom>
+          <a:ln>
+            <a:noFill/>
+          </a:ln>
+        </p:spPr>
+        <p:style>
+          <a:lnRef idx="2">
+            <a:schemeClr val="accent1">
+              <a:shade val="50000"/>
+            </a:schemeClr>
+          </a:lnRef>
+          <a:fillRef idx="1">
+            <a:schemeClr val="accent1"/>
+          </a:fillRef>
+          <a:effectRef idx="0">
+            <a:schemeClr val="accent1"/>
+          </a:effectRef>
+          <a:fontRef idx="minor">
+            <a:schemeClr val="lt1"/>
+          </a:fontRef>
+        </p:style>
+        <p:txBody>
+          <a:bodyPr rtlCol="0" anchor="ctr"/>
+          <a:lstStyle/>
+          <a:p>
+            <a:pPr algn="ctr"/>
+            <a:endParaRPr lang="zh-CN" altLang="en-US"/>
+          </a:p>
+        </p:txBody>
+      </p:sp>
+      <p:sp>
+        <p:nvSpPr>
+          <p:cNvPr id="37" name="文本框 36">
+            <a:extLst>
+              <a:ext uri="{FF2B5EF4-FFF2-40B4-BE49-F238E27FC236}">
+                <a16:creationId xmlns:a16="http://schemas.microsoft.com/office/drawing/2014/main" id="{F8593EC5-FC35-0E47-4DB0-DDEEE9A66BE9}"/>
+              </a:ext>
+            </a:extLst>
+          </p:cNvPr>
+          <p:cNvSpPr txBox="1"/>
+          <p:nvPr/>
+        </p:nvSpPr>
+        <p:spPr>
+          <a:xfrm>
+            <a:off x="692149" y="2666310"/>
+            <a:ext cx="1120307" cy="369332"/>
+          </a:xfrm>
+          <a:prstGeom prst="rect">
+            <a:avLst/>
+          </a:prstGeom>
+          <a:noFill/>
+        </p:spPr>
+        <p:txBody>
+          <a:bodyPr wrap="none" rtlCol="0">
+            <a:spAutoFit/>
+          </a:bodyPr>
+          <a:lstStyle/>
+          <a:p>
+            <a:r>
+              <a:rPr lang="en-US" altLang="zh-CN" dirty="0"/>
+              <a:t>property3</a:t>
+            </a:r>
+            <a:endParaRPr lang="zh-CN" altLang="en-US" dirty="0"/>
+          </a:p>
+        </p:txBody>
+      </p:sp>
+      <p:sp>
+        <p:nvSpPr>
+          <p:cNvPr id="38" name="箭头: 直角上 37">
+            <a:extLst>
+              <a:ext uri="{FF2B5EF4-FFF2-40B4-BE49-F238E27FC236}">
+                <a16:creationId xmlns:a16="http://schemas.microsoft.com/office/drawing/2014/main" id="{6DF72C44-D2C0-4D0C-9202-3BB17CCF3A3D}"/>
+              </a:ext>
+            </a:extLst>
+          </p:cNvPr>
+          <p:cNvSpPr/>
+          <p:nvPr/>
+        </p:nvSpPr>
+        <p:spPr>
+          <a:xfrm rot="5400000">
+            <a:off x="1178548" y="2949385"/>
+            <a:ext cx="300337" cy="365760"/>
+          </a:xfrm>
+          <a:prstGeom prst="bentUpArrow">
+            <a:avLst>
+              <a:gd name="adj1" fmla="val 2865"/>
+              <a:gd name="adj2" fmla="val 6771"/>
+              <a:gd name="adj3" fmla="val 15885"/>
+            </a:avLst>
+          </a:prstGeom>
+          <a:ln>
+            <a:noFill/>
+          </a:ln>
+        </p:spPr>
+        <p:style>
+          <a:lnRef idx="2">
+            <a:schemeClr val="accent1">
+              <a:shade val="50000"/>
+            </a:schemeClr>
+          </a:lnRef>
+          <a:fillRef idx="1">
+            <a:schemeClr val="accent1"/>
+          </a:fillRef>
+          <a:effectRef idx="0">
+            <a:schemeClr val="accent1"/>
+          </a:effectRef>
+          <a:fontRef idx="minor">
+            <a:schemeClr val="lt1"/>
+          </a:fontRef>
+        </p:style>
+        <p:txBody>
+          <a:bodyPr rtlCol="0" anchor="ctr"/>
+          <a:lstStyle/>
+          <a:p>
+            <a:pPr algn="ctr"/>
+            <a:endParaRPr lang="zh-CN" altLang="en-US"/>
+          </a:p>
+        </p:txBody>
+      </p:sp>
+      <p:sp>
+        <p:nvSpPr>
+          <p:cNvPr id="39" name="文本框 38">
+            <a:extLst>
+              <a:ext uri="{FF2B5EF4-FFF2-40B4-BE49-F238E27FC236}">
+                <a16:creationId xmlns:a16="http://schemas.microsoft.com/office/drawing/2014/main" id="{8B5CC37C-1231-F1FC-C2FC-51A6CDF12A5C}"/>
+              </a:ext>
+            </a:extLst>
+          </p:cNvPr>
+          <p:cNvSpPr txBox="1"/>
+          <p:nvPr/>
+        </p:nvSpPr>
+        <p:spPr>
+          <a:xfrm>
+            <a:off x="1442065" y="3059668"/>
+            <a:ext cx="895362" cy="369332"/>
+          </a:xfrm>
+          <a:prstGeom prst="rect">
+            <a:avLst/>
+          </a:prstGeom>
+          <a:noFill/>
+        </p:spPr>
+        <p:txBody>
+          <a:bodyPr wrap="square" rtlCol="0">
+            <a:spAutoFit/>
+          </a:bodyPr>
+          <a:lstStyle/>
+          <a:p>
+            <a:r>
+              <a:rPr lang="en-US" altLang="zh-CN" dirty="0"/>
+              <a:t>effect3</a:t>
+            </a:r>
+            <a:endParaRPr lang="zh-CN" altLang="en-US" dirty="0"/>
+          </a:p>
+        </p:txBody>
+      </p:sp>
+      <p:sp>
+        <p:nvSpPr>
+          <p:cNvPr id="40" name="文本框 39">
+            <a:extLst>
+              <a:ext uri="{FF2B5EF4-FFF2-40B4-BE49-F238E27FC236}">
+                <a16:creationId xmlns:a16="http://schemas.microsoft.com/office/drawing/2014/main" id="{C11BE403-7BD5-5619-624C-8CDE76486CF2}"/>
+              </a:ext>
+            </a:extLst>
+          </p:cNvPr>
+          <p:cNvSpPr txBox="1"/>
+          <p:nvPr/>
+        </p:nvSpPr>
+        <p:spPr>
+          <a:xfrm>
+            <a:off x="2982568" y="563589"/>
+            <a:ext cx="673100" cy="461665"/>
+          </a:xfrm>
+          <a:prstGeom prst="rect">
+            <a:avLst/>
+          </a:prstGeom>
+          <a:noFill/>
+        </p:spPr>
+        <p:txBody>
+          <a:bodyPr wrap="square" rtlCol="0">
+            <a:spAutoFit/>
+          </a:bodyPr>
+          <a:lstStyle/>
+          <a:p>
+            <a:r>
+              <a:rPr lang="en-US" altLang="zh-CN" sz="2400" dirty="0"/>
+              <a:t>obj</a:t>
+            </a:r>
+            <a:endParaRPr lang="zh-CN" altLang="en-US" sz="2400" dirty="0"/>
+          </a:p>
+        </p:txBody>
+      </p:sp>
+      <p:sp>
+        <p:nvSpPr>
+          <p:cNvPr id="41" name="箭头: 直角上 40">
+            <a:extLst>
+              <a:ext uri="{FF2B5EF4-FFF2-40B4-BE49-F238E27FC236}">
+                <a16:creationId xmlns:a16="http://schemas.microsoft.com/office/drawing/2014/main" id="{947F78BD-BEA7-9639-45EA-CC6EE29757D2}"/>
+              </a:ext>
+            </a:extLst>
+          </p:cNvPr>
+          <p:cNvSpPr/>
+          <p:nvPr/>
+        </p:nvSpPr>
+        <p:spPr>
+          <a:xfrm rot="5400000">
+            <a:off x="3322619" y="992545"/>
+            <a:ext cx="300337" cy="365760"/>
+          </a:xfrm>
+          <a:prstGeom prst="bentUpArrow">
+            <a:avLst>
+              <a:gd name="adj1" fmla="val 2865"/>
+              <a:gd name="adj2" fmla="val 6771"/>
+              <a:gd name="adj3" fmla="val 15885"/>
+            </a:avLst>
+          </a:prstGeom>
+          <a:ln>
+            <a:noFill/>
+          </a:ln>
+        </p:spPr>
+        <p:style>
+          <a:lnRef idx="2">
+            <a:schemeClr val="accent1">
+              <a:shade val="50000"/>
+            </a:schemeClr>
+          </a:lnRef>
+          <a:fillRef idx="1">
+            <a:schemeClr val="accent1"/>
+          </a:fillRef>
+          <a:effectRef idx="0">
+            <a:schemeClr val="accent1"/>
+          </a:effectRef>
+          <a:fontRef idx="minor">
+            <a:schemeClr val="lt1"/>
+          </a:fontRef>
+        </p:style>
+        <p:txBody>
+          <a:bodyPr rtlCol="0" anchor="ctr"/>
+          <a:lstStyle/>
+          <a:p>
+            <a:pPr algn="ctr"/>
+            <a:endParaRPr lang="zh-CN" altLang="en-US"/>
+          </a:p>
+        </p:txBody>
+      </p:sp>
+      <p:sp>
+        <p:nvSpPr>
+          <p:cNvPr id="42" name="文本框 41">
+            <a:extLst>
+              <a:ext uri="{FF2B5EF4-FFF2-40B4-BE49-F238E27FC236}">
+                <a16:creationId xmlns:a16="http://schemas.microsoft.com/office/drawing/2014/main" id="{8367F6EA-93B4-99BE-25B8-3429BC5B5117}"/>
+              </a:ext>
+            </a:extLst>
+          </p:cNvPr>
+          <p:cNvSpPr txBox="1"/>
+          <p:nvPr/>
+        </p:nvSpPr>
+        <p:spPr>
+          <a:xfrm>
+            <a:off x="3550893" y="1093303"/>
+            <a:ext cx="1120307" cy="369332"/>
+          </a:xfrm>
+          <a:prstGeom prst="rect">
+            <a:avLst/>
+          </a:prstGeom>
+          <a:noFill/>
+        </p:spPr>
+        <p:txBody>
+          <a:bodyPr wrap="none" rtlCol="0">
+            <a:spAutoFit/>
+          </a:bodyPr>
+          <a:lstStyle/>
+          <a:p>
+            <a:r>
+              <a:rPr lang="en-US" altLang="zh-CN" dirty="0"/>
+              <a:t>property1</a:t>
+            </a:r>
+            <a:endParaRPr lang="zh-CN" altLang="en-US" dirty="0"/>
+          </a:p>
+        </p:txBody>
+      </p:sp>
+      <p:sp>
+        <p:nvSpPr>
+          <p:cNvPr id="43" name="箭头: 直角上 42">
+            <a:extLst>
+              <a:ext uri="{FF2B5EF4-FFF2-40B4-BE49-F238E27FC236}">
+                <a16:creationId xmlns:a16="http://schemas.microsoft.com/office/drawing/2014/main" id="{DFFAA0EA-D36C-76E9-B456-ADABCE94CDF4}"/>
+              </a:ext>
+            </a:extLst>
+          </p:cNvPr>
+          <p:cNvSpPr/>
+          <p:nvPr/>
+        </p:nvSpPr>
+        <p:spPr>
+          <a:xfrm rot="5400000">
+            <a:off x="4037292" y="1376378"/>
+            <a:ext cx="300337" cy="365760"/>
+          </a:xfrm>
+          <a:prstGeom prst="bentUpArrow">
+            <a:avLst>
+              <a:gd name="adj1" fmla="val 2865"/>
+              <a:gd name="adj2" fmla="val 6771"/>
+              <a:gd name="adj3" fmla="val 15885"/>
+            </a:avLst>
+          </a:prstGeom>
+          <a:ln>
+            <a:noFill/>
+          </a:ln>
+        </p:spPr>
+        <p:style>
+          <a:lnRef idx="2">
+            <a:schemeClr val="accent1">
+              <a:shade val="50000"/>
+            </a:schemeClr>
+          </a:lnRef>
+          <a:fillRef idx="1">
+            <a:schemeClr val="accent1"/>
+          </a:fillRef>
+          <a:effectRef idx="0">
+            <a:schemeClr val="accent1"/>
+          </a:effectRef>
+          <a:fontRef idx="minor">
+            <a:schemeClr val="lt1"/>
+          </a:fontRef>
+        </p:style>
+        <p:txBody>
+          <a:bodyPr rtlCol="0" anchor="ctr"/>
+          <a:lstStyle/>
+          <a:p>
+            <a:pPr algn="ctr"/>
+            <a:endParaRPr lang="zh-CN" altLang="en-US"/>
+          </a:p>
+        </p:txBody>
+      </p:sp>
+      <p:sp>
+        <p:nvSpPr>
+          <p:cNvPr id="44" name="文本框 43">
+            <a:extLst>
+              <a:ext uri="{FF2B5EF4-FFF2-40B4-BE49-F238E27FC236}">
+                <a16:creationId xmlns:a16="http://schemas.microsoft.com/office/drawing/2014/main" id="{BBF1A7AC-06AA-B324-4DFD-E437E7EAE36F}"/>
+              </a:ext>
+            </a:extLst>
+          </p:cNvPr>
+          <p:cNvSpPr txBox="1"/>
+          <p:nvPr/>
+        </p:nvSpPr>
+        <p:spPr>
+          <a:xfrm>
+            <a:off x="4300809" y="1486661"/>
+            <a:ext cx="895362" cy="369332"/>
+          </a:xfrm>
+          <a:prstGeom prst="rect">
+            <a:avLst/>
+          </a:prstGeom>
+          <a:noFill/>
+        </p:spPr>
+        <p:txBody>
+          <a:bodyPr wrap="square" rtlCol="0">
+            <a:spAutoFit/>
+          </a:bodyPr>
+          <a:lstStyle/>
+          <a:p>
+            <a:r>
+              <a:rPr lang="en-US" altLang="zh-CN" dirty="0"/>
+              <a:t>effect1</a:t>
+            </a:r>
+            <a:endParaRPr lang="zh-CN" altLang="en-US" dirty="0"/>
+          </a:p>
+        </p:txBody>
+      </p:sp>
+      <p:sp>
+        <p:nvSpPr>
+          <p:cNvPr id="47" name="箭头: 直角上 46">
+            <a:extLst>
+              <a:ext uri="{FF2B5EF4-FFF2-40B4-BE49-F238E27FC236}">
+                <a16:creationId xmlns:a16="http://schemas.microsoft.com/office/drawing/2014/main" id="{403B3868-96B8-22D3-67A5-6D163294F6DF}"/>
+              </a:ext>
+            </a:extLst>
+          </p:cNvPr>
+          <p:cNvSpPr/>
+          <p:nvPr/>
+        </p:nvSpPr>
+        <p:spPr>
+          <a:xfrm rot="5400000">
+            <a:off x="4037291" y="1876830"/>
+            <a:ext cx="300337" cy="365760"/>
+          </a:xfrm>
+          <a:prstGeom prst="bentUpArrow">
+            <a:avLst>
+              <a:gd name="adj1" fmla="val 2865"/>
+              <a:gd name="adj2" fmla="val 6771"/>
+              <a:gd name="adj3" fmla="val 15885"/>
+            </a:avLst>
+          </a:prstGeom>
+          <a:ln>
+            <a:noFill/>
+          </a:ln>
+        </p:spPr>
+        <p:style>
+          <a:lnRef idx="2">
+            <a:schemeClr val="accent1">
+              <a:shade val="50000"/>
+            </a:schemeClr>
+          </a:lnRef>
+          <a:fillRef idx="1">
+            <a:schemeClr val="accent1"/>
+          </a:fillRef>
+          <a:effectRef idx="0">
+            <a:schemeClr val="accent1"/>
+          </a:effectRef>
+          <a:fontRef idx="minor">
+            <a:schemeClr val="lt1"/>
+          </a:fontRef>
+        </p:style>
+        <p:txBody>
+          <a:bodyPr rtlCol="0" anchor="ctr"/>
+          <a:lstStyle/>
+          <a:p>
+            <a:pPr algn="ctr"/>
+            <a:endParaRPr lang="zh-CN" altLang="en-US"/>
+          </a:p>
+        </p:txBody>
+      </p:sp>
+      <p:sp>
+        <p:nvSpPr>
+          <p:cNvPr id="48" name="文本框 47">
+            <a:extLst>
+              <a:ext uri="{FF2B5EF4-FFF2-40B4-BE49-F238E27FC236}">
+                <a16:creationId xmlns:a16="http://schemas.microsoft.com/office/drawing/2014/main" id="{FED6B1EC-F7E2-9F08-D4B5-EE35B8238CA8}"/>
+              </a:ext>
+            </a:extLst>
+          </p:cNvPr>
+          <p:cNvSpPr txBox="1"/>
+          <p:nvPr/>
+        </p:nvSpPr>
+        <p:spPr>
+          <a:xfrm>
+            <a:off x="4300808" y="1987113"/>
+            <a:ext cx="895362" cy="369332"/>
+          </a:xfrm>
+          <a:prstGeom prst="rect">
+            <a:avLst/>
+          </a:prstGeom>
+          <a:noFill/>
+        </p:spPr>
+        <p:txBody>
+          <a:bodyPr wrap="square" rtlCol="0">
+            <a:spAutoFit/>
+          </a:bodyPr>
+          <a:lstStyle/>
+          <a:p>
+            <a:r>
+              <a:rPr lang="en-US" altLang="zh-CN" dirty="0"/>
+              <a:t>effect2</a:t>
+            </a:r>
+            <a:endParaRPr lang="zh-CN" altLang="en-US" dirty="0"/>
+          </a:p>
+        </p:txBody>
+      </p:sp>
+      <p:sp>
+        <p:nvSpPr>
+          <p:cNvPr id="53" name="文本框 52">
+            <a:extLst>
+              <a:ext uri="{FF2B5EF4-FFF2-40B4-BE49-F238E27FC236}">
+                <a16:creationId xmlns:a16="http://schemas.microsoft.com/office/drawing/2014/main" id="{FBF4535A-A00E-35F4-9C3A-1A6FAC7835FB}"/>
+              </a:ext>
+            </a:extLst>
+          </p:cNvPr>
+          <p:cNvSpPr txBox="1"/>
+          <p:nvPr/>
+        </p:nvSpPr>
+        <p:spPr>
+          <a:xfrm>
+            <a:off x="5995890" y="563589"/>
+            <a:ext cx="673100" cy="461665"/>
+          </a:xfrm>
+          <a:prstGeom prst="rect">
+            <a:avLst/>
+          </a:prstGeom>
+          <a:noFill/>
+        </p:spPr>
+        <p:txBody>
+          <a:bodyPr wrap="square" rtlCol="0">
+            <a:spAutoFit/>
+          </a:bodyPr>
+          <a:lstStyle/>
+          <a:p>
+            <a:r>
+              <a:rPr lang="en-US" altLang="zh-CN" sz="2400" dirty="0"/>
+              <a:t>obj</a:t>
+            </a:r>
+            <a:endParaRPr lang="zh-CN" altLang="en-US" sz="2400" dirty="0"/>
+          </a:p>
+        </p:txBody>
+      </p:sp>
+      <p:sp>
+        <p:nvSpPr>
+          <p:cNvPr id="54" name="箭头: 直角上 53">
+            <a:extLst>
+              <a:ext uri="{FF2B5EF4-FFF2-40B4-BE49-F238E27FC236}">
+                <a16:creationId xmlns:a16="http://schemas.microsoft.com/office/drawing/2014/main" id="{E422E0E5-3542-8CAE-5F7B-919DE6C80CEC}"/>
+              </a:ext>
+            </a:extLst>
+          </p:cNvPr>
+          <p:cNvSpPr/>
+          <p:nvPr/>
+        </p:nvSpPr>
+        <p:spPr>
+          <a:xfrm rot="5400000">
+            <a:off x="6335941" y="992545"/>
+            <a:ext cx="300337" cy="365760"/>
+          </a:xfrm>
+          <a:prstGeom prst="bentUpArrow">
+            <a:avLst>
+              <a:gd name="adj1" fmla="val 2865"/>
+              <a:gd name="adj2" fmla="val 6771"/>
+              <a:gd name="adj3" fmla="val 15885"/>
+            </a:avLst>
+          </a:prstGeom>
+          <a:ln>
+            <a:noFill/>
+          </a:ln>
+        </p:spPr>
+        <p:style>
+          <a:lnRef idx="2">
+            <a:schemeClr val="accent1">
+              <a:shade val="50000"/>
+            </a:schemeClr>
+          </a:lnRef>
+          <a:fillRef idx="1">
+            <a:schemeClr val="accent1"/>
+          </a:fillRef>
+          <a:effectRef idx="0">
+            <a:schemeClr val="accent1"/>
+          </a:effectRef>
+          <a:fontRef idx="minor">
+            <a:schemeClr val="lt1"/>
+          </a:fontRef>
+        </p:style>
+        <p:txBody>
+          <a:bodyPr rtlCol="0" anchor="ctr"/>
+          <a:lstStyle/>
+          <a:p>
+            <a:pPr algn="ctr"/>
+            <a:endParaRPr lang="zh-CN" altLang="en-US"/>
+          </a:p>
+        </p:txBody>
+      </p:sp>
+      <p:sp>
+        <p:nvSpPr>
+          <p:cNvPr id="55" name="文本框 54">
+            <a:extLst>
+              <a:ext uri="{FF2B5EF4-FFF2-40B4-BE49-F238E27FC236}">
+                <a16:creationId xmlns:a16="http://schemas.microsoft.com/office/drawing/2014/main" id="{3868389C-6AB9-E64B-4BEE-AEC351D47D17}"/>
+              </a:ext>
+            </a:extLst>
+          </p:cNvPr>
+          <p:cNvSpPr txBox="1"/>
+          <p:nvPr/>
+        </p:nvSpPr>
+        <p:spPr>
+          <a:xfrm>
+            <a:off x="6564215" y="1093303"/>
+            <a:ext cx="1120307" cy="369332"/>
+          </a:xfrm>
+          <a:prstGeom prst="rect">
+            <a:avLst/>
+          </a:prstGeom>
+          <a:noFill/>
+        </p:spPr>
+        <p:txBody>
+          <a:bodyPr wrap="none" rtlCol="0">
+            <a:spAutoFit/>
+          </a:bodyPr>
+          <a:lstStyle/>
+          <a:p>
+            <a:r>
+              <a:rPr lang="en-US" altLang="zh-CN" dirty="0"/>
+              <a:t>property1</a:t>
+            </a:r>
+            <a:endParaRPr lang="zh-CN" altLang="en-US" dirty="0"/>
+          </a:p>
+        </p:txBody>
+      </p:sp>
+      <p:sp>
+        <p:nvSpPr>
+          <p:cNvPr id="56" name="箭头: 直角上 55">
+            <a:extLst>
+              <a:ext uri="{FF2B5EF4-FFF2-40B4-BE49-F238E27FC236}">
+                <a16:creationId xmlns:a16="http://schemas.microsoft.com/office/drawing/2014/main" id="{96DFA56D-6624-BC38-F632-E9FDFABFE87C}"/>
+              </a:ext>
+            </a:extLst>
+          </p:cNvPr>
+          <p:cNvSpPr/>
+          <p:nvPr/>
+        </p:nvSpPr>
+        <p:spPr>
+          <a:xfrm rot="5400000">
+            <a:off x="7050614" y="1376378"/>
+            <a:ext cx="300337" cy="365760"/>
+          </a:xfrm>
+          <a:prstGeom prst="bentUpArrow">
+            <a:avLst>
+              <a:gd name="adj1" fmla="val 2865"/>
+              <a:gd name="adj2" fmla="val 6771"/>
+              <a:gd name="adj3" fmla="val 15885"/>
+            </a:avLst>
+          </a:prstGeom>
+          <a:ln>
+            <a:noFill/>
+          </a:ln>
+        </p:spPr>
+        <p:style>
+          <a:lnRef idx="2">
+            <a:schemeClr val="accent1">
+              <a:shade val="50000"/>
+            </a:schemeClr>
+          </a:lnRef>
+          <a:fillRef idx="1">
+            <a:schemeClr val="accent1"/>
+          </a:fillRef>
+          <a:effectRef idx="0">
+            <a:schemeClr val="accent1"/>
+          </a:effectRef>
+          <a:fontRef idx="minor">
+            <a:schemeClr val="lt1"/>
+          </a:fontRef>
+        </p:style>
+        <p:txBody>
+          <a:bodyPr rtlCol="0" anchor="ctr"/>
+          <a:lstStyle/>
+          <a:p>
+            <a:pPr algn="ctr"/>
+            <a:endParaRPr lang="zh-CN" altLang="en-US"/>
+          </a:p>
+        </p:txBody>
+      </p:sp>
+      <p:sp>
+        <p:nvSpPr>
+          <p:cNvPr id="57" name="文本框 56">
+            <a:extLst>
+              <a:ext uri="{FF2B5EF4-FFF2-40B4-BE49-F238E27FC236}">
+                <a16:creationId xmlns:a16="http://schemas.microsoft.com/office/drawing/2014/main" id="{06018DBA-E7C3-ADEB-B04D-FEC703090EE8}"/>
+              </a:ext>
+            </a:extLst>
+          </p:cNvPr>
+          <p:cNvSpPr txBox="1"/>
+          <p:nvPr/>
+        </p:nvSpPr>
+        <p:spPr>
+          <a:xfrm>
+            <a:off x="7314131" y="1486661"/>
+            <a:ext cx="895362" cy="369332"/>
+          </a:xfrm>
+          <a:prstGeom prst="rect">
+            <a:avLst/>
+          </a:prstGeom>
+          <a:noFill/>
+        </p:spPr>
+        <p:txBody>
+          <a:bodyPr wrap="square" rtlCol="0">
+            <a:spAutoFit/>
+          </a:bodyPr>
+          <a:lstStyle/>
+          <a:p>
+            <a:r>
+              <a:rPr lang="en-US" altLang="zh-CN" dirty="0"/>
+              <a:t>effect1</a:t>
+            </a:r>
+            <a:endParaRPr lang="zh-CN" altLang="en-US" dirty="0"/>
+          </a:p>
+        </p:txBody>
+      </p:sp>
+      <p:sp>
+        <p:nvSpPr>
+          <p:cNvPr id="58" name="箭头: 直角上 57">
+            <a:extLst>
+              <a:ext uri="{FF2B5EF4-FFF2-40B4-BE49-F238E27FC236}">
+                <a16:creationId xmlns:a16="http://schemas.microsoft.com/office/drawing/2014/main" id="{243CE22F-A19D-A1A4-164D-2D77DD1E668F}"/>
+              </a:ext>
+            </a:extLst>
+          </p:cNvPr>
+          <p:cNvSpPr/>
+          <p:nvPr/>
+        </p:nvSpPr>
+        <p:spPr>
+          <a:xfrm rot="5400000">
+            <a:off x="6335940" y="1755235"/>
+            <a:ext cx="300337" cy="365760"/>
+          </a:xfrm>
+          <a:prstGeom prst="bentUpArrow">
+            <a:avLst>
+              <a:gd name="adj1" fmla="val 2865"/>
+              <a:gd name="adj2" fmla="val 6771"/>
+              <a:gd name="adj3" fmla="val 15885"/>
+            </a:avLst>
+          </a:prstGeom>
+          <a:ln>
+            <a:noFill/>
+          </a:ln>
+        </p:spPr>
+        <p:style>
+          <a:lnRef idx="2">
+            <a:schemeClr val="accent1">
+              <a:shade val="50000"/>
+            </a:schemeClr>
+          </a:lnRef>
+          <a:fillRef idx="1">
+            <a:schemeClr val="accent1"/>
+          </a:fillRef>
+          <a:effectRef idx="0">
+            <a:schemeClr val="accent1"/>
+          </a:effectRef>
+          <a:fontRef idx="minor">
+            <a:schemeClr val="lt1"/>
+          </a:fontRef>
+        </p:style>
+        <p:txBody>
+          <a:bodyPr rtlCol="0" anchor="ctr"/>
+          <a:lstStyle/>
+          <a:p>
+            <a:pPr algn="ctr"/>
+            <a:endParaRPr lang="zh-CN" altLang="en-US"/>
+          </a:p>
+        </p:txBody>
+      </p:sp>
+      <p:sp>
+        <p:nvSpPr>
+          <p:cNvPr id="59" name="文本框 58">
+            <a:extLst>
+              <a:ext uri="{FF2B5EF4-FFF2-40B4-BE49-F238E27FC236}">
+                <a16:creationId xmlns:a16="http://schemas.microsoft.com/office/drawing/2014/main" id="{0A073465-E08C-DC68-C017-3440F3D16627}"/>
+              </a:ext>
+            </a:extLst>
+          </p:cNvPr>
+          <p:cNvSpPr txBox="1"/>
+          <p:nvPr/>
+        </p:nvSpPr>
+        <p:spPr>
+          <a:xfrm>
+            <a:off x="6564214" y="1855993"/>
+            <a:ext cx="1120307" cy="369332"/>
+          </a:xfrm>
+          <a:prstGeom prst="rect">
+            <a:avLst/>
+          </a:prstGeom>
+          <a:noFill/>
+        </p:spPr>
+        <p:txBody>
+          <a:bodyPr wrap="none" rtlCol="0">
+            <a:spAutoFit/>
+          </a:bodyPr>
+          <a:lstStyle/>
+          <a:p>
+            <a:r>
+              <a:rPr lang="en-US" altLang="zh-CN" dirty="0"/>
+              <a:t>property2</a:t>
+            </a:r>
+            <a:endParaRPr lang="zh-CN" altLang="en-US" dirty="0"/>
+          </a:p>
+        </p:txBody>
+      </p:sp>
+      <p:sp>
+        <p:nvSpPr>
+          <p:cNvPr id="60" name="箭头: 直角上 59">
+            <a:extLst>
+              <a:ext uri="{FF2B5EF4-FFF2-40B4-BE49-F238E27FC236}">
+                <a16:creationId xmlns:a16="http://schemas.microsoft.com/office/drawing/2014/main" id="{2DDBBB72-1AFB-694B-2FF5-1496008758F1}"/>
+              </a:ext>
+            </a:extLst>
+          </p:cNvPr>
+          <p:cNvSpPr/>
+          <p:nvPr/>
+        </p:nvSpPr>
+        <p:spPr>
+          <a:xfrm rot="5400000">
+            <a:off x="7050613" y="2139068"/>
+            <a:ext cx="300337" cy="365760"/>
+          </a:xfrm>
+          <a:prstGeom prst="bentUpArrow">
+            <a:avLst>
+              <a:gd name="adj1" fmla="val 2865"/>
+              <a:gd name="adj2" fmla="val 6771"/>
+              <a:gd name="adj3" fmla="val 15885"/>
+            </a:avLst>
+          </a:prstGeom>
+          <a:ln>
+            <a:noFill/>
+          </a:ln>
+        </p:spPr>
+        <p:style>
+          <a:lnRef idx="2">
+            <a:schemeClr val="accent1">
+              <a:shade val="50000"/>
+            </a:schemeClr>
+          </a:lnRef>
+          <a:fillRef idx="1">
+            <a:schemeClr val="accent1"/>
+          </a:fillRef>
+          <a:effectRef idx="0">
+            <a:schemeClr val="accent1"/>
+          </a:effectRef>
+          <a:fontRef idx="minor">
+            <a:schemeClr val="lt1"/>
+          </a:fontRef>
+        </p:style>
+        <p:txBody>
+          <a:bodyPr rtlCol="0" anchor="ctr"/>
+          <a:lstStyle/>
+          <a:p>
+            <a:pPr algn="ctr"/>
+            <a:endParaRPr lang="zh-CN" altLang="en-US"/>
+          </a:p>
+        </p:txBody>
+      </p:sp>
+      <p:sp>
+        <p:nvSpPr>
+          <p:cNvPr id="61" name="文本框 60">
+            <a:extLst>
+              <a:ext uri="{FF2B5EF4-FFF2-40B4-BE49-F238E27FC236}">
+                <a16:creationId xmlns:a16="http://schemas.microsoft.com/office/drawing/2014/main" id="{175A47DF-F2C7-3A6A-566C-FA72B040221C}"/>
+              </a:ext>
+            </a:extLst>
+          </p:cNvPr>
+          <p:cNvSpPr txBox="1"/>
+          <p:nvPr/>
+        </p:nvSpPr>
+        <p:spPr>
+          <a:xfrm>
+            <a:off x="7314130" y="2249351"/>
+            <a:ext cx="895362" cy="369332"/>
+          </a:xfrm>
+          <a:prstGeom prst="rect">
+            <a:avLst/>
+          </a:prstGeom>
+          <a:noFill/>
+        </p:spPr>
+        <p:txBody>
+          <a:bodyPr wrap="square" rtlCol="0">
+            <a:spAutoFit/>
+          </a:bodyPr>
+          <a:lstStyle/>
+          <a:p>
+            <a:r>
+              <a:rPr lang="en-US" altLang="zh-CN" dirty="0"/>
+              <a:t>effect1</a:t>
+            </a:r>
+            <a:endParaRPr lang="zh-CN" altLang="en-US" dirty="0"/>
+          </a:p>
+        </p:txBody>
+      </p:sp>
+      <p:sp>
+        <p:nvSpPr>
+          <p:cNvPr id="62" name="箭头: 直角上 61">
+            <a:extLst>
+              <a:ext uri="{FF2B5EF4-FFF2-40B4-BE49-F238E27FC236}">
+                <a16:creationId xmlns:a16="http://schemas.microsoft.com/office/drawing/2014/main" id="{F57B44B0-E7BB-0C7B-D576-389332FDDCD9}"/>
+              </a:ext>
+            </a:extLst>
+          </p:cNvPr>
+          <p:cNvSpPr/>
+          <p:nvPr/>
+        </p:nvSpPr>
+        <p:spPr>
+          <a:xfrm rot="5400000">
+            <a:off x="6335940" y="2565552"/>
+            <a:ext cx="300337" cy="365760"/>
+          </a:xfrm>
+          <a:prstGeom prst="bentUpArrow">
+            <a:avLst>
+              <a:gd name="adj1" fmla="val 2865"/>
+              <a:gd name="adj2" fmla="val 6771"/>
+              <a:gd name="adj3" fmla="val 15885"/>
+            </a:avLst>
+          </a:prstGeom>
+          <a:ln>
+            <a:noFill/>
+          </a:ln>
+        </p:spPr>
+        <p:style>
+          <a:lnRef idx="2">
+            <a:schemeClr val="accent1">
+              <a:shade val="50000"/>
+            </a:schemeClr>
+          </a:lnRef>
+          <a:fillRef idx="1">
+            <a:schemeClr val="accent1"/>
+          </a:fillRef>
+          <a:effectRef idx="0">
+            <a:schemeClr val="accent1"/>
+          </a:effectRef>
+          <a:fontRef idx="minor">
+            <a:schemeClr val="lt1"/>
+          </a:fontRef>
+        </p:style>
+        <p:txBody>
+          <a:bodyPr rtlCol="0" anchor="ctr"/>
+          <a:lstStyle/>
+          <a:p>
+            <a:pPr algn="ctr"/>
+            <a:endParaRPr lang="zh-CN" altLang="en-US"/>
+          </a:p>
+        </p:txBody>
+      </p:sp>
+      <p:sp>
+        <p:nvSpPr>
+          <p:cNvPr id="63" name="文本框 62">
+            <a:extLst>
+              <a:ext uri="{FF2B5EF4-FFF2-40B4-BE49-F238E27FC236}">
+                <a16:creationId xmlns:a16="http://schemas.microsoft.com/office/drawing/2014/main" id="{28190BC3-60C4-F57C-7FDA-86E69AEFAEA0}"/>
+              </a:ext>
+            </a:extLst>
+          </p:cNvPr>
+          <p:cNvSpPr txBox="1"/>
+          <p:nvPr/>
+        </p:nvSpPr>
+        <p:spPr>
+          <a:xfrm>
+            <a:off x="6564214" y="2666310"/>
+            <a:ext cx="1120307" cy="369332"/>
+          </a:xfrm>
+          <a:prstGeom prst="rect">
+            <a:avLst/>
+          </a:prstGeom>
+          <a:noFill/>
+        </p:spPr>
+        <p:txBody>
+          <a:bodyPr wrap="none" rtlCol="0">
+            <a:spAutoFit/>
+          </a:bodyPr>
+          <a:lstStyle/>
+          <a:p>
+            <a:r>
+              <a:rPr lang="en-US" altLang="zh-CN" dirty="0"/>
+              <a:t>property3</a:t>
+            </a:r>
+            <a:endParaRPr lang="zh-CN" altLang="en-US" dirty="0"/>
+          </a:p>
+        </p:txBody>
+      </p:sp>
+      <p:sp>
+        <p:nvSpPr>
+          <p:cNvPr id="64" name="箭头: 直角上 63">
+            <a:extLst>
+              <a:ext uri="{FF2B5EF4-FFF2-40B4-BE49-F238E27FC236}">
+                <a16:creationId xmlns:a16="http://schemas.microsoft.com/office/drawing/2014/main" id="{A9C92B24-93CC-6A38-CA20-FD419531712C}"/>
+              </a:ext>
+            </a:extLst>
+          </p:cNvPr>
+          <p:cNvSpPr/>
+          <p:nvPr/>
+        </p:nvSpPr>
+        <p:spPr>
+          <a:xfrm rot="5400000">
+            <a:off x="7050613" y="2949385"/>
+            <a:ext cx="300337" cy="365760"/>
+          </a:xfrm>
+          <a:prstGeom prst="bentUpArrow">
+            <a:avLst>
+              <a:gd name="adj1" fmla="val 2865"/>
+              <a:gd name="adj2" fmla="val 6771"/>
+              <a:gd name="adj3" fmla="val 15885"/>
+            </a:avLst>
+          </a:prstGeom>
+          <a:ln>
+            <a:noFill/>
+          </a:ln>
+        </p:spPr>
+        <p:style>
+          <a:lnRef idx="2">
+            <a:schemeClr val="accent1">
+              <a:shade val="50000"/>
+            </a:schemeClr>
+          </a:lnRef>
+          <a:fillRef idx="1">
+            <a:schemeClr val="accent1"/>
+          </a:fillRef>
+          <a:effectRef idx="0">
+            <a:schemeClr val="accent1"/>
+          </a:effectRef>
+          <a:fontRef idx="minor">
+            <a:schemeClr val="lt1"/>
+          </a:fontRef>
+        </p:style>
+        <p:txBody>
+          <a:bodyPr rtlCol="0" anchor="ctr"/>
+          <a:lstStyle/>
+          <a:p>
+            <a:pPr algn="ctr"/>
+            <a:endParaRPr lang="zh-CN" altLang="en-US"/>
+          </a:p>
+        </p:txBody>
+      </p:sp>
+      <p:sp>
+        <p:nvSpPr>
+          <p:cNvPr id="65" name="文本框 64">
+            <a:extLst>
+              <a:ext uri="{FF2B5EF4-FFF2-40B4-BE49-F238E27FC236}">
+                <a16:creationId xmlns:a16="http://schemas.microsoft.com/office/drawing/2014/main" id="{7E5D7820-816B-DA5A-2E3F-52E29AA11DD9}"/>
+              </a:ext>
+            </a:extLst>
+          </p:cNvPr>
+          <p:cNvSpPr txBox="1"/>
+          <p:nvPr/>
+        </p:nvSpPr>
+        <p:spPr>
+          <a:xfrm>
+            <a:off x="7314130" y="3059668"/>
+            <a:ext cx="895362" cy="369332"/>
+          </a:xfrm>
+          <a:prstGeom prst="rect">
+            <a:avLst/>
+          </a:prstGeom>
+          <a:noFill/>
+        </p:spPr>
+        <p:txBody>
+          <a:bodyPr wrap="square" rtlCol="0">
+            <a:spAutoFit/>
+          </a:bodyPr>
+          <a:lstStyle/>
+          <a:p>
+            <a:r>
+              <a:rPr lang="en-US" altLang="zh-CN" dirty="0"/>
+              <a:t>effect1</a:t>
+            </a:r>
+            <a:endParaRPr lang="zh-CN" altLang="en-US" dirty="0"/>
+          </a:p>
+        </p:txBody>
+      </p:sp>
+      <p:sp>
+        <p:nvSpPr>
+          <p:cNvPr id="66" name="文本框 65">
+            <a:extLst>
+              <a:ext uri="{FF2B5EF4-FFF2-40B4-BE49-F238E27FC236}">
+                <a16:creationId xmlns:a16="http://schemas.microsoft.com/office/drawing/2014/main" id="{383DD18C-C1BE-7483-B3EB-534EE9CB8FDD}"/>
+              </a:ext>
+            </a:extLst>
+          </p:cNvPr>
+          <p:cNvSpPr txBox="1"/>
+          <p:nvPr/>
+        </p:nvSpPr>
+        <p:spPr>
+          <a:xfrm>
+            <a:off x="9129381" y="794421"/>
+            <a:ext cx="673100" cy="461665"/>
+          </a:xfrm>
+          <a:prstGeom prst="rect">
+            <a:avLst/>
+          </a:prstGeom>
+          <a:noFill/>
+        </p:spPr>
+        <p:txBody>
+          <a:bodyPr wrap="square" rtlCol="0">
+            <a:spAutoFit/>
+          </a:bodyPr>
+          <a:lstStyle/>
+          <a:p>
+            <a:r>
+              <a:rPr lang="en-US" altLang="zh-CN" sz="2400" dirty="0"/>
+              <a:t>obj</a:t>
+            </a:r>
+            <a:endParaRPr lang="zh-CN" altLang="en-US" sz="2400" dirty="0"/>
+          </a:p>
+        </p:txBody>
+      </p:sp>
+      <p:sp>
+        <p:nvSpPr>
+          <p:cNvPr id="67" name="箭头: 直角上 66">
+            <a:extLst>
+              <a:ext uri="{FF2B5EF4-FFF2-40B4-BE49-F238E27FC236}">
+                <a16:creationId xmlns:a16="http://schemas.microsoft.com/office/drawing/2014/main" id="{C19617CD-5ABE-C5FC-B142-7AA89505B9B5}"/>
+              </a:ext>
+            </a:extLst>
+          </p:cNvPr>
+          <p:cNvSpPr/>
+          <p:nvPr/>
+        </p:nvSpPr>
+        <p:spPr>
+          <a:xfrm rot="5400000">
+            <a:off x="9469432" y="1223377"/>
+            <a:ext cx="300337" cy="365760"/>
+          </a:xfrm>
+          <a:prstGeom prst="bentUpArrow">
+            <a:avLst>
+              <a:gd name="adj1" fmla="val 2865"/>
+              <a:gd name="adj2" fmla="val 6771"/>
+              <a:gd name="adj3" fmla="val 15885"/>
+            </a:avLst>
+          </a:prstGeom>
+          <a:ln>
+            <a:noFill/>
+          </a:ln>
+        </p:spPr>
+        <p:style>
+          <a:lnRef idx="2">
+            <a:schemeClr val="accent1">
+              <a:shade val="50000"/>
+            </a:schemeClr>
+          </a:lnRef>
+          <a:fillRef idx="1">
+            <a:schemeClr val="accent1"/>
+          </a:fillRef>
+          <a:effectRef idx="0">
+            <a:schemeClr val="accent1"/>
+          </a:effectRef>
+          <a:fontRef idx="minor">
+            <a:schemeClr val="lt1"/>
+          </a:fontRef>
+        </p:style>
+        <p:txBody>
+          <a:bodyPr rtlCol="0" anchor="ctr"/>
+          <a:lstStyle/>
+          <a:p>
+            <a:pPr algn="ctr"/>
+            <a:endParaRPr lang="zh-CN" altLang="en-US"/>
+          </a:p>
+        </p:txBody>
+      </p:sp>
+      <p:sp>
+        <p:nvSpPr>
+          <p:cNvPr id="68" name="文本框 67">
+            <a:extLst>
+              <a:ext uri="{FF2B5EF4-FFF2-40B4-BE49-F238E27FC236}">
+                <a16:creationId xmlns:a16="http://schemas.microsoft.com/office/drawing/2014/main" id="{C535D979-45F3-F2CA-A272-4DBD65F64B1A}"/>
+              </a:ext>
+            </a:extLst>
+          </p:cNvPr>
+          <p:cNvSpPr txBox="1"/>
+          <p:nvPr/>
+        </p:nvSpPr>
+        <p:spPr>
+          <a:xfrm>
+            <a:off x="9697706" y="1324135"/>
+            <a:ext cx="1003288" cy="369332"/>
+          </a:xfrm>
+          <a:prstGeom prst="rect">
+            <a:avLst/>
+          </a:prstGeom>
+          <a:noFill/>
+        </p:spPr>
+        <p:txBody>
+          <a:bodyPr wrap="none" rtlCol="0">
+            <a:spAutoFit/>
+          </a:bodyPr>
+          <a:lstStyle/>
+          <a:p>
+            <a:r>
+              <a:rPr lang="en-US" altLang="zh-CN" dirty="0"/>
+              <a:t>property</a:t>
+            </a:r>
+            <a:endParaRPr lang="zh-CN" altLang="en-US" dirty="0"/>
+          </a:p>
+        </p:txBody>
+      </p:sp>
+      <p:sp>
+        <p:nvSpPr>
+          <p:cNvPr id="69" name="箭头: 直角上 68">
+            <a:extLst>
+              <a:ext uri="{FF2B5EF4-FFF2-40B4-BE49-F238E27FC236}">
+                <a16:creationId xmlns:a16="http://schemas.microsoft.com/office/drawing/2014/main" id="{276B40B7-FEBB-44A0-AAA0-D38FDB0FD118}"/>
+              </a:ext>
+            </a:extLst>
+          </p:cNvPr>
+          <p:cNvSpPr/>
+          <p:nvPr/>
+        </p:nvSpPr>
+        <p:spPr>
+          <a:xfrm rot="5400000">
+            <a:off x="10184105" y="1607210"/>
+            <a:ext cx="300337" cy="365760"/>
+          </a:xfrm>
+          <a:prstGeom prst="bentUpArrow">
+            <a:avLst>
+              <a:gd name="adj1" fmla="val 2865"/>
+              <a:gd name="adj2" fmla="val 6771"/>
+              <a:gd name="adj3" fmla="val 15885"/>
+            </a:avLst>
+          </a:prstGeom>
+          <a:ln>
+            <a:noFill/>
+          </a:ln>
+        </p:spPr>
+        <p:style>
+          <a:lnRef idx="2">
+            <a:schemeClr val="accent1">
+              <a:shade val="50000"/>
+            </a:schemeClr>
+          </a:lnRef>
+          <a:fillRef idx="1">
+            <a:schemeClr val="accent1"/>
+          </a:fillRef>
+          <a:effectRef idx="0">
+            <a:schemeClr val="accent1"/>
+          </a:effectRef>
+          <a:fontRef idx="minor">
+            <a:schemeClr val="lt1"/>
+          </a:fontRef>
+        </p:style>
+        <p:txBody>
+          <a:bodyPr rtlCol="0" anchor="ctr"/>
+          <a:lstStyle/>
+          <a:p>
+            <a:pPr algn="ctr"/>
+            <a:endParaRPr lang="zh-CN" altLang="en-US"/>
+          </a:p>
+        </p:txBody>
+      </p:sp>
+      <p:sp>
+        <p:nvSpPr>
+          <p:cNvPr id="70" name="文本框 69">
+            <a:extLst>
+              <a:ext uri="{FF2B5EF4-FFF2-40B4-BE49-F238E27FC236}">
+                <a16:creationId xmlns:a16="http://schemas.microsoft.com/office/drawing/2014/main" id="{AF02D50E-F19F-48FA-ADD3-5BAED1926A28}"/>
+              </a:ext>
+            </a:extLst>
+          </p:cNvPr>
+          <p:cNvSpPr txBox="1"/>
+          <p:nvPr/>
+        </p:nvSpPr>
+        <p:spPr>
+          <a:xfrm>
+            <a:off x="10447622" y="1717493"/>
+            <a:ext cx="895362" cy="369332"/>
+          </a:xfrm>
+          <a:prstGeom prst="rect">
+            <a:avLst/>
+          </a:prstGeom>
+          <a:noFill/>
+        </p:spPr>
+        <p:txBody>
+          <a:bodyPr wrap="square" rtlCol="0">
+            <a:spAutoFit/>
+          </a:bodyPr>
+          <a:lstStyle/>
+          <a:p>
+            <a:r>
+              <a:rPr lang="en-US" altLang="zh-CN" dirty="0"/>
+              <a:t>effect1</a:t>
+            </a:r>
+            <a:endParaRPr lang="zh-CN" altLang="en-US" dirty="0"/>
+          </a:p>
+        </p:txBody>
+      </p:sp>
+      <p:sp>
+        <p:nvSpPr>
+          <p:cNvPr id="73" name="文本框 72">
+            <a:extLst>
+              <a:ext uri="{FF2B5EF4-FFF2-40B4-BE49-F238E27FC236}">
+                <a16:creationId xmlns:a16="http://schemas.microsoft.com/office/drawing/2014/main" id="{F3139E05-4771-9228-BED2-C4B882A9CEF4}"/>
+              </a:ext>
+            </a:extLst>
+          </p:cNvPr>
+          <p:cNvSpPr txBox="1"/>
+          <p:nvPr/>
+        </p:nvSpPr>
+        <p:spPr>
+          <a:xfrm>
+            <a:off x="9129380" y="2249351"/>
+            <a:ext cx="747263" cy="461665"/>
+          </a:xfrm>
+          <a:prstGeom prst="rect">
+            <a:avLst/>
+          </a:prstGeom>
+          <a:noFill/>
+        </p:spPr>
+        <p:txBody>
+          <a:bodyPr wrap="square" rtlCol="0">
+            <a:spAutoFit/>
+          </a:bodyPr>
+          <a:lstStyle/>
+          <a:p>
+            <a:r>
+              <a:rPr lang="en-US" altLang="zh-CN" sz="2400" dirty="0"/>
+              <a:t>obj2</a:t>
+            </a:r>
+            <a:endParaRPr lang="zh-CN" altLang="en-US" sz="2400" dirty="0"/>
+          </a:p>
+        </p:txBody>
+      </p:sp>
+      <p:sp>
+        <p:nvSpPr>
+          <p:cNvPr id="74" name="箭头: 直角上 73">
+            <a:extLst>
+              <a:ext uri="{FF2B5EF4-FFF2-40B4-BE49-F238E27FC236}">
+                <a16:creationId xmlns:a16="http://schemas.microsoft.com/office/drawing/2014/main" id="{B1D66BD8-1D3A-EBE1-C934-A395A8810A4F}"/>
+              </a:ext>
+            </a:extLst>
+          </p:cNvPr>
+          <p:cNvSpPr/>
+          <p:nvPr/>
+        </p:nvSpPr>
+        <p:spPr>
+          <a:xfrm rot="5400000">
+            <a:off x="9469432" y="2678307"/>
+            <a:ext cx="300337" cy="365760"/>
+          </a:xfrm>
+          <a:prstGeom prst="bentUpArrow">
+            <a:avLst>
+              <a:gd name="adj1" fmla="val 2865"/>
+              <a:gd name="adj2" fmla="val 6771"/>
+              <a:gd name="adj3" fmla="val 15885"/>
+            </a:avLst>
+          </a:prstGeom>
+          <a:ln>
+            <a:noFill/>
+          </a:ln>
+        </p:spPr>
+        <p:style>
+          <a:lnRef idx="2">
+            <a:schemeClr val="accent1">
+              <a:shade val="50000"/>
+            </a:schemeClr>
+          </a:lnRef>
+          <a:fillRef idx="1">
+            <a:schemeClr val="accent1"/>
+          </a:fillRef>
+          <a:effectRef idx="0">
+            <a:schemeClr val="accent1"/>
+          </a:effectRef>
+          <a:fontRef idx="minor">
+            <a:schemeClr val="lt1"/>
+          </a:fontRef>
+        </p:style>
+        <p:txBody>
+          <a:bodyPr rtlCol="0" anchor="ctr"/>
+          <a:lstStyle/>
+          <a:p>
+            <a:pPr algn="ctr"/>
+            <a:endParaRPr lang="zh-CN" altLang="en-US"/>
+          </a:p>
+        </p:txBody>
+      </p:sp>
+      <p:sp>
+        <p:nvSpPr>
+          <p:cNvPr id="75" name="文本框 74">
+            <a:extLst>
+              <a:ext uri="{FF2B5EF4-FFF2-40B4-BE49-F238E27FC236}">
+                <a16:creationId xmlns:a16="http://schemas.microsoft.com/office/drawing/2014/main" id="{EC76EE4B-437C-2AC3-8AE5-338935354B4A}"/>
+              </a:ext>
+            </a:extLst>
+          </p:cNvPr>
+          <p:cNvSpPr txBox="1"/>
+          <p:nvPr/>
+        </p:nvSpPr>
+        <p:spPr>
+          <a:xfrm>
+            <a:off x="9697706" y="2779065"/>
+            <a:ext cx="1003288" cy="369332"/>
+          </a:xfrm>
+          <a:prstGeom prst="rect">
+            <a:avLst/>
+          </a:prstGeom>
+          <a:noFill/>
+        </p:spPr>
+        <p:txBody>
+          <a:bodyPr wrap="none" rtlCol="0">
+            <a:spAutoFit/>
+          </a:bodyPr>
+          <a:lstStyle/>
+          <a:p>
+            <a:r>
+              <a:rPr lang="en-US" altLang="zh-CN" dirty="0"/>
+              <a:t>property</a:t>
+            </a:r>
+            <a:endParaRPr lang="zh-CN" altLang="en-US" dirty="0"/>
+          </a:p>
+        </p:txBody>
+      </p:sp>
+      <p:sp>
+        <p:nvSpPr>
+          <p:cNvPr id="76" name="箭头: 直角上 75">
+            <a:extLst>
+              <a:ext uri="{FF2B5EF4-FFF2-40B4-BE49-F238E27FC236}">
+                <a16:creationId xmlns:a16="http://schemas.microsoft.com/office/drawing/2014/main" id="{12AE0DCF-A51F-A3E0-E545-9BEFCDB2B265}"/>
+              </a:ext>
+            </a:extLst>
+          </p:cNvPr>
+          <p:cNvSpPr/>
+          <p:nvPr/>
+        </p:nvSpPr>
+        <p:spPr>
+          <a:xfrm rot="5400000">
+            <a:off x="10184105" y="3062140"/>
+            <a:ext cx="300337" cy="365760"/>
+          </a:xfrm>
+          <a:prstGeom prst="bentUpArrow">
+            <a:avLst>
+              <a:gd name="adj1" fmla="val 2865"/>
+              <a:gd name="adj2" fmla="val 6771"/>
+              <a:gd name="adj3" fmla="val 15885"/>
+            </a:avLst>
+          </a:prstGeom>
+          <a:ln>
+            <a:noFill/>
+          </a:ln>
+        </p:spPr>
+        <p:style>
+          <a:lnRef idx="2">
+            <a:schemeClr val="accent1">
+              <a:shade val="50000"/>
+            </a:schemeClr>
+          </a:lnRef>
+          <a:fillRef idx="1">
+            <a:schemeClr val="accent1"/>
+          </a:fillRef>
+          <a:effectRef idx="0">
+            <a:schemeClr val="accent1"/>
+          </a:effectRef>
+          <a:fontRef idx="minor">
+            <a:schemeClr val="lt1"/>
+          </a:fontRef>
+        </p:style>
+        <p:txBody>
+          <a:bodyPr rtlCol="0" anchor="ctr"/>
+          <a:lstStyle/>
+          <a:p>
+            <a:pPr algn="ctr"/>
+            <a:endParaRPr lang="zh-CN" altLang="en-US"/>
+          </a:p>
+        </p:txBody>
+      </p:sp>
+      <p:sp>
+        <p:nvSpPr>
+          <p:cNvPr id="77" name="文本框 76">
+            <a:extLst>
+              <a:ext uri="{FF2B5EF4-FFF2-40B4-BE49-F238E27FC236}">
+                <a16:creationId xmlns:a16="http://schemas.microsoft.com/office/drawing/2014/main" id="{98FF1D92-AC31-2EFE-50C8-5A16D9AC8125}"/>
+              </a:ext>
+            </a:extLst>
+          </p:cNvPr>
+          <p:cNvSpPr txBox="1"/>
+          <p:nvPr/>
+        </p:nvSpPr>
+        <p:spPr>
+          <a:xfrm>
+            <a:off x="10447622" y="3172423"/>
+            <a:ext cx="895362" cy="369332"/>
+          </a:xfrm>
+          <a:prstGeom prst="rect">
+            <a:avLst/>
+          </a:prstGeom>
+          <a:noFill/>
+        </p:spPr>
+        <p:txBody>
+          <a:bodyPr wrap="square" rtlCol="0">
+            <a:spAutoFit/>
+          </a:bodyPr>
+          <a:lstStyle/>
+          <a:p>
+            <a:r>
+              <a:rPr lang="en-US" altLang="zh-CN" dirty="0"/>
+              <a:t>effect1</a:t>
+            </a:r>
+            <a:endParaRPr lang="zh-CN" altLang="en-US" dirty="0"/>
+          </a:p>
+        </p:txBody>
+      </p:sp>
+    </p:spTree>
+    <p:extLst>
+      <p:ext uri="{BB962C8B-B14F-4D97-AF65-F5344CB8AC3E}">
+        <p14:creationId xmlns:p14="http://schemas.microsoft.com/office/powerpoint/2010/main" val="80578467"/>
+      </p:ext>
+    </p:extLst>
+  </p:cSld>
+  <p:clrMapOvr>
+    <a:masterClrMapping/>
+  </p:clrMapOvr>
+</p:sld>
+</file>
+
+<file path=ppt/slides/slide8.xml><?xml version="1.0" encoding="utf-8"?>
+<p:sld xmlns:a="http://schemas.openxmlformats.org/drawingml/2006/main" xmlns:r="http://schemas.openxmlformats.org/officeDocument/2006/relationships" xmlns:p="http://schemas.openxmlformats.org/presentationml/2006/main">
+  <p:cSld>
+    <p:bg>
+      <p:bgPr>
+        <a:solidFill>
+          <a:schemeClr val="bg1"/>
+        </a:solidFill>
+        <a:effectLst/>
+      </p:bgPr>
+    </p:bg>
+    <p:spTree>
+      <p:nvGrpSpPr>
+        <p:cNvPr id="1" name=""/>
+        <p:cNvGrpSpPr/>
+        <p:nvPr/>
+      </p:nvGrpSpPr>
+      <p:grpSpPr>
+        <a:xfrm>
+          <a:off x="0" y="0"/>
+          <a:ext cx="0" cy="0"/>
+          <a:chOff x="0" y="0"/>
+          <a:chExt cx="0" cy="0"/>
+        </a:xfrm>
+      </p:grpSpPr>
+      <p:sp>
+        <p:nvSpPr>
+          <p:cNvPr id="70" name="矩形 69">
+            <a:extLst>
+              <a:ext uri="{FF2B5EF4-FFF2-40B4-BE49-F238E27FC236}">
+                <a16:creationId xmlns:a16="http://schemas.microsoft.com/office/drawing/2014/main" id="{4C839B0C-ECEF-49BE-51C0-0EDBA5D3C3F1}"/>
+              </a:ext>
+            </a:extLst>
+          </p:cNvPr>
+          <p:cNvSpPr/>
+          <p:nvPr/>
+        </p:nvSpPr>
+        <p:spPr>
+          <a:xfrm>
+            <a:off x="114301" y="245407"/>
+            <a:ext cx="11963400" cy="6536083"/>
+          </a:xfrm>
+          <a:prstGeom prst="rect">
+            <a:avLst/>
+          </a:prstGeom>
+          <a:noFill/>
+          <a:ln w="19050">
+            <a:prstDash val="lgDash"/>
+          </a:ln>
+        </p:spPr>
+        <p:style>
+          <a:lnRef idx="2">
+            <a:schemeClr val="accent1">
+              <a:shade val="50000"/>
+            </a:schemeClr>
+          </a:lnRef>
+          <a:fillRef idx="1">
+            <a:schemeClr val="accent1"/>
+          </a:fillRef>
+          <a:effectRef idx="0">
+            <a:schemeClr val="accent1"/>
+          </a:effectRef>
+          <a:fontRef idx="minor">
+            <a:schemeClr val="lt1"/>
+          </a:fontRef>
+        </p:style>
+        <p:txBody>
+          <a:bodyPr rtlCol="0" anchor="ctr"/>
+          <a:lstStyle/>
+          <a:p>
+            <a:pPr algn="ctr"/>
+            <a:endParaRPr lang="zh-CN" altLang="en-US"/>
+          </a:p>
+        </p:txBody>
+      </p:sp>
+      <p:sp>
+        <p:nvSpPr>
+          <p:cNvPr id="34" name="矩形: 圆角 33">
+            <a:extLst>
+              <a:ext uri="{FF2B5EF4-FFF2-40B4-BE49-F238E27FC236}">
+                <a16:creationId xmlns:a16="http://schemas.microsoft.com/office/drawing/2014/main" id="{7BACE35A-E0EB-D601-598D-F1C331919D15}"/>
+              </a:ext>
+            </a:extLst>
+          </p:cNvPr>
+          <p:cNvSpPr/>
+          <p:nvPr/>
+        </p:nvSpPr>
+        <p:spPr>
+          <a:xfrm>
+            <a:off x="1123196" y="614709"/>
+            <a:ext cx="1257044" cy="337795"/>
+          </a:xfrm>
+          <a:prstGeom prst="roundRect">
+            <a:avLst/>
+          </a:prstGeom>
+          <a:ln>
+            <a:noFill/>
+          </a:ln>
+        </p:spPr>
+        <p:style>
+          <a:lnRef idx="2">
+            <a:schemeClr val="accent1">
+              <a:shade val="50000"/>
+            </a:schemeClr>
+          </a:lnRef>
+          <a:fillRef idx="1">
+            <a:schemeClr val="accent1"/>
+          </a:fillRef>
+          <a:effectRef idx="0">
+            <a:schemeClr val="accent1"/>
+          </a:effectRef>
+          <a:fontRef idx="minor">
+            <a:schemeClr val="lt1"/>
+          </a:fontRef>
+        </p:style>
+        <p:txBody>
+          <a:bodyPr rtlCol="0" anchor="ctr"/>
+          <a:lstStyle/>
+          <a:p>
+            <a:pPr algn="ctr"/>
+            <a:r>
+              <a:rPr lang="en-US" altLang="zh-CN" dirty="0"/>
+              <a:t>key</a:t>
+            </a:r>
+            <a:endParaRPr lang="zh-CN" altLang="en-US" dirty="0"/>
+          </a:p>
+        </p:txBody>
+      </p:sp>
+      <p:cxnSp>
+        <p:nvCxnSpPr>
+          <p:cNvPr id="35" name="直接箭头连接符 34">
+            <a:extLst>
+              <a:ext uri="{FF2B5EF4-FFF2-40B4-BE49-F238E27FC236}">
+                <a16:creationId xmlns:a16="http://schemas.microsoft.com/office/drawing/2014/main" id="{3B13AD7B-5016-66C2-F74F-884C939003E1}"/>
+              </a:ext>
+            </a:extLst>
+          </p:cNvPr>
+          <p:cNvCxnSpPr>
+            <a:cxnSpLocks/>
+          </p:cNvCxnSpPr>
+          <p:nvPr/>
+        </p:nvCxnSpPr>
+        <p:spPr>
+          <a:xfrm>
+            <a:off x="1751718" y="414304"/>
+            <a:ext cx="0" cy="200405"/>
+          </a:xfrm>
+          <a:prstGeom prst="straightConnector1">
+            <a:avLst/>
+          </a:prstGeom>
+          <a:ln w="19050">
+            <a:tailEnd type="triangle"/>
+          </a:ln>
+        </p:spPr>
+        <p:style>
+          <a:lnRef idx="1">
+            <a:schemeClr val="accent1"/>
+          </a:lnRef>
+          <a:fillRef idx="0">
+            <a:schemeClr val="accent1"/>
+          </a:fillRef>
+          <a:effectRef idx="0">
+            <a:schemeClr val="accent1"/>
+          </a:effectRef>
+          <a:fontRef idx="minor">
+            <a:schemeClr val="tx1"/>
+          </a:fontRef>
+        </p:style>
+      </p:cxnSp>
+      <p:sp>
+        <p:nvSpPr>
+          <p:cNvPr id="36" name="矩形: 圆角 35">
+            <a:extLst>
+              <a:ext uri="{FF2B5EF4-FFF2-40B4-BE49-F238E27FC236}">
+                <a16:creationId xmlns:a16="http://schemas.microsoft.com/office/drawing/2014/main" id="{4D3192B0-0F08-D08B-E726-059D1F6FC961}"/>
+              </a:ext>
+            </a:extLst>
+          </p:cNvPr>
+          <p:cNvSpPr/>
+          <p:nvPr/>
+        </p:nvSpPr>
+        <p:spPr>
+          <a:xfrm>
+            <a:off x="266289" y="1061382"/>
+            <a:ext cx="2939972" cy="1241743"/>
+          </a:xfrm>
+          <a:prstGeom prst="roundRect">
+            <a:avLst>
+              <a:gd name="adj" fmla="val 7482"/>
+            </a:avLst>
+          </a:prstGeom>
+          <a:noFill/>
+          <a:ln>
+            <a:solidFill>
+              <a:srgbClr val="5B9BD5"/>
+            </a:solidFill>
+          </a:ln>
+        </p:spPr>
+        <p:style>
+          <a:lnRef idx="2">
+            <a:schemeClr val="accent1">
+              <a:shade val="50000"/>
+            </a:schemeClr>
+          </a:lnRef>
+          <a:fillRef idx="1">
+            <a:schemeClr val="accent1"/>
+          </a:fillRef>
+          <a:effectRef idx="0">
+            <a:schemeClr val="accent1"/>
+          </a:effectRef>
+          <a:fontRef idx="minor">
+            <a:schemeClr val="lt1"/>
+          </a:fontRef>
+        </p:style>
+        <p:txBody>
+          <a:bodyPr rtlCol="0" anchor="ctr"/>
+          <a:lstStyle/>
+          <a:p>
+            <a:pPr algn="ctr"/>
+            <a:endParaRPr lang="zh-CN" altLang="en-US"/>
+          </a:p>
+        </p:txBody>
+      </p:sp>
+      <p:sp>
+        <p:nvSpPr>
+          <p:cNvPr id="38" name="文本框 37">
+            <a:extLst>
+              <a:ext uri="{FF2B5EF4-FFF2-40B4-BE49-F238E27FC236}">
+                <a16:creationId xmlns:a16="http://schemas.microsoft.com/office/drawing/2014/main" id="{0D4A6049-5243-275B-17A6-7B19202D14CE}"/>
+              </a:ext>
+            </a:extLst>
+          </p:cNvPr>
+          <p:cNvSpPr txBox="1"/>
+          <p:nvPr/>
+        </p:nvSpPr>
+        <p:spPr>
+          <a:xfrm>
+            <a:off x="271629" y="1102109"/>
+            <a:ext cx="3048000" cy="1200329"/>
+          </a:xfrm>
+          <a:prstGeom prst="rect">
+            <a:avLst/>
+          </a:prstGeom>
+          <a:noFill/>
+        </p:spPr>
+        <p:txBody>
+          <a:bodyPr wrap="square">
+            <a:spAutoFit/>
+          </a:bodyPr>
+          <a:lstStyle/>
+          <a:p>
+            <a:r>
+              <a:rPr lang="en-US" altLang="zh-CN" b="0" dirty="0">
+                <a:solidFill>
+                  <a:srgbClr val="CCCAC2"/>
+                </a:solidFill>
+                <a:effectLst/>
+                <a:latin typeface="Consolas" panose="020B0609020204030204" pitchFamily="49" charset="0"/>
+              </a:rPr>
+              <a:t>{</a:t>
+            </a:r>
+          </a:p>
+          <a:p>
+            <a:r>
+              <a:rPr lang="en-US" altLang="zh-CN" b="0" dirty="0">
+                <a:solidFill>
+                  <a:srgbClr val="CCCAC2"/>
+                </a:solidFill>
+                <a:effectLst/>
+                <a:latin typeface="Consolas" panose="020B0609020204030204" pitchFamily="49" charset="0"/>
+              </a:rPr>
+              <a:t>    </a:t>
+            </a:r>
+            <a:r>
+              <a:rPr lang="en-US" altLang="zh-CN" b="0" dirty="0">
+                <a:solidFill>
+                  <a:srgbClr val="5B9BD5"/>
+                </a:solidFill>
+                <a:effectLst/>
+                <a:latin typeface="Consolas" panose="020B0609020204030204" pitchFamily="49" charset="0"/>
+              </a:rPr>
+              <a:t>"name": "</a:t>
+            </a:r>
+            <a:r>
+              <a:rPr lang="zh-CN" altLang="en-US" b="0" dirty="0">
+                <a:solidFill>
+                  <a:srgbClr val="5B9BD5"/>
+                </a:solidFill>
+                <a:effectLst/>
+                <a:latin typeface="Consolas" panose="020B0609020204030204" pitchFamily="49" charset="0"/>
+              </a:rPr>
+              <a:t>小左同学</a:t>
+            </a:r>
+            <a:r>
+              <a:rPr lang="en-US" altLang="zh-CN" b="0" dirty="0">
+                <a:solidFill>
+                  <a:srgbClr val="5B9BD5"/>
+                </a:solidFill>
+                <a:effectLst/>
+                <a:latin typeface="Consolas" panose="020B0609020204030204" pitchFamily="49" charset="0"/>
+              </a:rPr>
+              <a:t>",</a:t>
+            </a:r>
+          </a:p>
+          <a:p>
+            <a:r>
+              <a:rPr lang="en-US" altLang="zh-CN" b="0" dirty="0">
+                <a:solidFill>
+                  <a:srgbClr val="5B9BD5"/>
+                </a:solidFill>
+                <a:effectLst/>
+                <a:latin typeface="Consolas" panose="020B0609020204030204" pitchFamily="49" charset="0"/>
+              </a:rPr>
+              <a:t>    "age": 18</a:t>
+            </a:r>
+          </a:p>
+          <a:p>
+            <a:r>
+              <a:rPr lang="en-US" altLang="zh-CN" b="0" dirty="0">
+                <a:solidFill>
+                  <a:srgbClr val="CCCAC2"/>
+                </a:solidFill>
+                <a:effectLst/>
+                <a:latin typeface="Consolas" panose="020B0609020204030204" pitchFamily="49" charset="0"/>
+              </a:rPr>
+              <a:t>}</a:t>
+            </a:r>
+          </a:p>
+        </p:txBody>
+      </p:sp>
+      <p:cxnSp>
+        <p:nvCxnSpPr>
+          <p:cNvPr id="40" name="直接箭头连接符 39">
+            <a:extLst>
+              <a:ext uri="{FF2B5EF4-FFF2-40B4-BE49-F238E27FC236}">
+                <a16:creationId xmlns:a16="http://schemas.microsoft.com/office/drawing/2014/main" id="{18C51FAD-8978-38E2-B936-017CC117783F}"/>
+              </a:ext>
+            </a:extLst>
+          </p:cNvPr>
+          <p:cNvCxnSpPr>
+            <a:cxnSpLocks/>
+            <a:stCxn id="36" idx="3"/>
+            <a:endCxn id="46" idx="1"/>
+          </p:cNvCxnSpPr>
+          <p:nvPr/>
+        </p:nvCxnSpPr>
+        <p:spPr>
+          <a:xfrm flipV="1">
+            <a:off x="3206261" y="1679575"/>
+            <a:ext cx="638907" cy="2679"/>
+          </a:xfrm>
+          <a:prstGeom prst="straightConnector1">
+            <a:avLst/>
+          </a:prstGeom>
+          <a:ln>
+            <a:tailEnd type="triangle"/>
+          </a:ln>
+        </p:spPr>
+        <p:style>
+          <a:lnRef idx="1">
+            <a:schemeClr val="accent1"/>
+          </a:lnRef>
+          <a:fillRef idx="0">
+            <a:schemeClr val="accent1"/>
+          </a:fillRef>
+          <a:effectRef idx="0">
+            <a:schemeClr val="accent1"/>
+          </a:effectRef>
+          <a:fontRef idx="minor">
+            <a:schemeClr val="tx1"/>
+          </a:fontRef>
+        </p:style>
+      </p:cxnSp>
+      <p:sp>
+        <p:nvSpPr>
+          <p:cNvPr id="42" name="文本框 41">
+            <a:extLst>
+              <a:ext uri="{FF2B5EF4-FFF2-40B4-BE49-F238E27FC236}">
+                <a16:creationId xmlns:a16="http://schemas.microsoft.com/office/drawing/2014/main" id="{DFD05897-ACFD-2947-EBA1-E8FD0D91DB9C}"/>
+              </a:ext>
+            </a:extLst>
+          </p:cNvPr>
+          <p:cNvSpPr txBox="1"/>
+          <p:nvPr/>
+        </p:nvSpPr>
+        <p:spPr>
+          <a:xfrm>
+            <a:off x="3158954" y="1389512"/>
+            <a:ext cx="686213" cy="369332"/>
+          </a:xfrm>
+          <a:prstGeom prst="rect">
+            <a:avLst/>
+          </a:prstGeom>
+          <a:noFill/>
+        </p:spPr>
+        <p:txBody>
+          <a:bodyPr wrap="none" rtlCol="0">
+            <a:spAutoFit/>
+          </a:bodyPr>
+          <a:lstStyle/>
+          <a:p>
+            <a:r>
+              <a:rPr lang="en-US" altLang="zh-CN" dirty="0"/>
+              <a:t>value</a:t>
+            </a:r>
+            <a:endParaRPr lang="zh-CN" altLang="en-US" dirty="0"/>
+          </a:p>
+        </p:txBody>
+      </p:sp>
+      <p:sp>
+        <p:nvSpPr>
+          <p:cNvPr id="47" name="矩形: 圆角 46">
+            <a:extLst>
+              <a:ext uri="{FF2B5EF4-FFF2-40B4-BE49-F238E27FC236}">
+                <a16:creationId xmlns:a16="http://schemas.microsoft.com/office/drawing/2014/main" id="{CF9D029D-2C2D-A4E1-1EEC-4AAE0F700B95}"/>
+              </a:ext>
+            </a:extLst>
+          </p:cNvPr>
+          <p:cNvSpPr/>
+          <p:nvPr/>
+        </p:nvSpPr>
+        <p:spPr>
+          <a:xfrm>
+            <a:off x="3845168" y="2067927"/>
+            <a:ext cx="1257044" cy="337795"/>
+          </a:xfrm>
+          <a:prstGeom prst="roundRect">
+            <a:avLst/>
+          </a:prstGeom>
+          <a:ln>
+            <a:noFill/>
+          </a:ln>
+        </p:spPr>
+        <p:style>
+          <a:lnRef idx="2">
+            <a:schemeClr val="accent1">
+              <a:shade val="50000"/>
+            </a:schemeClr>
+          </a:lnRef>
+          <a:fillRef idx="1">
+            <a:schemeClr val="accent1"/>
+          </a:fillRef>
+          <a:effectRef idx="0">
+            <a:schemeClr val="accent1"/>
+          </a:effectRef>
+          <a:fontRef idx="minor">
+            <a:schemeClr val="lt1"/>
+          </a:fontRef>
+        </p:style>
+        <p:txBody>
+          <a:bodyPr rtlCol="0" anchor="ctr"/>
+          <a:lstStyle/>
+          <a:p>
+            <a:pPr algn="ctr"/>
+            <a:r>
+              <a:rPr lang="en-US" altLang="zh-CN" dirty="0"/>
+              <a:t>key</a:t>
+            </a:r>
+            <a:endParaRPr lang="zh-CN" altLang="en-US" dirty="0"/>
+          </a:p>
+        </p:txBody>
+      </p:sp>
+      <p:cxnSp>
+        <p:nvCxnSpPr>
+          <p:cNvPr id="48" name="直接箭头连接符 47">
+            <a:extLst>
+              <a:ext uri="{FF2B5EF4-FFF2-40B4-BE49-F238E27FC236}">
+                <a16:creationId xmlns:a16="http://schemas.microsoft.com/office/drawing/2014/main" id="{1269D671-E776-4558-A000-2CCCD7103E56}"/>
+              </a:ext>
+            </a:extLst>
+          </p:cNvPr>
+          <p:cNvCxnSpPr>
+            <a:cxnSpLocks/>
+          </p:cNvCxnSpPr>
+          <p:nvPr/>
+        </p:nvCxnSpPr>
+        <p:spPr>
+          <a:xfrm>
+            <a:off x="4473690" y="1867522"/>
+            <a:ext cx="0" cy="200405"/>
+          </a:xfrm>
+          <a:prstGeom prst="straightConnector1">
+            <a:avLst/>
+          </a:prstGeom>
+          <a:ln w="19050">
+            <a:tailEnd type="triangle"/>
+          </a:ln>
+        </p:spPr>
+        <p:style>
+          <a:lnRef idx="1">
+            <a:schemeClr val="accent1"/>
+          </a:lnRef>
+          <a:fillRef idx="0">
+            <a:schemeClr val="accent1"/>
+          </a:fillRef>
+          <a:effectRef idx="0">
+            <a:schemeClr val="accent1"/>
+          </a:effectRef>
+          <a:fontRef idx="minor">
+            <a:schemeClr val="tx1"/>
+          </a:fontRef>
+        </p:style>
+      </p:cxnSp>
+      <p:sp>
+        <p:nvSpPr>
+          <p:cNvPr id="49" name="矩形: 圆角 48">
+            <a:extLst>
+              <a:ext uri="{FF2B5EF4-FFF2-40B4-BE49-F238E27FC236}">
+                <a16:creationId xmlns:a16="http://schemas.microsoft.com/office/drawing/2014/main" id="{F4EE56F5-C811-55DC-125D-AF407B721045}"/>
+              </a:ext>
+            </a:extLst>
+          </p:cNvPr>
+          <p:cNvSpPr/>
+          <p:nvPr/>
+        </p:nvSpPr>
+        <p:spPr>
+          <a:xfrm>
+            <a:off x="3845167" y="2527300"/>
+            <a:ext cx="1257045" cy="3941482"/>
+          </a:xfrm>
+          <a:prstGeom prst="roundRect">
+            <a:avLst/>
+          </a:prstGeom>
+          <a:noFill/>
+          <a:ln>
+            <a:solidFill>
+              <a:srgbClr val="5B9BD5"/>
+            </a:solidFill>
+          </a:ln>
+        </p:spPr>
+        <p:style>
+          <a:lnRef idx="2">
+            <a:schemeClr val="accent1">
+              <a:shade val="50000"/>
+            </a:schemeClr>
+          </a:lnRef>
+          <a:fillRef idx="1">
+            <a:schemeClr val="accent1"/>
+          </a:fillRef>
+          <a:effectRef idx="0">
+            <a:schemeClr val="accent1"/>
+          </a:effectRef>
+          <a:fontRef idx="minor">
+            <a:schemeClr val="lt1"/>
+          </a:fontRef>
+        </p:style>
+        <p:txBody>
+          <a:bodyPr rtlCol="0" anchor="ctr"/>
+          <a:lstStyle/>
+          <a:p>
+            <a:pPr algn="ctr"/>
+            <a:endParaRPr lang="zh-CN" altLang="en-US"/>
+          </a:p>
+        </p:txBody>
+      </p:sp>
+      <p:sp>
+        <p:nvSpPr>
+          <p:cNvPr id="50" name="文本框 49">
+            <a:extLst>
+              <a:ext uri="{FF2B5EF4-FFF2-40B4-BE49-F238E27FC236}">
+                <a16:creationId xmlns:a16="http://schemas.microsoft.com/office/drawing/2014/main" id="{1D11B99F-6CEA-C32E-AC0A-A215D6FC84D1}"/>
+              </a:ext>
+            </a:extLst>
+          </p:cNvPr>
+          <p:cNvSpPr txBox="1"/>
+          <p:nvPr/>
+        </p:nvSpPr>
+        <p:spPr>
+          <a:xfrm>
+            <a:off x="4110423" y="3152123"/>
+            <a:ext cx="782395" cy="369332"/>
+          </a:xfrm>
+          <a:prstGeom prst="rect">
+            <a:avLst/>
+          </a:prstGeom>
+          <a:solidFill>
+            <a:srgbClr val="5B9BD5"/>
+          </a:solidFill>
+        </p:spPr>
+        <p:txBody>
+          <a:bodyPr wrap="square" rtlCol="0">
+            <a:spAutoFit/>
+          </a:bodyPr>
+          <a:lstStyle/>
+          <a:p>
+            <a:pPr algn="ctr"/>
+            <a:r>
+              <a:rPr lang="en-US" altLang="zh-CN" dirty="0">
+                <a:solidFill>
+                  <a:schemeClr val="bg1"/>
+                </a:solidFill>
+              </a:rPr>
+              <a:t>name</a:t>
+            </a:r>
+            <a:endParaRPr lang="zh-CN" altLang="en-US" dirty="0">
+              <a:solidFill>
+                <a:schemeClr val="bg1"/>
+              </a:solidFill>
+            </a:endParaRPr>
+          </a:p>
+        </p:txBody>
+      </p:sp>
+      <p:sp>
+        <p:nvSpPr>
+          <p:cNvPr id="51" name="文本框 50">
+            <a:extLst>
+              <a:ext uri="{FF2B5EF4-FFF2-40B4-BE49-F238E27FC236}">
+                <a16:creationId xmlns:a16="http://schemas.microsoft.com/office/drawing/2014/main" id="{4949E705-87FC-E5C6-CA28-6E7B8E4AF430}"/>
+              </a:ext>
+            </a:extLst>
+          </p:cNvPr>
+          <p:cNvSpPr txBox="1"/>
+          <p:nvPr/>
+        </p:nvSpPr>
+        <p:spPr>
+          <a:xfrm>
+            <a:off x="4109302" y="5389841"/>
+            <a:ext cx="782395" cy="369332"/>
+          </a:xfrm>
+          <a:prstGeom prst="rect">
+            <a:avLst/>
+          </a:prstGeom>
+          <a:solidFill>
+            <a:srgbClr val="5B9BD5"/>
+          </a:solidFill>
+        </p:spPr>
+        <p:txBody>
+          <a:bodyPr wrap="square" rtlCol="0">
+            <a:spAutoFit/>
+          </a:bodyPr>
+          <a:lstStyle/>
+          <a:p>
+            <a:pPr algn="ctr"/>
+            <a:r>
+              <a:rPr lang="en-US" altLang="zh-CN" dirty="0">
+                <a:solidFill>
+                  <a:schemeClr val="bg1"/>
+                </a:solidFill>
+              </a:rPr>
+              <a:t>age</a:t>
+            </a:r>
+            <a:endParaRPr lang="zh-CN" altLang="en-US" dirty="0">
+              <a:solidFill>
+                <a:schemeClr val="bg1"/>
+              </a:solidFill>
+            </a:endParaRPr>
+          </a:p>
+        </p:txBody>
+      </p:sp>
+      <p:cxnSp>
+        <p:nvCxnSpPr>
+          <p:cNvPr id="52" name="直接箭头连接符 51">
+            <a:extLst>
+              <a:ext uri="{FF2B5EF4-FFF2-40B4-BE49-F238E27FC236}">
+                <a16:creationId xmlns:a16="http://schemas.microsoft.com/office/drawing/2014/main" id="{31F46EFB-2B53-F5FC-04D3-0A36D9C18545}"/>
+              </a:ext>
+            </a:extLst>
+          </p:cNvPr>
+          <p:cNvCxnSpPr>
+            <a:cxnSpLocks/>
+          </p:cNvCxnSpPr>
+          <p:nvPr/>
+        </p:nvCxnSpPr>
+        <p:spPr>
+          <a:xfrm>
+            <a:off x="5102212" y="3341831"/>
+            <a:ext cx="720738" cy="0"/>
+          </a:xfrm>
+          <a:prstGeom prst="straightConnector1">
+            <a:avLst/>
+          </a:prstGeom>
+          <a:ln>
+            <a:tailEnd type="triangle"/>
+          </a:ln>
+        </p:spPr>
+        <p:style>
+          <a:lnRef idx="1">
+            <a:schemeClr val="accent1"/>
+          </a:lnRef>
+          <a:fillRef idx="0">
+            <a:schemeClr val="accent1"/>
+          </a:fillRef>
+          <a:effectRef idx="0">
+            <a:schemeClr val="accent1"/>
+          </a:effectRef>
+          <a:fontRef idx="minor">
+            <a:schemeClr val="tx1"/>
+          </a:fontRef>
+        </p:style>
+      </p:cxnSp>
+      <p:sp>
+        <p:nvSpPr>
+          <p:cNvPr id="53" name="文本框 52">
+            <a:extLst>
+              <a:ext uri="{FF2B5EF4-FFF2-40B4-BE49-F238E27FC236}">
+                <a16:creationId xmlns:a16="http://schemas.microsoft.com/office/drawing/2014/main" id="{9184126B-EC49-437B-57C9-DA3D78347632}"/>
+              </a:ext>
+            </a:extLst>
+          </p:cNvPr>
+          <p:cNvSpPr txBox="1"/>
+          <p:nvPr/>
+        </p:nvSpPr>
+        <p:spPr>
+          <a:xfrm>
+            <a:off x="5086808" y="2979987"/>
+            <a:ext cx="686213" cy="369332"/>
+          </a:xfrm>
+          <a:prstGeom prst="rect">
+            <a:avLst/>
+          </a:prstGeom>
+          <a:noFill/>
+        </p:spPr>
+        <p:txBody>
+          <a:bodyPr wrap="none" rtlCol="0">
+            <a:spAutoFit/>
+          </a:bodyPr>
+          <a:lstStyle/>
+          <a:p>
+            <a:r>
+              <a:rPr lang="en-US" altLang="zh-CN" dirty="0"/>
+              <a:t>value</a:t>
+            </a:r>
+            <a:endParaRPr lang="zh-CN" altLang="en-US" dirty="0"/>
+          </a:p>
+        </p:txBody>
+      </p:sp>
+      <p:sp>
+        <p:nvSpPr>
+          <p:cNvPr id="59" name="文本框 58">
+            <a:extLst>
+              <a:ext uri="{FF2B5EF4-FFF2-40B4-BE49-F238E27FC236}">
+                <a16:creationId xmlns:a16="http://schemas.microsoft.com/office/drawing/2014/main" id="{2EA5687C-3517-267A-8333-A0F2830657B0}"/>
+              </a:ext>
+            </a:extLst>
+          </p:cNvPr>
+          <p:cNvSpPr txBox="1"/>
+          <p:nvPr/>
+        </p:nvSpPr>
+        <p:spPr>
+          <a:xfrm>
+            <a:off x="6069072" y="2875124"/>
+            <a:ext cx="5679888" cy="923330"/>
+          </a:xfrm>
+          <a:prstGeom prst="rect">
+            <a:avLst/>
+          </a:prstGeom>
+          <a:noFill/>
+        </p:spPr>
+        <p:txBody>
+          <a:bodyPr wrap="square" rtlCol="0">
+            <a:spAutoFit/>
+          </a:bodyPr>
+          <a:lstStyle/>
+          <a:p>
+            <a:r>
+              <a:rPr lang="en-US" altLang="zh-CN" b="0" dirty="0">
+                <a:solidFill>
+                  <a:srgbClr val="CCCAC2"/>
+                </a:solidFill>
+                <a:effectLst/>
+                <a:latin typeface="Consolas" panose="020B0609020204030204" pitchFamily="49" charset="0"/>
+              </a:rPr>
+              <a:t>()</a:t>
+            </a:r>
+            <a:r>
+              <a:rPr lang="en-US" altLang="zh-CN" b="0" dirty="0">
+                <a:solidFill>
+                  <a:srgbClr val="FFAD66"/>
+                </a:solidFill>
+                <a:effectLst/>
+                <a:latin typeface="Consolas" panose="020B0609020204030204" pitchFamily="49" charset="0"/>
+              </a:rPr>
+              <a:t>=&gt;</a:t>
+            </a:r>
+            <a:r>
+              <a:rPr lang="en-US" altLang="zh-CN" b="0" dirty="0">
+                <a:solidFill>
+                  <a:srgbClr val="CCCAC2"/>
+                </a:solidFill>
+                <a:effectLst/>
+                <a:latin typeface="Consolas" panose="020B0609020204030204" pitchFamily="49" charset="0"/>
+              </a:rPr>
+              <a:t> {console</a:t>
+            </a:r>
+            <a:r>
+              <a:rPr lang="en-US" altLang="zh-CN" b="0" dirty="0">
+                <a:solidFill>
+                  <a:srgbClr val="F29E74"/>
+                </a:solidFill>
+                <a:effectLst/>
+                <a:latin typeface="Consolas" panose="020B0609020204030204" pitchFamily="49" charset="0"/>
+              </a:rPr>
+              <a:t>.</a:t>
+            </a:r>
+            <a:r>
+              <a:rPr lang="en-US" altLang="zh-CN" b="0" dirty="0">
+                <a:solidFill>
+                  <a:srgbClr val="FFD173"/>
+                </a:solidFill>
+                <a:effectLst/>
+                <a:latin typeface="Consolas" panose="020B0609020204030204" pitchFamily="49" charset="0"/>
+              </a:rPr>
+              <a:t>log</a:t>
+            </a:r>
+            <a:r>
+              <a:rPr lang="en-US" altLang="zh-CN" b="0" dirty="0">
+                <a:solidFill>
+                  <a:srgbClr val="CCCAC2"/>
+                </a:solidFill>
+                <a:effectLst/>
+                <a:latin typeface="Consolas" panose="020B0609020204030204" pitchFamily="49" charset="0"/>
+              </a:rPr>
+              <a:t>(</a:t>
+            </a:r>
+            <a:r>
+              <a:rPr lang="en-US" altLang="zh-CN" b="0" dirty="0">
+                <a:solidFill>
+                  <a:srgbClr val="5B9BD5"/>
+                </a:solidFill>
+                <a:effectLst/>
+                <a:latin typeface="Consolas" panose="020B0609020204030204" pitchFamily="49" charset="0"/>
+              </a:rPr>
+              <a:t>'</a:t>
+            </a:r>
+            <a:r>
+              <a:rPr lang="zh-CN" altLang="en-US" b="0" dirty="0">
+                <a:solidFill>
+                  <a:srgbClr val="5B9BD5"/>
+                </a:solidFill>
+                <a:effectLst/>
+                <a:latin typeface="Consolas" panose="020B0609020204030204" pitchFamily="49" charset="0"/>
+              </a:rPr>
+              <a:t>副作用函数执行啦</a:t>
+            </a:r>
+            <a:r>
+              <a:rPr lang="en-US" altLang="zh-CN" b="0" dirty="0">
+                <a:solidFill>
+                  <a:srgbClr val="5B9BD5"/>
+                </a:solidFill>
+                <a:effectLst/>
+                <a:latin typeface="Consolas" panose="020B0609020204030204" pitchFamily="49" charset="0"/>
+              </a:rPr>
+              <a:t>')</a:t>
+            </a:r>
+          </a:p>
+          <a:p>
+            <a:r>
+              <a:rPr lang="en-US" altLang="zh-CN" b="0" dirty="0">
+                <a:solidFill>
+                  <a:srgbClr val="CCCAC2"/>
+                </a:solidFill>
+                <a:effectLst/>
+                <a:latin typeface="Consolas" panose="020B0609020204030204" pitchFamily="49" charset="0"/>
+              </a:rPr>
+              <a:t>    document</a:t>
+            </a:r>
+            <a:r>
+              <a:rPr lang="en-US" altLang="zh-CN" b="0" dirty="0">
+                <a:solidFill>
+                  <a:srgbClr val="F29E74"/>
+                </a:solidFill>
+                <a:effectLst/>
+                <a:latin typeface="Consolas" panose="020B0609020204030204" pitchFamily="49" charset="0"/>
+              </a:rPr>
+              <a:t>.</a:t>
+            </a:r>
+            <a:r>
+              <a:rPr lang="en-US" altLang="zh-CN" b="0" dirty="0">
+                <a:solidFill>
+                  <a:srgbClr val="CCCAC2"/>
+                </a:solidFill>
+                <a:effectLst/>
+                <a:latin typeface="Consolas" panose="020B0609020204030204" pitchFamily="49" charset="0"/>
+              </a:rPr>
+              <a:t>body</a:t>
+            </a:r>
+            <a:r>
+              <a:rPr lang="en-US" altLang="zh-CN" b="0" dirty="0">
+                <a:solidFill>
+                  <a:srgbClr val="F29E74"/>
+                </a:solidFill>
+                <a:effectLst/>
+                <a:latin typeface="Consolas" panose="020B0609020204030204" pitchFamily="49" charset="0"/>
+              </a:rPr>
+              <a:t>.</a:t>
+            </a:r>
+            <a:r>
+              <a:rPr lang="en-US" altLang="zh-CN" b="0" dirty="0">
+                <a:solidFill>
+                  <a:srgbClr val="CCCAC2"/>
+                </a:solidFill>
+                <a:effectLst/>
+                <a:latin typeface="Consolas" panose="020B0609020204030204" pitchFamily="49" charset="0"/>
+              </a:rPr>
+              <a:t>innerText </a:t>
+            </a:r>
+            <a:r>
+              <a:rPr lang="en-US" altLang="zh-CN" b="0" dirty="0">
+                <a:solidFill>
+                  <a:srgbClr val="F29E74"/>
+                </a:solidFill>
+                <a:effectLst/>
+                <a:latin typeface="Consolas" panose="020B0609020204030204" pitchFamily="49" charset="0"/>
+              </a:rPr>
+              <a:t>=</a:t>
+            </a:r>
+            <a:r>
+              <a:rPr lang="en-US" altLang="zh-CN" b="0" dirty="0">
+                <a:solidFill>
+                  <a:srgbClr val="CCCAC2"/>
+                </a:solidFill>
+                <a:effectLst/>
+                <a:latin typeface="Consolas" panose="020B0609020204030204" pitchFamily="49" charset="0"/>
+              </a:rPr>
+              <a:t> obj</a:t>
+            </a:r>
+            <a:r>
+              <a:rPr lang="en-US" altLang="zh-CN" b="0" dirty="0">
+                <a:solidFill>
+                  <a:srgbClr val="F29E74"/>
+                </a:solidFill>
+                <a:effectLst/>
+                <a:latin typeface="Consolas" panose="020B0609020204030204" pitchFamily="49" charset="0"/>
+              </a:rPr>
+              <a:t>.</a:t>
+            </a:r>
+            <a:r>
+              <a:rPr lang="en-US" altLang="zh-CN" b="0" dirty="0">
+                <a:solidFill>
+                  <a:srgbClr val="CCCAC2"/>
+                </a:solidFill>
+                <a:effectLst/>
+                <a:latin typeface="Consolas" panose="020B0609020204030204" pitchFamily="49" charset="0"/>
+              </a:rPr>
+              <a:t>age </a:t>
+            </a:r>
+            <a:r>
+              <a:rPr lang="en-US" altLang="zh-CN" b="0" dirty="0">
+                <a:solidFill>
+                  <a:srgbClr val="F29E74"/>
+                </a:solidFill>
+                <a:effectLst/>
+                <a:latin typeface="Consolas" panose="020B0609020204030204" pitchFamily="49" charset="0"/>
+              </a:rPr>
+              <a:t>&lt;</a:t>
+            </a:r>
+            <a:r>
+              <a:rPr lang="en-US" altLang="zh-CN" b="0" dirty="0">
+                <a:solidFill>
+                  <a:srgbClr val="CCCAC2"/>
+                </a:solidFill>
+                <a:effectLst/>
+                <a:latin typeface="Consolas" panose="020B0609020204030204" pitchFamily="49" charset="0"/>
+              </a:rPr>
+              <a:t> </a:t>
+            </a:r>
+            <a:r>
+              <a:rPr lang="en-US" altLang="zh-CN" b="0" dirty="0">
+                <a:solidFill>
+                  <a:srgbClr val="DFBFFF"/>
+                </a:solidFill>
+                <a:effectLst/>
+                <a:latin typeface="Consolas" panose="020B0609020204030204" pitchFamily="49" charset="0"/>
+              </a:rPr>
+              <a:t>35</a:t>
+            </a:r>
+            <a:r>
+              <a:rPr lang="en-US" altLang="zh-CN" b="0" dirty="0">
+                <a:solidFill>
+                  <a:srgbClr val="CCCAC2"/>
+                </a:solidFill>
+                <a:effectLst/>
+                <a:latin typeface="Consolas" panose="020B0609020204030204" pitchFamily="49" charset="0"/>
+              </a:rPr>
+              <a:t> </a:t>
+            </a:r>
+            <a:r>
+              <a:rPr lang="en-US" altLang="zh-CN" b="0" dirty="0">
+                <a:solidFill>
+                  <a:srgbClr val="F29E74"/>
+                </a:solidFill>
+                <a:effectLst/>
+                <a:latin typeface="Consolas" panose="020B0609020204030204" pitchFamily="49" charset="0"/>
+              </a:rPr>
+              <a:t>?</a:t>
+            </a:r>
+            <a:r>
+              <a:rPr lang="en-US" altLang="zh-CN" b="0" dirty="0">
+                <a:solidFill>
+                  <a:srgbClr val="CCCAC2"/>
+                </a:solidFill>
+                <a:effectLst/>
+                <a:latin typeface="Consolas" panose="020B0609020204030204" pitchFamily="49" charset="0"/>
+              </a:rPr>
+              <a:t> obj</a:t>
+            </a:r>
+            <a:r>
+              <a:rPr lang="en-US" altLang="zh-CN" b="0" dirty="0">
+                <a:solidFill>
+                  <a:srgbClr val="F29E74"/>
+                </a:solidFill>
+                <a:effectLst/>
+                <a:latin typeface="Consolas" panose="020B0609020204030204" pitchFamily="49" charset="0"/>
+              </a:rPr>
+              <a:t>.</a:t>
+            </a:r>
+            <a:r>
+              <a:rPr lang="en-US" altLang="zh-CN" b="0" dirty="0">
+                <a:solidFill>
+                  <a:srgbClr val="CCCAC2"/>
+                </a:solidFill>
+                <a:effectLst/>
+                <a:latin typeface="Consolas" panose="020B0609020204030204" pitchFamily="49" charset="0"/>
+              </a:rPr>
+              <a:t>name </a:t>
+            </a:r>
+            <a:r>
+              <a:rPr lang="en-US" altLang="zh-CN" b="0" dirty="0">
+                <a:solidFill>
+                  <a:srgbClr val="F29E74"/>
+                </a:solidFill>
+                <a:effectLst/>
+                <a:latin typeface="Consolas" panose="020B0609020204030204" pitchFamily="49" charset="0"/>
+              </a:rPr>
+              <a:t>:</a:t>
+            </a:r>
+            <a:r>
+              <a:rPr lang="en-US" altLang="zh-CN" b="0" dirty="0">
+                <a:solidFill>
+                  <a:srgbClr val="CCCAC2"/>
+                </a:solidFill>
+                <a:effectLst/>
+                <a:latin typeface="Consolas" panose="020B0609020204030204" pitchFamily="49" charset="0"/>
+              </a:rPr>
+              <a:t> </a:t>
+            </a:r>
+            <a:r>
+              <a:rPr lang="en-US" altLang="zh-CN" b="0" dirty="0">
+                <a:solidFill>
+                  <a:srgbClr val="5B9BD5"/>
+                </a:solidFill>
+                <a:effectLst/>
+                <a:latin typeface="Consolas" panose="020B0609020204030204" pitchFamily="49" charset="0"/>
+              </a:rPr>
+              <a:t>'</a:t>
+            </a:r>
+            <a:r>
+              <a:rPr lang="zh-CN" altLang="en-US" b="0" dirty="0">
+                <a:solidFill>
+                  <a:srgbClr val="5B9BD5"/>
+                </a:solidFill>
+                <a:effectLst/>
+                <a:latin typeface="Consolas" panose="020B0609020204030204" pitchFamily="49" charset="0"/>
+              </a:rPr>
+              <a:t>超龄了</a:t>
+            </a:r>
+            <a:r>
+              <a:rPr lang="en-US" altLang="zh-CN" b="0" dirty="0">
+                <a:solidFill>
+                  <a:srgbClr val="5B9BD5"/>
+                </a:solidFill>
+                <a:effectLst/>
+                <a:latin typeface="Consolas" panose="020B0609020204030204" pitchFamily="49" charset="0"/>
+              </a:rPr>
+              <a:t>'}</a:t>
+            </a:r>
+          </a:p>
+        </p:txBody>
+      </p:sp>
+      <p:cxnSp>
+        <p:nvCxnSpPr>
+          <p:cNvPr id="66" name="直接箭头连接符 65">
+            <a:extLst>
+              <a:ext uri="{FF2B5EF4-FFF2-40B4-BE49-F238E27FC236}">
+                <a16:creationId xmlns:a16="http://schemas.microsoft.com/office/drawing/2014/main" id="{48789CA2-0559-3051-73D6-1C4ED3F62F99}"/>
+              </a:ext>
+            </a:extLst>
+          </p:cNvPr>
+          <p:cNvCxnSpPr>
+            <a:cxnSpLocks/>
+          </p:cNvCxnSpPr>
+          <p:nvPr/>
+        </p:nvCxnSpPr>
+        <p:spPr>
+          <a:xfrm>
+            <a:off x="5102212" y="5581297"/>
+            <a:ext cx="720738" cy="0"/>
+          </a:xfrm>
+          <a:prstGeom prst="straightConnector1">
+            <a:avLst/>
+          </a:prstGeom>
+          <a:ln>
+            <a:tailEnd type="triangle"/>
+          </a:ln>
+        </p:spPr>
+        <p:style>
+          <a:lnRef idx="1">
+            <a:schemeClr val="accent1"/>
+          </a:lnRef>
+          <a:fillRef idx="0">
+            <a:schemeClr val="accent1"/>
+          </a:fillRef>
+          <a:effectRef idx="0">
+            <a:schemeClr val="accent1"/>
+          </a:effectRef>
+          <a:fontRef idx="minor">
+            <a:schemeClr val="tx1"/>
+          </a:fontRef>
+        </p:style>
+      </p:cxnSp>
+      <p:sp>
+        <p:nvSpPr>
+          <p:cNvPr id="67" name="文本框 66">
+            <a:extLst>
+              <a:ext uri="{FF2B5EF4-FFF2-40B4-BE49-F238E27FC236}">
+                <a16:creationId xmlns:a16="http://schemas.microsoft.com/office/drawing/2014/main" id="{1E7ADDD5-A8A2-C138-9EB7-55611A38158B}"/>
+              </a:ext>
+            </a:extLst>
+          </p:cNvPr>
+          <p:cNvSpPr txBox="1"/>
+          <p:nvPr/>
+        </p:nvSpPr>
+        <p:spPr>
+          <a:xfrm>
+            <a:off x="5086808" y="5219453"/>
+            <a:ext cx="686213" cy="369332"/>
+          </a:xfrm>
+          <a:prstGeom prst="rect">
+            <a:avLst/>
+          </a:prstGeom>
+          <a:noFill/>
+        </p:spPr>
+        <p:txBody>
+          <a:bodyPr wrap="none" rtlCol="0">
+            <a:spAutoFit/>
+          </a:bodyPr>
+          <a:lstStyle/>
+          <a:p>
+            <a:r>
+              <a:rPr lang="en-US" altLang="zh-CN" dirty="0"/>
+              <a:t>value</a:t>
+            </a:r>
+            <a:endParaRPr lang="zh-CN" altLang="en-US" dirty="0"/>
+          </a:p>
+        </p:txBody>
+      </p:sp>
+      <p:sp>
+        <p:nvSpPr>
+          <p:cNvPr id="69" name="文本框 68">
+            <a:extLst>
+              <a:ext uri="{FF2B5EF4-FFF2-40B4-BE49-F238E27FC236}">
+                <a16:creationId xmlns:a16="http://schemas.microsoft.com/office/drawing/2014/main" id="{FA881BB9-88A1-DEDB-0698-1EF624B31CEF}"/>
+              </a:ext>
+            </a:extLst>
+          </p:cNvPr>
+          <p:cNvSpPr txBox="1"/>
+          <p:nvPr/>
+        </p:nvSpPr>
+        <p:spPr>
+          <a:xfrm>
+            <a:off x="6069072" y="5114590"/>
+            <a:ext cx="5679888" cy="923330"/>
+          </a:xfrm>
+          <a:prstGeom prst="rect">
+            <a:avLst/>
+          </a:prstGeom>
+          <a:noFill/>
+        </p:spPr>
+        <p:txBody>
+          <a:bodyPr wrap="square" rtlCol="0">
+            <a:spAutoFit/>
+          </a:bodyPr>
+          <a:lstStyle/>
+          <a:p>
+            <a:r>
+              <a:rPr lang="en-US" altLang="zh-CN" b="0" dirty="0">
+                <a:solidFill>
+                  <a:srgbClr val="CCCAC2"/>
+                </a:solidFill>
+                <a:effectLst/>
+                <a:latin typeface="Consolas" panose="020B0609020204030204" pitchFamily="49" charset="0"/>
+              </a:rPr>
+              <a:t>()</a:t>
+            </a:r>
+            <a:r>
+              <a:rPr lang="en-US" altLang="zh-CN" b="0" dirty="0">
+                <a:solidFill>
+                  <a:srgbClr val="FFAD66"/>
+                </a:solidFill>
+                <a:effectLst/>
+                <a:latin typeface="Consolas" panose="020B0609020204030204" pitchFamily="49" charset="0"/>
+              </a:rPr>
+              <a:t>=&gt;</a:t>
+            </a:r>
+            <a:r>
+              <a:rPr lang="en-US" altLang="zh-CN" b="0" dirty="0">
+                <a:solidFill>
+                  <a:srgbClr val="CCCAC2"/>
+                </a:solidFill>
+                <a:effectLst/>
+                <a:latin typeface="Consolas" panose="020B0609020204030204" pitchFamily="49" charset="0"/>
+              </a:rPr>
+              <a:t> {console</a:t>
+            </a:r>
+            <a:r>
+              <a:rPr lang="en-US" altLang="zh-CN" b="0" dirty="0">
+                <a:solidFill>
+                  <a:srgbClr val="F29E74"/>
+                </a:solidFill>
+                <a:effectLst/>
+                <a:latin typeface="Consolas" panose="020B0609020204030204" pitchFamily="49" charset="0"/>
+              </a:rPr>
+              <a:t>.</a:t>
+            </a:r>
+            <a:r>
+              <a:rPr lang="en-US" altLang="zh-CN" b="0" dirty="0">
+                <a:solidFill>
+                  <a:srgbClr val="FFD173"/>
+                </a:solidFill>
+                <a:effectLst/>
+                <a:latin typeface="Consolas" panose="020B0609020204030204" pitchFamily="49" charset="0"/>
+              </a:rPr>
+              <a:t>log</a:t>
+            </a:r>
+            <a:r>
+              <a:rPr lang="en-US" altLang="zh-CN" b="0" dirty="0">
+                <a:solidFill>
+                  <a:srgbClr val="5B9BD5"/>
+                </a:solidFill>
+                <a:effectLst/>
+                <a:latin typeface="Consolas" panose="020B0609020204030204" pitchFamily="49" charset="0"/>
+              </a:rPr>
+              <a:t>('</a:t>
+            </a:r>
+            <a:r>
+              <a:rPr lang="zh-CN" altLang="en-US" b="0" dirty="0">
+                <a:solidFill>
+                  <a:srgbClr val="5B9BD5"/>
+                </a:solidFill>
+                <a:effectLst/>
+                <a:latin typeface="Consolas" panose="020B0609020204030204" pitchFamily="49" charset="0"/>
+              </a:rPr>
+              <a:t>副作用函数执行啦</a:t>
+            </a:r>
+            <a:r>
+              <a:rPr lang="en-US" altLang="zh-CN" b="0" dirty="0">
+                <a:solidFill>
+                  <a:srgbClr val="5B9BD5"/>
+                </a:solidFill>
+                <a:effectLst/>
+                <a:latin typeface="Consolas" panose="020B0609020204030204" pitchFamily="49" charset="0"/>
+              </a:rPr>
+              <a:t>')</a:t>
+            </a:r>
+          </a:p>
+          <a:p>
+            <a:r>
+              <a:rPr lang="en-US" altLang="zh-CN" b="0" dirty="0">
+                <a:solidFill>
+                  <a:srgbClr val="CCCAC2"/>
+                </a:solidFill>
+                <a:effectLst/>
+                <a:latin typeface="Consolas" panose="020B0609020204030204" pitchFamily="49" charset="0"/>
+              </a:rPr>
+              <a:t>    document</a:t>
+            </a:r>
+            <a:r>
+              <a:rPr lang="en-US" altLang="zh-CN" b="0" dirty="0">
+                <a:solidFill>
+                  <a:srgbClr val="F29E74"/>
+                </a:solidFill>
+                <a:effectLst/>
+                <a:latin typeface="Consolas" panose="020B0609020204030204" pitchFamily="49" charset="0"/>
+              </a:rPr>
+              <a:t>.</a:t>
+            </a:r>
+            <a:r>
+              <a:rPr lang="en-US" altLang="zh-CN" b="0" dirty="0">
+                <a:solidFill>
+                  <a:srgbClr val="CCCAC2"/>
+                </a:solidFill>
+                <a:effectLst/>
+                <a:latin typeface="Consolas" panose="020B0609020204030204" pitchFamily="49" charset="0"/>
+              </a:rPr>
+              <a:t>body</a:t>
+            </a:r>
+            <a:r>
+              <a:rPr lang="en-US" altLang="zh-CN" b="0" dirty="0">
+                <a:solidFill>
+                  <a:srgbClr val="F29E74"/>
+                </a:solidFill>
+                <a:effectLst/>
+                <a:latin typeface="Consolas" panose="020B0609020204030204" pitchFamily="49" charset="0"/>
+              </a:rPr>
+              <a:t>.</a:t>
+            </a:r>
+            <a:r>
+              <a:rPr lang="en-US" altLang="zh-CN" b="0" dirty="0">
+                <a:solidFill>
+                  <a:srgbClr val="CCCAC2"/>
+                </a:solidFill>
+                <a:effectLst/>
+                <a:latin typeface="Consolas" panose="020B0609020204030204" pitchFamily="49" charset="0"/>
+              </a:rPr>
+              <a:t>innerText </a:t>
+            </a:r>
+            <a:r>
+              <a:rPr lang="en-US" altLang="zh-CN" b="0" dirty="0">
+                <a:solidFill>
+                  <a:srgbClr val="F29E74"/>
+                </a:solidFill>
+                <a:effectLst/>
+                <a:latin typeface="Consolas" panose="020B0609020204030204" pitchFamily="49" charset="0"/>
+              </a:rPr>
+              <a:t>=</a:t>
+            </a:r>
+            <a:r>
+              <a:rPr lang="en-US" altLang="zh-CN" b="0" dirty="0">
+                <a:solidFill>
+                  <a:srgbClr val="CCCAC2"/>
+                </a:solidFill>
+                <a:effectLst/>
+                <a:latin typeface="Consolas" panose="020B0609020204030204" pitchFamily="49" charset="0"/>
+              </a:rPr>
+              <a:t> obj</a:t>
+            </a:r>
+            <a:r>
+              <a:rPr lang="en-US" altLang="zh-CN" b="0" dirty="0">
+                <a:solidFill>
+                  <a:srgbClr val="F29E74"/>
+                </a:solidFill>
+                <a:effectLst/>
+                <a:latin typeface="Consolas" panose="020B0609020204030204" pitchFamily="49" charset="0"/>
+              </a:rPr>
+              <a:t>.</a:t>
+            </a:r>
+            <a:r>
+              <a:rPr lang="en-US" altLang="zh-CN" b="0" dirty="0">
+                <a:solidFill>
+                  <a:srgbClr val="CCCAC2"/>
+                </a:solidFill>
+                <a:effectLst/>
+                <a:latin typeface="Consolas" panose="020B0609020204030204" pitchFamily="49" charset="0"/>
+              </a:rPr>
+              <a:t>age </a:t>
+            </a:r>
+            <a:r>
+              <a:rPr lang="en-US" altLang="zh-CN" b="0" dirty="0">
+                <a:solidFill>
+                  <a:srgbClr val="F29E74"/>
+                </a:solidFill>
+                <a:effectLst/>
+                <a:latin typeface="Consolas" panose="020B0609020204030204" pitchFamily="49" charset="0"/>
+              </a:rPr>
+              <a:t>&lt;</a:t>
+            </a:r>
+            <a:r>
+              <a:rPr lang="en-US" altLang="zh-CN" b="0" dirty="0">
+                <a:solidFill>
+                  <a:srgbClr val="CCCAC2"/>
+                </a:solidFill>
+                <a:effectLst/>
+                <a:latin typeface="Consolas" panose="020B0609020204030204" pitchFamily="49" charset="0"/>
+              </a:rPr>
+              <a:t> </a:t>
+            </a:r>
+            <a:r>
+              <a:rPr lang="en-US" altLang="zh-CN" b="0" dirty="0">
+                <a:solidFill>
+                  <a:srgbClr val="DFBFFF"/>
+                </a:solidFill>
+                <a:effectLst/>
+                <a:latin typeface="Consolas" panose="020B0609020204030204" pitchFamily="49" charset="0"/>
+              </a:rPr>
+              <a:t>35</a:t>
+            </a:r>
+            <a:r>
+              <a:rPr lang="en-US" altLang="zh-CN" b="0" dirty="0">
+                <a:solidFill>
+                  <a:srgbClr val="CCCAC2"/>
+                </a:solidFill>
+                <a:effectLst/>
+                <a:latin typeface="Consolas" panose="020B0609020204030204" pitchFamily="49" charset="0"/>
+              </a:rPr>
+              <a:t> </a:t>
+            </a:r>
+            <a:r>
+              <a:rPr lang="en-US" altLang="zh-CN" b="0" dirty="0">
+                <a:solidFill>
+                  <a:srgbClr val="F29E74"/>
+                </a:solidFill>
+                <a:effectLst/>
+                <a:latin typeface="Consolas" panose="020B0609020204030204" pitchFamily="49" charset="0"/>
+              </a:rPr>
+              <a:t>?</a:t>
+            </a:r>
+            <a:r>
+              <a:rPr lang="en-US" altLang="zh-CN" b="0" dirty="0">
+                <a:solidFill>
+                  <a:srgbClr val="CCCAC2"/>
+                </a:solidFill>
+                <a:effectLst/>
+                <a:latin typeface="Consolas" panose="020B0609020204030204" pitchFamily="49" charset="0"/>
+              </a:rPr>
+              <a:t> obj</a:t>
+            </a:r>
+            <a:r>
+              <a:rPr lang="en-US" altLang="zh-CN" b="0" dirty="0">
+                <a:solidFill>
+                  <a:srgbClr val="F29E74"/>
+                </a:solidFill>
+                <a:effectLst/>
+                <a:latin typeface="Consolas" panose="020B0609020204030204" pitchFamily="49" charset="0"/>
+              </a:rPr>
+              <a:t>.</a:t>
+            </a:r>
+            <a:r>
+              <a:rPr lang="en-US" altLang="zh-CN" b="0" dirty="0">
+                <a:solidFill>
+                  <a:srgbClr val="CCCAC2"/>
+                </a:solidFill>
+                <a:effectLst/>
+                <a:latin typeface="Consolas" panose="020B0609020204030204" pitchFamily="49" charset="0"/>
+              </a:rPr>
+              <a:t>name </a:t>
+            </a:r>
+            <a:r>
+              <a:rPr lang="en-US" altLang="zh-CN" b="0" dirty="0">
+                <a:solidFill>
+                  <a:srgbClr val="F29E74"/>
+                </a:solidFill>
+                <a:effectLst/>
+                <a:latin typeface="Consolas" panose="020B0609020204030204" pitchFamily="49" charset="0"/>
+              </a:rPr>
+              <a:t>:</a:t>
+            </a:r>
+            <a:r>
+              <a:rPr lang="en-US" altLang="zh-CN" b="0" dirty="0">
+                <a:solidFill>
+                  <a:srgbClr val="CCCAC2"/>
+                </a:solidFill>
+                <a:effectLst/>
+                <a:latin typeface="Consolas" panose="020B0609020204030204" pitchFamily="49" charset="0"/>
+              </a:rPr>
+              <a:t> </a:t>
+            </a:r>
+            <a:r>
+              <a:rPr lang="en-US" altLang="zh-CN" b="0" dirty="0">
+                <a:solidFill>
+                  <a:srgbClr val="5B9BD5"/>
+                </a:solidFill>
+                <a:effectLst/>
+                <a:latin typeface="Consolas" panose="020B0609020204030204" pitchFamily="49" charset="0"/>
+              </a:rPr>
+              <a:t>'</a:t>
+            </a:r>
+            <a:r>
+              <a:rPr lang="zh-CN" altLang="en-US" b="0" dirty="0">
+                <a:solidFill>
+                  <a:srgbClr val="5B9BD5"/>
+                </a:solidFill>
+                <a:effectLst/>
+                <a:latin typeface="Consolas" panose="020B0609020204030204" pitchFamily="49" charset="0"/>
+              </a:rPr>
+              <a:t>超龄了</a:t>
+            </a:r>
+            <a:r>
+              <a:rPr lang="en-US" altLang="zh-CN" b="0" dirty="0">
+                <a:solidFill>
+                  <a:srgbClr val="5B9BD5"/>
+                </a:solidFill>
+                <a:effectLst/>
+                <a:latin typeface="Consolas" panose="020B0609020204030204" pitchFamily="49" charset="0"/>
+              </a:rPr>
+              <a:t>'}</a:t>
+            </a:r>
+          </a:p>
+        </p:txBody>
+      </p:sp>
+      <p:sp>
+        <p:nvSpPr>
+          <p:cNvPr id="33" name="矩形: 圆角 32">
+            <a:extLst>
+              <a:ext uri="{FF2B5EF4-FFF2-40B4-BE49-F238E27FC236}">
+                <a16:creationId xmlns:a16="http://schemas.microsoft.com/office/drawing/2014/main" id="{C16AB1DD-0E2C-BC37-0450-1A81689232BB}"/>
+              </a:ext>
+            </a:extLst>
+          </p:cNvPr>
+          <p:cNvSpPr/>
+          <p:nvPr/>
+        </p:nvSpPr>
+        <p:spPr>
+          <a:xfrm>
+            <a:off x="1123196" y="76510"/>
+            <a:ext cx="1257044" cy="337794"/>
+          </a:xfrm>
+          <a:prstGeom prst="roundRect">
+            <a:avLst/>
+          </a:prstGeom>
+          <a:ln>
+            <a:noFill/>
+          </a:ln>
+        </p:spPr>
+        <p:style>
+          <a:lnRef idx="2">
+            <a:schemeClr val="accent1">
+              <a:shade val="50000"/>
+            </a:schemeClr>
+          </a:lnRef>
+          <a:fillRef idx="1">
+            <a:schemeClr val="accent1"/>
+          </a:fillRef>
+          <a:effectRef idx="0">
+            <a:schemeClr val="accent1"/>
+          </a:effectRef>
+          <a:fontRef idx="minor">
+            <a:schemeClr val="lt1"/>
+          </a:fontRef>
+        </p:style>
+        <p:txBody>
+          <a:bodyPr rtlCol="0" anchor="ctr"/>
+          <a:lstStyle/>
+          <a:p>
+            <a:pPr algn="ctr"/>
+            <a:r>
+              <a:rPr lang="en-US" altLang="zh-CN" dirty="0"/>
+              <a:t>WeakMap</a:t>
+            </a:r>
+            <a:endParaRPr lang="zh-CN" altLang="en-US" dirty="0"/>
+          </a:p>
+        </p:txBody>
+      </p:sp>
+      <p:sp>
+        <p:nvSpPr>
+          <p:cNvPr id="71" name="矩形 70">
+            <a:extLst>
+              <a:ext uri="{FF2B5EF4-FFF2-40B4-BE49-F238E27FC236}">
+                <a16:creationId xmlns:a16="http://schemas.microsoft.com/office/drawing/2014/main" id="{ADD1A147-E8EE-4B76-95E1-3E02BAE19BE9}"/>
+              </a:ext>
+            </a:extLst>
+          </p:cNvPr>
+          <p:cNvSpPr/>
+          <p:nvPr/>
+        </p:nvSpPr>
+        <p:spPr>
+          <a:xfrm>
+            <a:off x="3683000" y="1679576"/>
+            <a:ext cx="8237371" cy="4933018"/>
+          </a:xfrm>
+          <a:prstGeom prst="rect">
+            <a:avLst/>
+          </a:prstGeom>
+          <a:noFill/>
+          <a:ln w="19050">
+            <a:prstDash val="lgDash"/>
+          </a:ln>
+        </p:spPr>
+        <p:style>
+          <a:lnRef idx="2">
+            <a:schemeClr val="accent1">
+              <a:shade val="50000"/>
+            </a:schemeClr>
+          </a:lnRef>
+          <a:fillRef idx="1">
+            <a:schemeClr val="accent1"/>
+          </a:fillRef>
+          <a:effectRef idx="0">
+            <a:schemeClr val="accent1"/>
+          </a:effectRef>
+          <a:fontRef idx="minor">
+            <a:schemeClr val="lt1"/>
+          </a:fontRef>
+        </p:style>
+        <p:txBody>
+          <a:bodyPr rtlCol="0" anchor="ctr"/>
+          <a:lstStyle/>
+          <a:p>
+            <a:pPr algn="ctr"/>
+            <a:endParaRPr lang="zh-CN" altLang="en-US"/>
+          </a:p>
+        </p:txBody>
+      </p:sp>
+      <p:sp>
+        <p:nvSpPr>
+          <p:cNvPr id="46" name="矩形: 圆角 45">
+            <a:extLst>
+              <a:ext uri="{FF2B5EF4-FFF2-40B4-BE49-F238E27FC236}">
+                <a16:creationId xmlns:a16="http://schemas.microsoft.com/office/drawing/2014/main" id="{2501247E-6B70-DB15-50A1-783F06EC8744}"/>
+              </a:ext>
+            </a:extLst>
+          </p:cNvPr>
+          <p:cNvSpPr/>
+          <p:nvPr/>
+        </p:nvSpPr>
+        <p:spPr>
+          <a:xfrm>
+            <a:off x="3845168" y="1510678"/>
+            <a:ext cx="1257044" cy="337794"/>
+          </a:xfrm>
+          <a:prstGeom prst="roundRect">
+            <a:avLst/>
+          </a:prstGeom>
+          <a:ln>
+            <a:noFill/>
+          </a:ln>
+        </p:spPr>
+        <p:style>
+          <a:lnRef idx="2">
+            <a:schemeClr val="accent1">
+              <a:shade val="50000"/>
+            </a:schemeClr>
+          </a:lnRef>
+          <a:fillRef idx="1">
+            <a:schemeClr val="accent1"/>
+          </a:fillRef>
+          <a:effectRef idx="0">
+            <a:schemeClr val="accent1"/>
+          </a:effectRef>
+          <a:fontRef idx="minor">
+            <a:schemeClr val="lt1"/>
+          </a:fontRef>
+        </p:style>
+        <p:txBody>
+          <a:bodyPr rtlCol="0" anchor="ctr"/>
+          <a:lstStyle/>
+          <a:p>
+            <a:pPr algn="ctr"/>
+            <a:r>
+              <a:rPr lang="en-US" altLang="zh-CN" dirty="0"/>
+              <a:t>Map</a:t>
+            </a:r>
+            <a:endParaRPr lang="zh-CN" altLang="en-US" dirty="0"/>
+          </a:p>
+        </p:txBody>
+      </p:sp>
+      <p:sp>
+        <p:nvSpPr>
+          <p:cNvPr id="72" name="矩形 71">
+            <a:extLst>
+              <a:ext uri="{FF2B5EF4-FFF2-40B4-BE49-F238E27FC236}">
+                <a16:creationId xmlns:a16="http://schemas.microsoft.com/office/drawing/2014/main" id="{059E081A-F04F-F995-493B-8CC26A0EEB46}"/>
+              </a:ext>
+            </a:extLst>
+          </p:cNvPr>
+          <p:cNvSpPr/>
+          <p:nvPr/>
+        </p:nvSpPr>
+        <p:spPr>
+          <a:xfrm>
+            <a:off x="6069071" y="2404033"/>
+            <a:ext cx="5679889" cy="1586790"/>
+          </a:xfrm>
+          <a:prstGeom prst="rect">
+            <a:avLst/>
+          </a:prstGeom>
+          <a:noFill/>
+          <a:ln w="19050">
+            <a:prstDash val="lgDash"/>
+          </a:ln>
+        </p:spPr>
+        <p:style>
+          <a:lnRef idx="2">
+            <a:schemeClr val="accent1">
+              <a:shade val="50000"/>
+            </a:schemeClr>
+          </a:lnRef>
+          <a:fillRef idx="1">
+            <a:schemeClr val="accent1"/>
+          </a:fillRef>
+          <a:effectRef idx="0">
+            <a:schemeClr val="accent1"/>
+          </a:effectRef>
+          <a:fontRef idx="minor">
+            <a:schemeClr val="lt1"/>
+          </a:fontRef>
+        </p:style>
+        <p:txBody>
+          <a:bodyPr rtlCol="0" anchor="ctr"/>
+          <a:lstStyle/>
+          <a:p>
+            <a:pPr algn="ctr"/>
+            <a:endParaRPr lang="zh-CN" altLang="en-US"/>
+          </a:p>
+        </p:txBody>
+      </p:sp>
+      <p:sp>
+        <p:nvSpPr>
+          <p:cNvPr id="56" name="矩形: 圆角 55">
+            <a:extLst>
+              <a:ext uri="{FF2B5EF4-FFF2-40B4-BE49-F238E27FC236}">
+                <a16:creationId xmlns:a16="http://schemas.microsoft.com/office/drawing/2014/main" id="{6BB5F993-4500-2865-76D8-C8A54017D501}"/>
+              </a:ext>
+            </a:extLst>
+          </p:cNvPr>
+          <p:cNvSpPr/>
+          <p:nvPr/>
+        </p:nvSpPr>
+        <p:spPr>
+          <a:xfrm>
+            <a:off x="8280494" y="2235137"/>
+            <a:ext cx="1257044" cy="337794"/>
+          </a:xfrm>
+          <a:prstGeom prst="roundRect">
+            <a:avLst/>
+          </a:prstGeom>
+          <a:ln>
+            <a:noFill/>
+          </a:ln>
+        </p:spPr>
+        <p:style>
+          <a:lnRef idx="2">
+            <a:schemeClr val="accent1">
+              <a:shade val="50000"/>
+            </a:schemeClr>
+          </a:lnRef>
+          <a:fillRef idx="1">
+            <a:schemeClr val="accent1"/>
+          </a:fillRef>
+          <a:effectRef idx="0">
+            <a:schemeClr val="accent1"/>
+          </a:effectRef>
+          <a:fontRef idx="minor">
+            <a:schemeClr val="lt1"/>
+          </a:fontRef>
+        </p:style>
+        <p:txBody>
+          <a:bodyPr rtlCol="0" anchor="ctr"/>
+          <a:lstStyle/>
+          <a:p>
+            <a:pPr algn="ctr"/>
+            <a:r>
+              <a:rPr lang="en-US" altLang="zh-CN" dirty="0"/>
+              <a:t>Set</a:t>
+            </a:r>
+            <a:endParaRPr lang="zh-CN" altLang="en-US" dirty="0"/>
+          </a:p>
+        </p:txBody>
+      </p:sp>
+      <p:sp>
+        <p:nvSpPr>
+          <p:cNvPr id="73" name="矩形 72">
+            <a:extLst>
+              <a:ext uri="{FF2B5EF4-FFF2-40B4-BE49-F238E27FC236}">
+                <a16:creationId xmlns:a16="http://schemas.microsoft.com/office/drawing/2014/main" id="{CA86928F-EE84-AFF2-C6F6-842B9E091131}"/>
+              </a:ext>
+            </a:extLst>
+          </p:cNvPr>
+          <p:cNvSpPr/>
+          <p:nvPr/>
+        </p:nvSpPr>
+        <p:spPr>
+          <a:xfrm>
+            <a:off x="6069071" y="4659776"/>
+            <a:ext cx="5679889" cy="1586790"/>
+          </a:xfrm>
+          <a:prstGeom prst="rect">
+            <a:avLst/>
+          </a:prstGeom>
+          <a:noFill/>
+          <a:ln w="19050">
+            <a:prstDash val="lgDash"/>
+          </a:ln>
+        </p:spPr>
+        <p:style>
+          <a:lnRef idx="2">
+            <a:schemeClr val="accent1">
+              <a:shade val="50000"/>
+            </a:schemeClr>
+          </a:lnRef>
+          <a:fillRef idx="1">
+            <a:schemeClr val="accent1"/>
+          </a:fillRef>
+          <a:effectRef idx="0">
+            <a:schemeClr val="accent1"/>
+          </a:effectRef>
+          <a:fontRef idx="minor">
+            <a:schemeClr val="lt1"/>
+          </a:fontRef>
+        </p:style>
+        <p:txBody>
+          <a:bodyPr rtlCol="0" anchor="ctr"/>
+          <a:lstStyle/>
+          <a:p>
+            <a:pPr algn="ctr"/>
+            <a:endParaRPr lang="zh-CN" altLang="en-US"/>
+          </a:p>
+        </p:txBody>
+      </p:sp>
+      <p:sp>
+        <p:nvSpPr>
+          <p:cNvPr id="68" name="矩形: 圆角 67">
+            <a:extLst>
+              <a:ext uri="{FF2B5EF4-FFF2-40B4-BE49-F238E27FC236}">
+                <a16:creationId xmlns:a16="http://schemas.microsoft.com/office/drawing/2014/main" id="{25EF8471-B514-9F6F-7937-D7E938D4E7A8}"/>
+              </a:ext>
+            </a:extLst>
+          </p:cNvPr>
+          <p:cNvSpPr/>
+          <p:nvPr/>
+        </p:nvSpPr>
+        <p:spPr>
+          <a:xfrm>
+            <a:off x="8280494" y="4474603"/>
+            <a:ext cx="1257044" cy="337794"/>
+          </a:xfrm>
+          <a:prstGeom prst="roundRect">
+            <a:avLst/>
+          </a:prstGeom>
+          <a:ln>
+            <a:noFill/>
+          </a:ln>
+        </p:spPr>
+        <p:style>
+          <a:lnRef idx="2">
+            <a:schemeClr val="accent1">
+              <a:shade val="50000"/>
+            </a:schemeClr>
+          </a:lnRef>
+          <a:fillRef idx="1">
+            <a:schemeClr val="accent1"/>
+          </a:fillRef>
+          <a:effectRef idx="0">
+            <a:schemeClr val="accent1"/>
+          </a:effectRef>
+          <a:fontRef idx="minor">
+            <a:schemeClr val="lt1"/>
+          </a:fontRef>
+        </p:style>
+        <p:txBody>
+          <a:bodyPr rtlCol="0" anchor="ctr"/>
+          <a:lstStyle/>
+          <a:p>
+            <a:pPr algn="ctr"/>
+            <a:r>
+              <a:rPr lang="en-US" altLang="zh-CN" dirty="0"/>
+              <a:t>Set</a:t>
+            </a:r>
+            <a:endParaRPr lang="zh-CN" altLang="en-US" dirty="0"/>
+          </a:p>
+        </p:txBody>
+      </p:sp>
+    </p:spTree>
+    <p:extLst>
+      <p:ext uri="{BB962C8B-B14F-4D97-AF65-F5344CB8AC3E}">
+        <p14:creationId xmlns:p14="http://schemas.microsoft.com/office/powerpoint/2010/main" val="206767476"/>
       </p:ext>
     </p:extLst>
   </p:cSld>
